--- a/Commerce Product Recommendation with Spark ML-PPT - V2.pptx
+++ b/Commerce Product Recommendation with Spark ML-PPT - V2.pptx
@@ -6,20 +6,25 @@
   </p:sldMasterIdLst>
   <p:sldIdLst>
     <p:sldId id="256" r:id="rId2"/>
-    <p:sldId id="268" r:id="rId3"/>
-    <p:sldId id="269" r:id="rId4"/>
-    <p:sldId id="270" r:id="rId5"/>
-    <p:sldId id="257" r:id="rId6"/>
-    <p:sldId id="258" r:id="rId7"/>
-    <p:sldId id="259" r:id="rId8"/>
-    <p:sldId id="261" r:id="rId9"/>
-    <p:sldId id="260" r:id="rId10"/>
-    <p:sldId id="262" r:id="rId11"/>
-    <p:sldId id="263" r:id="rId12"/>
-    <p:sldId id="264" r:id="rId13"/>
-    <p:sldId id="265" r:id="rId14"/>
-    <p:sldId id="266" r:id="rId15"/>
-    <p:sldId id="267" r:id="rId16"/>
+    <p:sldId id="271" r:id="rId3"/>
+    <p:sldId id="273" r:id="rId4"/>
+    <p:sldId id="268" r:id="rId5"/>
+    <p:sldId id="269" r:id="rId6"/>
+    <p:sldId id="270" r:id="rId7"/>
+    <p:sldId id="272" r:id="rId8"/>
+    <p:sldId id="257" r:id="rId9"/>
+    <p:sldId id="258" r:id="rId10"/>
+    <p:sldId id="259" r:id="rId11"/>
+    <p:sldId id="261" r:id="rId12"/>
+    <p:sldId id="260" r:id="rId13"/>
+    <p:sldId id="262" r:id="rId14"/>
+    <p:sldId id="263" r:id="rId15"/>
+    <p:sldId id="264" r:id="rId16"/>
+    <p:sldId id="265" r:id="rId17"/>
+    <p:sldId id="266" r:id="rId18"/>
+    <p:sldId id="267" r:id="rId19"/>
+    <p:sldId id="274" r:id="rId20"/>
+    <p:sldId id="275" r:id="rId21"/>
   </p:sldIdLst>
   <p:sldSz cx="12192000" cy="6858000"/>
   <p:notesSz cx="6858000" cy="9144000"/>
@@ -25083,6 +25088,2489 @@
       </p:grpSpPr>
       <p:sp useBgFill="1">
         <p:nvSpPr>
+          <p:cNvPr id="8" name="Rectangle 7">
+            <a:extLst>
+              <a:ext uri="{FF2B5EF4-FFF2-40B4-BE49-F238E27FC236}">
+                <a16:creationId xmlns:a16="http://schemas.microsoft.com/office/drawing/2014/main" id="{44F95DE6-BC61-4DB8-97B8-E32959EA0E1D}"/>
+              </a:ext>
+              <a:ext uri="{C183D7F6-B498-43B3-948B-1728B52AA6E4}">
+                <adec:decorative xmlns:adec="http://schemas.microsoft.com/office/drawing/2017/decorative" val="1"/>
+              </a:ext>
+            </a:extLst>
+          </p:cNvPr>
+          <p:cNvSpPr>
+            <a:spLocks noGrp="1" noRot="1" noChangeAspect="1" noMove="1" noResize="1" noEditPoints="1" noAdjustHandles="1" noChangeArrowheads="1" noChangeShapeType="1" noTextEdit="1"/>
+          </p:cNvSpPr>
+          <p:nvPr>
+            <p:extLst>
+              <p:ext uri="{386F3935-93C4-4BCD-93E2-E3B085C9AB24}">
+                <p16:designElem xmlns:p16="http://schemas.microsoft.com/office/powerpoint/2015/main" val="1"/>
+              </p:ext>
+            </p:extLst>
+          </p:nvPr>
+        </p:nvSpPr>
+        <p:spPr>
+          <a:xfrm>
+            <a:off x="0" y="0"/>
+            <a:ext cx="12192000" cy="6858000"/>
+          </a:xfrm>
+          <a:prstGeom prst="rect">
+            <a:avLst/>
+          </a:prstGeom>
+          <a:ln>
+            <a:noFill/>
+          </a:ln>
+        </p:spPr>
+        <p:style>
+          <a:lnRef idx="2">
+            <a:schemeClr val="accent1">
+              <a:shade val="50000"/>
+            </a:schemeClr>
+          </a:lnRef>
+          <a:fillRef idx="1">
+            <a:schemeClr val="accent1"/>
+          </a:fillRef>
+          <a:effectRef idx="0">
+            <a:schemeClr val="accent1"/>
+          </a:effectRef>
+          <a:fontRef idx="minor">
+            <a:schemeClr val="lt1"/>
+          </a:fontRef>
+        </p:style>
+        <p:txBody>
+          <a:bodyPr rtlCol="0" anchor="ctr"/>
+          <a:lstStyle/>
+          <a:p>
+            <a:pPr algn="ctr"/>
+            <a:endParaRPr lang="en-US"/>
+          </a:p>
+        </p:txBody>
+      </p:sp>
+      <p:pic>
+        <p:nvPicPr>
+          <p:cNvPr id="10" name="Picture 9">
+            <a:extLst>
+              <a:ext uri="{FF2B5EF4-FFF2-40B4-BE49-F238E27FC236}">
+                <a16:creationId xmlns:a16="http://schemas.microsoft.com/office/drawing/2014/main" id="{48D9C176-456B-4F71-AB87-9D14B8B3D1C1}"/>
+              </a:ext>
+              <a:ext uri="{C183D7F6-B498-43B3-948B-1728B52AA6E4}">
+                <adec:decorative xmlns:adec="http://schemas.microsoft.com/office/drawing/2017/decorative" val="1"/>
+              </a:ext>
+            </a:extLst>
+          </p:cNvPr>
+          <p:cNvPicPr>
+            <a:picLocks noGrp="1" noRot="1" noChangeAspect="1" noMove="1" noResize="1" noEditPoints="1" noAdjustHandles="1" noChangeArrowheads="1" noChangeShapeType="1" noCrop="1"/>
+          </p:cNvPicPr>
+          <p:nvPr>
+            <p:extLst>
+              <p:ext uri="{386F3935-93C4-4BCD-93E2-E3B085C9AB24}">
+                <p16:designElem xmlns:p16="http://schemas.microsoft.com/office/powerpoint/2015/main" val="1"/>
+              </p:ext>
+            </p:extLst>
+          </p:nvPr>
+        </p:nvPicPr>
+        <p:blipFill rotWithShape="1">
+          <a:blip r:embed="rId2">
+            <a:extLst>
+              <a:ext uri="{28A0092B-C50C-407E-A947-70E740481C1C}">
+                <a14:useLocalDpi xmlns:a14="http://schemas.microsoft.com/office/drawing/2010/main" val="0"/>
+              </a:ext>
+            </a:extLst>
+          </a:blip>
+          <a:srcRect l="46466" t="75007" r="30510"/>
+          <a:stretch/>
+        </p:blipFill>
+        <p:spPr>
+          <a:xfrm>
+            <a:off x="0" y="138157"/>
+            <a:ext cx="1712063" cy="1045389"/>
+          </a:xfrm>
+          <a:custGeom>
+            <a:avLst/>
+            <a:gdLst>
+              <a:gd name="connsiteX0" fmla="*/ 2051608 w 4103216"/>
+              <a:gd name="connsiteY0" fmla="*/ 0 h 1714050"/>
+              <a:gd name="connsiteX1" fmla="*/ 4103216 w 4103216"/>
+              <a:gd name="connsiteY1" fmla="*/ 1266738 h 1714050"/>
+              <a:gd name="connsiteX2" fmla="*/ 4010980 w 4103216"/>
+              <a:gd name="connsiteY2" fmla="*/ 1643427 h 1714050"/>
+              <a:gd name="connsiteX3" fmla="*/ 3969116 w 4103216"/>
+              <a:gd name="connsiteY3" fmla="*/ 1714050 h 1714050"/>
+              <a:gd name="connsiteX4" fmla="*/ 134100 w 4103216"/>
+              <a:gd name="connsiteY4" fmla="*/ 1714050 h 1714050"/>
+              <a:gd name="connsiteX5" fmla="*/ 92237 w 4103216"/>
+              <a:gd name="connsiteY5" fmla="*/ 1643427 h 1714050"/>
+              <a:gd name="connsiteX6" fmla="*/ 0 w 4103216"/>
+              <a:gd name="connsiteY6" fmla="*/ 1266738 h 1714050"/>
+              <a:gd name="connsiteX7" fmla="*/ 2051608 w 4103216"/>
+              <a:gd name="connsiteY7" fmla="*/ 0 h 1714050"/>
+            </a:gdLst>
+            <a:ahLst/>
+            <a:cxnLst>
+              <a:cxn ang="0">
+                <a:pos x="connsiteX0" y="connsiteY0"/>
+              </a:cxn>
+              <a:cxn ang="0">
+                <a:pos x="connsiteX1" y="connsiteY1"/>
+              </a:cxn>
+              <a:cxn ang="0">
+                <a:pos x="connsiteX2" y="connsiteY2"/>
+              </a:cxn>
+              <a:cxn ang="0">
+                <a:pos x="connsiteX3" y="connsiteY3"/>
+              </a:cxn>
+              <a:cxn ang="0">
+                <a:pos x="connsiteX4" y="connsiteY4"/>
+              </a:cxn>
+              <a:cxn ang="0">
+                <a:pos x="connsiteX5" y="connsiteY5"/>
+              </a:cxn>
+              <a:cxn ang="0">
+                <a:pos x="connsiteX6" y="connsiteY6"/>
+              </a:cxn>
+              <a:cxn ang="0">
+                <a:pos x="connsiteX7" y="connsiteY7"/>
+              </a:cxn>
+            </a:cxnLst>
+            <a:rect l="l" t="t" r="r" b="b"/>
+            <a:pathLst>
+              <a:path w="4103216" h="1714050">
+                <a:moveTo>
+                  <a:pt x="2051608" y="0"/>
+                </a:moveTo>
+                <a:cubicBezTo>
+                  <a:pt x="3184680" y="0"/>
+                  <a:pt x="4103216" y="567138"/>
+                  <a:pt x="4103216" y="1266738"/>
+                </a:cubicBezTo>
+                <a:cubicBezTo>
+                  <a:pt x="4103216" y="1397913"/>
+                  <a:pt x="4070924" y="1524431"/>
+                  <a:pt x="4010980" y="1643427"/>
+                </a:cubicBezTo>
+                <a:lnTo>
+                  <a:pt x="3969116" y="1714050"/>
+                </a:lnTo>
+                <a:lnTo>
+                  <a:pt x="134100" y="1714050"/>
+                </a:lnTo>
+                <a:lnTo>
+                  <a:pt x="92237" y="1643427"/>
+                </a:lnTo>
+                <a:cubicBezTo>
+                  <a:pt x="32293" y="1524431"/>
+                  <a:pt x="0" y="1397913"/>
+                  <a:pt x="0" y="1266738"/>
+                </a:cubicBezTo>
+                <a:cubicBezTo>
+                  <a:pt x="0" y="567138"/>
+                  <a:pt x="918536" y="0"/>
+                  <a:pt x="2051608" y="0"/>
+                </a:cubicBezTo>
+                <a:close/>
+              </a:path>
+            </a:pathLst>
+          </a:custGeom>
+        </p:spPr>
+      </p:pic>
+      <p:sp>
+        <p:nvSpPr>
+          <p:cNvPr id="2" name="标题 1">
+            <a:extLst>
+              <a:ext uri="{FF2B5EF4-FFF2-40B4-BE49-F238E27FC236}">
+                <a16:creationId xmlns:a16="http://schemas.microsoft.com/office/drawing/2014/main" id="{93C91A0B-1612-EB4F-2A44-861A0E83E188}"/>
+              </a:ext>
+            </a:extLst>
+          </p:cNvPr>
+          <p:cNvSpPr>
+            <a:spLocks noGrp="1"/>
+          </p:cNvSpPr>
+          <p:nvPr>
+            <p:ph type="title"/>
+          </p:nvPr>
+        </p:nvSpPr>
+        <p:spPr>
+          <a:xfrm>
+            <a:off x="913775" y="618517"/>
+            <a:ext cx="7859564" cy="1596177"/>
+          </a:xfrm>
+        </p:spPr>
+        <p:txBody>
+          <a:bodyPr>
+            <a:normAutofit/>
+          </a:bodyPr>
+          <a:lstStyle/>
+          <a:p>
+            <a:r>
+              <a:rPr kumimoji="1" lang="en-US" altLang="zh-CN" sz="3700" b="1"/>
+              <a:t>ALS-</a:t>
+            </a:r>
+            <a:r>
+              <a:rPr lang="en" altLang="zh-CN" sz="3700" b="1"/>
+              <a:t>Collaborative filtering with </a:t>
+            </a:r>
+            <a:r>
+              <a:rPr kumimoji="1" lang="en-US" altLang="zh-CN" sz="3700" b="1"/>
+              <a:t>Alternating</a:t>
+            </a:r>
+            <a:r>
+              <a:rPr kumimoji="1" lang="zh-CN" altLang="en-US" sz="3700" b="1"/>
+              <a:t> </a:t>
+            </a:r>
+            <a:r>
+              <a:rPr kumimoji="1" lang="en-US" altLang="zh-CN" sz="3700" b="1"/>
+              <a:t>Least</a:t>
+            </a:r>
+            <a:r>
+              <a:rPr kumimoji="1" lang="zh-CN" altLang="en-US" sz="3700" b="1"/>
+              <a:t> </a:t>
+            </a:r>
+            <a:r>
+              <a:rPr kumimoji="1" lang="en-US" altLang="zh-CN" sz="3700" b="1"/>
+              <a:t>Squares</a:t>
+            </a:r>
+            <a:endParaRPr kumimoji="1" lang="zh-CN" altLang="en-US" sz="3700" b="1"/>
+          </a:p>
+        </p:txBody>
+      </p:sp>
+      <p:pic>
+        <p:nvPicPr>
+          <p:cNvPr id="12" name="Picture 11">
+            <a:extLst>
+              <a:ext uri="{FF2B5EF4-FFF2-40B4-BE49-F238E27FC236}">
+                <a16:creationId xmlns:a16="http://schemas.microsoft.com/office/drawing/2014/main" id="{CFF97C55-868F-4FDD-BD3C-D2F191796F43}"/>
+              </a:ext>
+              <a:ext uri="{C183D7F6-B498-43B3-948B-1728B52AA6E4}">
+                <adec:decorative xmlns:adec="http://schemas.microsoft.com/office/drawing/2017/decorative" val="1"/>
+              </a:ext>
+            </a:extLst>
+          </p:cNvPr>
+          <p:cNvPicPr>
+            <a:picLocks noGrp="1" noRot="1" noChangeAspect="1" noMove="1" noResize="1" noEditPoints="1" noAdjustHandles="1" noChangeArrowheads="1" noChangeShapeType="1" noCrop="1"/>
+          </p:cNvPicPr>
+          <p:nvPr>
+            <p:extLst>
+              <p:ext uri="{386F3935-93C4-4BCD-93E2-E3B085C9AB24}">
+                <p16:designElem xmlns:p16="http://schemas.microsoft.com/office/powerpoint/2015/main" val="1"/>
+              </p:ext>
+            </p:extLst>
+          </p:nvPr>
+        </p:nvPicPr>
+        <p:blipFill rotWithShape="1">
+          <a:blip r:embed="rId3">
+            <a:extLst>
+              <a:ext uri="{28A0092B-C50C-407E-A947-70E740481C1C}">
+                <a14:useLocalDpi xmlns:a14="http://schemas.microsoft.com/office/drawing/2010/main" val="0"/>
+              </a:ext>
+            </a:extLst>
+          </a:blip>
+          <a:srcRect l="55183" t="89413" r="18746"/>
+          <a:stretch/>
+        </p:blipFill>
+        <p:spPr>
+          <a:xfrm>
+            <a:off x="8404564" y="0"/>
+            <a:ext cx="2589690" cy="591546"/>
+          </a:xfrm>
+          <a:prstGeom prst="rect">
+            <a:avLst/>
+          </a:prstGeom>
+        </p:spPr>
+      </p:pic>
+      <p:pic>
+        <p:nvPicPr>
+          <p:cNvPr id="14" name="Picture 13">
+            <a:extLst>
+              <a:ext uri="{FF2B5EF4-FFF2-40B4-BE49-F238E27FC236}">
+                <a16:creationId xmlns:a16="http://schemas.microsoft.com/office/drawing/2014/main" id="{69722FB9-EA01-42A6-96B2-185F5CC120DF}"/>
+              </a:ext>
+              <a:ext uri="{C183D7F6-B498-43B3-948B-1728B52AA6E4}">
+                <adec:decorative xmlns:adec="http://schemas.microsoft.com/office/drawing/2017/decorative" val="1"/>
+              </a:ext>
+            </a:extLst>
+          </p:cNvPr>
+          <p:cNvPicPr>
+            <a:picLocks noGrp="1" noRot="1" noChangeAspect="1" noMove="1" noResize="1" noEditPoints="1" noAdjustHandles="1" noChangeArrowheads="1" noChangeShapeType="1" noCrop="1"/>
+          </p:cNvPicPr>
+          <p:nvPr>
+            <p:extLst>
+              <p:ext uri="{386F3935-93C4-4BCD-93E2-E3B085C9AB24}">
+                <p16:designElem xmlns:p16="http://schemas.microsoft.com/office/powerpoint/2015/main" val="1"/>
+              </p:ext>
+            </p:extLst>
+          </p:nvPr>
+        </p:nvPicPr>
+        <p:blipFill rotWithShape="1">
+          <a:blip r:embed="rId2">
+            <a:extLst>
+              <a:ext uri="{28A0092B-C50C-407E-A947-70E740481C1C}">
+                <a14:useLocalDpi xmlns:a14="http://schemas.microsoft.com/office/drawing/2010/main" val="0"/>
+              </a:ext>
+            </a:extLst>
+          </a:blip>
+          <a:srcRect l="73623" t="43915" r="1" b="10213"/>
+          <a:stretch/>
+        </p:blipFill>
+        <p:spPr>
+          <a:xfrm>
+            <a:off x="10471066" y="183232"/>
+            <a:ext cx="1720934" cy="1683522"/>
+          </a:xfrm>
+          <a:prstGeom prst="rect">
+            <a:avLst/>
+          </a:prstGeom>
+        </p:spPr>
+      </p:pic>
+      <mc:AlternateContent xmlns:mc="http://schemas.openxmlformats.org/markup-compatibility/2006" xmlns:a14="http://schemas.microsoft.com/office/drawing/2010/main">
+        <mc:Choice Requires="a14">
+          <p:sp>
+            <p:nvSpPr>
+              <p:cNvPr id="3" name="内容占位符 2">
+                <a:extLst>
+                  <a:ext uri="{FF2B5EF4-FFF2-40B4-BE49-F238E27FC236}">
+                    <a16:creationId xmlns:a16="http://schemas.microsoft.com/office/drawing/2014/main" id="{2A032161-8894-C639-CAF8-3CAD12081B21}"/>
+                  </a:ext>
+                </a:extLst>
+              </p:cNvPr>
+              <p:cNvSpPr>
+                <a:spLocks noGrp="1"/>
+              </p:cNvSpPr>
+              <p:nvPr>
+                <p:ph idx="1"/>
+              </p:nvPr>
+            </p:nvSpPr>
+            <p:spPr>
+              <a:xfrm>
+                <a:off x="913773" y="2367092"/>
+                <a:ext cx="7859565" cy="3424107"/>
+              </a:xfrm>
+            </p:spPr>
+            <p:txBody>
+              <a:bodyPr>
+                <a:normAutofit/>
+              </a:bodyPr>
+              <a:lstStyle/>
+              <a:p>
+                <a:pPr>
+                  <a:lnSpc>
+                    <a:spcPct val="110000"/>
+                  </a:lnSpc>
+                </a:pPr>
+                <a:r>
+                  <a:rPr kumimoji="1" lang="en-US" altLang="zh-CN" sz="900" b="1" dirty="0"/>
+                  <a:t>How</a:t>
+                </a:r>
+                <a:r>
+                  <a:rPr kumimoji="1" lang="zh-CN" altLang="en-US" sz="900" b="1" dirty="0"/>
+                  <a:t> </a:t>
+                </a:r>
+                <a:r>
+                  <a:rPr kumimoji="1" lang="en-US" altLang="zh-CN" sz="900" b="1" dirty="0"/>
+                  <a:t>it</a:t>
+                </a:r>
+                <a:r>
+                  <a:rPr kumimoji="1" lang="zh-CN" altLang="en-US" sz="900" b="1" dirty="0"/>
+                  <a:t> </a:t>
+                </a:r>
+                <a:r>
+                  <a:rPr kumimoji="1" lang="en-US" altLang="zh-CN" sz="900" b="1" dirty="0"/>
+                  <a:t>works?</a:t>
+                </a:r>
+              </a:p>
+              <a:p>
+                <a:pPr>
+                  <a:lnSpc>
+                    <a:spcPct val="110000"/>
+                  </a:lnSpc>
+                </a:pPr>
+                <a:endParaRPr kumimoji="1" lang="en-US" altLang="zh-CN" sz="900" b="1" dirty="0"/>
+              </a:p>
+              <a:p>
+                <a:pPr lvl="1">
+                  <a:lnSpc>
+                    <a:spcPct val="110000"/>
+                  </a:lnSpc>
+                </a:pPr>
+                <a:r>
+                  <a:rPr kumimoji="1" lang="en-US" altLang="zh-CN" sz="900" dirty="0"/>
+                  <a:t>Given</a:t>
+                </a:r>
+                <a:r>
+                  <a:rPr kumimoji="1" lang="zh-CN" altLang="en-US" sz="900" dirty="0"/>
+                  <a:t> </a:t>
+                </a:r>
+                <a:r>
+                  <a:rPr kumimoji="1" lang="en-US" altLang="zh-CN" sz="900" dirty="0"/>
+                  <a:t>a</a:t>
+                </a:r>
+                <a:r>
+                  <a:rPr kumimoji="1" lang="zh-CN" altLang="en-US" sz="900" dirty="0"/>
+                  <a:t> </a:t>
+                </a:r>
+                <a:r>
+                  <a:rPr kumimoji="1" lang="en-US" altLang="zh-CN" sz="900" dirty="0"/>
+                  <a:t>sparse</a:t>
+                </a:r>
+                <a:r>
+                  <a:rPr kumimoji="1" lang="zh-CN" altLang="en-US" sz="900" dirty="0"/>
+                  <a:t> </a:t>
+                </a:r>
+                <a:r>
+                  <a:rPr kumimoji="1" lang="en-US" altLang="zh-CN" sz="900" dirty="0"/>
+                  <a:t>user-item</a:t>
+                </a:r>
+                <a:r>
+                  <a:rPr kumimoji="1" lang="zh-CN" altLang="en-US" sz="900" dirty="0"/>
+                  <a:t> </a:t>
+                </a:r>
+                <a:r>
+                  <a:rPr kumimoji="1" lang="en-US" altLang="zh-CN" sz="900" dirty="0"/>
+                  <a:t>rating</a:t>
+                </a:r>
+                <a:r>
+                  <a:rPr kumimoji="1" lang="zh-CN" altLang="en-US" sz="900" dirty="0"/>
+                  <a:t> </a:t>
+                </a:r>
+                <a:r>
+                  <a:rPr kumimoji="1" lang="en-US" altLang="zh-CN" sz="900" dirty="0"/>
+                  <a:t>matrix</a:t>
+                </a:r>
+                <a:r>
+                  <a:rPr kumimoji="1" lang="zh-CN" altLang="en-US" sz="900" dirty="0"/>
+                  <a:t> </a:t>
+                </a:r>
+                <a:r>
+                  <a:rPr kumimoji="1" lang="en-US" altLang="zh-CN" sz="900" dirty="0"/>
+                  <a:t>R,</a:t>
+                </a:r>
+                <a:r>
+                  <a:rPr kumimoji="1" lang="zh-CN" altLang="en-US" sz="900" dirty="0"/>
+                  <a:t> </a:t>
+                </a:r>
+                <a:r>
+                  <a:rPr kumimoji="1" lang="en-US" altLang="zh-CN" sz="900" dirty="0"/>
+                  <a:t>ALS</a:t>
+                </a:r>
+                <a:r>
+                  <a:rPr kumimoji="1" lang="zh-CN" altLang="en-US" sz="900" dirty="0"/>
+                  <a:t> </a:t>
+                </a:r>
+                <a:r>
+                  <a:rPr kumimoji="1" lang="en-US" altLang="zh-CN" sz="900" dirty="0"/>
+                  <a:t>aims</a:t>
+                </a:r>
+                <a:r>
+                  <a:rPr kumimoji="1" lang="zh-CN" altLang="en-US" sz="900" dirty="0"/>
+                  <a:t> </a:t>
+                </a:r>
+                <a:r>
+                  <a:rPr kumimoji="1" lang="en-US" altLang="zh-CN" sz="900" dirty="0"/>
+                  <a:t>to</a:t>
+                </a:r>
+                <a:r>
+                  <a:rPr kumimoji="1" lang="zh-CN" altLang="en-US" sz="900" dirty="0"/>
+                  <a:t> </a:t>
+                </a:r>
+                <a:r>
+                  <a:rPr kumimoji="1" lang="en-US" altLang="zh-CN" sz="900" dirty="0"/>
+                  <a:t>approximate</a:t>
+                </a:r>
+                <a:r>
+                  <a:rPr kumimoji="1" lang="zh-CN" altLang="en-US" sz="900" dirty="0"/>
+                  <a:t> </a:t>
+                </a:r>
+                <a:r>
+                  <a:rPr kumimoji="1" lang="en-US" altLang="zh-CN" sz="900" dirty="0"/>
+                  <a:t>it</a:t>
+                </a:r>
+                <a:r>
+                  <a:rPr kumimoji="1" lang="zh-CN" altLang="en-US" sz="900" dirty="0"/>
+                  <a:t> </a:t>
+                </a:r>
+                <a:r>
+                  <a:rPr kumimoji="1" lang="en-US" altLang="zh-CN" sz="900" dirty="0"/>
+                  <a:t>as</a:t>
+                </a:r>
+                <a:r>
+                  <a:rPr kumimoji="1" lang="zh-CN" altLang="en-US" sz="900" dirty="0"/>
+                  <a:t> </a:t>
+                </a:r>
+                <a:r>
+                  <a:rPr kumimoji="1" lang="en-US" altLang="zh-CN" sz="900" dirty="0"/>
+                  <a:t>the</a:t>
+                </a:r>
+                <a:r>
+                  <a:rPr kumimoji="1" lang="zh-CN" altLang="en-US" sz="900" dirty="0"/>
+                  <a:t> </a:t>
+                </a:r>
+                <a:r>
+                  <a:rPr kumimoji="1" lang="en-US" altLang="zh-CN" sz="900" dirty="0"/>
+                  <a:t>product</a:t>
+                </a:r>
+                <a:r>
+                  <a:rPr kumimoji="1" lang="zh-CN" altLang="en-US" sz="900" dirty="0"/>
+                  <a:t> </a:t>
+                </a:r>
+                <a:r>
+                  <a:rPr kumimoji="1" lang="en-US" altLang="zh-CN" sz="900" dirty="0"/>
+                  <a:t>of</a:t>
+                </a:r>
+                <a:r>
+                  <a:rPr kumimoji="1" lang="zh-CN" altLang="en-US" sz="900" dirty="0"/>
+                  <a:t> </a:t>
+                </a:r>
+                <a:r>
+                  <a:rPr kumimoji="1" lang="en-US" altLang="zh-CN" sz="900" dirty="0"/>
+                  <a:t>two</a:t>
+                </a:r>
+                <a:r>
+                  <a:rPr kumimoji="1" lang="zh-CN" altLang="en-US" sz="900" dirty="0"/>
+                  <a:t> </a:t>
+                </a:r>
+                <a:r>
+                  <a:rPr kumimoji="1" lang="en-US" altLang="zh-CN" sz="900" dirty="0"/>
+                  <a:t>lower-dimensional</a:t>
+                </a:r>
+                <a:r>
+                  <a:rPr kumimoji="1" lang="zh-CN" altLang="en-US" sz="900" dirty="0"/>
+                  <a:t> </a:t>
+                </a:r>
+                <a:r>
+                  <a:rPr kumimoji="1" lang="en-US" altLang="zh-CN" sz="900" dirty="0"/>
+                  <a:t>matrices:</a:t>
+                </a:r>
+              </a:p>
+              <a:p>
+                <a:pPr lvl="1">
+                  <a:lnSpc>
+                    <a:spcPct val="110000"/>
+                  </a:lnSpc>
+                </a:pPr>
+                <a:endParaRPr kumimoji="1" lang="en-US" altLang="zh-CN" sz="900" dirty="0"/>
+              </a:p>
+              <a:p>
+                <a:pPr marL="3200400" lvl="7" indent="0">
+                  <a:lnSpc>
+                    <a:spcPct val="110000"/>
+                  </a:lnSpc>
+                  <a:buNone/>
+                </a:pPr>
+                <a:r>
+                  <a:rPr kumimoji="1" lang="en-US" altLang="zh-CN" sz="900" dirty="0"/>
+                  <a:t>	</a:t>
+                </a:r>
+                <a14:m>
+                  <m:oMath xmlns:m="http://schemas.openxmlformats.org/officeDocument/2006/math">
+                    <m:sSub>
+                      <m:sSubPr>
+                        <m:ctrlPr>
+                          <a:rPr kumimoji="1" lang="en-US" altLang="zh-CN" sz="900" i="1">
+                            <a:latin typeface="Cambria Math" panose="02040503050406030204" pitchFamily="18" charset="0"/>
+                          </a:rPr>
+                        </m:ctrlPr>
+                      </m:sSubPr>
+                      <m:e>
+                        <m:r>
+                          <m:rPr>
+                            <m:sty m:val="p"/>
+                          </m:rPr>
+                          <a:rPr kumimoji="1" lang="en-US" altLang="zh-CN" sz="900" i="1">
+                            <a:latin typeface="Cambria Math" panose="02040503050406030204" pitchFamily="18" charset="0"/>
+                          </a:rPr>
+                          <m:t>R</m:t>
+                        </m:r>
+                      </m:e>
+                      <m:sub>
+                        <m:r>
+                          <m:rPr>
+                            <m:sty m:val="p"/>
+                          </m:rPr>
+                          <a:rPr kumimoji="1" lang="en-US" altLang="zh-CN" sz="900" i="1">
+                            <a:latin typeface="Cambria Math" panose="02040503050406030204" pitchFamily="18" charset="0"/>
+                          </a:rPr>
+                          <m:t>m</m:t>
+                        </m:r>
+                        <m:r>
+                          <a:rPr kumimoji="1" lang="en-US" altLang="zh-CN" sz="900" i="1">
+                            <a:latin typeface="Cambria Math" panose="02040503050406030204" pitchFamily="18" charset="0"/>
+                            <a:ea typeface="Cambria Math" panose="02040503050406030204" pitchFamily="18" charset="0"/>
+                          </a:rPr>
+                          <m:t>×</m:t>
+                        </m:r>
+                        <m:r>
+                          <a:rPr kumimoji="1" lang="en-US" altLang="zh-CN" sz="900" b="0" i="1">
+                            <a:latin typeface="Cambria Math" panose="02040503050406030204" pitchFamily="18" charset="0"/>
+                            <a:ea typeface="Cambria Math" panose="02040503050406030204" pitchFamily="18" charset="0"/>
+                          </a:rPr>
+                          <m:t>𝑛</m:t>
+                        </m:r>
+                      </m:sub>
+                    </m:sSub>
+                    <m:r>
+                      <a:rPr kumimoji="1" lang="en-US" altLang="zh-CN" sz="900" i="1">
+                        <a:latin typeface="Cambria Math" panose="02040503050406030204" pitchFamily="18" charset="0"/>
+                        <a:ea typeface="Cambria Math" panose="02040503050406030204" pitchFamily="18" charset="0"/>
+                      </a:rPr>
+                      <m:t>≈</m:t>
+                    </m:r>
+                    <m:sSub>
+                      <m:sSubPr>
+                        <m:ctrlPr>
+                          <a:rPr kumimoji="1" lang="en-US" altLang="zh-CN" sz="900" i="1">
+                            <a:latin typeface="Cambria Math" panose="02040503050406030204" pitchFamily="18" charset="0"/>
+                            <a:ea typeface="Cambria Math" panose="02040503050406030204" pitchFamily="18" charset="0"/>
+                          </a:rPr>
+                        </m:ctrlPr>
+                      </m:sSubPr>
+                      <m:e>
+                        <m:r>
+                          <a:rPr kumimoji="1" lang="en-US" altLang="zh-CN" sz="900" b="0" i="1">
+                            <a:latin typeface="Cambria Math" panose="02040503050406030204" pitchFamily="18" charset="0"/>
+                            <a:ea typeface="Cambria Math" panose="02040503050406030204" pitchFamily="18" charset="0"/>
+                          </a:rPr>
+                          <m:t>𝑈</m:t>
+                        </m:r>
+                      </m:e>
+                      <m:sub>
+                        <m:r>
+                          <a:rPr kumimoji="1" lang="en-US" altLang="zh-CN" sz="900" b="0" i="1">
+                            <a:latin typeface="Cambria Math" panose="02040503050406030204" pitchFamily="18" charset="0"/>
+                            <a:ea typeface="Cambria Math" panose="02040503050406030204" pitchFamily="18" charset="0"/>
+                          </a:rPr>
+                          <m:t>𝑚</m:t>
+                        </m:r>
+                        <m:r>
+                          <a:rPr kumimoji="1" lang="en-US" altLang="zh-CN" sz="900" b="0" i="1">
+                            <a:latin typeface="Cambria Math" panose="02040503050406030204" pitchFamily="18" charset="0"/>
+                            <a:ea typeface="Cambria Math" panose="02040503050406030204" pitchFamily="18" charset="0"/>
+                          </a:rPr>
+                          <m:t>×</m:t>
+                        </m:r>
+                        <m:r>
+                          <a:rPr kumimoji="1" lang="en-US" altLang="zh-CN" sz="900" b="0" i="1">
+                            <a:latin typeface="Cambria Math" panose="02040503050406030204" pitchFamily="18" charset="0"/>
+                            <a:ea typeface="Cambria Math" panose="02040503050406030204" pitchFamily="18" charset="0"/>
+                          </a:rPr>
+                          <m:t>𝑘</m:t>
+                        </m:r>
+                      </m:sub>
+                    </m:sSub>
+                    <m:r>
+                      <a:rPr kumimoji="1" lang="zh-CN" altLang="en-US" sz="900" b="0" i="1">
+                        <a:latin typeface="Cambria Math" panose="02040503050406030204" pitchFamily="18" charset="0"/>
+                        <a:ea typeface="Cambria Math" panose="02040503050406030204" pitchFamily="18" charset="0"/>
+                      </a:rPr>
+                      <m:t> </m:t>
+                    </m:r>
+                    <m:r>
+                      <a:rPr kumimoji="1" lang="en-US" altLang="zh-CN" sz="900" b="0" i="1">
+                        <a:latin typeface="Cambria Math" panose="02040503050406030204" pitchFamily="18" charset="0"/>
+                        <a:ea typeface="Cambria Math" panose="02040503050406030204" pitchFamily="18" charset="0"/>
+                      </a:rPr>
+                      <m:t>×</m:t>
+                    </m:r>
+                    <m:r>
+                      <a:rPr kumimoji="1" lang="zh-CN" altLang="en-US" sz="900" b="0" i="1">
+                        <a:latin typeface="Cambria Math" panose="02040503050406030204" pitchFamily="18" charset="0"/>
+                        <a:ea typeface="Cambria Math" panose="02040503050406030204" pitchFamily="18" charset="0"/>
+                      </a:rPr>
+                      <m:t> </m:t>
+                    </m:r>
+                    <m:sSub>
+                      <m:sSubPr>
+                        <m:ctrlPr>
+                          <a:rPr kumimoji="1" lang="en-US" altLang="zh-CN" sz="900" b="0" i="1">
+                            <a:latin typeface="Cambria Math" panose="02040503050406030204" pitchFamily="18" charset="0"/>
+                            <a:ea typeface="Cambria Math" panose="02040503050406030204" pitchFamily="18" charset="0"/>
+                          </a:rPr>
+                        </m:ctrlPr>
+                      </m:sSubPr>
+                      <m:e>
+                        <m:r>
+                          <m:rPr>
+                            <m:sty m:val="p"/>
+                          </m:rPr>
+                          <a:rPr kumimoji="1" lang="en-US" altLang="zh-CN" sz="900" i="1">
+                            <a:latin typeface="Cambria Math" panose="02040503050406030204" pitchFamily="18" charset="0"/>
+                            <a:ea typeface="Cambria Math" panose="02040503050406030204" pitchFamily="18" charset="0"/>
+                          </a:rPr>
+                          <m:t>P</m:t>
+                        </m:r>
+                      </m:e>
+                      <m:sub>
+                        <m:r>
+                          <a:rPr kumimoji="1" lang="en-US" altLang="zh-CN" sz="900" b="0" i="1">
+                            <a:latin typeface="Cambria Math" panose="02040503050406030204" pitchFamily="18" charset="0"/>
+                            <a:ea typeface="Cambria Math" panose="02040503050406030204" pitchFamily="18" charset="0"/>
+                          </a:rPr>
+                          <m:t>𝑘</m:t>
+                        </m:r>
+                        <m:r>
+                          <a:rPr kumimoji="1" lang="en-US" altLang="zh-CN" sz="900" b="0" i="1">
+                            <a:latin typeface="Cambria Math" panose="02040503050406030204" pitchFamily="18" charset="0"/>
+                            <a:ea typeface="Cambria Math" panose="02040503050406030204" pitchFamily="18" charset="0"/>
+                          </a:rPr>
+                          <m:t>×</m:t>
+                        </m:r>
+                        <m:r>
+                          <a:rPr kumimoji="1" lang="en-US" altLang="zh-CN" sz="900" b="0" i="1">
+                            <a:latin typeface="Cambria Math" panose="02040503050406030204" pitchFamily="18" charset="0"/>
+                            <a:ea typeface="Cambria Math" panose="02040503050406030204" pitchFamily="18" charset="0"/>
+                          </a:rPr>
+                          <m:t>𝑛</m:t>
+                        </m:r>
+                      </m:sub>
+                    </m:sSub>
+                  </m:oMath>
+                </a14:m>
+                <a:endParaRPr kumimoji="1" lang="en-US" altLang="zh-CN" sz="900" b="0" dirty="0">
+                  <a:ea typeface="Cambria Math" panose="02040503050406030204" pitchFamily="18" charset="0"/>
+                </a:endParaRPr>
+              </a:p>
+              <a:p>
+                <a:pPr marL="457200" lvl="1" indent="0">
+                  <a:lnSpc>
+                    <a:spcPct val="110000"/>
+                  </a:lnSpc>
+                  <a:buNone/>
+                </a:pPr>
+                <a:endParaRPr kumimoji="1" lang="en-US" altLang="zh-CN" sz="900" dirty="0"/>
+              </a:p>
+              <a:p>
+                <a:pPr lvl="1">
+                  <a:lnSpc>
+                    <a:spcPct val="110000"/>
+                  </a:lnSpc>
+                </a:pPr>
+                <a:r>
+                  <a:rPr kumimoji="1" lang="en-US" altLang="zh-CN" sz="900" dirty="0"/>
+                  <a:t>Where</a:t>
+                </a:r>
+              </a:p>
+              <a:p>
+                <a:pPr lvl="2">
+                  <a:lnSpc>
+                    <a:spcPct val="110000"/>
+                  </a:lnSpc>
+                </a:pPr>
+                <a:r>
+                  <a:rPr kumimoji="1" lang="en-US" altLang="zh-CN" sz="900" dirty="0"/>
+                  <a:t>R:</a:t>
+                </a:r>
+                <a:r>
+                  <a:rPr kumimoji="1" lang="zh-CN" altLang="en-US" sz="900" dirty="0"/>
+                  <a:t> </a:t>
+                </a:r>
+                <a:r>
+                  <a:rPr kumimoji="1" lang="en-US" altLang="zh-CN" sz="900" dirty="0"/>
+                  <a:t>The</a:t>
+                </a:r>
+                <a:r>
+                  <a:rPr kumimoji="1" lang="zh-CN" altLang="en-US" sz="900" dirty="0"/>
+                  <a:t> </a:t>
+                </a:r>
+                <a:r>
+                  <a:rPr kumimoji="1" lang="en-US" altLang="zh-CN" sz="900" dirty="0"/>
+                  <a:t>original</a:t>
+                </a:r>
+                <a:r>
+                  <a:rPr kumimoji="1" lang="zh-CN" altLang="en-US" sz="900" dirty="0"/>
+                  <a:t> </a:t>
+                </a:r>
+                <a:r>
+                  <a:rPr kumimoji="1" lang="en-US" altLang="zh-CN" sz="900" dirty="0"/>
+                  <a:t>rating</a:t>
+                </a:r>
+                <a:r>
+                  <a:rPr kumimoji="1" lang="zh-CN" altLang="en-US" sz="900" dirty="0"/>
+                  <a:t> </a:t>
+                </a:r>
+                <a:r>
+                  <a:rPr kumimoji="1" lang="en-US" altLang="zh-CN" sz="900" dirty="0"/>
+                  <a:t>matrix,</a:t>
+                </a:r>
+                <a:r>
+                  <a:rPr kumimoji="1" lang="zh-CN" altLang="en-US" sz="900" dirty="0"/>
+                  <a:t> </a:t>
+                </a:r>
+                <a:r>
+                  <a:rPr kumimoji="1" lang="en-US" altLang="zh-CN" sz="900" dirty="0"/>
+                  <a:t>m</a:t>
+                </a:r>
+                <a:r>
+                  <a:rPr kumimoji="1" lang="zh-CN" altLang="en-US" sz="900" dirty="0"/>
+                  <a:t> </a:t>
+                </a:r>
+                <a:r>
+                  <a:rPr kumimoji="1" lang="en-US" altLang="zh-CN" sz="900" dirty="0"/>
+                  <a:t>is</a:t>
+                </a:r>
+                <a:r>
+                  <a:rPr kumimoji="1" lang="zh-CN" altLang="en-US" sz="900" dirty="0"/>
+                  <a:t> </a:t>
+                </a:r>
+                <a:r>
+                  <a:rPr kumimoji="1" lang="en-US" altLang="zh-CN" sz="900" dirty="0"/>
+                  <a:t>the</a:t>
+                </a:r>
+                <a:r>
+                  <a:rPr kumimoji="1" lang="zh-CN" altLang="en-US" sz="900" dirty="0"/>
+                  <a:t> </a:t>
+                </a:r>
+                <a:r>
+                  <a:rPr kumimoji="1" lang="en-US" altLang="zh-CN" sz="900" dirty="0"/>
+                  <a:t>number</a:t>
+                </a:r>
+                <a:r>
+                  <a:rPr kumimoji="1" lang="zh-CN" altLang="en-US" sz="900" dirty="0"/>
+                  <a:t> </a:t>
+                </a:r>
+                <a:r>
+                  <a:rPr kumimoji="1" lang="en-US" altLang="zh-CN" sz="900" dirty="0"/>
+                  <a:t>of</a:t>
+                </a:r>
+                <a:r>
+                  <a:rPr kumimoji="1" lang="zh-CN" altLang="en-US" sz="900" dirty="0"/>
+                  <a:t> </a:t>
+                </a:r>
+                <a:r>
+                  <a:rPr kumimoji="1" lang="en-US" altLang="zh-CN" sz="900" dirty="0"/>
+                  <a:t>users</a:t>
+                </a:r>
+                <a:r>
+                  <a:rPr kumimoji="1" lang="zh-CN" altLang="en-US" sz="900" dirty="0"/>
+                  <a:t> </a:t>
+                </a:r>
+                <a:r>
+                  <a:rPr kumimoji="1" lang="en-US" altLang="zh-CN" sz="900" dirty="0"/>
+                  <a:t>and</a:t>
+                </a:r>
+                <a:r>
+                  <a:rPr kumimoji="1" lang="zh-CN" altLang="en-US" sz="900" dirty="0"/>
+                  <a:t> </a:t>
+                </a:r>
+                <a:r>
+                  <a:rPr kumimoji="1" lang="en-US" altLang="zh-CN" sz="900" dirty="0"/>
+                  <a:t>n</a:t>
+                </a:r>
+                <a:r>
+                  <a:rPr kumimoji="1" lang="zh-CN" altLang="en-US" sz="900" dirty="0"/>
+                  <a:t> </a:t>
+                </a:r>
+                <a:r>
+                  <a:rPr kumimoji="1" lang="en-US" altLang="zh-CN" sz="900" dirty="0"/>
+                  <a:t>is</a:t>
+                </a:r>
+                <a:r>
+                  <a:rPr kumimoji="1" lang="zh-CN" altLang="en-US" sz="900" dirty="0"/>
+                  <a:t> </a:t>
+                </a:r>
+                <a:r>
+                  <a:rPr kumimoji="1" lang="en-US" altLang="zh-CN" sz="900" dirty="0"/>
+                  <a:t>the</a:t>
+                </a:r>
+                <a:r>
+                  <a:rPr kumimoji="1" lang="zh-CN" altLang="en-US" sz="900" dirty="0"/>
+                  <a:t> </a:t>
+                </a:r>
+                <a:r>
+                  <a:rPr kumimoji="1" lang="en-US" altLang="zh-CN" sz="900" dirty="0"/>
+                  <a:t>number</a:t>
+                </a:r>
+                <a:r>
+                  <a:rPr kumimoji="1" lang="zh-CN" altLang="en-US" sz="900" dirty="0"/>
+                  <a:t> </a:t>
+                </a:r>
+                <a:r>
+                  <a:rPr kumimoji="1" lang="en-US" altLang="zh-CN" sz="900" dirty="0"/>
+                  <a:t>of</a:t>
+                </a:r>
+                <a:r>
+                  <a:rPr kumimoji="1" lang="zh-CN" altLang="en-US" sz="900" dirty="0"/>
+                  <a:t> </a:t>
+                </a:r>
+                <a:r>
+                  <a:rPr kumimoji="1" lang="en-US" altLang="zh-CN" sz="900" dirty="0"/>
+                  <a:t>items.</a:t>
+                </a:r>
+              </a:p>
+              <a:p>
+                <a:pPr lvl="2">
+                  <a:lnSpc>
+                    <a:spcPct val="110000"/>
+                  </a:lnSpc>
+                </a:pPr>
+                <a:r>
+                  <a:rPr kumimoji="1" lang="en-US" altLang="zh-CN" sz="900" dirty="0"/>
+                  <a:t>U:</a:t>
+                </a:r>
+                <a:r>
+                  <a:rPr kumimoji="1" lang="zh-CN" altLang="en-US" sz="900" dirty="0"/>
+                  <a:t> </a:t>
+                </a:r>
+                <a:r>
+                  <a:rPr kumimoji="1" lang="en-US" altLang="zh-CN" sz="900" dirty="0"/>
+                  <a:t>User</a:t>
+                </a:r>
+                <a:r>
+                  <a:rPr kumimoji="1" lang="zh-CN" altLang="en-US" sz="900" dirty="0"/>
+                  <a:t> </a:t>
+                </a:r>
+                <a:r>
+                  <a:rPr kumimoji="1" lang="en-US" altLang="zh-CN" sz="900" dirty="0"/>
+                  <a:t>latent</a:t>
+                </a:r>
+                <a:r>
+                  <a:rPr kumimoji="1" lang="zh-CN" altLang="en-US" sz="900" dirty="0"/>
+                  <a:t> </a:t>
+                </a:r>
+                <a:r>
+                  <a:rPr kumimoji="1" lang="en-US" altLang="zh-CN" sz="900" dirty="0"/>
+                  <a:t>feature</a:t>
+                </a:r>
+                <a:r>
+                  <a:rPr kumimoji="1" lang="zh-CN" altLang="en-US" sz="900" dirty="0"/>
+                  <a:t> </a:t>
+                </a:r>
+                <a:r>
+                  <a:rPr kumimoji="1" lang="en-US" altLang="zh-CN" sz="900" dirty="0"/>
+                  <a:t>matrix</a:t>
+                </a:r>
+              </a:p>
+              <a:p>
+                <a:pPr lvl="2">
+                  <a:lnSpc>
+                    <a:spcPct val="110000"/>
+                  </a:lnSpc>
+                </a:pPr>
+                <a:r>
+                  <a:rPr kumimoji="1" lang="en-US" altLang="zh-CN" sz="900" dirty="0"/>
+                  <a:t>P:</a:t>
+                </a:r>
+                <a:r>
+                  <a:rPr kumimoji="1" lang="zh-CN" altLang="en-US" sz="900" dirty="0"/>
+                  <a:t> </a:t>
+                </a:r>
+                <a:r>
+                  <a:rPr kumimoji="1" lang="en-US" altLang="zh-CN" sz="900" dirty="0"/>
+                  <a:t>Product</a:t>
+                </a:r>
+                <a:r>
+                  <a:rPr kumimoji="1" lang="zh-CN" altLang="en-US" sz="900" dirty="0"/>
+                  <a:t> </a:t>
+                </a:r>
+                <a:r>
+                  <a:rPr kumimoji="1" lang="en-US" altLang="zh-CN" sz="900" dirty="0"/>
+                  <a:t>latent</a:t>
+                </a:r>
+                <a:r>
+                  <a:rPr kumimoji="1" lang="zh-CN" altLang="en-US" sz="900" dirty="0"/>
+                  <a:t> </a:t>
+                </a:r>
+                <a:r>
+                  <a:rPr kumimoji="1" lang="en-US" altLang="zh-CN" sz="900" dirty="0"/>
+                  <a:t>feature</a:t>
+                </a:r>
+                <a:r>
+                  <a:rPr kumimoji="1" lang="zh-CN" altLang="en-US" sz="900" dirty="0"/>
+                  <a:t> </a:t>
+                </a:r>
+                <a:r>
+                  <a:rPr kumimoji="1" lang="en-US" altLang="zh-CN" sz="900" dirty="0"/>
+                  <a:t>matrix</a:t>
+                </a:r>
+              </a:p>
+              <a:p>
+                <a:pPr lvl="2">
+                  <a:lnSpc>
+                    <a:spcPct val="110000"/>
+                  </a:lnSpc>
+                </a:pPr>
+                <a:endParaRPr kumimoji="1" lang="en-US" altLang="zh-CN" sz="900" dirty="0"/>
+              </a:p>
+              <a:p>
+                <a:pPr lvl="1">
+                  <a:lnSpc>
+                    <a:spcPct val="110000"/>
+                  </a:lnSpc>
+                </a:pPr>
+                <a:r>
+                  <a:rPr kumimoji="1" lang="en-US" altLang="zh-CN" sz="900" dirty="0"/>
+                  <a:t>ALS</a:t>
+                </a:r>
+                <a:r>
+                  <a:rPr kumimoji="1" lang="zh-CN" altLang="en-US" sz="900" dirty="0"/>
+                  <a:t> </a:t>
+                </a:r>
+                <a:r>
+                  <a:rPr kumimoji="1" lang="en-US" altLang="zh-CN" sz="900" dirty="0"/>
+                  <a:t>optimizes</a:t>
+                </a:r>
+                <a:r>
+                  <a:rPr kumimoji="1" lang="zh-CN" altLang="en-US" sz="900" dirty="0"/>
+                  <a:t> </a:t>
+                </a:r>
+                <a:r>
+                  <a:rPr kumimoji="1" lang="en-US" altLang="zh-CN" sz="900" dirty="0"/>
+                  <a:t>these</a:t>
+                </a:r>
+                <a:r>
+                  <a:rPr kumimoji="1" lang="zh-CN" altLang="en-US" sz="900" dirty="0"/>
+                  <a:t> </a:t>
+                </a:r>
+                <a:r>
+                  <a:rPr kumimoji="1" lang="en-US" altLang="zh-CN" sz="900" dirty="0" err="1"/>
+                  <a:t>matrics</a:t>
+                </a:r>
+                <a:r>
+                  <a:rPr kumimoji="1" lang="zh-CN" altLang="en-US" sz="900" dirty="0"/>
+                  <a:t> </a:t>
+                </a:r>
+                <a:r>
+                  <a:rPr kumimoji="1" lang="en-US" altLang="zh-CN" sz="900" dirty="0"/>
+                  <a:t>iteratively:</a:t>
+                </a:r>
+              </a:p>
+              <a:p>
+                <a:pPr lvl="2">
+                  <a:lnSpc>
+                    <a:spcPct val="110000"/>
+                  </a:lnSpc>
+                </a:pPr>
+                <a:r>
+                  <a:rPr kumimoji="1" lang="en-US" altLang="zh-CN" sz="900" dirty="0"/>
+                  <a:t>Fix</a:t>
+                </a:r>
+                <a:r>
+                  <a:rPr kumimoji="1" lang="zh-CN" altLang="en-US" sz="900" dirty="0"/>
+                  <a:t> </a:t>
+                </a:r>
+                <a:r>
+                  <a:rPr kumimoji="1" lang="en-US" altLang="zh-CN" sz="900" dirty="0"/>
+                  <a:t>P,</a:t>
+                </a:r>
+                <a:r>
+                  <a:rPr kumimoji="1" lang="zh-CN" altLang="en-US" sz="900" dirty="0"/>
+                  <a:t> </a:t>
+                </a:r>
+                <a:r>
+                  <a:rPr kumimoji="1" lang="en-US" altLang="zh-CN" sz="900" dirty="0"/>
+                  <a:t>solve</a:t>
+                </a:r>
+                <a:r>
+                  <a:rPr kumimoji="1" lang="zh-CN" altLang="en-US" sz="900" dirty="0"/>
+                  <a:t> </a:t>
+                </a:r>
+                <a:r>
+                  <a:rPr kumimoji="1" lang="en-US" altLang="zh-CN" sz="900" dirty="0"/>
+                  <a:t>for</a:t>
+                </a:r>
+                <a:r>
+                  <a:rPr kumimoji="1" lang="zh-CN" altLang="en-US" sz="900" dirty="0"/>
+                  <a:t> </a:t>
+                </a:r>
+                <a:r>
+                  <a:rPr kumimoji="1" lang="en-US" altLang="zh-CN" sz="900" dirty="0"/>
+                  <a:t>U</a:t>
+                </a:r>
+                <a:r>
+                  <a:rPr kumimoji="1" lang="zh-CN" altLang="en-US" sz="900" dirty="0"/>
+                  <a:t> </a:t>
+                </a:r>
+                <a:r>
+                  <a:rPr kumimoji="1" lang="en-US" altLang="zh-CN" sz="900" dirty="0"/>
+                  <a:t>using</a:t>
+                </a:r>
+                <a:r>
+                  <a:rPr kumimoji="1" lang="zh-CN" altLang="en-US" sz="900" dirty="0"/>
+                  <a:t> </a:t>
+                </a:r>
+                <a:r>
+                  <a:rPr kumimoji="1" lang="en-US" altLang="zh-CN" sz="900" dirty="0"/>
+                  <a:t>least</a:t>
+                </a:r>
+                <a:r>
+                  <a:rPr kumimoji="1" lang="zh-CN" altLang="en-US" sz="900" dirty="0"/>
+                  <a:t> </a:t>
+                </a:r>
+                <a:r>
+                  <a:rPr kumimoji="1" lang="en-US" altLang="zh-CN" sz="900" dirty="0"/>
+                  <a:t>Squares</a:t>
+                </a:r>
+              </a:p>
+              <a:p>
+                <a:pPr lvl="2">
+                  <a:lnSpc>
+                    <a:spcPct val="110000"/>
+                  </a:lnSpc>
+                </a:pPr>
+                <a:r>
+                  <a:rPr kumimoji="1" lang="en-US" altLang="zh-CN" sz="900" dirty="0"/>
+                  <a:t>Fix</a:t>
+                </a:r>
+                <a:r>
+                  <a:rPr kumimoji="1" lang="zh-CN" altLang="en-US" sz="900" dirty="0"/>
+                  <a:t> </a:t>
+                </a:r>
+                <a:r>
+                  <a:rPr kumimoji="1" lang="en-US" altLang="zh-CN" sz="900" dirty="0"/>
+                  <a:t>U,</a:t>
+                </a:r>
+                <a:r>
+                  <a:rPr kumimoji="1" lang="zh-CN" altLang="en-US" sz="900" dirty="0"/>
+                  <a:t> </a:t>
+                </a:r>
+                <a:r>
+                  <a:rPr kumimoji="1" lang="en-US" altLang="zh-CN" sz="900" dirty="0" err="1"/>
+                  <a:t>slove</a:t>
+                </a:r>
+                <a:r>
+                  <a:rPr kumimoji="1" lang="zh-CN" altLang="en-US" sz="900" dirty="0"/>
+                  <a:t> </a:t>
+                </a:r>
+                <a:r>
+                  <a:rPr kumimoji="1" lang="en-US" altLang="zh-CN" sz="900" dirty="0"/>
+                  <a:t>for</a:t>
+                </a:r>
+                <a:r>
+                  <a:rPr kumimoji="1" lang="zh-CN" altLang="en-US" sz="900" dirty="0"/>
+                  <a:t> </a:t>
+                </a:r>
+                <a:r>
+                  <a:rPr kumimoji="1" lang="en-US" altLang="zh-CN" sz="900" dirty="0"/>
+                  <a:t>P</a:t>
+                </a:r>
+                <a:r>
+                  <a:rPr kumimoji="1" lang="zh-CN" altLang="en-US" sz="900" dirty="0"/>
+                  <a:t> </a:t>
+                </a:r>
+                <a:r>
+                  <a:rPr kumimoji="1" lang="en-US" altLang="zh-CN" sz="900" dirty="0"/>
+                  <a:t>using</a:t>
+                </a:r>
+                <a:r>
+                  <a:rPr kumimoji="1" lang="zh-CN" altLang="en-US" sz="900" dirty="0"/>
+                  <a:t> </a:t>
+                </a:r>
+                <a:r>
+                  <a:rPr kumimoji="1" lang="en-US" altLang="zh-CN" sz="900" dirty="0"/>
+                  <a:t>least</a:t>
+                </a:r>
+                <a:r>
+                  <a:rPr kumimoji="1" lang="zh-CN" altLang="en-US" sz="900" dirty="0"/>
+                  <a:t> </a:t>
+                </a:r>
+                <a:r>
+                  <a:rPr kumimoji="1" lang="en-US" altLang="zh-CN" sz="900" dirty="0"/>
+                  <a:t>Squares</a:t>
+                </a:r>
+              </a:p>
+              <a:p>
+                <a:pPr lvl="2">
+                  <a:lnSpc>
+                    <a:spcPct val="110000"/>
+                  </a:lnSpc>
+                </a:pPr>
+                <a:r>
+                  <a:rPr kumimoji="1" lang="en-US" altLang="zh-CN" sz="900" dirty="0"/>
+                  <a:t>Repeat</a:t>
+                </a:r>
+                <a:r>
+                  <a:rPr kumimoji="1" lang="zh-CN" altLang="en-US" sz="900" dirty="0"/>
+                  <a:t> </a:t>
+                </a:r>
+                <a:r>
+                  <a:rPr kumimoji="1" lang="en-US" altLang="zh-CN" sz="900" dirty="0"/>
+                  <a:t>until</a:t>
+                </a:r>
+                <a:r>
+                  <a:rPr kumimoji="1" lang="zh-CN" altLang="en-US" sz="900" dirty="0"/>
+                  <a:t> </a:t>
+                </a:r>
+                <a:r>
+                  <a:rPr kumimoji="1" lang="en-US" altLang="zh-CN" sz="900" dirty="0"/>
+                  <a:t>convergence</a:t>
+                </a:r>
+                <a:endParaRPr kumimoji="1" lang="zh-CN" altLang="en-US" sz="900" dirty="0"/>
+              </a:p>
+            </p:txBody>
+          </p:sp>
+        </mc:Choice>
+        <mc:Fallback xmlns="">
+          <p:sp>
+            <p:nvSpPr>
+              <p:cNvPr id="3" name="内容占位符 2">
+                <a:extLst>
+                  <a:ext uri="{FF2B5EF4-FFF2-40B4-BE49-F238E27FC236}">
+                    <a16:creationId xmlns:a16="http://schemas.microsoft.com/office/drawing/2014/main" id="{2A032161-8894-C639-CAF8-3CAD12081B21}"/>
+                  </a:ext>
+                </a:extLst>
+              </p:cNvPr>
+              <p:cNvSpPr>
+                <a:spLocks noGrp="1" noRot="1" noChangeAspect="1" noMove="1" noResize="1" noEditPoints="1" noAdjustHandles="1" noChangeArrowheads="1" noChangeShapeType="1" noTextEdit="1"/>
+              </p:cNvSpPr>
+              <p:nvPr>
+                <p:ph idx="1"/>
+              </p:nvPr>
+            </p:nvSpPr>
+            <p:spPr>
+              <a:xfrm>
+                <a:off x="913773" y="2367092"/>
+                <a:ext cx="7859565" cy="3424107"/>
+              </a:xfrm>
+              <a:blipFill>
+                <a:blip r:embed="rId4"/>
+                <a:stretch>
+                  <a:fillRect/>
+                </a:stretch>
+              </a:blipFill>
+            </p:spPr>
+            <p:txBody>
+              <a:bodyPr/>
+              <a:lstStyle/>
+              <a:p>
+                <a:r>
+                  <a:rPr lang="en-NZ">
+                    <a:noFill/>
+                  </a:rPr>
+                  <a:t> </a:t>
+                </a:r>
+              </a:p>
+            </p:txBody>
+          </p:sp>
+        </mc:Fallback>
+      </mc:AlternateContent>
+      <p:pic>
+        <p:nvPicPr>
+          <p:cNvPr id="16" name="Picture 15">
+            <a:extLst>
+              <a:ext uri="{FF2B5EF4-FFF2-40B4-BE49-F238E27FC236}">
+                <a16:creationId xmlns:a16="http://schemas.microsoft.com/office/drawing/2014/main" id="{D2B4E49C-E7B4-4F6A-8B93-646A0E241191}"/>
+              </a:ext>
+              <a:ext uri="{C183D7F6-B498-43B3-948B-1728B52AA6E4}">
+                <adec:decorative xmlns:adec="http://schemas.microsoft.com/office/drawing/2017/decorative" val="1"/>
+              </a:ext>
+            </a:extLst>
+          </p:cNvPr>
+          <p:cNvPicPr>
+            <a:picLocks noGrp="1" noRot="1" noChangeAspect="1" noMove="1" noResize="1" noEditPoints="1" noAdjustHandles="1" noChangeArrowheads="1" noChangeShapeType="1" noCrop="1"/>
+          </p:cNvPicPr>
+          <p:nvPr>
+            <p:extLst>
+              <p:ext uri="{386F3935-93C4-4BCD-93E2-E3B085C9AB24}">
+                <p16:designElem xmlns:p16="http://schemas.microsoft.com/office/powerpoint/2015/main" val="1"/>
+              </p:ext>
+            </p:extLst>
+          </p:nvPr>
+        </p:nvPicPr>
+        <p:blipFill rotWithShape="1">
+          <a:blip r:embed="rId3">
+            <a:extLst>
+              <a:ext uri="{28A0092B-C50C-407E-A947-70E740481C1C}">
+                <a14:useLocalDpi xmlns:a14="http://schemas.microsoft.com/office/drawing/2010/main" val="0"/>
+              </a:ext>
+            </a:extLst>
+          </a:blip>
+          <a:srcRect l="91927" t="72411" b="10341"/>
+          <a:stretch/>
+        </p:blipFill>
+        <p:spPr>
+          <a:xfrm>
+            <a:off x="11494523" y="2664767"/>
+            <a:ext cx="635958" cy="764233"/>
+          </a:xfrm>
+          <a:custGeom>
+            <a:avLst/>
+            <a:gdLst>
+              <a:gd name="connsiteX0" fmla="*/ 0 w 984308"/>
+              <a:gd name="connsiteY0" fmla="*/ 0 h 1182847"/>
+              <a:gd name="connsiteX1" fmla="*/ 984308 w 984308"/>
+              <a:gd name="connsiteY1" fmla="*/ 0 h 1182847"/>
+              <a:gd name="connsiteX2" fmla="*/ 984308 w 984308"/>
+              <a:gd name="connsiteY2" fmla="*/ 1161661 h 1182847"/>
+              <a:gd name="connsiteX3" fmla="*/ 966627 w 984308"/>
+              <a:gd name="connsiteY3" fmla="*/ 1165915 h 1182847"/>
+              <a:gd name="connsiteX4" fmla="*/ 787132 w 984308"/>
+              <a:gd name="connsiteY4" fmla="*/ 1182847 h 1182847"/>
+              <a:gd name="connsiteX5" fmla="*/ 48601 w 984308"/>
+              <a:gd name="connsiteY5" fmla="*/ 815395 h 1182847"/>
+              <a:gd name="connsiteX6" fmla="*/ 0 w 984308"/>
+              <a:gd name="connsiteY6" fmla="*/ 731606 h 1182847"/>
+            </a:gdLst>
+            <a:ahLst/>
+            <a:cxnLst>
+              <a:cxn ang="0">
+                <a:pos x="connsiteX0" y="connsiteY0"/>
+              </a:cxn>
+              <a:cxn ang="0">
+                <a:pos x="connsiteX1" y="connsiteY1"/>
+              </a:cxn>
+              <a:cxn ang="0">
+                <a:pos x="connsiteX2" y="connsiteY2"/>
+              </a:cxn>
+              <a:cxn ang="0">
+                <a:pos x="connsiteX3" y="connsiteY3"/>
+              </a:cxn>
+              <a:cxn ang="0">
+                <a:pos x="connsiteX4" y="connsiteY4"/>
+              </a:cxn>
+              <a:cxn ang="0">
+                <a:pos x="connsiteX5" y="connsiteY5"/>
+              </a:cxn>
+              <a:cxn ang="0">
+                <a:pos x="connsiteX6" y="connsiteY6"/>
+              </a:cxn>
+            </a:cxnLst>
+            <a:rect l="l" t="t" r="r" b="b"/>
+            <a:pathLst>
+              <a:path w="984308" h="1182847">
+                <a:moveTo>
+                  <a:pt x="0" y="0"/>
+                </a:moveTo>
+                <a:lnTo>
+                  <a:pt x="984308" y="0"/>
+                </a:lnTo>
+                <a:lnTo>
+                  <a:pt x="984308" y="1161661"/>
+                </a:lnTo>
+                <a:lnTo>
+                  <a:pt x="966627" y="1165915"/>
+                </a:lnTo>
+                <a:cubicBezTo>
+                  <a:pt x="908648" y="1177017"/>
+                  <a:pt x="848618" y="1182847"/>
+                  <a:pt x="787132" y="1182847"/>
+                </a:cubicBezTo>
+                <a:cubicBezTo>
+                  <a:pt x="479703" y="1182847"/>
+                  <a:pt x="208655" y="1037089"/>
+                  <a:pt x="48601" y="815395"/>
+                </a:cubicBezTo>
+                <a:lnTo>
+                  <a:pt x="0" y="731606"/>
+                </a:lnTo>
+                <a:close/>
+              </a:path>
+            </a:pathLst>
+          </a:custGeom>
+        </p:spPr>
+      </p:pic>
+      <p:pic>
+        <p:nvPicPr>
+          <p:cNvPr id="18" name="Picture 17">
+            <a:extLst>
+              <a:ext uri="{FF2B5EF4-FFF2-40B4-BE49-F238E27FC236}">
+                <a16:creationId xmlns:a16="http://schemas.microsoft.com/office/drawing/2014/main" id="{46528FBF-1727-4546-8131-BA22ED8B5497}"/>
+              </a:ext>
+              <a:ext uri="{C183D7F6-B498-43B3-948B-1728B52AA6E4}">
+                <adec:decorative xmlns:adec="http://schemas.microsoft.com/office/drawing/2017/decorative" val="1"/>
+              </a:ext>
+            </a:extLst>
+          </p:cNvPr>
+          <p:cNvPicPr>
+            <a:picLocks noGrp="1" noRot="1" noChangeAspect="1" noMove="1" noResize="1" noEditPoints="1" noAdjustHandles="1" noChangeArrowheads="1" noChangeShapeType="1" noCrop="1"/>
+          </p:cNvPicPr>
+          <p:nvPr>
+            <p:extLst>
+              <p:ext uri="{386F3935-93C4-4BCD-93E2-E3B085C9AB24}">
+                <p16:designElem xmlns:p16="http://schemas.microsoft.com/office/powerpoint/2015/main" val="1"/>
+              </p:ext>
+            </p:extLst>
+          </p:nvPr>
+        </p:nvPicPr>
+        <p:blipFill rotWithShape="1">
+          <a:blip r:embed="rId2">
+            <a:extLst>
+              <a:ext uri="{28A0092B-C50C-407E-A947-70E740481C1C}">
+                <a14:useLocalDpi xmlns:a14="http://schemas.microsoft.com/office/drawing/2010/main" val="0"/>
+              </a:ext>
+            </a:extLst>
+          </a:blip>
+          <a:srcRect l="65973" t="81531" r="19879"/>
+          <a:stretch/>
+        </p:blipFill>
+        <p:spPr>
+          <a:xfrm>
+            <a:off x="8887626" y="5982056"/>
+            <a:ext cx="1192806" cy="875944"/>
+          </a:xfrm>
+          <a:custGeom>
+            <a:avLst/>
+            <a:gdLst>
+              <a:gd name="connsiteX0" fmla="*/ 2051608 w 4103216"/>
+              <a:gd name="connsiteY0" fmla="*/ 0 h 1714050"/>
+              <a:gd name="connsiteX1" fmla="*/ 4103216 w 4103216"/>
+              <a:gd name="connsiteY1" fmla="*/ 1266738 h 1714050"/>
+              <a:gd name="connsiteX2" fmla="*/ 4010980 w 4103216"/>
+              <a:gd name="connsiteY2" fmla="*/ 1643427 h 1714050"/>
+              <a:gd name="connsiteX3" fmla="*/ 3969116 w 4103216"/>
+              <a:gd name="connsiteY3" fmla="*/ 1714050 h 1714050"/>
+              <a:gd name="connsiteX4" fmla="*/ 134100 w 4103216"/>
+              <a:gd name="connsiteY4" fmla="*/ 1714050 h 1714050"/>
+              <a:gd name="connsiteX5" fmla="*/ 92237 w 4103216"/>
+              <a:gd name="connsiteY5" fmla="*/ 1643427 h 1714050"/>
+              <a:gd name="connsiteX6" fmla="*/ 0 w 4103216"/>
+              <a:gd name="connsiteY6" fmla="*/ 1266738 h 1714050"/>
+              <a:gd name="connsiteX7" fmla="*/ 2051608 w 4103216"/>
+              <a:gd name="connsiteY7" fmla="*/ 0 h 1714050"/>
+            </a:gdLst>
+            <a:ahLst/>
+            <a:cxnLst>
+              <a:cxn ang="0">
+                <a:pos x="connsiteX0" y="connsiteY0"/>
+              </a:cxn>
+              <a:cxn ang="0">
+                <a:pos x="connsiteX1" y="connsiteY1"/>
+              </a:cxn>
+              <a:cxn ang="0">
+                <a:pos x="connsiteX2" y="connsiteY2"/>
+              </a:cxn>
+              <a:cxn ang="0">
+                <a:pos x="connsiteX3" y="connsiteY3"/>
+              </a:cxn>
+              <a:cxn ang="0">
+                <a:pos x="connsiteX4" y="connsiteY4"/>
+              </a:cxn>
+              <a:cxn ang="0">
+                <a:pos x="connsiteX5" y="connsiteY5"/>
+              </a:cxn>
+              <a:cxn ang="0">
+                <a:pos x="connsiteX6" y="connsiteY6"/>
+              </a:cxn>
+              <a:cxn ang="0">
+                <a:pos x="connsiteX7" y="connsiteY7"/>
+              </a:cxn>
+            </a:cxnLst>
+            <a:rect l="l" t="t" r="r" b="b"/>
+            <a:pathLst>
+              <a:path w="4103216" h="1714050">
+                <a:moveTo>
+                  <a:pt x="2051608" y="0"/>
+                </a:moveTo>
+                <a:cubicBezTo>
+                  <a:pt x="3184680" y="0"/>
+                  <a:pt x="4103216" y="567138"/>
+                  <a:pt x="4103216" y="1266738"/>
+                </a:cubicBezTo>
+                <a:cubicBezTo>
+                  <a:pt x="4103216" y="1397913"/>
+                  <a:pt x="4070924" y="1524431"/>
+                  <a:pt x="4010980" y="1643427"/>
+                </a:cubicBezTo>
+                <a:lnTo>
+                  <a:pt x="3969116" y="1714050"/>
+                </a:lnTo>
+                <a:lnTo>
+                  <a:pt x="134100" y="1714050"/>
+                </a:lnTo>
+                <a:lnTo>
+                  <a:pt x="92237" y="1643427"/>
+                </a:lnTo>
+                <a:cubicBezTo>
+                  <a:pt x="32293" y="1524431"/>
+                  <a:pt x="0" y="1397913"/>
+                  <a:pt x="0" y="1266738"/>
+                </a:cubicBezTo>
+                <a:cubicBezTo>
+                  <a:pt x="0" y="567138"/>
+                  <a:pt x="918536" y="0"/>
+                  <a:pt x="2051608" y="0"/>
+                </a:cubicBezTo>
+                <a:close/>
+              </a:path>
+            </a:pathLst>
+          </a:custGeom>
+        </p:spPr>
+      </p:pic>
+    </p:spTree>
+    <p:extLst>
+      <p:ext uri="{BB962C8B-B14F-4D97-AF65-F5344CB8AC3E}">
+        <p14:creationId xmlns:p14="http://schemas.microsoft.com/office/powerpoint/2010/main" val="1975314090"/>
+      </p:ext>
+    </p:extLst>
+  </p:cSld>
+  <p:clrMapOvr>
+    <a:masterClrMapping/>
+  </p:clrMapOvr>
+</p:sld>
+</file>
+
+<file path=ppt/slides/slide11.xml><?xml version="1.0" encoding="utf-8"?>
+<p:sld xmlns:a="http://schemas.openxmlformats.org/drawingml/2006/main" xmlns:r="http://schemas.openxmlformats.org/officeDocument/2006/relationships" xmlns:p="http://schemas.openxmlformats.org/presentationml/2006/main">
+  <p:cSld>
+    <p:bg>
+      <p:bgPr>
+        <a:gradFill rotWithShape="1">
+          <a:gsLst>
+            <a:gs pos="0">
+              <a:schemeClr val="bg1">
+                <a:tint val="90000"/>
+                <a:lumMod val="110000"/>
+              </a:schemeClr>
+            </a:gs>
+            <a:gs pos="100000">
+              <a:schemeClr val="bg1">
+                <a:shade val="64000"/>
+                <a:lumMod val="88000"/>
+              </a:schemeClr>
+            </a:gs>
+          </a:gsLst>
+          <a:lin ang="5400000" scaled="0"/>
+        </a:gradFill>
+        <a:effectLst/>
+      </p:bgPr>
+    </p:bg>
+    <p:spTree>
+      <p:nvGrpSpPr>
+        <p:cNvPr id="1" name=""/>
+        <p:cNvGrpSpPr/>
+        <p:nvPr/>
+      </p:nvGrpSpPr>
+      <p:grpSpPr>
+        <a:xfrm>
+          <a:off x="0" y="0"/>
+          <a:ext cx="0" cy="0"/>
+          <a:chOff x="0" y="0"/>
+          <a:chExt cx="0" cy="0"/>
+        </a:xfrm>
+      </p:grpSpPr>
+      <p:sp useBgFill="1">
+        <p:nvSpPr>
+          <p:cNvPr id="8" name="Rectangle 7">
+            <a:extLst>
+              <a:ext uri="{FF2B5EF4-FFF2-40B4-BE49-F238E27FC236}">
+                <a16:creationId xmlns:a16="http://schemas.microsoft.com/office/drawing/2014/main" id="{44F95DE6-BC61-4DB8-97B8-E32959EA0E1D}"/>
+              </a:ext>
+              <a:ext uri="{C183D7F6-B498-43B3-948B-1728B52AA6E4}">
+                <adec:decorative xmlns:adec="http://schemas.microsoft.com/office/drawing/2017/decorative" val="1"/>
+              </a:ext>
+            </a:extLst>
+          </p:cNvPr>
+          <p:cNvSpPr>
+            <a:spLocks noGrp="1" noRot="1" noChangeAspect="1" noMove="1" noResize="1" noEditPoints="1" noAdjustHandles="1" noChangeArrowheads="1" noChangeShapeType="1" noTextEdit="1"/>
+          </p:cNvSpPr>
+          <p:nvPr>
+            <p:extLst>
+              <p:ext uri="{386F3935-93C4-4BCD-93E2-E3B085C9AB24}">
+                <p16:designElem xmlns:p16="http://schemas.microsoft.com/office/powerpoint/2015/main" val="1"/>
+              </p:ext>
+            </p:extLst>
+          </p:nvPr>
+        </p:nvSpPr>
+        <p:spPr>
+          <a:xfrm>
+            <a:off x="0" y="0"/>
+            <a:ext cx="12192000" cy="6858000"/>
+          </a:xfrm>
+          <a:prstGeom prst="rect">
+            <a:avLst/>
+          </a:prstGeom>
+          <a:ln>
+            <a:noFill/>
+          </a:ln>
+        </p:spPr>
+        <p:style>
+          <a:lnRef idx="2">
+            <a:schemeClr val="accent1">
+              <a:shade val="50000"/>
+            </a:schemeClr>
+          </a:lnRef>
+          <a:fillRef idx="1">
+            <a:schemeClr val="accent1"/>
+          </a:fillRef>
+          <a:effectRef idx="0">
+            <a:schemeClr val="accent1"/>
+          </a:effectRef>
+          <a:fontRef idx="minor">
+            <a:schemeClr val="lt1"/>
+          </a:fontRef>
+        </p:style>
+        <p:txBody>
+          <a:bodyPr rtlCol="0" anchor="ctr"/>
+          <a:lstStyle/>
+          <a:p>
+            <a:pPr algn="ctr"/>
+            <a:endParaRPr lang="en-US"/>
+          </a:p>
+        </p:txBody>
+      </p:sp>
+      <p:pic>
+        <p:nvPicPr>
+          <p:cNvPr id="10" name="Picture 9">
+            <a:extLst>
+              <a:ext uri="{FF2B5EF4-FFF2-40B4-BE49-F238E27FC236}">
+                <a16:creationId xmlns:a16="http://schemas.microsoft.com/office/drawing/2014/main" id="{48D9C176-456B-4F71-AB87-9D14B8B3D1C1}"/>
+              </a:ext>
+              <a:ext uri="{C183D7F6-B498-43B3-948B-1728B52AA6E4}">
+                <adec:decorative xmlns:adec="http://schemas.microsoft.com/office/drawing/2017/decorative" val="1"/>
+              </a:ext>
+            </a:extLst>
+          </p:cNvPr>
+          <p:cNvPicPr>
+            <a:picLocks noGrp="1" noRot="1" noChangeAspect="1" noMove="1" noResize="1" noEditPoints="1" noAdjustHandles="1" noChangeArrowheads="1" noChangeShapeType="1" noCrop="1"/>
+          </p:cNvPicPr>
+          <p:nvPr>
+            <p:extLst>
+              <p:ext uri="{386F3935-93C4-4BCD-93E2-E3B085C9AB24}">
+                <p16:designElem xmlns:p16="http://schemas.microsoft.com/office/powerpoint/2015/main" val="1"/>
+              </p:ext>
+            </p:extLst>
+          </p:nvPr>
+        </p:nvPicPr>
+        <p:blipFill rotWithShape="1">
+          <a:blip r:embed="rId2">
+            <a:extLst>
+              <a:ext uri="{28A0092B-C50C-407E-A947-70E740481C1C}">
+                <a14:useLocalDpi xmlns:a14="http://schemas.microsoft.com/office/drawing/2010/main" val="0"/>
+              </a:ext>
+            </a:extLst>
+          </a:blip>
+          <a:srcRect l="46466" t="75007" r="30510"/>
+          <a:stretch/>
+        </p:blipFill>
+        <p:spPr>
+          <a:xfrm>
+            <a:off x="0" y="138157"/>
+            <a:ext cx="1712063" cy="1045389"/>
+          </a:xfrm>
+          <a:custGeom>
+            <a:avLst/>
+            <a:gdLst>
+              <a:gd name="connsiteX0" fmla="*/ 2051608 w 4103216"/>
+              <a:gd name="connsiteY0" fmla="*/ 0 h 1714050"/>
+              <a:gd name="connsiteX1" fmla="*/ 4103216 w 4103216"/>
+              <a:gd name="connsiteY1" fmla="*/ 1266738 h 1714050"/>
+              <a:gd name="connsiteX2" fmla="*/ 4010980 w 4103216"/>
+              <a:gd name="connsiteY2" fmla="*/ 1643427 h 1714050"/>
+              <a:gd name="connsiteX3" fmla="*/ 3969116 w 4103216"/>
+              <a:gd name="connsiteY3" fmla="*/ 1714050 h 1714050"/>
+              <a:gd name="connsiteX4" fmla="*/ 134100 w 4103216"/>
+              <a:gd name="connsiteY4" fmla="*/ 1714050 h 1714050"/>
+              <a:gd name="connsiteX5" fmla="*/ 92237 w 4103216"/>
+              <a:gd name="connsiteY5" fmla="*/ 1643427 h 1714050"/>
+              <a:gd name="connsiteX6" fmla="*/ 0 w 4103216"/>
+              <a:gd name="connsiteY6" fmla="*/ 1266738 h 1714050"/>
+              <a:gd name="connsiteX7" fmla="*/ 2051608 w 4103216"/>
+              <a:gd name="connsiteY7" fmla="*/ 0 h 1714050"/>
+            </a:gdLst>
+            <a:ahLst/>
+            <a:cxnLst>
+              <a:cxn ang="0">
+                <a:pos x="connsiteX0" y="connsiteY0"/>
+              </a:cxn>
+              <a:cxn ang="0">
+                <a:pos x="connsiteX1" y="connsiteY1"/>
+              </a:cxn>
+              <a:cxn ang="0">
+                <a:pos x="connsiteX2" y="connsiteY2"/>
+              </a:cxn>
+              <a:cxn ang="0">
+                <a:pos x="connsiteX3" y="connsiteY3"/>
+              </a:cxn>
+              <a:cxn ang="0">
+                <a:pos x="connsiteX4" y="connsiteY4"/>
+              </a:cxn>
+              <a:cxn ang="0">
+                <a:pos x="connsiteX5" y="connsiteY5"/>
+              </a:cxn>
+              <a:cxn ang="0">
+                <a:pos x="connsiteX6" y="connsiteY6"/>
+              </a:cxn>
+              <a:cxn ang="0">
+                <a:pos x="connsiteX7" y="connsiteY7"/>
+              </a:cxn>
+            </a:cxnLst>
+            <a:rect l="l" t="t" r="r" b="b"/>
+            <a:pathLst>
+              <a:path w="4103216" h="1714050">
+                <a:moveTo>
+                  <a:pt x="2051608" y="0"/>
+                </a:moveTo>
+                <a:cubicBezTo>
+                  <a:pt x="3184680" y="0"/>
+                  <a:pt x="4103216" y="567138"/>
+                  <a:pt x="4103216" y="1266738"/>
+                </a:cubicBezTo>
+                <a:cubicBezTo>
+                  <a:pt x="4103216" y="1397913"/>
+                  <a:pt x="4070924" y="1524431"/>
+                  <a:pt x="4010980" y="1643427"/>
+                </a:cubicBezTo>
+                <a:lnTo>
+                  <a:pt x="3969116" y="1714050"/>
+                </a:lnTo>
+                <a:lnTo>
+                  <a:pt x="134100" y="1714050"/>
+                </a:lnTo>
+                <a:lnTo>
+                  <a:pt x="92237" y="1643427"/>
+                </a:lnTo>
+                <a:cubicBezTo>
+                  <a:pt x="32293" y="1524431"/>
+                  <a:pt x="0" y="1397913"/>
+                  <a:pt x="0" y="1266738"/>
+                </a:cubicBezTo>
+                <a:cubicBezTo>
+                  <a:pt x="0" y="567138"/>
+                  <a:pt x="918536" y="0"/>
+                  <a:pt x="2051608" y="0"/>
+                </a:cubicBezTo>
+                <a:close/>
+              </a:path>
+            </a:pathLst>
+          </a:custGeom>
+        </p:spPr>
+      </p:pic>
+      <p:sp>
+        <p:nvSpPr>
+          <p:cNvPr id="2" name="标题 1">
+            <a:extLst>
+              <a:ext uri="{FF2B5EF4-FFF2-40B4-BE49-F238E27FC236}">
+                <a16:creationId xmlns:a16="http://schemas.microsoft.com/office/drawing/2014/main" id="{93C91A0B-1612-EB4F-2A44-861A0E83E188}"/>
+              </a:ext>
+            </a:extLst>
+          </p:cNvPr>
+          <p:cNvSpPr>
+            <a:spLocks noGrp="1"/>
+          </p:cNvSpPr>
+          <p:nvPr>
+            <p:ph type="title"/>
+          </p:nvPr>
+        </p:nvSpPr>
+        <p:spPr>
+          <a:xfrm>
+            <a:off x="913775" y="618517"/>
+            <a:ext cx="7859564" cy="1596177"/>
+          </a:xfrm>
+        </p:spPr>
+        <p:txBody>
+          <a:bodyPr>
+            <a:normAutofit/>
+          </a:bodyPr>
+          <a:lstStyle/>
+          <a:p>
+            <a:r>
+              <a:rPr kumimoji="1" lang="en-US" altLang="zh-CN" sz="3700" b="1"/>
+              <a:t>ALS-</a:t>
+            </a:r>
+            <a:r>
+              <a:rPr lang="en" altLang="zh-CN" sz="3700" b="1"/>
+              <a:t>Collaborative filtering with </a:t>
+            </a:r>
+            <a:r>
+              <a:rPr kumimoji="1" lang="en-US" altLang="zh-CN" sz="3700" b="1"/>
+              <a:t>Alternating</a:t>
+            </a:r>
+            <a:r>
+              <a:rPr kumimoji="1" lang="zh-CN" altLang="en-US" sz="3700" b="1"/>
+              <a:t> </a:t>
+            </a:r>
+            <a:r>
+              <a:rPr kumimoji="1" lang="en-US" altLang="zh-CN" sz="3700" b="1"/>
+              <a:t>Least</a:t>
+            </a:r>
+            <a:r>
+              <a:rPr kumimoji="1" lang="zh-CN" altLang="en-US" sz="3700" b="1"/>
+              <a:t> </a:t>
+            </a:r>
+            <a:r>
+              <a:rPr kumimoji="1" lang="en-US" altLang="zh-CN" sz="3700" b="1"/>
+              <a:t>Squares</a:t>
+            </a:r>
+            <a:endParaRPr kumimoji="1" lang="zh-CN" altLang="en-US" sz="3700" b="1"/>
+          </a:p>
+        </p:txBody>
+      </p:sp>
+      <p:pic>
+        <p:nvPicPr>
+          <p:cNvPr id="12" name="Picture 11">
+            <a:extLst>
+              <a:ext uri="{FF2B5EF4-FFF2-40B4-BE49-F238E27FC236}">
+                <a16:creationId xmlns:a16="http://schemas.microsoft.com/office/drawing/2014/main" id="{CFF97C55-868F-4FDD-BD3C-D2F191796F43}"/>
+              </a:ext>
+              <a:ext uri="{C183D7F6-B498-43B3-948B-1728B52AA6E4}">
+                <adec:decorative xmlns:adec="http://schemas.microsoft.com/office/drawing/2017/decorative" val="1"/>
+              </a:ext>
+            </a:extLst>
+          </p:cNvPr>
+          <p:cNvPicPr>
+            <a:picLocks noGrp="1" noRot="1" noChangeAspect="1" noMove="1" noResize="1" noEditPoints="1" noAdjustHandles="1" noChangeArrowheads="1" noChangeShapeType="1" noCrop="1"/>
+          </p:cNvPicPr>
+          <p:nvPr>
+            <p:extLst>
+              <p:ext uri="{386F3935-93C4-4BCD-93E2-E3B085C9AB24}">
+                <p16:designElem xmlns:p16="http://schemas.microsoft.com/office/powerpoint/2015/main" val="1"/>
+              </p:ext>
+            </p:extLst>
+          </p:nvPr>
+        </p:nvPicPr>
+        <p:blipFill rotWithShape="1">
+          <a:blip r:embed="rId3">
+            <a:extLst>
+              <a:ext uri="{28A0092B-C50C-407E-A947-70E740481C1C}">
+                <a14:useLocalDpi xmlns:a14="http://schemas.microsoft.com/office/drawing/2010/main" val="0"/>
+              </a:ext>
+            </a:extLst>
+          </a:blip>
+          <a:srcRect l="55183" t="89413" r="18746"/>
+          <a:stretch/>
+        </p:blipFill>
+        <p:spPr>
+          <a:xfrm>
+            <a:off x="8404564" y="0"/>
+            <a:ext cx="2589690" cy="591546"/>
+          </a:xfrm>
+          <a:prstGeom prst="rect">
+            <a:avLst/>
+          </a:prstGeom>
+        </p:spPr>
+      </p:pic>
+      <p:pic>
+        <p:nvPicPr>
+          <p:cNvPr id="14" name="Picture 13">
+            <a:extLst>
+              <a:ext uri="{FF2B5EF4-FFF2-40B4-BE49-F238E27FC236}">
+                <a16:creationId xmlns:a16="http://schemas.microsoft.com/office/drawing/2014/main" id="{69722FB9-EA01-42A6-96B2-185F5CC120DF}"/>
+              </a:ext>
+              <a:ext uri="{C183D7F6-B498-43B3-948B-1728B52AA6E4}">
+                <adec:decorative xmlns:adec="http://schemas.microsoft.com/office/drawing/2017/decorative" val="1"/>
+              </a:ext>
+            </a:extLst>
+          </p:cNvPr>
+          <p:cNvPicPr>
+            <a:picLocks noGrp="1" noRot="1" noChangeAspect="1" noMove="1" noResize="1" noEditPoints="1" noAdjustHandles="1" noChangeArrowheads="1" noChangeShapeType="1" noCrop="1"/>
+          </p:cNvPicPr>
+          <p:nvPr>
+            <p:extLst>
+              <p:ext uri="{386F3935-93C4-4BCD-93E2-E3B085C9AB24}">
+                <p16:designElem xmlns:p16="http://schemas.microsoft.com/office/powerpoint/2015/main" val="1"/>
+              </p:ext>
+            </p:extLst>
+          </p:nvPr>
+        </p:nvPicPr>
+        <p:blipFill rotWithShape="1">
+          <a:blip r:embed="rId2">
+            <a:extLst>
+              <a:ext uri="{28A0092B-C50C-407E-A947-70E740481C1C}">
+                <a14:useLocalDpi xmlns:a14="http://schemas.microsoft.com/office/drawing/2010/main" val="0"/>
+              </a:ext>
+            </a:extLst>
+          </a:blip>
+          <a:srcRect l="73623" t="43915" r="1" b="10213"/>
+          <a:stretch/>
+        </p:blipFill>
+        <p:spPr>
+          <a:xfrm>
+            <a:off x="10471066" y="183232"/>
+            <a:ext cx="1720934" cy="1683522"/>
+          </a:xfrm>
+          <a:prstGeom prst="rect">
+            <a:avLst/>
+          </a:prstGeom>
+        </p:spPr>
+      </p:pic>
+      <p:sp>
+        <p:nvSpPr>
+          <p:cNvPr id="3" name="内容占位符 2">
+            <a:extLst>
+              <a:ext uri="{FF2B5EF4-FFF2-40B4-BE49-F238E27FC236}">
+                <a16:creationId xmlns:a16="http://schemas.microsoft.com/office/drawing/2014/main" id="{2A032161-8894-C639-CAF8-3CAD12081B21}"/>
+              </a:ext>
+            </a:extLst>
+          </p:cNvPr>
+          <p:cNvSpPr>
+            <a:spLocks noGrp="1"/>
+          </p:cNvSpPr>
+          <p:nvPr>
+            <p:ph idx="1"/>
+          </p:nvPr>
+        </p:nvSpPr>
+        <p:spPr>
+          <a:xfrm>
+            <a:off x="913773" y="2367092"/>
+            <a:ext cx="7859565" cy="3424107"/>
+          </a:xfrm>
+        </p:spPr>
+        <p:txBody>
+          <a:bodyPr>
+            <a:normAutofit/>
+          </a:bodyPr>
+          <a:lstStyle/>
+          <a:p>
+            <a:pPr>
+              <a:lnSpc>
+                <a:spcPct val="110000"/>
+              </a:lnSpc>
+            </a:pPr>
+            <a:r>
+              <a:rPr kumimoji="1" lang="en-US" altLang="zh-CN" sz="1000" b="1"/>
+              <a:t>Advantages</a:t>
+            </a:r>
+          </a:p>
+          <a:p>
+            <a:pPr>
+              <a:lnSpc>
+                <a:spcPct val="110000"/>
+              </a:lnSpc>
+            </a:pPr>
+            <a:endParaRPr kumimoji="1" lang="en-US" altLang="zh-CN" sz="1000" b="1"/>
+          </a:p>
+          <a:p>
+            <a:pPr lvl="1">
+              <a:lnSpc>
+                <a:spcPct val="110000"/>
+              </a:lnSpc>
+            </a:pPr>
+            <a:r>
+              <a:rPr lang="en" altLang="zh-CN" sz="1000"/>
+              <a:t>Scales well for large, sparse datasets</a:t>
+            </a:r>
+          </a:p>
+          <a:p>
+            <a:pPr lvl="1">
+              <a:lnSpc>
+                <a:spcPct val="110000"/>
+              </a:lnSpc>
+            </a:pPr>
+            <a:endParaRPr lang="en" altLang="zh-CN" sz="1000"/>
+          </a:p>
+          <a:p>
+            <a:pPr lvl="1">
+              <a:lnSpc>
+                <a:spcPct val="110000"/>
+              </a:lnSpc>
+            </a:pPr>
+            <a:r>
+              <a:rPr lang="en" altLang="zh-CN" sz="1000"/>
+              <a:t>Efficiently implemented in distributed systems like </a:t>
+            </a:r>
+            <a:r>
+              <a:rPr lang="en" altLang="zh-CN" sz="1000" b="1"/>
+              <a:t>Apache Spark</a:t>
+            </a:r>
+          </a:p>
+          <a:p>
+            <a:pPr lvl="1">
+              <a:lnSpc>
+                <a:spcPct val="110000"/>
+              </a:lnSpc>
+            </a:pPr>
+            <a:endParaRPr lang="en" altLang="zh-CN" sz="1000" b="1"/>
+          </a:p>
+          <a:p>
+            <a:pPr lvl="1">
+              <a:lnSpc>
+                <a:spcPct val="110000"/>
+              </a:lnSpc>
+            </a:pPr>
+            <a:r>
+              <a:rPr lang="en" altLang="zh-CN" sz="1000"/>
+              <a:t>Supports </a:t>
+            </a:r>
+            <a:r>
+              <a:rPr lang="en" altLang="zh-CN" sz="1000" b="1"/>
+              <a:t>implicit feedback</a:t>
+            </a:r>
+            <a:r>
+              <a:rPr lang="en" altLang="zh-CN" sz="1000"/>
+              <a:t> (e.g., views, clicks, time spent)</a:t>
+            </a:r>
+          </a:p>
+          <a:p>
+            <a:pPr lvl="1">
+              <a:lnSpc>
+                <a:spcPct val="110000"/>
+              </a:lnSpc>
+            </a:pPr>
+            <a:endParaRPr lang="en" altLang="zh-CN" sz="1000"/>
+          </a:p>
+          <a:p>
+            <a:pPr>
+              <a:lnSpc>
+                <a:spcPct val="110000"/>
+              </a:lnSpc>
+            </a:pPr>
+            <a:r>
+              <a:rPr lang="en" altLang="zh-CN" sz="1000" b="1"/>
+              <a:t>Use Case in E-commerce</a:t>
+            </a:r>
+          </a:p>
+          <a:p>
+            <a:pPr>
+              <a:lnSpc>
+                <a:spcPct val="110000"/>
+              </a:lnSpc>
+            </a:pPr>
+            <a:endParaRPr lang="en" altLang="zh-CN" sz="1000"/>
+          </a:p>
+          <a:p>
+            <a:pPr lvl="1">
+              <a:lnSpc>
+                <a:spcPct val="110000"/>
+              </a:lnSpc>
+            </a:pPr>
+            <a:r>
+              <a:rPr lang="en" altLang="zh-CN" sz="1000"/>
+              <a:t>Predict user preferences for products based on historical interactions</a:t>
+            </a:r>
+          </a:p>
+          <a:p>
+            <a:pPr lvl="1">
+              <a:lnSpc>
+                <a:spcPct val="110000"/>
+              </a:lnSpc>
+            </a:pPr>
+            <a:endParaRPr lang="en" altLang="zh-CN" sz="1000"/>
+          </a:p>
+          <a:p>
+            <a:pPr lvl="1">
+              <a:lnSpc>
+                <a:spcPct val="110000"/>
+              </a:lnSpc>
+            </a:pPr>
+            <a:r>
+              <a:rPr lang="en" altLang="zh-CN" sz="1000"/>
+              <a:t>Enable personalized product recommendations</a:t>
+            </a:r>
+            <a:endParaRPr kumimoji="1" lang="zh-CN" altLang="en-US" sz="1000"/>
+          </a:p>
+        </p:txBody>
+      </p:sp>
+      <p:pic>
+        <p:nvPicPr>
+          <p:cNvPr id="16" name="Picture 15">
+            <a:extLst>
+              <a:ext uri="{FF2B5EF4-FFF2-40B4-BE49-F238E27FC236}">
+                <a16:creationId xmlns:a16="http://schemas.microsoft.com/office/drawing/2014/main" id="{D2B4E49C-E7B4-4F6A-8B93-646A0E241191}"/>
+              </a:ext>
+              <a:ext uri="{C183D7F6-B498-43B3-948B-1728B52AA6E4}">
+                <adec:decorative xmlns:adec="http://schemas.microsoft.com/office/drawing/2017/decorative" val="1"/>
+              </a:ext>
+            </a:extLst>
+          </p:cNvPr>
+          <p:cNvPicPr>
+            <a:picLocks noGrp="1" noRot="1" noChangeAspect="1" noMove="1" noResize="1" noEditPoints="1" noAdjustHandles="1" noChangeArrowheads="1" noChangeShapeType="1" noCrop="1"/>
+          </p:cNvPicPr>
+          <p:nvPr>
+            <p:extLst>
+              <p:ext uri="{386F3935-93C4-4BCD-93E2-E3B085C9AB24}">
+                <p16:designElem xmlns:p16="http://schemas.microsoft.com/office/powerpoint/2015/main" val="1"/>
+              </p:ext>
+            </p:extLst>
+          </p:nvPr>
+        </p:nvPicPr>
+        <p:blipFill rotWithShape="1">
+          <a:blip r:embed="rId3">
+            <a:extLst>
+              <a:ext uri="{28A0092B-C50C-407E-A947-70E740481C1C}">
+                <a14:useLocalDpi xmlns:a14="http://schemas.microsoft.com/office/drawing/2010/main" val="0"/>
+              </a:ext>
+            </a:extLst>
+          </a:blip>
+          <a:srcRect l="91927" t="72411" b="10341"/>
+          <a:stretch/>
+        </p:blipFill>
+        <p:spPr>
+          <a:xfrm>
+            <a:off x="11494523" y="2664767"/>
+            <a:ext cx="635958" cy="764233"/>
+          </a:xfrm>
+          <a:custGeom>
+            <a:avLst/>
+            <a:gdLst>
+              <a:gd name="connsiteX0" fmla="*/ 0 w 984308"/>
+              <a:gd name="connsiteY0" fmla="*/ 0 h 1182847"/>
+              <a:gd name="connsiteX1" fmla="*/ 984308 w 984308"/>
+              <a:gd name="connsiteY1" fmla="*/ 0 h 1182847"/>
+              <a:gd name="connsiteX2" fmla="*/ 984308 w 984308"/>
+              <a:gd name="connsiteY2" fmla="*/ 1161661 h 1182847"/>
+              <a:gd name="connsiteX3" fmla="*/ 966627 w 984308"/>
+              <a:gd name="connsiteY3" fmla="*/ 1165915 h 1182847"/>
+              <a:gd name="connsiteX4" fmla="*/ 787132 w 984308"/>
+              <a:gd name="connsiteY4" fmla="*/ 1182847 h 1182847"/>
+              <a:gd name="connsiteX5" fmla="*/ 48601 w 984308"/>
+              <a:gd name="connsiteY5" fmla="*/ 815395 h 1182847"/>
+              <a:gd name="connsiteX6" fmla="*/ 0 w 984308"/>
+              <a:gd name="connsiteY6" fmla="*/ 731606 h 1182847"/>
+            </a:gdLst>
+            <a:ahLst/>
+            <a:cxnLst>
+              <a:cxn ang="0">
+                <a:pos x="connsiteX0" y="connsiteY0"/>
+              </a:cxn>
+              <a:cxn ang="0">
+                <a:pos x="connsiteX1" y="connsiteY1"/>
+              </a:cxn>
+              <a:cxn ang="0">
+                <a:pos x="connsiteX2" y="connsiteY2"/>
+              </a:cxn>
+              <a:cxn ang="0">
+                <a:pos x="connsiteX3" y="connsiteY3"/>
+              </a:cxn>
+              <a:cxn ang="0">
+                <a:pos x="connsiteX4" y="connsiteY4"/>
+              </a:cxn>
+              <a:cxn ang="0">
+                <a:pos x="connsiteX5" y="connsiteY5"/>
+              </a:cxn>
+              <a:cxn ang="0">
+                <a:pos x="connsiteX6" y="connsiteY6"/>
+              </a:cxn>
+            </a:cxnLst>
+            <a:rect l="l" t="t" r="r" b="b"/>
+            <a:pathLst>
+              <a:path w="984308" h="1182847">
+                <a:moveTo>
+                  <a:pt x="0" y="0"/>
+                </a:moveTo>
+                <a:lnTo>
+                  <a:pt x="984308" y="0"/>
+                </a:lnTo>
+                <a:lnTo>
+                  <a:pt x="984308" y="1161661"/>
+                </a:lnTo>
+                <a:lnTo>
+                  <a:pt x="966627" y="1165915"/>
+                </a:lnTo>
+                <a:cubicBezTo>
+                  <a:pt x="908648" y="1177017"/>
+                  <a:pt x="848618" y="1182847"/>
+                  <a:pt x="787132" y="1182847"/>
+                </a:cubicBezTo>
+                <a:cubicBezTo>
+                  <a:pt x="479703" y="1182847"/>
+                  <a:pt x="208655" y="1037089"/>
+                  <a:pt x="48601" y="815395"/>
+                </a:cubicBezTo>
+                <a:lnTo>
+                  <a:pt x="0" y="731606"/>
+                </a:lnTo>
+                <a:close/>
+              </a:path>
+            </a:pathLst>
+          </a:custGeom>
+        </p:spPr>
+      </p:pic>
+      <p:pic>
+        <p:nvPicPr>
+          <p:cNvPr id="18" name="Picture 17">
+            <a:extLst>
+              <a:ext uri="{FF2B5EF4-FFF2-40B4-BE49-F238E27FC236}">
+                <a16:creationId xmlns:a16="http://schemas.microsoft.com/office/drawing/2014/main" id="{46528FBF-1727-4546-8131-BA22ED8B5497}"/>
+              </a:ext>
+              <a:ext uri="{C183D7F6-B498-43B3-948B-1728B52AA6E4}">
+                <adec:decorative xmlns:adec="http://schemas.microsoft.com/office/drawing/2017/decorative" val="1"/>
+              </a:ext>
+            </a:extLst>
+          </p:cNvPr>
+          <p:cNvPicPr>
+            <a:picLocks noGrp="1" noRot="1" noChangeAspect="1" noMove="1" noResize="1" noEditPoints="1" noAdjustHandles="1" noChangeArrowheads="1" noChangeShapeType="1" noCrop="1"/>
+          </p:cNvPicPr>
+          <p:nvPr>
+            <p:extLst>
+              <p:ext uri="{386F3935-93C4-4BCD-93E2-E3B085C9AB24}">
+                <p16:designElem xmlns:p16="http://schemas.microsoft.com/office/powerpoint/2015/main" val="1"/>
+              </p:ext>
+            </p:extLst>
+          </p:nvPr>
+        </p:nvPicPr>
+        <p:blipFill rotWithShape="1">
+          <a:blip r:embed="rId2">
+            <a:extLst>
+              <a:ext uri="{28A0092B-C50C-407E-A947-70E740481C1C}">
+                <a14:useLocalDpi xmlns:a14="http://schemas.microsoft.com/office/drawing/2010/main" val="0"/>
+              </a:ext>
+            </a:extLst>
+          </a:blip>
+          <a:srcRect l="65973" t="81531" r="19879"/>
+          <a:stretch/>
+        </p:blipFill>
+        <p:spPr>
+          <a:xfrm>
+            <a:off x="8887626" y="5982056"/>
+            <a:ext cx="1192806" cy="875944"/>
+          </a:xfrm>
+          <a:custGeom>
+            <a:avLst/>
+            <a:gdLst>
+              <a:gd name="connsiteX0" fmla="*/ 2051608 w 4103216"/>
+              <a:gd name="connsiteY0" fmla="*/ 0 h 1714050"/>
+              <a:gd name="connsiteX1" fmla="*/ 4103216 w 4103216"/>
+              <a:gd name="connsiteY1" fmla="*/ 1266738 h 1714050"/>
+              <a:gd name="connsiteX2" fmla="*/ 4010980 w 4103216"/>
+              <a:gd name="connsiteY2" fmla="*/ 1643427 h 1714050"/>
+              <a:gd name="connsiteX3" fmla="*/ 3969116 w 4103216"/>
+              <a:gd name="connsiteY3" fmla="*/ 1714050 h 1714050"/>
+              <a:gd name="connsiteX4" fmla="*/ 134100 w 4103216"/>
+              <a:gd name="connsiteY4" fmla="*/ 1714050 h 1714050"/>
+              <a:gd name="connsiteX5" fmla="*/ 92237 w 4103216"/>
+              <a:gd name="connsiteY5" fmla="*/ 1643427 h 1714050"/>
+              <a:gd name="connsiteX6" fmla="*/ 0 w 4103216"/>
+              <a:gd name="connsiteY6" fmla="*/ 1266738 h 1714050"/>
+              <a:gd name="connsiteX7" fmla="*/ 2051608 w 4103216"/>
+              <a:gd name="connsiteY7" fmla="*/ 0 h 1714050"/>
+            </a:gdLst>
+            <a:ahLst/>
+            <a:cxnLst>
+              <a:cxn ang="0">
+                <a:pos x="connsiteX0" y="connsiteY0"/>
+              </a:cxn>
+              <a:cxn ang="0">
+                <a:pos x="connsiteX1" y="connsiteY1"/>
+              </a:cxn>
+              <a:cxn ang="0">
+                <a:pos x="connsiteX2" y="connsiteY2"/>
+              </a:cxn>
+              <a:cxn ang="0">
+                <a:pos x="connsiteX3" y="connsiteY3"/>
+              </a:cxn>
+              <a:cxn ang="0">
+                <a:pos x="connsiteX4" y="connsiteY4"/>
+              </a:cxn>
+              <a:cxn ang="0">
+                <a:pos x="connsiteX5" y="connsiteY5"/>
+              </a:cxn>
+              <a:cxn ang="0">
+                <a:pos x="connsiteX6" y="connsiteY6"/>
+              </a:cxn>
+              <a:cxn ang="0">
+                <a:pos x="connsiteX7" y="connsiteY7"/>
+              </a:cxn>
+            </a:cxnLst>
+            <a:rect l="l" t="t" r="r" b="b"/>
+            <a:pathLst>
+              <a:path w="4103216" h="1714050">
+                <a:moveTo>
+                  <a:pt x="2051608" y="0"/>
+                </a:moveTo>
+                <a:cubicBezTo>
+                  <a:pt x="3184680" y="0"/>
+                  <a:pt x="4103216" y="567138"/>
+                  <a:pt x="4103216" y="1266738"/>
+                </a:cubicBezTo>
+                <a:cubicBezTo>
+                  <a:pt x="4103216" y="1397913"/>
+                  <a:pt x="4070924" y="1524431"/>
+                  <a:pt x="4010980" y="1643427"/>
+                </a:cubicBezTo>
+                <a:lnTo>
+                  <a:pt x="3969116" y="1714050"/>
+                </a:lnTo>
+                <a:lnTo>
+                  <a:pt x="134100" y="1714050"/>
+                </a:lnTo>
+                <a:lnTo>
+                  <a:pt x="92237" y="1643427"/>
+                </a:lnTo>
+                <a:cubicBezTo>
+                  <a:pt x="32293" y="1524431"/>
+                  <a:pt x="0" y="1397913"/>
+                  <a:pt x="0" y="1266738"/>
+                </a:cubicBezTo>
+                <a:cubicBezTo>
+                  <a:pt x="0" y="567138"/>
+                  <a:pt x="918536" y="0"/>
+                  <a:pt x="2051608" y="0"/>
+                </a:cubicBezTo>
+                <a:close/>
+              </a:path>
+            </a:pathLst>
+          </a:custGeom>
+        </p:spPr>
+      </p:pic>
+    </p:spTree>
+    <p:extLst>
+      <p:ext uri="{BB962C8B-B14F-4D97-AF65-F5344CB8AC3E}">
+        <p14:creationId xmlns:p14="http://schemas.microsoft.com/office/powerpoint/2010/main" val="3709549419"/>
+      </p:ext>
+    </p:extLst>
+  </p:cSld>
+  <p:clrMapOvr>
+    <a:masterClrMapping/>
+  </p:clrMapOvr>
+</p:sld>
+</file>
+
+<file path=ppt/slides/slide12.xml><?xml version="1.0" encoding="utf-8"?>
+<p:sld xmlns:a="http://schemas.openxmlformats.org/drawingml/2006/main" xmlns:r="http://schemas.openxmlformats.org/officeDocument/2006/relationships" xmlns:p="http://schemas.openxmlformats.org/presentationml/2006/main">
+  <p:cSld>
+    <p:bg>
+      <p:bgPr>
+        <a:gradFill rotWithShape="1">
+          <a:gsLst>
+            <a:gs pos="0">
+              <a:schemeClr val="bg1">
+                <a:tint val="90000"/>
+                <a:lumMod val="110000"/>
+              </a:schemeClr>
+            </a:gs>
+            <a:gs pos="100000">
+              <a:schemeClr val="bg1">
+                <a:shade val="64000"/>
+                <a:lumMod val="88000"/>
+              </a:schemeClr>
+            </a:gs>
+          </a:gsLst>
+          <a:lin ang="5400000" scaled="0"/>
+        </a:gradFill>
+        <a:effectLst/>
+      </p:bgPr>
+    </p:bg>
+    <p:spTree>
+      <p:nvGrpSpPr>
+        <p:cNvPr id="1" name=""/>
+        <p:cNvGrpSpPr/>
+        <p:nvPr/>
+      </p:nvGrpSpPr>
+      <p:grpSpPr>
+        <a:xfrm>
+          <a:off x="0" y="0"/>
+          <a:ext cx="0" cy="0"/>
+          <a:chOff x="0" y="0"/>
+          <a:chExt cx="0" cy="0"/>
+        </a:xfrm>
+      </p:grpSpPr>
+      <p:sp>
+        <p:nvSpPr>
+          <p:cNvPr id="2" name="标题 1">
+            <a:extLst>
+              <a:ext uri="{FF2B5EF4-FFF2-40B4-BE49-F238E27FC236}">
+                <a16:creationId xmlns:a16="http://schemas.microsoft.com/office/drawing/2014/main" id="{93C91A0B-1612-EB4F-2A44-861A0E83E188}"/>
+              </a:ext>
+            </a:extLst>
+          </p:cNvPr>
+          <p:cNvSpPr>
+            <a:spLocks noGrp="1"/>
+          </p:cNvSpPr>
+          <p:nvPr>
+            <p:ph type="title"/>
+          </p:nvPr>
+        </p:nvSpPr>
+        <p:spPr>
+          <a:xfrm>
+            <a:off x="913775" y="618517"/>
+            <a:ext cx="10364451" cy="1596177"/>
+          </a:xfrm>
+        </p:spPr>
+        <p:txBody>
+          <a:bodyPr>
+            <a:normAutofit/>
+          </a:bodyPr>
+          <a:lstStyle/>
+          <a:p>
+            <a:r>
+              <a:rPr kumimoji="1" lang="en-US" altLang="zh-CN" b="1"/>
+              <a:t>SVD-</a:t>
+            </a:r>
+            <a:r>
+              <a:rPr lang="en-US" altLang="zh-CN" b="1"/>
+              <a:t>Singular</a:t>
+            </a:r>
+            <a:r>
+              <a:rPr lang="zh-CN" altLang="en-US" b="1"/>
+              <a:t> </a:t>
+            </a:r>
+            <a:r>
+              <a:rPr lang="en-US" altLang="zh-CN" b="1"/>
+              <a:t>Value</a:t>
+            </a:r>
+            <a:r>
+              <a:rPr lang="zh-CN" altLang="en-US" b="1"/>
+              <a:t> </a:t>
+            </a:r>
+            <a:r>
+              <a:rPr lang="en-US" altLang="zh-CN" b="1"/>
+              <a:t>Decomposition</a:t>
+            </a:r>
+            <a:endParaRPr kumimoji="1" lang="zh-CN" altLang="en-US" b="1"/>
+          </a:p>
+        </p:txBody>
+      </p:sp>
+      <p:graphicFrame>
+        <p:nvGraphicFramePr>
+          <p:cNvPr id="7" name="内容占位符 4">
+            <a:extLst>
+              <a:ext uri="{FF2B5EF4-FFF2-40B4-BE49-F238E27FC236}">
+                <a16:creationId xmlns:a16="http://schemas.microsoft.com/office/drawing/2014/main" id="{28737FE7-145F-18B2-6260-C3D07D4D498F}"/>
+              </a:ext>
+            </a:extLst>
+          </p:cNvPr>
+          <p:cNvGraphicFramePr>
+            <a:graphicFrameLocks noGrp="1"/>
+          </p:cNvGraphicFramePr>
+          <p:nvPr>
+            <p:ph idx="1"/>
+            <p:extLst>
+              <p:ext uri="{D42A27DB-BD31-4B8C-83A1-F6EECF244321}">
+                <p14:modId xmlns:p14="http://schemas.microsoft.com/office/powerpoint/2010/main" val="1198325332"/>
+              </p:ext>
+            </p:extLst>
+          </p:nvPr>
+        </p:nvGraphicFramePr>
+        <p:xfrm>
+          <a:off x="914400" y="2532475"/>
+          <a:ext cx="10363200" cy="3029067"/>
+        </p:xfrm>
+        <a:graphic>
+          <a:graphicData uri="http://schemas.openxmlformats.org/drawingml/2006/diagram">
+            <dgm:relIds xmlns:dgm="http://schemas.openxmlformats.org/drawingml/2006/diagram" xmlns:r="http://schemas.openxmlformats.org/officeDocument/2006/relationships" r:dm="rId2" r:lo="rId3" r:qs="rId4" r:cs="rId5"/>
+          </a:graphicData>
+        </a:graphic>
+      </p:graphicFrame>
+    </p:spTree>
+    <p:extLst>
+      <p:ext uri="{BB962C8B-B14F-4D97-AF65-F5344CB8AC3E}">
+        <p14:creationId xmlns:p14="http://schemas.microsoft.com/office/powerpoint/2010/main" val="1247885791"/>
+      </p:ext>
+    </p:extLst>
+  </p:cSld>
+  <p:clrMapOvr>
+    <a:masterClrMapping/>
+  </p:clrMapOvr>
+</p:sld>
+</file>
+
+<file path=ppt/slides/slide13.xml><?xml version="1.0" encoding="utf-8"?>
+<p:sld xmlns:a="http://schemas.openxmlformats.org/drawingml/2006/main" xmlns:r="http://schemas.openxmlformats.org/officeDocument/2006/relationships" xmlns:p="http://schemas.openxmlformats.org/presentationml/2006/main">
+  <p:cSld>
+    <p:bg>
+      <p:bgPr>
+        <a:gradFill rotWithShape="1">
+          <a:gsLst>
+            <a:gs pos="0">
+              <a:schemeClr val="bg1">
+                <a:tint val="90000"/>
+                <a:lumMod val="110000"/>
+              </a:schemeClr>
+            </a:gs>
+            <a:gs pos="100000">
+              <a:schemeClr val="bg1">
+                <a:shade val="64000"/>
+                <a:lumMod val="88000"/>
+              </a:schemeClr>
+            </a:gs>
+          </a:gsLst>
+          <a:lin ang="5400000" scaled="0"/>
+        </a:gradFill>
+        <a:effectLst/>
+      </p:bgPr>
+    </p:bg>
+    <p:spTree>
+      <p:nvGrpSpPr>
+        <p:cNvPr id="1" name=""/>
+        <p:cNvGrpSpPr/>
+        <p:nvPr/>
+      </p:nvGrpSpPr>
+      <p:grpSpPr>
+        <a:xfrm>
+          <a:off x="0" y="0"/>
+          <a:ext cx="0" cy="0"/>
+          <a:chOff x="0" y="0"/>
+          <a:chExt cx="0" cy="0"/>
+        </a:xfrm>
+      </p:grpSpPr>
+      <p:sp useBgFill="1">
+        <p:nvSpPr>
           <p:cNvPr id="10" name="Rectangle 9">
             <a:extLst>
               <a:ext uri="{FF2B5EF4-FFF2-40B4-BE49-F238E27FC236}">
@@ -25734,7 +28222,7 @@
 </p:sld>
 </file>
 
-<file path=ppt/slides/slide11.xml><?xml version="1.0" encoding="utf-8"?>
+<file path=ppt/slides/slide14.xml><?xml version="1.0" encoding="utf-8"?>
 <p:sld xmlns:a="http://schemas.openxmlformats.org/drawingml/2006/main" xmlns:r="http://schemas.openxmlformats.org/officeDocument/2006/relationships" xmlns:p="http://schemas.openxmlformats.org/presentationml/2006/main">
   <p:cSld>
     <p:bg>
@@ -26104,8 +28592,8 @@
           </a:prstGeom>
         </p:spPr>
       </p:pic>
-      <mc:AlternateContent xmlns:mc="http://schemas.openxmlformats.org/markup-compatibility/2006">
-        <mc:Choice xmlns:a14="http://schemas.microsoft.com/office/drawing/2010/main" Requires="a14">
+      <mc:AlternateContent xmlns:mc="http://schemas.openxmlformats.org/markup-compatibility/2006" xmlns:a14="http://schemas.microsoft.com/office/drawing/2010/main">
+        <mc:Choice Requires="a14">
           <p:sp>
             <p:nvSpPr>
               <p:cNvPr id="3" name="内容占位符 2">
@@ -26834,7 +29322,7 @@
             </p:txBody>
           </p:sp>
         </mc:Choice>
-        <mc:Fallback>
+        <mc:Fallback xmlns="">
           <p:sp>
             <p:nvSpPr>
               <p:cNvPr id="3" name="内容占位符 2">
@@ -27133,7 +29621,7 @@
 </p:sld>
 </file>
 
-<file path=ppt/slides/slide12.xml><?xml version="1.0" encoding="utf-8"?>
+<file path=ppt/slides/slide15.xml><?xml version="1.0" encoding="utf-8"?>
 <p:sld xmlns:a="http://schemas.openxmlformats.org/drawingml/2006/main" xmlns:r="http://schemas.openxmlformats.org/officeDocument/2006/relationships" xmlns:p="http://schemas.openxmlformats.org/presentationml/2006/main">
   <p:cSld>
     <p:bg>
@@ -27491,7 +29979,7 @@
 </p:sld>
 </file>
 
-<file path=ppt/slides/slide13.xml><?xml version="1.0" encoding="utf-8"?>
+<file path=ppt/slides/slide16.xml><?xml version="1.0" encoding="utf-8"?>
 <p:sld xmlns:a="http://schemas.openxmlformats.org/drawingml/2006/main" xmlns:r="http://schemas.openxmlformats.org/officeDocument/2006/relationships" xmlns:p="http://schemas.openxmlformats.org/presentationml/2006/main">
   <p:cSld>
     <p:bg>
@@ -29214,7 +31702,7 @@
 </p:sld>
 </file>
 
-<file path=ppt/slides/slide14.xml><?xml version="1.0" encoding="utf-8"?>
+<file path=ppt/slides/slide17.xml><?xml version="1.0" encoding="utf-8"?>
 <p:sld xmlns:a="http://schemas.openxmlformats.org/drawingml/2006/main" xmlns:r="http://schemas.openxmlformats.org/officeDocument/2006/relationships" xmlns:p="http://schemas.openxmlformats.org/presentationml/2006/main">
   <p:cSld>
     <p:bg>
@@ -29373,7 +31861,7 @@
 </p:sld>
 </file>
 
-<file path=ppt/slides/slide15.xml><?xml version="1.0" encoding="utf-8"?>
+<file path=ppt/slides/slide18.xml><?xml version="1.0" encoding="utf-8"?>
 <p:sld xmlns:a="http://schemas.openxmlformats.org/drawingml/2006/main" xmlns:r="http://schemas.openxmlformats.org/officeDocument/2006/relationships" xmlns:p="http://schemas.openxmlformats.org/presentationml/2006/main">
   <p:cSld>
     <p:bg>
@@ -29667,7 +32155,2847 @@
 </p:sld>
 </file>
 
+<file path=ppt/slides/slide19.xml><?xml version="1.0" encoding="utf-8"?>
+<p:sld xmlns:a="http://schemas.openxmlformats.org/drawingml/2006/main" xmlns:r="http://schemas.openxmlformats.org/officeDocument/2006/relationships" xmlns:p="http://schemas.openxmlformats.org/presentationml/2006/main">
+  <p:cSld>
+    <p:bg>
+      <p:bgPr>
+        <a:gradFill rotWithShape="1">
+          <a:gsLst>
+            <a:gs pos="0">
+              <a:schemeClr val="bg1">
+                <a:tint val="90000"/>
+                <a:lumMod val="110000"/>
+              </a:schemeClr>
+            </a:gs>
+            <a:gs pos="100000">
+              <a:schemeClr val="bg1">
+                <a:shade val="64000"/>
+                <a:lumMod val="88000"/>
+              </a:schemeClr>
+            </a:gs>
+          </a:gsLst>
+          <a:lin ang="5400000" scaled="0"/>
+        </a:gradFill>
+        <a:effectLst/>
+      </p:bgPr>
+    </p:bg>
+    <p:spTree>
+      <p:nvGrpSpPr>
+        <p:cNvPr id="1" name="">
+          <a:extLst>
+            <a:ext uri="{FF2B5EF4-FFF2-40B4-BE49-F238E27FC236}">
+              <a16:creationId xmlns:a16="http://schemas.microsoft.com/office/drawing/2014/main" id="{013E7938-F245-6CAD-D018-78F1E95C5B3A}"/>
+            </a:ext>
+          </a:extLst>
+        </p:cNvPr>
+        <p:cNvGrpSpPr/>
+        <p:nvPr/>
+      </p:nvGrpSpPr>
+      <p:grpSpPr>
+        <a:xfrm>
+          <a:off x="0" y="0"/>
+          <a:ext cx="0" cy="0"/>
+          <a:chOff x="0" y="0"/>
+          <a:chExt cx="0" cy="0"/>
+        </a:xfrm>
+      </p:grpSpPr>
+      <p:sp useBgFill="1">
+        <p:nvSpPr>
+          <p:cNvPr id="10" name="Rectangle 9">
+            <a:extLst>
+              <a:ext uri="{FF2B5EF4-FFF2-40B4-BE49-F238E27FC236}">
+                <a16:creationId xmlns:a16="http://schemas.microsoft.com/office/drawing/2014/main" id="{8F0DBDA1-9E01-A780-D62B-D3056FEA3D81}"/>
+              </a:ext>
+              <a:ext uri="{C183D7F6-B498-43B3-948B-1728B52AA6E4}">
+                <adec:decorative xmlns:adec="http://schemas.microsoft.com/office/drawing/2017/decorative" val="1"/>
+              </a:ext>
+            </a:extLst>
+          </p:cNvPr>
+          <p:cNvSpPr>
+            <a:spLocks noGrp="1" noRot="1" noChangeAspect="1" noMove="1" noResize="1" noEditPoints="1" noAdjustHandles="1" noChangeArrowheads="1" noChangeShapeType="1" noTextEdit="1"/>
+          </p:cNvSpPr>
+          <p:nvPr>
+            <p:extLst>
+              <p:ext uri="{386F3935-93C4-4BCD-93E2-E3B085C9AB24}">
+                <p16:designElem xmlns:p16="http://schemas.microsoft.com/office/powerpoint/2015/main" val="1"/>
+              </p:ext>
+            </p:extLst>
+          </p:nvPr>
+        </p:nvSpPr>
+        <p:spPr>
+          <a:xfrm>
+            <a:off x="0" y="0"/>
+            <a:ext cx="12192000" cy="6858000"/>
+          </a:xfrm>
+          <a:prstGeom prst="rect">
+            <a:avLst/>
+          </a:prstGeom>
+          <a:ln>
+            <a:noFill/>
+          </a:ln>
+        </p:spPr>
+        <p:style>
+          <a:lnRef idx="2">
+            <a:schemeClr val="accent1">
+              <a:shade val="50000"/>
+            </a:schemeClr>
+          </a:lnRef>
+          <a:fillRef idx="1">
+            <a:schemeClr val="accent1"/>
+          </a:fillRef>
+          <a:effectRef idx="0">
+            <a:schemeClr val="accent1"/>
+          </a:effectRef>
+          <a:fontRef idx="minor">
+            <a:schemeClr val="lt1"/>
+          </a:fontRef>
+        </p:style>
+        <p:txBody>
+          <a:bodyPr rtlCol="0" anchor="ctr"/>
+          <a:lstStyle/>
+          <a:p>
+            <a:pPr algn="ctr"/>
+            <a:endParaRPr lang="en-US"/>
+          </a:p>
+        </p:txBody>
+      </p:sp>
+      <p:pic>
+        <p:nvPicPr>
+          <p:cNvPr id="12" name="Picture 11">
+            <a:extLst>
+              <a:ext uri="{FF2B5EF4-FFF2-40B4-BE49-F238E27FC236}">
+                <a16:creationId xmlns:a16="http://schemas.microsoft.com/office/drawing/2014/main" id="{220554B1-AFC2-F8FF-1F88-C4EA1F4DB99E}"/>
+              </a:ext>
+              <a:ext uri="{C183D7F6-B498-43B3-948B-1728B52AA6E4}">
+                <adec:decorative xmlns:adec="http://schemas.microsoft.com/office/drawing/2017/decorative" val="1"/>
+              </a:ext>
+            </a:extLst>
+          </p:cNvPr>
+          <p:cNvPicPr>
+            <a:picLocks noGrp="1" noRot="1" noChangeAspect="1" noMove="1" noResize="1" noEditPoints="1" noAdjustHandles="1" noChangeArrowheads="1" noChangeShapeType="1" noCrop="1"/>
+          </p:cNvPicPr>
+          <p:nvPr>
+            <p:extLst>
+              <p:ext uri="{386F3935-93C4-4BCD-93E2-E3B085C9AB24}">
+                <p16:designElem xmlns:p16="http://schemas.microsoft.com/office/powerpoint/2015/main" val="1"/>
+              </p:ext>
+            </p:extLst>
+          </p:nvPr>
+        </p:nvPicPr>
+        <p:blipFill rotWithShape="1">
+          <a:blip r:embed="rId2">
+            <a:extLst>
+              <a:ext uri="{28A0092B-C50C-407E-A947-70E740481C1C}">
+                <a14:useLocalDpi xmlns:a14="http://schemas.microsoft.com/office/drawing/2010/main" val="0"/>
+              </a:ext>
+            </a:extLst>
+          </a:blip>
+          <a:srcRect l="46466" t="75007" r="30510"/>
+          <a:stretch/>
+        </p:blipFill>
+        <p:spPr>
+          <a:xfrm>
+            <a:off x="0" y="138157"/>
+            <a:ext cx="1712063" cy="1045389"/>
+          </a:xfrm>
+          <a:custGeom>
+            <a:avLst/>
+            <a:gdLst>
+              <a:gd name="connsiteX0" fmla="*/ 2051608 w 4103216"/>
+              <a:gd name="connsiteY0" fmla="*/ 0 h 1714050"/>
+              <a:gd name="connsiteX1" fmla="*/ 4103216 w 4103216"/>
+              <a:gd name="connsiteY1" fmla="*/ 1266738 h 1714050"/>
+              <a:gd name="connsiteX2" fmla="*/ 4010980 w 4103216"/>
+              <a:gd name="connsiteY2" fmla="*/ 1643427 h 1714050"/>
+              <a:gd name="connsiteX3" fmla="*/ 3969116 w 4103216"/>
+              <a:gd name="connsiteY3" fmla="*/ 1714050 h 1714050"/>
+              <a:gd name="connsiteX4" fmla="*/ 134100 w 4103216"/>
+              <a:gd name="connsiteY4" fmla="*/ 1714050 h 1714050"/>
+              <a:gd name="connsiteX5" fmla="*/ 92237 w 4103216"/>
+              <a:gd name="connsiteY5" fmla="*/ 1643427 h 1714050"/>
+              <a:gd name="connsiteX6" fmla="*/ 0 w 4103216"/>
+              <a:gd name="connsiteY6" fmla="*/ 1266738 h 1714050"/>
+              <a:gd name="connsiteX7" fmla="*/ 2051608 w 4103216"/>
+              <a:gd name="connsiteY7" fmla="*/ 0 h 1714050"/>
+            </a:gdLst>
+            <a:ahLst/>
+            <a:cxnLst>
+              <a:cxn ang="0">
+                <a:pos x="connsiteX0" y="connsiteY0"/>
+              </a:cxn>
+              <a:cxn ang="0">
+                <a:pos x="connsiteX1" y="connsiteY1"/>
+              </a:cxn>
+              <a:cxn ang="0">
+                <a:pos x="connsiteX2" y="connsiteY2"/>
+              </a:cxn>
+              <a:cxn ang="0">
+                <a:pos x="connsiteX3" y="connsiteY3"/>
+              </a:cxn>
+              <a:cxn ang="0">
+                <a:pos x="connsiteX4" y="connsiteY4"/>
+              </a:cxn>
+              <a:cxn ang="0">
+                <a:pos x="connsiteX5" y="connsiteY5"/>
+              </a:cxn>
+              <a:cxn ang="0">
+                <a:pos x="connsiteX6" y="connsiteY6"/>
+              </a:cxn>
+              <a:cxn ang="0">
+                <a:pos x="connsiteX7" y="connsiteY7"/>
+              </a:cxn>
+            </a:cxnLst>
+            <a:rect l="l" t="t" r="r" b="b"/>
+            <a:pathLst>
+              <a:path w="4103216" h="1714050">
+                <a:moveTo>
+                  <a:pt x="2051608" y="0"/>
+                </a:moveTo>
+                <a:cubicBezTo>
+                  <a:pt x="3184680" y="0"/>
+                  <a:pt x="4103216" y="567138"/>
+                  <a:pt x="4103216" y="1266738"/>
+                </a:cubicBezTo>
+                <a:cubicBezTo>
+                  <a:pt x="4103216" y="1397913"/>
+                  <a:pt x="4070924" y="1524431"/>
+                  <a:pt x="4010980" y="1643427"/>
+                </a:cubicBezTo>
+                <a:lnTo>
+                  <a:pt x="3969116" y="1714050"/>
+                </a:lnTo>
+                <a:lnTo>
+                  <a:pt x="134100" y="1714050"/>
+                </a:lnTo>
+                <a:lnTo>
+                  <a:pt x="92237" y="1643427"/>
+                </a:lnTo>
+                <a:cubicBezTo>
+                  <a:pt x="32293" y="1524431"/>
+                  <a:pt x="0" y="1397913"/>
+                  <a:pt x="0" y="1266738"/>
+                </a:cubicBezTo>
+                <a:cubicBezTo>
+                  <a:pt x="0" y="567138"/>
+                  <a:pt x="918536" y="0"/>
+                  <a:pt x="2051608" y="0"/>
+                </a:cubicBezTo>
+                <a:close/>
+              </a:path>
+            </a:pathLst>
+          </a:custGeom>
+        </p:spPr>
+      </p:pic>
+      <p:sp>
+        <p:nvSpPr>
+          <p:cNvPr id="5" name="标题 1">
+            <a:extLst>
+              <a:ext uri="{FF2B5EF4-FFF2-40B4-BE49-F238E27FC236}">
+                <a16:creationId xmlns:a16="http://schemas.microsoft.com/office/drawing/2014/main" id="{ECD0C346-0A5B-8D18-D021-EBD1D1B4AEF6}"/>
+              </a:ext>
+            </a:extLst>
+          </p:cNvPr>
+          <p:cNvSpPr txBox="1">
+            <a:spLocks/>
+          </p:cNvSpPr>
+          <p:nvPr/>
+        </p:nvSpPr>
+        <p:spPr>
+          <a:xfrm>
+            <a:off x="1565768" y="385457"/>
+            <a:ext cx="7074957" cy="1596177"/>
+          </a:xfrm>
+          <a:prstGeom prst="rect">
+            <a:avLst/>
+          </a:prstGeom>
+        </p:spPr>
+        <p:txBody>
+          <a:bodyPr vert="horz" lIns="91440" tIns="45720" rIns="91440" bIns="45720" rtlCol="0" anchor="ctr">
+            <a:normAutofit/>
+          </a:bodyPr>
+          <a:lstStyle>
+            <a:lvl1pPr algn="l" defTabSz="914400" rtl="0" eaLnBrk="1" latinLnBrk="0" hangingPunct="1">
+              <a:lnSpc>
+                <a:spcPct val="90000"/>
+              </a:lnSpc>
+              <a:spcBef>
+                <a:spcPct val="0"/>
+              </a:spcBef>
+              <a:buNone/>
+              <a:defRPr sz="4400" kern="1200">
+                <a:solidFill>
+                  <a:schemeClr val="tx1"/>
+                </a:solidFill>
+                <a:latin typeface="+mj-lt"/>
+                <a:ea typeface="+mj-ea"/>
+                <a:cs typeface="+mj-cs"/>
+              </a:defRPr>
+            </a:lvl1pPr>
+          </a:lstStyle>
+          <a:p>
+            <a:r>
+              <a:rPr lang="en-US" sz="4000" dirty="0"/>
+              <a:t>Future Challenges of Spark ALS Algorithm</a:t>
+            </a:r>
+          </a:p>
+        </p:txBody>
+      </p:sp>
+      <p:pic>
+        <p:nvPicPr>
+          <p:cNvPr id="14" name="Picture 13">
+            <a:extLst>
+              <a:ext uri="{FF2B5EF4-FFF2-40B4-BE49-F238E27FC236}">
+                <a16:creationId xmlns:a16="http://schemas.microsoft.com/office/drawing/2014/main" id="{34D99B95-B581-1646-A032-152543A84C4A}"/>
+              </a:ext>
+              <a:ext uri="{C183D7F6-B498-43B3-948B-1728B52AA6E4}">
+                <adec:decorative xmlns:adec="http://schemas.microsoft.com/office/drawing/2017/decorative" val="1"/>
+              </a:ext>
+            </a:extLst>
+          </p:cNvPr>
+          <p:cNvPicPr>
+            <a:picLocks noGrp="1" noRot="1" noChangeAspect="1" noMove="1" noResize="1" noEditPoints="1" noAdjustHandles="1" noChangeArrowheads="1" noChangeShapeType="1" noCrop="1"/>
+          </p:cNvPicPr>
+          <p:nvPr>
+            <p:extLst>
+              <p:ext uri="{386F3935-93C4-4BCD-93E2-E3B085C9AB24}">
+                <p16:designElem xmlns:p16="http://schemas.microsoft.com/office/powerpoint/2015/main" val="1"/>
+              </p:ext>
+            </p:extLst>
+          </p:nvPr>
+        </p:nvPicPr>
+        <p:blipFill rotWithShape="1">
+          <a:blip r:embed="rId3">
+            <a:extLst>
+              <a:ext uri="{28A0092B-C50C-407E-A947-70E740481C1C}">
+                <a14:useLocalDpi xmlns:a14="http://schemas.microsoft.com/office/drawing/2010/main" val="0"/>
+              </a:ext>
+            </a:extLst>
+          </a:blip>
+          <a:srcRect l="55183" t="89413" r="18746"/>
+          <a:stretch/>
+        </p:blipFill>
+        <p:spPr>
+          <a:xfrm>
+            <a:off x="8404564" y="0"/>
+            <a:ext cx="2589690" cy="591546"/>
+          </a:xfrm>
+          <a:prstGeom prst="rect">
+            <a:avLst/>
+          </a:prstGeom>
+        </p:spPr>
+      </p:pic>
+      <p:pic>
+        <p:nvPicPr>
+          <p:cNvPr id="16" name="Picture 15">
+            <a:extLst>
+              <a:ext uri="{FF2B5EF4-FFF2-40B4-BE49-F238E27FC236}">
+                <a16:creationId xmlns:a16="http://schemas.microsoft.com/office/drawing/2014/main" id="{BFCDC2C2-2DC0-CA3B-0537-A5462471B477}"/>
+              </a:ext>
+              <a:ext uri="{C183D7F6-B498-43B3-948B-1728B52AA6E4}">
+                <adec:decorative xmlns:adec="http://schemas.microsoft.com/office/drawing/2017/decorative" val="1"/>
+              </a:ext>
+            </a:extLst>
+          </p:cNvPr>
+          <p:cNvPicPr>
+            <a:picLocks noGrp="1" noRot="1" noChangeAspect="1" noMove="1" noResize="1" noEditPoints="1" noAdjustHandles="1" noChangeArrowheads="1" noChangeShapeType="1" noCrop="1"/>
+          </p:cNvPicPr>
+          <p:nvPr>
+            <p:extLst>
+              <p:ext uri="{386F3935-93C4-4BCD-93E2-E3B085C9AB24}">
+                <p16:designElem xmlns:p16="http://schemas.microsoft.com/office/powerpoint/2015/main" val="1"/>
+              </p:ext>
+            </p:extLst>
+          </p:nvPr>
+        </p:nvPicPr>
+        <p:blipFill rotWithShape="1">
+          <a:blip r:embed="rId2">
+            <a:extLst>
+              <a:ext uri="{28A0092B-C50C-407E-A947-70E740481C1C}">
+                <a14:useLocalDpi xmlns:a14="http://schemas.microsoft.com/office/drawing/2010/main" val="0"/>
+              </a:ext>
+            </a:extLst>
+          </a:blip>
+          <a:srcRect l="73623" t="43915" r="1" b="10213"/>
+          <a:stretch/>
+        </p:blipFill>
+        <p:spPr>
+          <a:xfrm>
+            <a:off x="10471066" y="183232"/>
+            <a:ext cx="1720934" cy="1683522"/>
+          </a:xfrm>
+          <a:prstGeom prst="rect">
+            <a:avLst/>
+          </a:prstGeom>
+        </p:spPr>
+      </p:pic>
+      <p:sp>
+        <p:nvSpPr>
+          <p:cNvPr id="3" name="内容占位符 2">
+            <a:extLst>
+              <a:ext uri="{FF2B5EF4-FFF2-40B4-BE49-F238E27FC236}">
+                <a16:creationId xmlns:a16="http://schemas.microsoft.com/office/drawing/2014/main" id="{EFB870C8-002C-7786-3DA7-77FE31FA3193}"/>
+              </a:ext>
+            </a:extLst>
+          </p:cNvPr>
+          <p:cNvSpPr>
+            <a:spLocks noGrp="1"/>
+          </p:cNvSpPr>
+          <p:nvPr>
+            <p:ph idx="1"/>
+          </p:nvPr>
+        </p:nvSpPr>
+        <p:spPr>
+          <a:xfrm>
+            <a:off x="1354019" y="1647846"/>
+            <a:ext cx="8726413" cy="4745854"/>
+          </a:xfrm>
+        </p:spPr>
+        <p:txBody>
+          <a:bodyPr vert="horz" lIns="91440" tIns="45720" rIns="91440" bIns="45720" rtlCol="0">
+            <a:noAutofit/>
+          </a:bodyPr>
+          <a:lstStyle/>
+          <a:p>
+            <a:endParaRPr lang="en-US" sz="1800" dirty="0"/>
+          </a:p>
+          <a:p>
+            <a:pPr marL="285750" indent="-285750">
+              <a:buFont typeface="Arial" panose="020B0604020202020204" pitchFamily="34" charset="0"/>
+              <a:buChar char="•"/>
+            </a:pPr>
+            <a:r>
+              <a:rPr lang="en-US" sz="2400" dirty="0"/>
+              <a:t>Scalability limitations with large-scale sparse data</a:t>
+            </a:r>
+          </a:p>
+          <a:p>
+            <a:pPr marL="285750" indent="-285750">
+              <a:buFont typeface="Arial" panose="020B0604020202020204" pitchFamily="34" charset="0"/>
+              <a:buChar char="•"/>
+            </a:pPr>
+            <a:r>
+              <a:rPr lang="en-US" sz="2400" dirty="0"/>
+              <a:t>Cold start problem remains unresolved</a:t>
+            </a:r>
+          </a:p>
+          <a:p>
+            <a:pPr marL="285750" indent="-285750">
+              <a:buFont typeface="Arial" panose="020B0604020202020204" pitchFamily="34" charset="0"/>
+              <a:buChar char="•"/>
+            </a:pPr>
+            <a:r>
+              <a:rPr lang="en-US" sz="2400" dirty="0"/>
+              <a:t>Hyperparameter tuning is computationally expensive</a:t>
+            </a:r>
+          </a:p>
+          <a:p>
+            <a:pPr marL="285750" indent="-285750">
+              <a:buFont typeface="Arial" panose="020B0604020202020204" pitchFamily="34" charset="0"/>
+              <a:buChar char="•"/>
+            </a:pPr>
+            <a:r>
+              <a:rPr lang="en-US" sz="2400" dirty="0"/>
+              <a:t>Lack of model explainability</a:t>
+            </a:r>
+          </a:p>
+          <a:p>
+            <a:pPr marL="285750" indent="-285750">
+              <a:buFont typeface="Arial" panose="020B0604020202020204" pitchFamily="34" charset="0"/>
+              <a:buChar char="•"/>
+            </a:pPr>
+            <a:r>
+              <a:rPr lang="en-US" sz="2400" dirty="0"/>
+              <a:t>Latency in real-time recommendations</a:t>
+            </a:r>
+          </a:p>
+          <a:p>
+            <a:pPr marL="0" indent="0">
+              <a:buNone/>
+            </a:pPr>
+            <a:endParaRPr kumimoji="1" lang="en-US" altLang="zh-CN" sz="600" dirty="0"/>
+          </a:p>
+        </p:txBody>
+      </p:sp>
+      <p:pic>
+        <p:nvPicPr>
+          <p:cNvPr id="18" name="Picture 17">
+            <a:extLst>
+              <a:ext uri="{FF2B5EF4-FFF2-40B4-BE49-F238E27FC236}">
+                <a16:creationId xmlns:a16="http://schemas.microsoft.com/office/drawing/2014/main" id="{5F14A435-ADA8-7D8E-B956-42A9983DABF1}"/>
+              </a:ext>
+              <a:ext uri="{C183D7F6-B498-43B3-948B-1728B52AA6E4}">
+                <adec:decorative xmlns:adec="http://schemas.microsoft.com/office/drawing/2017/decorative" val="1"/>
+              </a:ext>
+            </a:extLst>
+          </p:cNvPr>
+          <p:cNvPicPr>
+            <a:picLocks noGrp="1" noRot="1" noChangeAspect="1" noMove="1" noResize="1" noEditPoints="1" noAdjustHandles="1" noChangeArrowheads="1" noChangeShapeType="1" noCrop="1"/>
+          </p:cNvPicPr>
+          <p:nvPr>
+            <p:extLst>
+              <p:ext uri="{386F3935-93C4-4BCD-93E2-E3B085C9AB24}">
+                <p16:designElem xmlns:p16="http://schemas.microsoft.com/office/powerpoint/2015/main" val="1"/>
+              </p:ext>
+            </p:extLst>
+          </p:nvPr>
+        </p:nvPicPr>
+        <p:blipFill rotWithShape="1">
+          <a:blip r:embed="rId3">
+            <a:extLst>
+              <a:ext uri="{28A0092B-C50C-407E-A947-70E740481C1C}">
+                <a14:useLocalDpi xmlns:a14="http://schemas.microsoft.com/office/drawing/2010/main" val="0"/>
+              </a:ext>
+            </a:extLst>
+          </a:blip>
+          <a:srcRect l="91927" t="72411" b="10341"/>
+          <a:stretch/>
+        </p:blipFill>
+        <p:spPr>
+          <a:xfrm>
+            <a:off x="11494523" y="2664767"/>
+            <a:ext cx="635958" cy="764233"/>
+          </a:xfrm>
+          <a:custGeom>
+            <a:avLst/>
+            <a:gdLst>
+              <a:gd name="connsiteX0" fmla="*/ 0 w 984308"/>
+              <a:gd name="connsiteY0" fmla="*/ 0 h 1182847"/>
+              <a:gd name="connsiteX1" fmla="*/ 984308 w 984308"/>
+              <a:gd name="connsiteY1" fmla="*/ 0 h 1182847"/>
+              <a:gd name="connsiteX2" fmla="*/ 984308 w 984308"/>
+              <a:gd name="connsiteY2" fmla="*/ 1161661 h 1182847"/>
+              <a:gd name="connsiteX3" fmla="*/ 966627 w 984308"/>
+              <a:gd name="connsiteY3" fmla="*/ 1165915 h 1182847"/>
+              <a:gd name="connsiteX4" fmla="*/ 787132 w 984308"/>
+              <a:gd name="connsiteY4" fmla="*/ 1182847 h 1182847"/>
+              <a:gd name="connsiteX5" fmla="*/ 48601 w 984308"/>
+              <a:gd name="connsiteY5" fmla="*/ 815395 h 1182847"/>
+              <a:gd name="connsiteX6" fmla="*/ 0 w 984308"/>
+              <a:gd name="connsiteY6" fmla="*/ 731606 h 1182847"/>
+            </a:gdLst>
+            <a:ahLst/>
+            <a:cxnLst>
+              <a:cxn ang="0">
+                <a:pos x="connsiteX0" y="connsiteY0"/>
+              </a:cxn>
+              <a:cxn ang="0">
+                <a:pos x="connsiteX1" y="connsiteY1"/>
+              </a:cxn>
+              <a:cxn ang="0">
+                <a:pos x="connsiteX2" y="connsiteY2"/>
+              </a:cxn>
+              <a:cxn ang="0">
+                <a:pos x="connsiteX3" y="connsiteY3"/>
+              </a:cxn>
+              <a:cxn ang="0">
+                <a:pos x="connsiteX4" y="connsiteY4"/>
+              </a:cxn>
+              <a:cxn ang="0">
+                <a:pos x="connsiteX5" y="connsiteY5"/>
+              </a:cxn>
+              <a:cxn ang="0">
+                <a:pos x="connsiteX6" y="connsiteY6"/>
+              </a:cxn>
+            </a:cxnLst>
+            <a:rect l="l" t="t" r="r" b="b"/>
+            <a:pathLst>
+              <a:path w="984308" h="1182847">
+                <a:moveTo>
+                  <a:pt x="0" y="0"/>
+                </a:moveTo>
+                <a:lnTo>
+                  <a:pt x="984308" y="0"/>
+                </a:lnTo>
+                <a:lnTo>
+                  <a:pt x="984308" y="1161661"/>
+                </a:lnTo>
+                <a:lnTo>
+                  <a:pt x="966627" y="1165915"/>
+                </a:lnTo>
+                <a:cubicBezTo>
+                  <a:pt x="908648" y="1177017"/>
+                  <a:pt x="848618" y="1182847"/>
+                  <a:pt x="787132" y="1182847"/>
+                </a:cubicBezTo>
+                <a:cubicBezTo>
+                  <a:pt x="479703" y="1182847"/>
+                  <a:pt x="208655" y="1037089"/>
+                  <a:pt x="48601" y="815395"/>
+                </a:cubicBezTo>
+                <a:lnTo>
+                  <a:pt x="0" y="731606"/>
+                </a:lnTo>
+                <a:close/>
+              </a:path>
+            </a:pathLst>
+          </a:custGeom>
+        </p:spPr>
+      </p:pic>
+      <p:pic>
+        <p:nvPicPr>
+          <p:cNvPr id="20" name="Picture 19">
+            <a:extLst>
+              <a:ext uri="{FF2B5EF4-FFF2-40B4-BE49-F238E27FC236}">
+                <a16:creationId xmlns:a16="http://schemas.microsoft.com/office/drawing/2014/main" id="{E677652F-3D13-7644-9C87-354DE83EA10C}"/>
+              </a:ext>
+              <a:ext uri="{C183D7F6-B498-43B3-948B-1728B52AA6E4}">
+                <adec:decorative xmlns:adec="http://schemas.microsoft.com/office/drawing/2017/decorative" val="1"/>
+              </a:ext>
+            </a:extLst>
+          </p:cNvPr>
+          <p:cNvPicPr>
+            <a:picLocks noGrp="1" noRot="1" noChangeAspect="1" noMove="1" noResize="1" noEditPoints="1" noAdjustHandles="1" noChangeArrowheads="1" noChangeShapeType="1" noCrop="1"/>
+          </p:cNvPicPr>
+          <p:nvPr>
+            <p:extLst>
+              <p:ext uri="{386F3935-93C4-4BCD-93E2-E3B085C9AB24}">
+                <p16:designElem xmlns:p16="http://schemas.microsoft.com/office/powerpoint/2015/main" val="1"/>
+              </p:ext>
+            </p:extLst>
+          </p:nvPr>
+        </p:nvPicPr>
+        <p:blipFill rotWithShape="1">
+          <a:blip r:embed="rId2">
+            <a:extLst>
+              <a:ext uri="{28A0092B-C50C-407E-A947-70E740481C1C}">
+                <a14:useLocalDpi xmlns:a14="http://schemas.microsoft.com/office/drawing/2010/main" val="0"/>
+              </a:ext>
+            </a:extLst>
+          </a:blip>
+          <a:srcRect l="65973" t="81531" r="19879"/>
+          <a:stretch/>
+        </p:blipFill>
+        <p:spPr>
+          <a:xfrm>
+            <a:off x="8887626" y="5982056"/>
+            <a:ext cx="1192806" cy="875944"/>
+          </a:xfrm>
+          <a:custGeom>
+            <a:avLst/>
+            <a:gdLst>
+              <a:gd name="connsiteX0" fmla="*/ 2051608 w 4103216"/>
+              <a:gd name="connsiteY0" fmla="*/ 0 h 1714050"/>
+              <a:gd name="connsiteX1" fmla="*/ 4103216 w 4103216"/>
+              <a:gd name="connsiteY1" fmla="*/ 1266738 h 1714050"/>
+              <a:gd name="connsiteX2" fmla="*/ 4010980 w 4103216"/>
+              <a:gd name="connsiteY2" fmla="*/ 1643427 h 1714050"/>
+              <a:gd name="connsiteX3" fmla="*/ 3969116 w 4103216"/>
+              <a:gd name="connsiteY3" fmla="*/ 1714050 h 1714050"/>
+              <a:gd name="connsiteX4" fmla="*/ 134100 w 4103216"/>
+              <a:gd name="connsiteY4" fmla="*/ 1714050 h 1714050"/>
+              <a:gd name="connsiteX5" fmla="*/ 92237 w 4103216"/>
+              <a:gd name="connsiteY5" fmla="*/ 1643427 h 1714050"/>
+              <a:gd name="connsiteX6" fmla="*/ 0 w 4103216"/>
+              <a:gd name="connsiteY6" fmla="*/ 1266738 h 1714050"/>
+              <a:gd name="connsiteX7" fmla="*/ 2051608 w 4103216"/>
+              <a:gd name="connsiteY7" fmla="*/ 0 h 1714050"/>
+            </a:gdLst>
+            <a:ahLst/>
+            <a:cxnLst>
+              <a:cxn ang="0">
+                <a:pos x="connsiteX0" y="connsiteY0"/>
+              </a:cxn>
+              <a:cxn ang="0">
+                <a:pos x="connsiteX1" y="connsiteY1"/>
+              </a:cxn>
+              <a:cxn ang="0">
+                <a:pos x="connsiteX2" y="connsiteY2"/>
+              </a:cxn>
+              <a:cxn ang="0">
+                <a:pos x="connsiteX3" y="connsiteY3"/>
+              </a:cxn>
+              <a:cxn ang="0">
+                <a:pos x="connsiteX4" y="connsiteY4"/>
+              </a:cxn>
+              <a:cxn ang="0">
+                <a:pos x="connsiteX5" y="connsiteY5"/>
+              </a:cxn>
+              <a:cxn ang="0">
+                <a:pos x="connsiteX6" y="connsiteY6"/>
+              </a:cxn>
+              <a:cxn ang="0">
+                <a:pos x="connsiteX7" y="connsiteY7"/>
+              </a:cxn>
+            </a:cxnLst>
+            <a:rect l="l" t="t" r="r" b="b"/>
+            <a:pathLst>
+              <a:path w="4103216" h="1714050">
+                <a:moveTo>
+                  <a:pt x="2051608" y="0"/>
+                </a:moveTo>
+                <a:cubicBezTo>
+                  <a:pt x="3184680" y="0"/>
+                  <a:pt x="4103216" y="567138"/>
+                  <a:pt x="4103216" y="1266738"/>
+                </a:cubicBezTo>
+                <a:cubicBezTo>
+                  <a:pt x="4103216" y="1397913"/>
+                  <a:pt x="4070924" y="1524431"/>
+                  <a:pt x="4010980" y="1643427"/>
+                </a:cubicBezTo>
+                <a:lnTo>
+                  <a:pt x="3969116" y="1714050"/>
+                </a:lnTo>
+                <a:lnTo>
+                  <a:pt x="134100" y="1714050"/>
+                </a:lnTo>
+                <a:lnTo>
+                  <a:pt x="92237" y="1643427"/>
+                </a:lnTo>
+                <a:cubicBezTo>
+                  <a:pt x="32293" y="1524431"/>
+                  <a:pt x="0" y="1397913"/>
+                  <a:pt x="0" y="1266738"/>
+                </a:cubicBezTo>
+                <a:cubicBezTo>
+                  <a:pt x="0" y="567138"/>
+                  <a:pt x="918536" y="0"/>
+                  <a:pt x="2051608" y="0"/>
+                </a:cubicBezTo>
+                <a:close/>
+              </a:path>
+            </a:pathLst>
+          </a:custGeom>
+        </p:spPr>
+      </p:pic>
+    </p:spTree>
+    <p:extLst>
+      <p:ext uri="{BB962C8B-B14F-4D97-AF65-F5344CB8AC3E}">
+        <p14:creationId xmlns:p14="http://schemas.microsoft.com/office/powerpoint/2010/main" val="952806640"/>
+      </p:ext>
+    </p:extLst>
+  </p:cSld>
+  <p:clrMapOvr>
+    <a:masterClrMapping/>
+  </p:clrMapOvr>
+</p:sld>
+</file>
+
 <file path=ppt/slides/slide2.xml><?xml version="1.0" encoding="utf-8"?>
+<p:sld xmlns:a="http://schemas.openxmlformats.org/drawingml/2006/main" xmlns:r="http://schemas.openxmlformats.org/officeDocument/2006/relationships" xmlns:p="http://schemas.openxmlformats.org/presentationml/2006/main">
+  <p:cSld>
+    <p:bg>
+      <p:bgPr>
+        <a:gradFill rotWithShape="1">
+          <a:gsLst>
+            <a:gs pos="0">
+              <a:schemeClr val="bg1">
+                <a:tint val="90000"/>
+                <a:lumMod val="110000"/>
+              </a:schemeClr>
+            </a:gs>
+            <a:gs pos="100000">
+              <a:schemeClr val="bg1">
+                <a:shade val="64000"/>
+                <a:lumMod val="88000"/>
+              </a:schemeClr>
+            </a:gs>
+          </a:gsLst>
+          <a:lin ang="5400000" scaled="0"/>
+        </a:gradFill>
+        <a:effectLst/>
+      </p:bgPr>
+    </p:bg>
+    <p:spTree>
+      <p:nvGrpSpPr>
+        <p:cNvPr id="1" name="">
+          <a:extLst>
+            <a:ext uri="{FF2B5EF4-FFF2-40B4-BE49-F238E27FC236}">
+              <a16:creationId xmlns:a16="http://schemas.microsoft.com/office/drawing/2014/main" id="{C2CF6D99-2232-EBE4-EDE8-5513F50FA833}"/>
+            </a:ext>
+          </a:extLst>
+        </p:cNvPr>
+        <p:cNvGrpSpPr/>
+        <p:nvPr/>
+      </p:nvGrpSpPr>
+      <p:grpSpPr>
+        <a:xfrm>
+          <a:off x="0" y="0"/>
+          <a:ext cx="0" cy="0"/>
+          <a:chOff x="0" y="0"/>
+          <a:chExt cx="0" cy="0"/>
+        </a:xfrm>
+      </p:grpSpPr>
+      <p:sp useBgFill="1">
+        <p:nvSpPr>
+          <p:cNvPr id="10" name="Rectangle 9">
+            <a:extLst>
+              <a:ext uri="{FF2B5EF4-FFF2-40B4-BE49-F238E27FC236}">
+                <a16:creationId xmlns:a16="http://schemas.microsoft.com/office/drawing/2014/main" id="{73FC95C8-EB34-0C5E-DC34-8213A26396A3}"/>
+              </a:ext>
+              <a:ext uri="{C183D7F6-B498-43B3-948B-1728B52AA6E4}">
+                <adec:decorative xmlns:adec="http://schemas.microsoft.com/office/drawing/2017/decorative" val="1"/>
+              </a:ext>
+            </a:extLst>
+          </p:cNvPr>
+          <p:cNvSpPr>
+            <a:spLocks noGrp="1" noRot="1" noChangeAspect="1" noMove="1" noResize="1" noEditPoints="1" noAdjustHandles="1" noChangeArrowheads="1" noChangeShapeType="1" noTextEdit="1"/>
+          </p:cNvSpPr>
+          <p:nvPr>
+            <p:extLst>
+              <p:ext uri="{386F3935-93C4-4BCD-93E2-E3B085C9AB24}">
+                <p16:designElem xmlns:p16="http://schemas.microsoft.com/office/powerpoint/2015/main" val="1"/>
+              </p:ext>
+            </p:extLst>
+          </p:nvPr>
+        </p:nvSpPr>
+        <p:spPr>
+          <a:xfrm>
+            <a:off x="0" y="0"/>
+            <a:ext cx="12192000" cy="6858000"/>
+          </a:xfrm>
+          <a:prstGeom prst="rect">
+            <a:avLst/>
+          </a:prstGeom>
+          <a:ln>
+            <a:noFill/>
+          </a:ln>
+        </p:spPr>
+        <p:style>
+          <a:lnRef idx="2">
+            <a:schemeClr val="accent1">
+              <a:shade val="50000"/>
+            </a:schemeClr>
+          </a:lnRef>
+          <a:fillRef idx="1">
+            <a:schemeClr val="accent1"/>
+          </a:fillRef>
+          <a:effectRef idx="0">
+            <a:schemeClr val="accent1"/>
+          </a:effectRef>
+          <a:fontRef idx="minor">
+            <a:schemeClr val="lt1"/>
+          </a:fontRef>
+        </p:style>
+        <p:txBody>
+          <a:bodyPr rtlCol="0" anchor="ctr"/>
+          <a:lstStyle/>
+          <a:p>
+            <a:pPr algn="ctr"/>
+            <a:endParaRPr lang="en-US"/>
+          </a:p>
+        </p:txBody>
+      </p:sp>
+      <p:pic>
+        <p:nvPicPr>
+          <p:cNvPr id="12" name="Picture 11">
+            <a:extLst>
+              <a:ext uri="{FF2B5EF4-FFF2-40B4-BE49-F238E27FC236}">
+                <a16:creationId xmlns:a16="http://schemas.microsoft.com/office/drawing/2014/main" id="{655F562A-D64F-FC7A-E0CE-6E8DA2834B13}"/>
+              </a:ext>
+              <a:ext uri="{C183D7F6-B498-43B3-948B-1728B52AA6E4}">
+                <adec:decorative xmlns:adec="http://schemas.microsoft.com/office/drawing/2017/decorative" val="1"/>
+              </a:ext>
+            </a:extLst>
+          </p:cNvPr>
+          <p:cNvPicPr>
+            <a:picLocks noGrp="1" noRot="1" noChangeAspect="1" noMove="1" noResize="1" noEditPoints="1" noAdjustHandles="1" noChangeArrowheads="1" noChangeShapeType="1" noCrop="1"/>
+          </p:cNvPicPr>
+          <p:nvPr>
+            <p:extLst>
+              <p:ext uri="{386F3935-93C4-4BCD-93E2-E3B085C9AB24}">
+                <p16:designElem xmlns:p16="http://schemas.microsoft.com/office/powerpoint/2015/main" val="1"/>
+              </p:ext>
+            </p:extLst>
+          </p:nvPr>
+        </p:nvPicPr>
+        <p:blipFill rotWithShape="1">
+          <a:blip r:embed="rId2">
+            <a:extLst>
+              <a:ext uri="{28A0092B-C50C-407E-A947-70E740481C1C}">
+                <a14:useLocalDpi xmlns:a14="http://schemas.microsoft.com/office/drawing/2010/main" val="0"/>
+              </a:ext>
+            </a:extLst>
+          </a:blip>
+          <a:srcRect l="46466" t="75007" r="30510"/>
+          <a:stretch/>
+        </p:blipFill>
+        <p:spPr>
+          <a:xfrm>
+            <a:off x="0" y="138157"/>
+            <a:ext cx="1712063" cy="1045389"/>
+          </a:xfrm>
+          <a:custGeom>
+            <a:avLst/>
+            <a:gdLst>
+              <a:gd name="connsiteX0" fmla="*/ 2051608 w 4103216"/>
+              <a:gd name="connsiteY0" fmla="*/ 0 h 1714050"/>
+              <a:gd name="connsiteX1" fmla="*/ 4103216 w 4103216"/>
+              <a:gd name="connsiteY1" fmla="*/ 1266738 h 1714050"/>
+              <a:gd name="connsiteX2" fmla="*/ 4010980 w 4103216"/>
+              <a:gd name="connsiteY2" fmla="*/ 1643427 h 1714050"/>
+              <a:gd name="connsiteX3" fmla="*/ 3969116 w 4103216"/>
+              <a:gd name="connsiteY3" fmla="*/ 1714050 h 1714050"/>
+              <a:gd name="connsiteX4" fmla="*/ 134100 w 4103216"/>
+              <a:gd name="connsiteY4" fmla="*/ 1714050 h 1714050"/>
+              <a:gd name="connsiteX5" fmla="*/ 92237 w 4103216"/>
+              <a:gd name="connsiteY5" fmla="*/ 1643427 h 1714050"/>
+              <a:gd name="connsiteX6" fmla="*/ 0 w 4103216"/>
+              <a:gd name="connsiteY6" fmla="*/ 1266738 h 1714050"/>
+              <a:gd name="connsiteX7" fmla="*/ 2051608 w 4103216"/>
+              <a:gd name="connsiteY7" fmla="*/ 0 h 1714050"/>
+            </a:gdLst>
+            <a:ahLst/>
+            <a:cxnLst>
+              <a:cxn ang="0">
+                <a:pos x="connsiteX0" y="connsiteY0"/>
+              </a:cxn>
+              <a:cxn ang="0">
+                <a:pos x="connsiteX1" y="connsiteY1"/>
+              </a:cxn>
+              <a:cxn ang="0">
+                <a:pos x="connsiteX2" y="connsiteY2"/>
+              </a:cxn>
+              <a:cxn ang="0">
+                <a:pos x="connsiteX3" y="connsiteY3"/>
+              </a:cxn>
+              <a:cxn ang="0">
+                <a:pos x="connsiteX4" y="connsiteY4"/>
+              </a:cxn>
+              <a:cxn ang="0">
+                <a:pos x="connsiteX5" y="connsiteY5"/>
+              </a:cxn>
+              <a:cxn ang="0">
+                <a:pos x="connsiteX6" y="connsiteY6"/>
+              </a:cxn>
+              <a:cxn ang="0">
+                <a:pos x="connsiteX7" y="connsiteY7"/>
+              </a:cxn>
+            </a:cxnLst>
+            <a:rect l="l" t="t" r="r" b="b"/>
+            <a:pathLst>
+              <a:path w="4103216" h="1714050">
+                <a:moveTo>
+                  <a:pt x="2051608" y="0"/>
+                </a:moveTo>
+                <a:cubicBezTo>
+                  <a:pt x="3184680" y="0"/>
+                  <a:pt x="4103216" y="567138"/>
+                  <a:pt x="4103216" y="1266738"/>
+                </a:cubicBezTo>
+                <a:cubicBezTo>
+                  <a:pt x="4103216" y="1397913"/>
+                  <a:pt x="4070924" y="1524431"/>
+                  <a:pt x="4010980" y="1643427"/>
+                </a:cubicBezTo>
+                <a:lnTo>
+                  <a:pt x="3969116" y="1714050"/>
+                </a:lnTo>
+                <a:lnTo>
+                  <a:pt x="134100" y="1714050"/>
+                </a:lnTo>
+                <a:lnTo>
+                  <a:pt x="92237" y="1643427"/>
+                </a:lnTo>
+                <a:cubicBezTo>
+                  <a:pt x="32293" y="1524431"/>
+                  <a:pt x="0" y="1397913"/>
+                  <a:pt x="0" y="1266738"/>
+                </a:cubicBezTo>
+                <a:cubicBezTo>
+                  <a:pt x="0" y="567138"/>
+                  <a:pt x="918536" y="0"/>
+                  <a:pt x="2051608" y="0"/>
+                </a:cubicBezTo>
+                <a:close/>
+              </a:path>
+            </a:pathLst>
+          </a:custGeom>
+        </p:spPr>
+      </p:pic>
+      <p:sp>
+        <p:nvSpPr>
+          <p:cNvPr id="5" name="标题 1">
+            <a:extLst>
+              <a:ext uri="{FF2B5EF4-FFF2-40B4-BE49-F238E27FC236}">
+                <a16:creationId xmlns:a16="http://schemas.microsoft.com/office/drawing/2014/main" id="{FCBBD2BC-76F2-436D-9F14-C537BE52F980}"/>
+              </a:ext>
+            </a:extLst>
+          </p:cNvPr>
+          <p:cNvSpPr txBox="1">
+            <a:spLocks/>
+          </p:cNvSpPr>
+          <p:nvPr/>
+        </p:nvSpPr>
+        <p:spPr>
+          <a:xfrm>
+            <a:off x="1565768" y="385457"/>
+            <a:ext cx="6252705" cy="1596177"/>
+          </a:xfrm>
+          <a:prstGeom prst="rect">
+            <a:avLst/>
+          </a:prstGeom>
+        </p:spPr>
+        <p:txBody>
+          <a:bodyPr vert="horz" lIns="91440" tIns="45720" rIns="91440" bIns="45720" rtlCol="0" anchor="ctr">
+            <a:normAutofit/>
+          </a:bodyPr>
+          <a:lstStyle>
+            <a:lvl1pPr algn="l" defTabSz="914400" rtl="0" eaLnBrk="1" latinLnBrk="0" hangingPunct="1">
+              <a:lnSpc>
+                <a:spcPct val="90000"/>
+              </a:lnSpc>
+              <a:spcBef>
+                <a:spcPct val="0"/>
+              </a:spcBef>
+              <a:buNone/>
+              <a:defRPr sz="4400" kern="1200">
+                <a:solidFill>
+                  <a:schemeClr val="tx1"/>
+                </a:solidFill>
+                <a:latin typeface="+mj-lt"/>
+                <a:ea typeface="+mj-ea"/>
+                <a:cs typeface="+mj-cs"/>
+              </a:defRPr>
+            </a:lvl1pPr>
+          </a:lstStyle>
+          <a:p>
+            <a:r>
+              <a:rPr lang="en-US" sz="4000" dirty="0">
+                <a:effectLst/>
+                <a:latin typeface="Aptos"/>
+                <a:ea typeface="等线" panose="02010600030101010101" pitchFamily="2" charset="-122"/>
+                <a:cs typeface="Times New Roman" panose="02020603050405020304" pitchFamily="18" charset="0"/>
+              </a:rPr>
+              <a:t>Problem identification and motivation</a:t>
+            </a:r>
+            <a:endParaRPr lang="en-US" sz="6600" dirty="0"/>
+          </a:p>
+        </p:txBody>
+      </p:sp>
+      <p:pic>
+        <p:nvPicPr>
+          <p:cNvPr id="14" name="Picture 13">
+            <a:extLst>
+              <a:ext uri="{FF2B5EF4-FFF2-40B4-BE49-F238E27FC236}">
+                <a16:creationId xmlns:a16="http://schemas.microsoft.com/office/drawing/2014/main" id="{6434F623-15DD-6D41-0D5D-AF3951F6CC1C}"/>
+              </a:ext>
+              <a:ext uri="{C183D7F6-B498-43B3-948B-1728B52AA6E4}">
+                <adec:decorative xmlns:adec="http://schemas.microsoft.com/office/drawing/2017/decorative" val="1"/>
+              </a:ext>
+            </a:extLst>
+          </p:cNvPr>
+          <p:cNvPicPr>
+            <a:picLocks noGrp="1" noRot="1" noChangeAspect="1" noMove="1" noResize="1" noEditPoints="1" noAdjustHandles="1" noChangeArrowheads="1" noChangeShapeType="1" noCrop="1"/>
+          </p:cNvPicPr>
+          <p:nvPr>
+            <p:extLst>
+              <p:ext uri="{386F3935-93C4-4BCD-93E2-E3B085C9AB24}">
+                <p16:designElem xmlns:p16="http://schemas.microsoft.com/office/powerpoint/2015/main" val="1"/>
+              </p:ext>
+            </p:extLst>
+          </p:nvPr>
+        </p:nvPicPr>
+        <p:blipFill rotWithShape="1">
+          <a:blip r:embed="rId3">
+            <a:extLst>
+              <a:ext uri="{28A0092B-C50C-407E-A947-70E740481C1C}">
+                <a14:useLocalDpi xmlns:a14="http://schemas.microsoft.com/office/drawing/2010/main" val="0"/>
+              </a:ext>
+            </a:extLst>
+          </a:blip>
+          <a:srcRect l="55183" t="89413" r="18746"/>
+          <a:stretch/>
+        </p:blipFill>
+        <p:spPr>
+          <a:xfrm>
+            <a:off x="8404564" y="0"/>
+            <a:ext cx="2589690" cy="591546"/>
+          </a:xfrm>
+          <a:prstGeom prst="rect">
+            <a:avLst/>
+          </a:prstGeom>
+        </p:spPr>
+      </p:pic>
+      <p:pic>
+        <p:nvPicPr>
+          <p:cNvPr id="16" name="Picture 15">
+            <a:extLst>
+              <a:ext uri="{FF2B5EF4-FFF2-40B4-BE49-F238E27FC236}">
+                <a16:creationId xmlns:a16="http://schemas.microsoft.com/office/drawing/2014/main" id="{C9002908-A346-B308-33CB-3C02D497AA64}"/>
+              </a:ext>
+              <a:ext uri="{C183D7F6-B498-43B3-948B-1728B52AA6E4}">
+                <adec:decorative xmlns:adec="http://schemas.microsoft.com/office/drawing/2017/decorative" val="1"/>
+              </a:ext>
+            </a:extLst>
+          </p:cNvPr>
+          <p:cNvPicPr>
+            <a:picLocks noGrp="1" noRot="1" noChangeAspect="1" noMove="1" noResize="1" noEditPoints="1" noAdjustHandles="1" noChangeArrowheads="1" noChangeShapeType="1" noCrop="1"/>
+          </p:cNvPicPr>
+          <p:nvPr>
+            <p:extLst>
+              <p:ext uri="{386F3935-93C4-4BCD-93E2-E3B085C9AB24}">
+                <p16:designElem xmlns:p16="http://schemas.microsoft.com/office/powerpoint/2015/main" val="1"/>
+              </p:ext>
+            </p:extLst>
+          </p:nvPr>
+        </p:nvPicPr>
+        <p:blipFill rotWithShape="1">
+          <a:blip r:embed="rId2">
+            <a:extLst>
+              <a:ext uri="{28A0092B-C50C-407E-A947-70E740481C1C}">
+                <a14:useLocalDpi xmlns:a14="http://schemas.microsoft.com/office/drawing/2010/main" val="0"/>
+              </a:ext>
+            </a:extLst>
+          </a:blip>
+          <a:srcRect l="73623" t="43915" r="1" b="10213"/>
+          <a:stretch/>
+        </p:blipFill>
+        <p:spPr>
+          <a:xfrm>
+            <a:off x="10471066" y="183232"/>
+            <a:ext cx="1720934" cy="1683522"/>
+          </a:xfrm>
+          <a:prstGeom prst="rect">
+            <a:avLst/>
+          </a:prstGeom>
+        </p:spPr>
+      </p:pic>
+      <p:sp>
+        <p:nvSpPr>
+          <p:cNvPr id="3" name="内容占位符 2">
+            <a:extLst>
+              <a:ext uri="{FF2B5EF4-FFF2-40B4-BE49-F238E27FC236}">
+                <a16:creationId xmlns:a16="http://schemas.microsoft.com/office/drawing/2014/main" id="{2ABF4C33-663E-5FA2-CF3E-17F55AB07269}"/>
+              </a:ext>
+            </a:extLst>
+          </p:cNvPr>
+          <p:cNvSpPr>
+            <a:spLocks noGrp="1"/>
+          </p:cNvSpPr>
+          <p:nvPr>
+            <p:ph idx="1"/>
+          </p:nvPr>
+        </p:nvSpPr>
+        <p:spPr>
+          <a:xfrm>
+            <a:off x="1133513" y="2012719"/>
+            <a:ext cx="9435250" cy="4288844"/>
+          </a:xfrm>
+        </p:spPr>
+        <p:txBody>
+          <a:bodyPr vert="horz" lIns="91440" tIns="45720" rIns="91440" bIns="45720" rtlCol="0">
+            <a:normAutofit/>
+          </a:bodyPr>
+          <a:lstStyle/>
+          <a:p>
+            <a:pPr marL="342900" indent="-342900">
+              <a:buFont typeface="Arial" panose="020B0604020202020204" pitchFamily="34" charset="0"/>
+              <a:buChar char="•"/>
+            </a:pPr>
+            <a:r>
+              <a:rPr lang="en-US" dirty="0"/>
+              <a:t>E-commerce platforms face massive data challenges: millions of users, products, and interactions daily.</a:t>
+            </a:r>
+          </a:p>
+          <a:p>
+            <a:pPr marL="285750" indent="-285750">
+              <a:buFont typeface="Arial" panose="020B0604020202020204" pitchFamily="34" charset="0"/>
+              <a:buChar char="•"/>
+            </a:pPr>
+            <a:r>
+              <a:rPr lang="en-US" dirty="0"/>
+              <a:t>Traditional recommendation algorithms like SVD struggle with scalability.</a:t>
+            </a:r>
+          </a:p>
+          <a:p>
+            <a:pPr marL="285750" indent="-285750">
+              <a:buFont typeface="Arial" panose="020B0604020202020204" pitchFamily="34" charset="0"/>
+              <a:buChar char="•"/>
+            </a:pPr>
+            <a:r>
+              <a:rPr lang="en-US" dirty="0"/>
+              <a:t>Spark ALS (Alternating Least Squares) offers a distributed, scalable solution designed for large-scale collaborative filtering.</a:t>
+            </a:r>
+          </a:p>
+          <a:p>
+            <a:pPr marL="285750" indent="-285750">
+              <a:buFont typeface="Arial" panose="020B0604020202020204" pitchFamily="34" charset="0"/>
+              <a:buChar char="•"/>
+            </a:pPr>
+            <a:r>
+              <a:rPr lang="en-US" dirty="0"/>
+              <a:t>Combining Spark ALS with HDFS enables efficient, parallel processing of large datasets.</a:t>
+            </a:r>
+          </a:p>
+          <a:p>
+            <a:pPr marL="285750" indent="-285750">
+              <a:buFont typeface="Arial" panose="020B0604020202020204" pitchFamily="34" charset="0"/>
+              <a:buChar char="•"/>
+            </a:pPr>
+            <a:r>
+              <a:rPr lang="en-US" dirty="0"/>
+              <a:t>Real-time personalized recommendations can boost sales, enhance user satisfaction, and improve platform retention.</a:t>
+            </a:r>
+          </a:p>
+          <a:p>
+            <a:endParaRPr kumimoji="1" lang="en-US" altLang="zh-CN" sz="700" dirty="0"/>
+          </a:p>
+        </p:txBody>
+      </p:sp>
+      <p:pic>
+        <p:nvPicPr>
+          <p:cNvPr id="18" name="Picture 17">
+            <a:extLst>
+              <a:ext uri="{FF2B5EF4-FFF2-40B4-BE49-F238E27FC236}">
+                <a16:creationId xmlns:a16="http://schemas.microsoft.com/office/drawing/2014/main" id="{93256992-1978-ACA1-FC6C-12DF7D112FF2}"/>
+              </a:ext>
+              <a:ext uri="{C183D7F6-B498-43B3-948B-1728B52AA6E4}">
+                <adec:decorative xmlns:adec="http://schemas.microsoft.com/office/drawing/2017/decorative" val="1"/>
+              </a:ext>
+            </a:extLst>
+          </p:cNvPr>
+          <p:cNvPicPr>
+            <a:picLocks noGrp="1" noRot="1" noChangeAspect="1" noMove="1" noResize="1" noEditPoints="1" noAdjustHandles="1" noChangeArrowheads="1" noChangeShapeType="1" noCrop="1"/>
+          </p:cNvPicPr>
+          <p:nvPr>
+            <p:extLst>
+              <p:ext uri="{386F3935-93C4-4BCD-93E2-E3B085C9AB24}">
+                <p16:designElem xmlns:p16="http://schemas.microsoft.com/office/powerpoint/2015/main" val="1"/>
+              </p:ext>
+            </p:extLst>
+          </p:nvPr>
+        </p:nvPicPr>
+        <p:blipFill rotWithShape="1">
+          <a:blip r:embed="rId3">
+            <a:extLst>
+              <a:ext uri="{28A0092B-C50C-407E-A947-70E740481C1C}">
+                <a14:useLocalDpi xmlns:a14="http://schemas.microsoft.com/office/drawing/2010/main" val="0"/>
+              </a:ext>
+            </a:extLst>
+          </a:blip>
+          <a:srcRect l="91927" t="72411" b="10341"/>
+          <a:stretch/>
+        </p:blipFill>
+        <p:spPr>
+          <a:xfrm>
+            <a:off x="11494523" y="2664767"/>
+            <a:ext cx="635958" cy="764233"/>
+          </a:xfrm>
+          <a:custGeom>
+            <a:avLst/>
+            <a:gdLst>
+              <a:gd name="connsiteX0" fmla="*/ 0 w 984308"/>
+              <a:gd name="connsiteY0" fmla="*/ 0 h 1182847"/>
+              <a:gd name="connsiteX1" fmla="*/ 984308 w 984308"/>
+              <a:gd name="connsiteY1" fmla="*/ 0 h 1182847"/>
+              <a:gd name="connsiteX2" fmla="*/ 984308 w 984308"/>
+              <a:gd name="connsiteY2" fmla="*/ 1161661 h 1182847"/>
+              <a:gd name="connsiteX3" fmla="*/ 966627 w 984308"/>
+              <a:gd name="connsiteY3" fmla="*/ 1165915 h 1182847"/>
+              <a:gd name="connsiteX4" fmla="*/ 787132 w 984308"/>
+              <a:gd name="connsiteY4" fmla="*/ 1182847 h 1182847"/>
+              <a:gd name="connsiteX5" fmla="*/ 48601 w 984308"/>
+              <a:gd name="connsiteY5" fmla="*/ 815395 h 1182847"/>
+              <a:gd name="connsiteX6" fmla="*/ 0 w 984308"/>
+              <a:gd name="connsiteY6" fmla="*/ 731606 h 1182847"/>
+            </a:gdLst>
+            <a:ahLst/>
+            <a:cxnLst>
+              <a:cxn ang="0">
+                <a:pos x="connsiteX0" y="connsiteY0"/>
+              </a:cxn>
+              <a:cxn ang="0">
+                <a:pos x="connsiteX1" y="connsiteY1"/>
+              </a:cxn>
+              <a:cxn ang="0">
+                <a:pos x="connsiteX2" y="connsiteY2"/>
+              </a:cxn>
+              <a:cxn ang="0">
+                <a:pos x="connsiteX3" y="connsiteY3"/>
+              </a:cxn>
+              <a:cxn ang="0">
+                <a:pos x="connsiteX4" y="connsiteY4"/>
+              </a:cxn>
+              <a:cxn ang="0">
+                <a:pos x="connsiteX5" y="connsiteY5"/>
+              </a:cxn>
+              <a:cxn ang="0">
+                <a:pos x="connsiteX6" y="connsiteY6"/>
+              </a:cxn>
+            </a:cxnLst>
+            <a:rect l="l" t="t" r="r" b="b"/>
+            <a:pathLst>
+              <a:path w="984308" h="1182847">
+                <a:moveTo>
+                  <a:pt x="0" y="0"/>
+                </a:moveTo>
+                <a:lnTo>
+                  <a:pt x="984308" y="0"/>
+                </a:lnTo>
+                <a:lnTo>
+                  <a:pt x="984308" y="1161661"/>
+                </a:lnTo>
+                <a:lnTo>
+                  <a:pt x="966627" y="1165915"/>
+                </a:lnTo>
+                <a:cubicBezTo>
+                  <a:pt x="908648" y="1177017"/>
+                  <a:pt x="848618" y="1182847"/>
+                  <a:pt x="787132" y="1182847"/>
+                </a:cubicBezTo>
+                <a:cubicBezTo>
+                  <a:pt x="479703" y="1182847"/>
+                  <a:pt x="208655" y="1037089"/>
+                  <a:pt x="48601" y="815395"/>
+                </a:cubicBezTo>
+                <a:lnTo>
+                  <a:pt x="0" y="731606"/>
+                </a:lnTo>
+                <a:close/>
+              </a:path>
+            </a:pathLst>
+          </a:custGeom>
+        </p:spPr>
+      </p:pic>
+      <p:pic>
+        <p:nvPicPr>
+          <p:cNvPr id="20" name="Picture 19">
+            <a:extLst>
+              <a:ext uri="{FF2B5EF4-FFF2-40B4-BE49-F238E27FC236}">
+                <a16:creationId xmlns:a16="http://schemas.microsoft.com/office/drawing/2014/main" id="{059057F7-22C7-062C-037A-DBFC61BA3288}"/>
+              </a:ext>
+              <a:ext uri="{C183D7F6-B498-43B3-948B-1728B52AA6E4}">
+                <adec:decorative xmlns:adec="http://schemas.microsoft.com/office/drawing/2017/decorative" val="1"/>
+              </a:ext>
+            </a:extLst>
+          </p:cNvPr>
+          <p:cNvPicPr>
+            <a:picLocks noGrp="1" noRot="1" noChangeAspect="1" noMove="1" noResize="1" noEditPoints="1" noAdjustHandles="1" noChangeArrowheads="1" noChangeShapeType="1" noCrop="1"/>
+          </p:cNvPicPr>
+          <p:nvPr>
+            <p:extLst>
+              <p:ext uri="{386F3935-93C4-4BCD-93E2-E3B085C9AB24}">
+                <p16:designElem xmlns:p16="http://schemas.microsoft.com/office/powerpoint/2015/main" val="1"/>
+              </p:ext>
+            </p:extLst>
+          </p:nvPr>
+        </p:nvPicPr>
+        <p:blipFill rotWithShape="1">
+          <a:blip r:embed="rId2">
+            <a:extLst>
+              <a:ext uri="{28A0092B-C50C-407E-A947-70E740481C1C}">
+                <a14:useLocalDpi xmlns:a14="http://schemas.microsoft.com/office/drawing/2010/main" val="0"/>
+              </a:ext>
+            </a:extLst>
+          </a:blip>
+          <a:srcRect l="65973" t="81531" r="19879"/>
+          <a:stretch/>
+        </p:blipFill>
+        <p:spPr>
+          <a:xfrm>
+            <a:off x="8887626" y="5982056"/>
+            <a:ext cx="1192806" cy="875944"/>
+          </a:xfrm>
+          <a:custGeom>
+            <a:avLst/>
+            <a:gdLst>
+              <a:gd name="connsiteX0" fmla="*/ 2051608 w 4103216"/>
+              <a:gd name="connsiteY0" fmla="*/ 0 h 1714050"/>
+              <a:gd name="connsiteX1" fmla="*/ 4103216 w 4103216"/>
+              <a:gd name="connsiteY1" fmla="*/ 1266738 h 1714050"/>
+              <a:gd name="connsiteX2" fmla="*/ 4010980 w 4103216"/>
+              <a:gd name="connsiteY2" fmla="*/ 1643427 h 1714050"/>
+              <a:gd name="connsiteX3" fmla="*/ 3969116 w 4103216"/>
+              <a:gd name="connsiteY3" fmla="*/ 1714050 h 1714050"/>
+              <a:gd name="connsiteX4" fmla="*/ 134100 w 4103216"/>
+              <a:gd name="connsiteY4" fmla="*/ 1714050 h 1714050"/>
+              <a:gd name="connsiteX5" fmla="*/ 92237 w 4103216"/>
+              <a:gd name="connsiteY5" fmla="*/ 1643427 h 1714050"/>
+              <a:gd name="connsiteX6" fmla="*/ 0 w 4103216"/>
+              <a:gd name="connsiteY6" fmla="*/ 1266738 h 1714050"/>
+              <a:gd name="connsiteX7" fmla="*/ 2051608 w 4103216"/>
+              <a:gd name="connsiteY7" fmla="*/ 0 h 1714050"/>
+            </a:gdLst>
+            <a:ahLst/>
+            <a:cxnLst>
+              <a:cxn ang="0">
+                <a:pos x="connsiteX0" y="connsiteY0"/>
+              </a:cxn>
+              <a:cxn ang="0">
+                <a:pos x="connsiteX1" y="connsiteY1"/>
+              </a:cxn>
+              <a:cxn ang="0">
+                <a:pos x="connsiteX2" y="connsiteY2"/>
+              </a:cxn>
+              <a:cxn ang="0">
+                <a:pos x="connsiteX3" y="connsiteY3"/>
+              </a:cxn>
+              <a:cxn ang="0">
+                <a:pos x="connsiteX4" y="connsiteY4"/>
+              </a:cxn>
+              <a:cxn ang="0">
+                <a:pos x="connsiteX5" y="connsiteY5"/>
+              </a:cxn>
+              <a:cxn ang="0">
+                <a:pos x="connsiteX6" y="connsiteY6"/>
+              </a:cxn>
+              <a:cxn ang="0">
+                <a:pos x="connsiteX7" y="connsiteY7"/>
+              </a:cxn>
+            </a:cxnLst>
+            <a:rect l="l" t="t" r="r" b="b"/>
+            <a:pathLst>
+              <a:path w="4103216" h="1714050">
+                <a:moveTo>
+                  <a:pt x="2051608" y="0"/>
+                </a:moveTo>
+                <a:cubicBezTo>
+                  <a:pt x="3184680" y="0"/>
+                  <a:pt x="4103216" y="567138"/>
+                  <a:pt x="4103216" y="1266738"/>
+                </a:cubicBezTo>
+                <a:cubicBezTo>
+                  <a:pt x="4103216" y="1397913"/>
+                  <a:pt x="4070924" y="1524431"/>
+                  <a:pt x="4010980" y="1643427"/>
+                </a:cubicBezTo>
+                <a:lnTo>
+                  <a:pt x="3969116" y="1714050"/>
+                </a:lnTo>
+                <a:lnTo>
+                  <a:pt x="134100" y="1714050"/>
+                </a:lnTo>
+                <a:lnTo>
+                  <a:pt x="92237" y="1643427"/>
+                </a:lnTo>
+                <a:cubicBezTo>
+                  <a:pt x="32293" y="1524431"/>
+                  <a:pt x="0" y="1397913"/>
+                  <a:pt x="0" y="1266738"/>
+                </a:cubicBezTo>
+                <a:cubicBezTo>
+                  <a:pt x="0" y="567138"/>
+                  <a:pt x="918536" y="0"/>
+                  <a:pt x="2051608" y="0"/>
+                </a:cubicBezTo>
+                <a:close/>
+              </a:path>
+            </a:pathLst>
+          </a:custGeom>
+        </p:spPr>
+      </p:pic>
+    </p:spTree>
+    <p:extLst>
+      <p:ext uri="{BB962C8B-B14F-4D97-AF65-F5344CB8AC3E}">
+        <p14:creationId xmlns:p14="http://schemas.microsoft.com/office/powerpoint/2010/main" val="2512100724"/>
+      </p:ext>
+    </p:extLst>
+  </p:cSld>
+  <p:clrMapOvr>
+    <a:masterClrMapping/>
+  </p:clrMapOvr>
+</p:sld>
+</file>
+
+<file path=ppt/slides/slide20.xml><?xml version="1.0" encoding="utf-8"?>
+<p:sld xmlns:a="http://schemas.openxmlformats.org/drawingml/2006/main" xmlns:r="http://schemas.openxmlformats.org/officeDocument/2006/relationships" xmlns:p="http://schemas.openxmlformats.org/presentationml/2006/main">
+  <p:cSld>
+    <p:bg>
+      <p:bgPr>
+        <a:gradFill rotWithShape="1">
+          <a:gsLst>
+            <a:gs pos="0">
+              <a:schemeClr val="bg1">
+                <a:tint val="90000"/>
+                <a:lumMod val="110000"/>
+              </a:schemeClr>
+            </a:gs>
+            <a:gs pos="100000">
+              <a:schemeClr val="bg1">
+                <a:shade val="64000"/>
+                <a:lumMod val="88000"/>
+              </a:schemeClr>
+            </a:gs>
+          </a:gsLst>
+          <a:lin ang="5400000" scaled="0"/>
+        </a:gradFill>
+        <a:effectLst/>
+      </p:bgPr>
+    </p:bg>
+    <p:spTree>
+      <p:nvGrpSpPr>
+        <p:cNvPr id="1" name="">
+          <a:extLst>
+            <a:ext uri="{FF2B5EF4-FFF2-40B4-BE49-F238E27FC236}">
+              <a16:creationId xmlns:a16="http://schemas.microsoft.com/office/drawing/2014/main" id="{42CFF88C-962E-17BC-D92E-7DFC25DDAA6A}"/>
+            </a:ext>
+          </a:extLst>
+        </p:cNvPr>
+        <p:cNvGrpSpPr/>
+        <p:nvPr/>
+      </p:nvGrpSpPr>
+      <p:grpSpPr>
+        <a:xfrm>
+          <a:off x="0" y="0"/>
+          <a:ext cx="0" cy="0"/>
+          <a:chOff x="0" y="0"/>
+          <a:chExt cx="0" cy="0"/>
+        </a:xfrm>
+      </p:grpSpPr>
+      <p:sp useBgFill="1">
+        <p:nvSpPr>
+          <p:cNvPr id="10" name="Rectangle 9">
+            <a:extLst>
+              <a:ext uri="{FF2B5EF4-FFF2-40B4-BE49-F238E27FC236}">
+                <a16:creationId xmlns:a16="http://schemas.microsoft.com/office/drawing/2014/main" id="{55D5676E-CD7A-3A97-4736-AD17F9FDE39B}"/>
+              </a:ext>
+              <a:ext uri="{C183D7F6-B498-43B3-948B-1728B52AA6E4}">
+                <adec:decorative xmlns:adec="http://schemas.microsoft.com/office/drawing/2017/decorative" val="1"/>
+              </a:ext>
+            </a:extLst>
+          </p:cNvPr>
+          <p:cNvSpPr>
+            <a:spLocks noGrp="1" noRot="1" noChangeAspect="1" noMove="1" noResize="1" noEditPoints="1" noAdjustHandles="1" noChangeArrowheads="1" noChangeShapeType="1" noTextEdit="1"/>
+          </p:cNvSpPr>
+          <p:nvPr>
+            <p:extLst>
+              <p:ext uri="{386F3935-93C4-4BCD-93E2-E3B085C9AB24}">
+                <p16:designElem xmlns:p16="http://schemas.microsoft.com/office/powerpoint/2015/main" val="1"/>
+              </p:ext>
+            </p:extLst>
+          </p:nvPr>
+        </p:nvSpPr>
+        <p:spPr>
+          <a:xfrm>
+            <a:off x="0" y="0"/>
+            <a:ext cx="12192000" cy="6858000"/>
+          </a:xfrm>
+          <a:prstGeom prst="rect">
+            <a:avLst/>
+          </a:prstGeom>
+          <a:ln>
+            <a:noFill/>
+          </a:ln>
+        </p:spPr>
+        <p:style>
+          <a:lnRef idx="2">
+            <a:schemeClr val="accent1">
+              <a:shade val="50000"/>
+            </a:schemeClr>
+          </a:lnRef>
+          <a:fillRef idx="1">
+            <a:schemeClr val="accent1"/>
+          </a:fillRef>
+          <a:effectRef idx="0">
+            <a:schemeClr val="accent1"/>
+          </a:effectRef>
+          <a:fontRef idx="minor">
+            <a:schemeClr val="lt1"/>
+          </a:fontRef>
+        </p:style>
+        <p:txBody>
+          <a:bodyPr rtlCol="0" anchor="ctr"/>
+          <a:lstStyle/>
+          <a:p>
+            <a:pPr algn="ctr"/>
+            <a:endParaRPr lang="en-US"/>
+          </a:p>
+        </p:txBody>
+      </p:sp>
+      <p:pic>
+        <p:nvPicPr>
+          <p:cNvPr id="12" name="Picture 11">
+            <a:extLst>
+              <a:ext uri="{FF2B5EF4-FFF2-40B4-BE49-F238E27FC236}">
+                <a16:creationId xmlns:a16="http://schemas.microsoft.com/office/drawing/2014/main" id="{5B69910E-4C8D-FE37-22E3-4A27F743938C}"/>
+              </a:ext>
+              <a:ext uri="{C183D7F6-B498-43B3-948B-1728B52AA6E4}">
+                <adec:decorative xmlns:adec="http://schemas.microsoft.com/office/drawing/2017/decorative" val="1"/>
+              </a:ext>
+            </a:extLst>
+          </p:cNvPr>
+          <p:cNvPicPr>
+            <a:picLocks noGrp="1" noRot="1" noChangeAspect="1" noMove="1" noResize="1" noEditPoints="1" noAdjustHandles="1" noChangeArrowheads="1" noChangeShapeType="1" noCrop="1"/>
+          </p:cNvPicPr>
+          <p:nvPr>
+            <p:extLst>
+              <p:ext uri="{386F3935-93C4-4BCD-93E2-E3B085C9AB24}">
+                <p16:designElem xmlns:p16="http://schemas.microsoft.com/office/powerpoint/2015/main" val="1"/>
+              </p:ext>
+            </p:extLst>
+          </p:nvPr>
+        </p:nvPicPr>
+        <p:blipFill rotWithShape="1">
+          <a:blip r:embed="rId2">
+            <a:extLst>
+              <a:ext uri="{28A0092B-C50C-407E-A947-70E740481C1C}">
+                <a14:useLocalDpi xmlns:a14="http://schemas.microsoft.com/office/drawing/2010/main" val="0"/>
+              </a:ext>
+            </a:extLst>
+          </a:blip>
+          <a:srcRect l="46466" t="75007" r="30510"/>
+          <a:stretch/>
+        </p:blipFill>
+        <p:spPr>
+          <a:xfrm>
+            <a:off x="0" y="138157"/>
+            <a:ext cx="1712063" cy="1045389"/>
+          </a:xfrm>
+          <a:custGeom>
+            <a:avLst/>
+            <a:gdLst>
+              <a:gd name="connsiteX0" fmla="*/ 2051608 w 4103216"/>
+              <a:gd name="connsiteY0" fmla="*/ 0 h 1714050"/>
+              <a:gd name="connsiteX1" fmla="*/ 4103216 w 4103216"/>
+              <a:gd name="connsiteY1" fmla="*/ 1266738 h 1714050"/>
+              <a:gd name="connsiteX2" fmla="*/ 4010980 w 4103216"/>
+              <a:gd name="connsiteY2" fmla="*/ 1643427 h 1714050"/>
+              <a:gd name="connsiteX3" fmla="*/ 3969116 w 4103216"/>
+              <a:gd name="connsiteY3" fmla="*/ 1714050 h 1714050"/>
+              <a:gd name="connsiteX4" fmla="*/ 134100 w 4103216"/>
+              <a:gd name="connsiteY4" fmla="*/ 1714050 h 1714050"/>
+              <a:gd name="connsiteX5" fmla="*/ 92237 w 4103216"/>
+              <a:gd name="connsiteY5" fmla="*/ 1643427 h 1714050"/>
+              <a:gd name="connsiteX6" fmla="*/ 0 w 4103216"/>
+              <a:gd name="connsiteY6" fmla="*/ 1266738 h 1714050"/>
+              <a:gd name="connsiteX7" fmla="*/ 2051608 w 4103216"/>
+              <a:gd name="connsiteY7" fmla="*/ 0 h 1714050"/>
+            </a:gdLst>
+            <a:ahLst/>
+            <a:cxnLst>
+              <a:cxn ang="0">
+                <a:pos x="connsiteX0" y="connsiteY0"/>
+              </a:cxn>
+              <a:cxn ang="0">
+                <a:pos x="connsiteX1" y="connsiteY1"/>
+              </a:cxn>
+              <a:cxn ang="0">
+                <a:pos x="connsiteX2" y="connsiteY2"/>
+              </a:cxn>
+              <a:cxn ang="0">
+                <a:pos x="connsiteX3" y="connsiteY3"/>
+              </a:cxn>
+              <a:cxn ang="0">
+                <a:pos x="connsiteX4" y="connsiteY4"/>
+              </a:cxn>
+              <a:cxn ang="0">
+                <a:pos x="connsiteX5" y="connsiteY5"/>
+              </a:cxn>
+              <a:cxn ang="0">
+                <a:pos x="connsiteX6" y="connsiteY6"/>
+              </a:cxn>
+              <a:cxn ang="0">
+                <a:pos x="connsiteX7" y="connsiteY7"/>
+              </a:cxn>
+            </a:cxnLst>
+            <a:rect l="l" t="t" r="r" b="b"/>
+            <a:pathLst>
+              <a:path w="4103216" h="1714050">
+                <a:moveTo>
+                  <a:pt x="2051608" y="0"/>
+                </a:moveTo>
+                <a:cubicBezTo>
+                  <a:pt x="3184680" y="0"/>
+                  <a:pt x="4103216" y="567138"/>
+                  <a:pt x="4103216" y="1266738"/>
+                </a:cubicBezTo>
+                <a:cubicBezTo>
+                  <a:pt x="4103216" y="1397913"/>
+                  <a:pt x="4070924" y="1524431"/>
+                  <a:pt x="4010980" y="1643427"/>
+                </a:cubicBezTo>
+                <a:lnTo>
+                  <a:pt x="3969116" y="1714050"/>
+                </a:lnTo>
+                <a:lnTo>
+                  <a:pt x="134100" y="1714050"/>
+                </a:lnTo>
+                <a:lnTo>
+                  <a:pt x="92237" y="1643427"/>
+                </a:lnTo>
+                <a:cubicBezTo>
+                  <a:pt x="32293" y="1524431"/>
+                  <a:pt x="0" y="1397913"/>
+                  <a:pt x="0" y="1266738"/>
+                </a:cubicBezTo>
+                <a:cubicBezTo>
+                  <a:pt x="0" y="567138"/>
+                  <a:pt x="918536" y="0"/>
+                  <a:pt x="2051608" y="0"/>
+                </a:cubicBezTo>
+                <a:close/>
+              </a:path>
+            </a:pathLst>
+          </a:custGeom>
+        </p:spPr>
+      </p:pic>
+      <p:sp>
+        <p:nvSpPr>
+          <p:cNvPr id="5" name="标题 1">
+            <a:extLst>
+              <a:ext uri="{FF2B5EF4-FFF2-40B4-BE49-F238E27FC236}">
+                <a16:creationId xmlns:a16="http://schemas.microsoft.com/office/drawing/2014/main" id="{720A2639-1988-2F73-61CD-98F02ED159B9}"/>
+              </a:ext>
+            </a:extLst>
+          </p:cNvPr>
+          <p:cNvSpPr txBox="1">
+            <a:spLocks/>
+          </p:cNvSpPr>
+          <p:nvPr/>
+        </p:nvSpPr>
+        <p:spPr>
+          <a:xfrm>
+            <a:off x="1565768" y="385457"/>
+            <a:ext cx="7074957" cy="1596177"/>
+          </a:xfrm>
+          <a:prstGeom prst="rect">
+            <a:avLst/>
+          </a:prstGeom>
+        </p:spPr>
+        <p:txBody>
+          <a:bodyPr vert="horz" lIns="91440" tIns="45720" rIns="91440" bIns="45720" rtlCol="0" anchor="ctr">
+            <a:normAutofit/>
+          </a:bodyPr>
+          <a:lstStyle>
+            <a:lvl1pPr algn="l" defTabSz="914400" rtl="0" eaLnBrk="1" latinLnBrk="0" hangingPunct="1">
+              <a:lnSpc>
+                <a:spcPct val="90000"/>
+              </a:lnSpc>
+              <a:spcBef>
+                <a:spcPct val="0"/>
+              </a:spcBef>
+              <a:buNone/>
+              <a:defRPr sz="4400" kern="1200">
+                <a:solidFill>
+                  <a:schemeClr val="tx1"/>
+                </a:solidFill>
+                <a:latin typeface="+mj-lt"/>
+                <a:ea typeface="+mj-ea"/>
+                <a:cs typeface="+mj-cs"/>
+              </a:defRPr>
+            </a:lvl1pPr>
+          </a:lstStyle>
+          <a:p>
+            <a:r>
+              <a:rPr lang="en-US" sz="4000" dirty="0"/>
+              <a:t>Potential Impacts of These Challenges</a:t>
+            </a:r>
+          </a:p>
+        </p:txBody>
+      </p:sp>
+      <p:pic>
+        <p:nvPicPr>
+          <p:cNvPr id="14" name="Picture 13">
+            <a:extLst>
+              <a:ext uri="{FF2B5EF4-FFF2-40B4-BE49-F238E27FC236}">
+                <a16:creationId xmlns:a16="http://schemas.microsoft.com/office/drawing/2014/main" id="{FFD2F73A-310C-95C8-50DC-41544C3C423D}"/>
+              </a:ext>
+              <a:ext uri="{C183D7F6-B498-43B3-948B-1728B52AA6E4}">
+                <adec:decorative xmlns:adec="http://schemas.microsoft.com/office/drawing/2017/decorative" val="1"/>
+              </a:ext>
+            </a:extLst>
+          </p:cNvPr>
+          <p:cNvPicPr>
+            <a:picLocks noGrp="1" noRot="1" noChangeAspect="1" noMove="1" noResize="1" noEditPoints="1" noAdjustHandles="1" noChangeArrowheads="1" noChangeShapeType="1" noCrop="1"/>
+          </p:cNvPicPr>
+          <p:nvPr>
+            <p:extLst>
+              <p:ext uri="{386F3935-93C4-4BCD-93E2-E3B085C9AB24}">
+                <p16:designElem xmlns:p16="http://schemas.microsoft.com/office/powerpoint/2015/main" val="1"/>
+              </p:ext>
+            </p:extLst>
+          </p:nvPr>
+        </p:nvPicPr>
+        <p:blipFill rotWithShape="1">
+          <a:blip r:embed="rId3">
+            <a:extLst>
+              <a:ext uri="{28A0092B-C50C-407E-A947-70E740481C1C}">
+                <a14:useLocalDpi xmlns:a14="http://schemas.microsoft.com/office/drawing/2010/main" val="0"/>
+              </a:ext>
+            </a:extLst>
+          </a:blip>
+          <a:srcRect l="55183" t="89413" r="18746"/>
+          <a:stretch/>
+        </p:blipFill>
+        <p:spPr>
+          <a:xfrm>
+            <a:off x="8404564" y="0"/>
+            <a:ext cx="2589690" cy="591546"/>
+          </a:xfrm>
+          <a:prstGeom prst="rect">
+            <a:avLst/>
+          </a:prstGeom>
+        </p:spPr>
+      </p:pic>
+      <p:pic>
+        <p:nvPicPr>
+          <p:cNvPr id="16" name="Picture 15">
+            <a:extLst>
+              <a:ext uri="{FF2B5EF4-FFF2-40B4-BE49-F238E27FC236}">
+                <a16:creationId xmlns:a16="http://schemas.microsoft.com/office/drawing/2014/main" id="{F5F5426B-D463-0425-E6EF-0C2AE8F8C7E6}"/>
+              </a:ext>
+              <a:ext uri="{C183D7F6-B498-43B3-948B-1728B52AA6E4}">
+                <adec:decorative xmlns:adec="http://schemas.microsoft.com/office/drawing/2017/decorative" val="1"/>
+              </a:ext>
+            </a:extLst>
+          </p:cNvPr>
+          <p:cNvPicPr>
+            <a:picLocks noGrp="1" noRot="1" noChangeAspect="1" noMove="1" noResize="1" noEditPoints="1" noAdjustHandles="1" noChangeArrowheads="1" noChangeShapeType="1" noCrop="1"/>
+          </p:cNvPicPr>
+          <p:nvPr>
+            <p:extLst>
+              <p:ext uri="{386F3935-93C4-4BCD-93E2-E3B085C9AB24}">
+                <p16:designElem xmlns:p16="http://schemas.microsoft.com/office/powerpoint/2015/main" val="1"/>
+              </p:ext>
+            </p:extLst>
+          </p:nvPr>
+        </p:nvPicPr>
+        <p:blipFill rotWithShape="1">
+          <a:blip r:embed="rId2">
+            <a:extLst>
+              <a:ext uri="{28A0092B-C50C-407E-A947-70E740481C1C}">
+                <a14:useLocalDpi xmlns:a14="http://schemas.microsoft.com/office/drawing/2010/main" val="0"/>
+              </a:ext>
+            </a:extLst>
+          </a:blip>
+          <a:srcRect l="73623" t="43915" r="1" b="10213"/>
+          <a:stretch/>
+        </p:blipFill>
+        <p:spPr>
+          <a:xfrm>
+            <a:off x="10471066" y="183232"/>
+            <a:ext cx="1720934" cy="1683522"/>
+          </a:xfrm>
+          <a:prstGeom prst="rect">
+            <a:avLst/>
+          </a:prstGeom>
+        </p:spPr>
+      </p:pic>
+      <p:sp>
+        <p:nvSpPr>
+          <p:cNvPr id="3" name="内容占位符 2">
+            <a:extLst>
+              <a:ext uri="{FF2B5EF4-FFF2-40B4-BE49-F238E27FC236}">
+                <a16:creationId xmlns:a16="http://schemas.microsoft.com/office/drawing/2014/main" id="{A9030022-17B9-311F-0609-F316D26D1818}"/>
+              </a:ext>
+            </a:extLst>
+          </p:cNvPr>
+          <p:cNvSpPr>
+            <a:spLocks noGrp="1"/>
+          </p:cNvSpPr>
+          <p:nvPr>
+            <p:ph idx="1"/>
+          </p:nvPr>
+        </p:nvSpPr>
+        <p:spPr>
+          <a:xfrm>
+            <a:off x="1354019" y="1647846"/>
+            <a:ext cx="8726413" cy="4745854"/>
+          </a:xfrm>
+        </p:spPr>
+        <p:txBody>
+          <a:bodyPr vert="horz" lIns="91440" tIns="45720" rIns="91440" bIns="45720" rtlCol="0">
+            <a:noAutofit/>
+          </a:bodyPr>
+          <a:lstStyle/>
+          <a:p>
+            <a:endParaRPr lang="en-US" sz="1800" dirty="0"/>
+          </a:p>
+          <a:p>
+            <a:pPr marL="285750" indent="-285750">
+              <a:buFont typeface="Arial" panose="020B0604020202020204" pitchFamily="34" charset="0"/>
+              <a:buChar char="•"/>
+            </a:pPr>
+            <a:r>
+              <a:rPr lang="en-US" sz="2400" dirty="0" err="1"/>
+              <a:t>SReduced</a:t>
+            </a:r>
+            <a:r>
+              <a:rPr lang="en-US" sz="2400" dirty="0"/>
+              <a:t> personalization quality for new users/items</a:t>
+            </a:r>
+          </a:p>
+          <a:p>
+            <a:pPr marL="285750" indent="-285750">
+              <a:buFont typeface="Arial" panose="020B0604020202020204" pitchFamily="34" charset="0"/>
+              <a:buChar char="•"/>
+            </a:pPr>
+            <a:r>
+              <a:rPr lang="en-US" sz="2400" dirty="0"/>
+              <a:t>Increased infrastructure cost for tuning and retraining</a:t>
+            </a:r>
+          </a:p>
+          <a:p>
+            <a:pPr marL="285750" indent="-285750">
+              <a:buFont typeface="Arial" panose="020B0604020202020204" pitchFamily="34" charset="0"/>
+              <a:buChar char="•"/>
+            </a:pPr>
+            <a:r>
+              <a:rPr lang="en-US" sz="2400" dirty="0"/>
+              <a:t>Lower business transparency in recommendation logic</a:t>
+            </a:r>
+          </a:p>
+          <a:p>
+            <a:pPr marL="285750" indent="-285750">
+              <a:buFont typeface="Arial" panose="020B0604020202020204" pitchFamily="34" charset="0"/>
+              <a:buChar char="•"/>
+            </a:pPr>
+            <a:r>
+              <a:rPr lang="en-US" sz="2400" dirty="0"/>
+              <a:t>Delayed user engagement due to slow updates</a:t>
+            </a:r>
+          </a:p>
+          <a:p>
+            <a:pPr marL="285750" indent="-285750">
+              <a:buFont typeface="Arial" panose="020B0604020202020204" pitchFamily="34" charset="0"/>
+              <a:buChar char="•"/>
+            </a:pPr>
+            <a:r>
+              <a:rPr lang="en-US" sz="2400" dirty="0"/>
+              <a:t>Greater need for hybrid models with content-based or deep learning methods</a:t>
+            </a:r>
+          </a:p>
+          <a:p>
+            <a:pPr marL="0" indent="0">
+              <a:buNone/>
+            </a:pPr>
+            <a:endParaRPr kumimoji="1" lang="en-US" altLang="zh-CN" sz="600" dirty="0"/>
+          </a:p>
+        </p:txBody>
+      </p:sp>
+      <p:pic>
+        <p:nvPicPr>
+          <p:cNvPr id="18" name="Picture 17">
+            <a:extLst>
+              <a:ext uri="{FF2B5EF4-FFF2-40B4-BE49-F238E27FC236}">
+                <a16:creationId xmlns:a16="http://schemas.microsoft.com/office/drawing/2014/main" id="{EEA2431F-D2B8-7050-A97E-532A8ED06A9D}"/>
+              </a:ext>
+              <a:ext uri="{C183D7F6-B498-43B3-948B-1728B52AA6E4}">
+                <adec:decorative xmlns:adec="http://schemas.microsoft.com/office/drawing/2017/decorative" val="1"/>
+              </a:ext>
+            </a:extLst>
+          </p:cNvPr>
+          <p:cNvPicPr>
+            <a:picLocks noGrp="1" noRot="1" noChangeAspect="1" noMove="1" noResize="1" noEditPoints="1" noAdjustHandles="1" noChangeArrowheads="1" noChangeShapeType="1" noCrop="1"/>
+          </p:cNvPicPr>
+          <p:nvPr>
+            <p:extLst>
+              <p:ext uri="{386F3935-93C4-4BCD-93E2-E3B085C9AB24}">
+                <p16:designElem xmlns:p16="http://schemas.microsoft.com/office/powerpoint/2015/main" val="1"/>
+              </p:ext>
+            </p:extLst>
+          </p:nvPr>
+        </p:nvPicPr>
+        <p:blipFill rotWithShape="1">
+          <a:blip r:embed="rId3">
+            <a:extLst>
+              <a:ext uri="{28A0092B-C50C-407E-A947-70E740481C1C}">
+                <a14:useLocalDpi xmlns:a14="http://schemas.microsoft.com/office/drawing/2010/main" val="0"/>
+              </a:ext>
+            </a:extLst>
+          </a:blip>
+          <a:srcRect l="91927" t="72411" b="10341"/>
+          <a:stretch/>
+        </p:blipFill>
+        <p:spPr>
+          <a:xfrm>
+            <a:off x="11494523" y="2664767"/>
+            <a:ext cx="635958" cy="764233"/>
+          </a:xfrm>
+          <a:custGeom>
+            <a:avLst/>
+            <a:gdLst>
+              <a:gd name="connsiteX0" fmla="*/ 0 w 984308"/>
+              <a:gd name="connsiteY0" fmla="*/ 0 h 1182847"/>
+              <a:gd name="connsiteX1" fmla="*/ 984308 w 984308"/>
+              <a:gd name="connsiteY1" fmla="*/ 0 h 1182847"/>
+              <a:gd name="connsiteX2" fmla="*/ 984308 w 984308"/>
+              <a:gd name="connsiteY2" fmla="*/ 1161661 h 1182847"/>
+              <a:gd name="connsiteX3" fmla="*/ 966627 w 984308"/>
+              <a:gd name="connsiteY3" fmla="*/ 1165915 h 1182847"/>
+              <a:gd name="connsiteX4" fmla="*/ 787132 w 984308"/>
+              <a:gd name="connsiteY4" fmla="*/ 1182847 h 1182847"/>
+              <a:gd name="connsiteX5" fmla="*/ 48601 w 984308"/>
+              <a:gd name="connsiteY5" fmla="*/ 815395 h 1182847"/>
+              <a:gd name="connsiteX6" fmla="*/ 0 w 984308"/>
+              <a:gd name="connsiteY6" fmla="*/ 731606 h 1182847"/>
+            </a:gdLst>
+            <a:ahLst/>
+            <a:cxnLst>
+              <a:cxn ang="0">
+                <a:pos x="connsiteX0" y="connsiteY0"/>
+              </a:cxn>
+              <a:cxn ang="0">
+                <a:pos x="connsiteX1" y="connsiteY1"/>
+              </a:cxn>
+              <a:cxn ang="0">
+                <a:pos x="connsiteX2" y="connsiteY2"/>
+              </a:cxn>
+              <a:cxn ang="0">
+                <a:pos x="connsiteX3" y="connsiteY3"/>
+              </a:cxn>
+              <a:cxn ang="0">
+                <a:pos x="connsiteX4" y="connsiteY4"/>
+              </a:cxn>
+              <a:cxn ang="0">
+                <a:pos x="connsiteX5" y="connsiteY5"/>
+              </a:cxn>
+              <a:cxn ang="0">
+                <a:pos x="connsiteX6" y="connsiteY6"/>
+              </a:cxn>
+            </a:cxnLst>
+            <a:rect l="l" t="t" r="r" b="b"/>
+            <a:pathLst>
+              <a:path w="984308" h="1182847">
+                <a:moveTo>
+                  <a:pt x="0" y="0"/>
+                </a:moveTo>
+                <a:lnTo>
+                  <a:pt x="984308" y="0"/>
+                </a:lnTo>
+                <a:lnTo>
+                  <a:pt x="984308" y="1161661"/>
+                </a:lnTo>
+                <a:lnTo>
+                  <a:pt x="966627" y="1165915"/>
+                </a:lnTo>
+                <a:cubicBezTo>
+                  <a:pt x="908648" y="1177017"/>
+                  <a:pt x="848618" y="1182847"/>
+                  <a:pt x="787132" y="1182847"/>
+                </a:cubicBezTo>
+                <a:cubicBezTo>
+                  <a:pt x="479703" y="1182847"/>
+                  <a:pt x="208655" y="1037089"/>
+                  <a:pt x="48601" y="815395"/>
+                </a:cubicBezTo>
+                <a:lnTo>
+                  <a:pt x="0" y="731606"/>
+                </a:lnTo>
+                <a:close/>
+              </a:path>
+            </a:pathLst>
+          </a:custGeom>
+        </p:spPr>
+      </p:pic>
+      <p:pic>
+        <p:nvPicPr>
+          <p:cNvPr id="20" name="Picture 19">
+            <a:extLst>
+              <a:ext uri="{FF2B5EF4-FFF2-40B4-BE49-F238E27FC236}">
+                <a16:creationId xmlns:a16="http://schemas.microsoft.com/office/drawing/2014/main" id="{749AEC8D-B587-7D29-99A6-9C57317EB609}"/>
+              </a:ext>
+              <a:ext uri="{C183D7F6-B498-43B3-948B-1728B52AA6E4}">
+                <adec:decorative xmlns:adec="http://schemas.microsoft.com/office/drawing/2017/decorative" val="1"/>
+              </a:ext>
+            </a:extLst>
+          </p:cNvPr>
+          <p:cNvPicPr>
+            <a:picLocks noGrp="1" noRot="1" noChangeAspect="1" noMove="1" noResize="1" noEditPoints="1" noAdjustHandles="1" noChangeArrowheads="1" noChangeShapeType="1" noCrop="1"/>
+          </p:cNvPicPr>
+          <p:nvPr>
+            <p:extLst>
+              <p:ext uri="{386F3935-93C4-4BCD-93E2-E3B085C9AB24}">
+                <p16:designElem xmlns:p16="http://schemas.microsoft.com/office/powerpoint/2015/main" val="1"/>
+              </p:ext>
+            </p:extLst>
+          </p:nvPr>
+        </p:nvPicPr>
+        <p:blipFill rotWithShape="1">
+          <a:blip r:embed="rId2">
+            <a:extLst>
+              <a:ext uri="{28A0092B-C50C-407E-A947-70E740481C1C}">
+                <a14:useLocalDpi xmlns:a14="http://schemas.microsoft.com/office/drawing/2010/main" val="0"/>
+              </a:ext>
+            </a:extLst>
+          </a:blip>
+          <a:srcRect l="65973" t="81531" r="19879"/>
+          <a:stretch/>
+        </p:blipFill>
+        <p:spPr>
+          <a:xfrm>
+            <a:off x="8887626" y="5982056"/>
+            <a:ext cx="1192806" cy="875944"/>
+          </a:xfrm>
+          <a:custGeom>
+            <a:avLst/>
+            <a:gdLst>
+              <a:gd name="connsiteX0" fmla="*/ 2051608 w 4103216"/>
+              <a:gd name="connsiteY0" fmla="*/ 0 h 1714050"/>
+              <a:gd name="connsiteX1" fmla="*/ 4103216 w 4103216"/>
+              <a:gd name="connsiteY1" fmla="*/ 1266738 h 1714050"/>
+              <a:gd name="connsiteX2" fmla="*/ 4010980 w 4103216"/>
+              <a:gd name="connsiteY2" fmla="*/ 1643427 h 1714050"/>
+              <a:gd name="connsiteX3" fmla="*/ 3969116 w 4103216"/>
+              <a:gd name="connsiteY3" fmla="*/ 1714050 h 1714050"/>
+              <a:gd name="connsiteX4" fmla="*/ 134100 w 4103216"/>
+              <a:gd name="connsiteY4" fmla="*/ 1714050 h 1714050"/>
+              <a:gd name="connsiteX5" fmla="*/ 92237 w 4103216"/>
+              <a:gd name="connsiteY5" fmla="*/ 1643427 h 1714050"/>
+              <a:gd name="connsiteX6" fmla="*/ 0 w 4103216"/>
+              <a:gd name="connsiteY6" fmla="*/ 1266738 h 1714050"/>
+              <a:gd name="connsiteX7" fmla="*/ 2051608 w 4103216"/>
+              <a:gd name="connsiteY7" fmla="*/ 0 h 1714050"/>
+            </a:gdLst>
+            <a:ahLst/>
+            <a:cxnLst>
+              <a:cxn ang="0">
+                <a:pos x="connsiteX0" y="connsiteY0"/>
+              </a:cxn>
+              <a:cxn ang="0">
+                <a:pos x="connsiteX1" y="connsiteY1"/>
+              </a:cxn>
+              <a:cxn ang="0">
+                <a:pos x="connsiteX2" y="connsiteY2"/>
+              </a:cxn>
+              <a:cxn ang="0">
+                <a:pos x="connsiteX3" y="connsiteY3"/>
+              </a:cxn>
+              <a:cxn ang="0">
+                <a:pos x="connsiteX4" y="connsiteY4"/>
+              </a:cxn>
+              <a:cxn ang="0">
+                <a:pos x="connsiteX5" y="connsiteY5"/>
+              </a:cxn>
+              <a:cxn ang="0">
+                <a:pos x="connsiteX6" y="connsiteY6"/>
+              </a:cxn>
+              <a:cxn ang="0">
+                <a:pos x="connsiteX7" y="connsiteY7"/>
+              </a:cxn>
+            </a:cxnLst>
+            <a:rect l="l" t="t" r="r" b="b"/>
+            <a:pathLst>
+              <a:path w="4103216" h="1714050">
+                <a:moveTo>
+                  <a:pt x="2051608" y="0"/>
+                </a:moveTo>
+                <a:cubicBezTo>
+                  <a:pt x="3184680" y="0"/>
+                  <a:pt x="4103216" y="567138"/>
+                  <a:pt x="4103216" y="1266738"/>
+                </a:cubicBezTo>
+                <a:cubicBezTo>
+                  <a:pt x="4103216" y="1397913"/>
+                  <a:pt x="4070924" y="1524431"/>
+                  <a:pt x="4010980" y="1643427"/>
+                </a:cubicBezTo>
+                <a:lnTo>
+                  <a:pt x="3969116" y="1714050"/>
+                </a:lnTo>
+                <a:lnTo>
+                  <a:pt x="134100" y="1714050"/>
+                </a:lnTo>
+                <a:lnTo>
+                  <a:pt x="92237" y="1643427"/>
+                </a:lnTo>
+                <a:cubicBezTo>
+                  <a:pt x="32293" y="1524431"/>
+                  <a:pt x="0" y="1397913"/>
+                  <a:pt x="0" y="1266738"/>
+                </a:cubicBezTo>
+                <a:cubicBezTo>
+                  <a:pt x="0" y="567138"/>
+                  <a:pt x="918536" y="0"/>
+                  <a:pt x="2051608" y="0"/>
+                </a:cubicBezTo>
+                <a:close/>
+              </a:path>
+            </a:pathLst>
+          </a:custGeom>
+        </p:spPr>
+      </p:pic>
+    </p:spTree>
+    <p:extLst>
+      <p:ext uri="{BB962C8B-B14F-4D97-AF65-F5344CB8AC3E}">
+        <p14:creationId xmlns:p14="http://schemas.microsoft.com/office/powerpoint/2010/main" val="3326706126"/>
+      </p:ext>
+    </p:extLst>
+  </p:cSld>
+  <p:clrMapOvr>
+    <a:masterClrMapping/>
+  </p:clrMapOvr>
+</p:sld>
+</file>
+
+<file path=ppt/slides/slide3.xml><?xml version="1.0" encoding="utf-8"?>
+<p:sld xmlns:a="http://schemas.openxmlformats.org/drawingml/2006/main" xmlns:r="http://schemas.openxmlformats.org/officeDocument/2006/relationships" xmlns:p="http://schemas.openxmlformats.org/presentationml/2006/main">
+  <p:cSld>
+    <p:bg>
+      <p:bgPr>
+        <a:gradFill rotWithShape="1">
+          <a:gsLst>
+            <a:gs pos="0">
+              <a:schemeClr val="bg1">
+                <a:tint val="90000"/>
+                <a:lumMod val="110000"/>
+              </a:schemeClr>
+            </a:gs>
+            <a:gs pos="100000">
+              <a:schemeClr val="bg1">
+                <a:shade val="64000"/>
+                <a:lumMod val="88000"/>
+              </a:schemeClr>
+            </a:gs>
+          </a:gsLst>
+          <a:lin ang="5400000" scaled="0"/>
+        </a:gradFill>
+        <a:effectLst/>
+      </p:bgPr>
+    </p:bg>
+    <p:spTree>
+      <p:nvGrpSpPr>
+        <p:cNvPr id="1" name="">
+          <a:extLst>
+            <a:ext uri="{FF2B5EF4-FFF2-40B4-BE49-F238E27FC236}">
+              <a16:creationId xmlns:a16="http://schemas.microsoft.com/office/drawing/2014/main" id="{B671BBA0-9094-42CF-381C-3C733E4D8A6C}"/>
+            </a:ext>
+          </a:extLst>
+        </p:cNvPr>
+        <p:cNvGrpSpPr/>
+        <p:nvPr/>
+      </p:nvGrpSpPr>
+      <p:grpSpPr>
+        <a:xfrm>
+          <a:off x="0" y="0"/>
+          <a:ext cx="0" cy="0"/>
+          <a:chOff x="0" y="0"/>
+          <a:chExt cx="0" cy="0"/>
+        </a:xfrm>
+      </p:grpSpPr>
+      <p:sp useBgFill="1">
+        <p:nvSpPr>
+          <p:cNvPr id="10" name="Rectangle 9">
+            <a:extLst>
+              <a:ext uri="{FF2B5EF4-FFF2-40B4-BE49-F238E27FC236}">
+                <a16:creationId xmlns:a16="http://schemas.microsoft.com/office/drawing/2014/main" id="{624551F5-1694-04D0-F4C3-DC0348005AB6}"/>
+              </a:ext>
+              <a:ext uri="{C183D7F6-B498-43B3-948B-1728B52AA6E4}">
+                <adec:decorative xmlns:adec="http://schemas.microsoft.com/office/drawing/2017/decorative" val="1"/>
+              </a:ext>
+            </a:extLst>
+          </p:cNvPr>
+          <p:cNvSpPr>
+            <a:spLocks noGrp="1" noRot="1" noChangeAspect="1" noMove="1" noResize="1" noEditPoints="1" noAdjustHandles="1" noChangeArrowheads="1" noChangeShapeType="1" noTextEdit="1"/>
+          </p:cNvSpPr>
+          <p:nvPr>
+            <p:extLst>
+              <p:ext uri="{386F3935-93C4-4BCD-93E2-E3B085C9AB24}">
+                <p16:designElem xmlns:p16="http://schemas.microsoft.com/office/powerpoint/2015/main" val="1"/>
+              </p:ext>
+            </p:extLst>
+          </p:nvPr>
+        </p:nvSpPr>
+        <p:spPr>
+          <a:xfrm>
+            <a:off x="0" y="0"/>
+            <a:ext cx="12192000" cy="6858000"/>
+          </a:xfrm>
+          <a:prstGeom prst="rect">
+            <a:avLst/>
+          </a:prstGeom>
+          <a:ln>
+            <a:noFill/>
+          </a:ln>
+        </p:spPr>
+        <p:style>
+          <a:lnRef idx="2">
+            <a:schemeClr val="accent1">
+              <a:shade val="50000"/>
+            </a:schemeClr>
+          </a:lnRef>
+          <a:fillRef idx="1">
+            <a:schemeClr val="accent1"/>
+          </a:fillRef>
+          <a:effectRef idx="0">
+            <a:schemeClr val="accent1"/>
+          </a:effectRef>
+          <a:fontRef idx="minor">
+            <a:schemeClr val="lt1"/>
+          </a:fontRef>
+        </p:style>
+        <p:txBody>
+          <a:bodyPr rtlCol="0" anchor="ctr"/>
+          <a:lstStyle/>
+          <a:p>
+            <a:pPr algn="ctr"/>
+            <a:endParaRPr lang="en-US"/>
+          </a:p>
+        </p:txBody>
+      </p:sp>
+      <p:pic>
+        <p:nvPicPr>
+          <p:cNvPr id="12" name="Picture 11">
+            <a:extLst>
+              <a:ext uri="{FF2B5EF4-FFF2-40B4-BE49-F238E27FC236}">
+                <a16:creationId xmlns:a16="http://schemas.microsoft.com/office/drawing/2014/main" id="{384A33AF-D65E-AED5-C683-75BD334D19F6}"/>
+              </a:ext>
+              <a:ext uri="{C183D7F6-B498-43B3-948B-1728B52AA6E4}">
+                <adec:decorative xmlns:adec="http://schemas.microsoft.com/office/drawing/2017/decorative" val="1"/>
+              </a:ext>
+            </a:extLst>
+          </p:cNvPr>
+          <p:cNvPicPr>
+            <a:picLocks noGrp="1" noRot="1" noChangeAspect="1" noMove="1" noResize="1" noEditPoints="1" noAdjustHandles="1" noChangeArrowheads="1" noChangeShapeType="1" noCrop="1"/>
+          </p:cNvPicPr>
+          <p:nvPr>
+            <p:extLst>
+              <p:ext uri="{386F3935-93C4-4BCD-93E2-E3B085C9AB24}">
+                <p16:designElem xmlns:p16="http://schemas.microsoft.com/office/powerpoint/2015/main" val="1"/>
+              </p:ext>
+            </p:extLst>
+          </p:nvPr>
+        </p:nvPicPr>
+        <p:blipFill rotWithShape="1">
+          <a:blip r:embed="rId2">
+            <a:extLst>
+              <a:ext uri="{28A0092B-C50C-407E-A947-70E740481C1C}">
+                <a14:useLocalDpi xmlns:a14="http://schemas.microsoft.com/office/drawing/2010/main" val="0"/>
+              </a:ext>
+            </a:extLst>
+          </a:blip>
+          <a:srcRect l="46466" t="75007" r="30510"/>
+          <a:stretch/>
+        </p:blipFill>
+        <p:spPr>
+          <a:xfrm>
+            <a:off x="0" y="138157"/>
+            <a:ext cx="1712063" cy="1045389"/>
+          </a:xfrm>
+          <a:custGeom>
+            <a:avLst/>
+            <a:gdLst>
+              <a:gd name="connsiteX0" fmla="*/ 2051608 w 4103216"/>
+              <a:gd name="connsiteY0" fmla="*/ 0 h 1714050"/>
+              <a:gd name="connsiteX1" fmla="*/ 4103216 w 4103216"/>
+              <a:gd name="connsiteY1" fmla="*/ 1266738 h 1714050"/>
+              <a:gd name="connsiteX2" fmla="*/ 4010980 w 4103216"/>
+              <a:gd name="connsiteY2" fmla="*/ 1643427 h 1714050"/>
+              <a:gd name="connsiteX3" fmla="*/ 3969116 w 4103216"/>
+              <a:gd name="connsiteY3" fmla="*/ 1714050 h 1714050"/>
+              <a:gd name="connsiteX4" fmla="*/ 134100 w 4103216"/>
+              <a:gd name="connsiteY4" fmla="*/ 1714050 h 1714050"/>
+              <a:gd name="connsiteX5" fmla="*/ 92237 w 4103216"/>
+              <a:gd name="connsiteY5" fmla="*/ 1643427 h 1714050"/>
+              <a:gd name="connsiteX6" fmla="*/ 0 w 4103216"/>
+              <a:gd name="connsiteY6" fmla="*/ 1266738 h 1714050"/>
+              <a:gd name="connsiteX7" fmla="*/ 2051608 w 4103216"/>
+              <a:gd name="connsiteY7" fmla="*/ 0 h 1714050"/>
+            </a:gdLst>
+            <a:ahLst/>
+            <a:cxnLst>
+              <a:cxn ang="0">
+                <a:pos x="connsiteX0" y="connsiteY0"/>
+              </a:cxn>
+              <a:cxn ang="0">
+                <a:pos x="connsiteX1" y="connsiteY1"/>
+              </a:cxn>
+              <a:cxn ang="0">
+                <a:pos x="connsiteX2" y="connsiteY2"/>
+              </a:cxn>
+              <a:cxn ang="0">
+                <a:pos x="connsiteX3" y="connsiteY3"/>
+              </a:cxn>
+              <a:cxn ang="0">
+                <a:pos x="connsiteX4" y="connsiteY4"/>
+              </a:cxn>
+              <a:cxn ang="0">
+                <a:pos x="connsiteX5" y="connsiteY5"/>
+              </a:cxn>
+              <a:cxn ang="0">
+                <a:pos x="connsiteX6" y="connsiteY6"/>
+              </a:cxn>
+              <a:cxn ang="0">
+                <a:pos x="connsiteX7" y="connsiteY7"/>
+              </a:cxn>
+            </a:cxnLst>
+            <a:rect l="l" t="t" r="r" b="b"/>
+            <a:pathLst>
+              <a:path w="4103216" h="1714050">
+                <a:moveTo>
+                  <a:pt x="2051608" y="0"/>
+                </a:moveTo>
+                <a:cubicBezTo>
+                  <a:pt x="3184680" y="0"/>
+                  <a:pt x="4103216" y="567138"/>
+                  <a:pt x="4103216" y="1266738"/>
+                </a:cubicBezTo>
+                <a:cubicBezTo>
+                  <a:pt x="4103216" y="1397913"/>
+                  <a:pt x="4070924" y="1524431"/>
+                  <a:pt x="4010980" y="1643427"/>
+                </a:cubicBezTo>
+                <a:lnTo>
+                  <a:pt x="3969116" y="1714050"/>
+                </a:lnTo>
+                <a:lnTo>
+                  <a:pt x="134100" y="1714050"/>
+                </a:lnTo>
+                <a:lnTo>
+                  <a:pt x="92237" y="1643427"/>
+                </a:lnTo>
+                <a:cubicBezTo>
+                  <a:pt x="32293" y="1524431"/>
+                  <a:pt x="0" y="1397913"/>
+                  <a:pt x="0" y="1266738"/>
+                </a:cubicBezTo>
+                <a:cubicBezTo>
+                  <a:pt x="0" y="567138"/>
+                  <a:pt x="918536" y="0"/>
+                  <a:pt x="2051608" y="0"/>
+                </a:cubicBezTo>
+                <a:close/>
+              </a:path>
+            </a:pathLst>
+          </a:custGeom>
+        </p:spPr>
+      </p:pic>
+      <p:sp>
+        <p:nvSpPr>
+          <p:cNvPr id="5" name="标题 1">
+            <a:extLst>
+              <a:ext uri="{FF2B5EF4-FFF2-40B4-BE49-F238E27FC236}">
+                <a16:creationId xmlns:a16="http://schemas.microsoft.com/office/drawing/2014/main" id="{D8CF968D-115F-1254-CE5D-8AF03EEBC6A9}"/>
+              </a:ext>
+            </a:extLst>
+          </p:cNvPr>
+          <p:cNvSpPr txBox="1">
+            <a:spLocks/>
+          </p:cNvSpPr>
+          <p:nvPr/>
+        </p:nvSpPr>
+        <p:spPr>
+          <a:xfrm>
+            <a:off x="1565769" y="385457"/>
+            <a:ext cx="3669764" cy="1596177"/>
+          </a:xfrm>
+          <a:prstGeom prst="rect">
+            <a:avLst/>
+          </a:prstGeom>
+        </p:spPr>
+        <p:txBody>
+          <a:bodyPr vert="horz" lIns="91440" tIns="45720" rIns="91440" bIns="45720" rtlCol="0" anchor="ctr">
+            <a:normAutofit/>
+          </a:bodyPr>
+          <a:lstStyle>
+            <a:lvl1pPr algn="l" defTabSz="914400" rtl="0" eaLnBrk="1" latinLnBrk="0" hangingPunct="1">
+              <a:lnSpc>
+                <a:spcPct val="90000"/>
+              </a:lnSpc>
+              <a:spcBef>
+                <a:spcPct val="0"/>
+              </a:spcBef>
+              <a:buNone/>
+              <a:defRPr sz="4400" kern="1200">
+                <a:solidFill>
+                  <a:schemeClr val="tx1"/>
+                </a:solidFill>
+                <a:latin typeface="+mj-lt"/>
+                <a:ea typeface="+mj-ea"/>
+                <a:cs typeface="+mj-cs"/>
+              </a:defRPr>
+            </a:lvl1pPr>
+          </a:lstStyle>
+          <a:p>
+            <a:r>
+              <a:rPr lang="en-US" altLang="zh-CN" sz="4000" dirty="0">
+                <a:effectLst/>
+                <a:latin typeface="Aptos"/>
+                <a:ea typeface="等线" panose="02010600030101010101" pitchFamily="2" charset="-122"/>
+                <a:cs typeface="Times New Roman" panose="02020603050405020304" pitchFamily="18" charset="0"/>
+              </a:rPr>
+              <a:t>Define Scope</a:t>
+            </a:r>
+            <a:endParaRPr lang="en-US" sz="6600" dirty="0"/>
+          </a:p>
+        </p:txBody>
+      </p:sp>
+      <p:pic>
+        <p:nvPicPr>
+          <p:cNvPr id="14" name="Picture 13">
+            <a:extLst>
+              <a:ext uri="{FF2B5EF4-FFF2-40B4-BE49-F238E27FC236}">
+                <a16:creationId xmlns:a16="http://schemas.microsoft.com/office/drawing/2014/main" id="{4BD9B782-A088-D0B4-87A1-927E8C1B8548}"/>
+              </a:ext>
+              <a:ext uri="{C183D7F6-B498-43B3-948B-1728B52AA6E4}">
+                <adec:decorative xmlns:adec="http://schemas.microsoft.com/office/drawing/2017/decorative" val="1"/>
+              </a:ext>
+            </a:extLst>
+          </p:cNvPr>
+          <p:cNvPicPr>
+            <a:picLocks noGrp="1" noRot="1" noChangeAspect="1" noMove="1" noResize="1" noEditPoints="1" noAdjustHandles="1" noChangeArrowheads="1" noChangeShapeType="1" noCrop="1"/>
+          </p:cNvPicPr>
+          <p:nvPr>
+            <p:extLst>
+              <p:ext uri="{386F3935-93C4-4BCD-93E2-E3B085C9AB24}">
+                <p16:designElem xmlns:p16="http://schemas.microsoft.com/office/powerpoint/2015/main" val="1"/>
+              </p:ext>
+            </p:extLst>
+          </p:nvPr>
+        </p:nvPicPr>
+        <p:blipFill rotWithShape="1">
+          <a:blip r:embed="rId3">
+            <a:extLst>
+              <a:ext uri="{28A0092B-C50C-407E-A947-70E740481C1C}">
+                <a14:useLocalDpi xmlns:a14="http://schemas.microsoft.com/office/drawing/2010/main" val="0"/>
+              </a:ext>
+            </a:extLst>
+          </a:blip>
+          <a:srcRect l="55183" t="89413" r="18746"/>
+          <a:stretch/>
+        </p:blipFill>
+        <p:spPr>
+          <a:xfrm>
+            <a:off x="8404564" y="0"/>
+            <a:ext cx="2589690" cy="591546"/>
+          </a:xfrm>
+          <a:prstGeom prst="rect">
+            <a:avLst/>
+          </a:prstGeom>
+        </p:spPr>
+      </p:pic>
+      <p:pic>
+        <p:nvPicPr>
+          <p:cNvPr id="16" name="Picture 15">
+            <a:extLst>
+              <a:ext uri="{FF2B5EF4-FFF2-40B4-BE49-F238E27FC236}">
+                <a16:creationId xmlns:a16="http://schemas.microsoft.com/office/drawing/2014/main" id="{9EF44CFC-B996-E58E-FDCF-9F0E959F02DC}"/>
+              </a:ext>
+              <a:ext uri="{C183D7F6-B498-43B3-948B-1728B52AA6E4}">
+                <adec:decorative xmlns:adec="http://schemas.microsoft.com/office/drawing/2017/decorative" val="1"/>
+              </a:ext>
+            </a:extLst>
+          </p:cNvPr>
+          <p:cNvPicPr>
+            <a:picLocks noGrp="1" noRot="1" noChangeAspect="1" noMove="1" noResize="1" noEditPoints="1" noAdjustHandles="1" noChangeArrowheads="1" noChangeShapeType="1" noCrop="1"/>
+          </p:cNvPicPr>
+          <p:nvPr>
+            <p:extLst>
+              <p:ext uri="{386F3935-93C4-4BCD-93E2-E3B085C9AB24}">
+                <p16:designElem xmlns:p16="http://schemas.microsoft.com/office/powerpoint/2015/main" val="1"/>
+              </p:ext>
+            </p:extLst>
+          </p:nvPr>
+        </p:nvPicPr>
+        <p:blipFill rotWithShape="1">
+          <a:blip r:embed="rId2">
+            <a:extLst>
+              <a:ext uri="{28A0092B-C50C-407E-A947-70E740481C1C}">
+                <a14:useLocalDpi xmlns:a14="http://schemas.microsoft.com/office/drawing/2010/main" val="0"/>
+              </a:ext>
+            </a:extLst>
+          </a:blip>
+          <a:srcRect l="73623" t="43915" r="1" b="10213"/>
+          <a:stretch/>
+        </p:blipFill>
+        <p:spPr>
+          <a:xfrm>
+            <a:off x="10471066" y="183232"/>
+            <a:ext cx="1720934" cy="1683522"/>
+          </a:xfrm>
+          <a:prstGeom prst="rect">
+            <a:avLst/>
+          </a:prstGeom>
+        </p:spPr>
+      </p:pic>
+      <p:sp>
+        <p:nvSpPr>
+          <p:cNvPr id="3" name="内容占位符 2">
+            <a:extLst>
+              <a:ext uri="{FF2B5EF4-FFF2-40B4-BE49-F238E27FC236}">
+                <a16:creationId xmlns:a16="http://schemas.microsoft.com/office/drawing/2014/main" id="{7362FF0C-78DC-20AA-5353-017BBB05843E}"/>
+              </a:ext>
+            </a:extLst>
+          </p:cNvPr>
+          <p:cNvSpPr>
+            <a:spLocks noGrp="1"/>
+          </p:cNvSpPr>
+          <p:nvPr>
+            <p:ph idx="1"/>
+          </p:nvPr>
+        </p:nvSpPr>
+        <p:spPr>
+          <a:xfrm>
+            <a:off x="1133513" y="2012719"/>
+            <a:ext cx="8726413" cy="3424107"/>
+          </a:xfrm>
+        </p:spPr>
+        <p:txBody>
+          <a:bodyPr vert="horz" lIns="91440" tIns="45720" rIns="91440" bIns="45720" rtlCol="0">
+            <a:normAutofit fontScale="40000" lnSpcReduction="20000"/>
+          </a:bodyPr>
+          <a:lstStyle/>
+          <a:p>
+            <a:r>
+              <a:rPr kumimoji="1" lang="en-US" altLang="zh-CN" sz="6000" dirty="0"/>
+              <a:t>Objective: To improve the efficiency of product recommendations by using Spark ALS instead of SVD, and store data on HDFS for distributed processing.</a:t>
+            </a:r>
+          </a:p>
+          <a:p>
+            <a:r>
+              <a:rPr kumimoji="1" lang="en-US" altLang="zh-CN" sz="6000" dirty="0"/>
+              <a:t>Context: Applicable in large-scale e-commerce platforms with vast user-product interaction datasets.</a:t>
+            </a:r>
+          </a:p>
+          <a:p>
+            <a:r>
+              <a:rPr kumimoji="1" lang="en-US" altLang="zh-CN" sz="6000" dirty="0"/>
+              <a:t>Comparison: Evaluate accuracy, execution time, and scalability between Spark ALS and SVD.</a:t>
+            </a:r>
+          </a:p>
+          <a:p>
+            <a:endParaRPr kumimoji="1" lang="en-US" altLang="zh-CN" sz="1400" dirty="0"/>
+          </a:p>
+        </p:txBody>
+      </p:sp>
+      <p:pic>
+        <p:nvPicPr>
+          <p:cNvPr id="18" name="Picture 17">
+            <a:extLst>
+              <a:ext uri="{FF2B5EF4-FFF2-40B4-BE49-F238E27FC236}">
+                <a16:creationId xmlns:a16="http://schemas.microsoft.com/office/drawing/2014/main" id="{6453C464-FB43-ED22-D2B7-86D9FAC9DA80}"/>
+              </a:ext>
+              <a:ext uri="{C183D7F6-B498-43B3-948B-1728B52AA6E4}">
+                <adec:decorative xmlns:adec="http://schemas.microsoft.com/office/drawing/2017/decorative" val="1"/>
+              </a:ext>
+            </a:extLst>
+          </p:cNvPr>
+          <p:cNvPicPr>
+            <a:picLocks noGrp="1" noRot="1" noChangeAspect="1" noMove="1" noResize="1" noEditPoints="1" noAdjustHandles="1" noChangeArrowheads="1" noChangeShapeType="1" noCrop="1"/>
+          </p:cNvPicPr>
+          <p:nvPr>
+            <p:extLst>
+              <p:ext uri="{386F3935-93C4-4BCD-93E2-E3B085C9AB24}">
+                <p16:designElem xmlns:p16="http://schemas.microsoft.com/office/powerpoint/2015/main" val="1"/>
+              </p:ext>
+            </p:extLst>
+          </p:nvPr>
+        </p:nvPicPr>
+        <p:blipFill rotWithShape="1">
+          <a:blip r:embed="rId3">
+            <a:extLst>
+              <a:ext uri="{28A0092B-C50C-407E-A947-70E740481C1C}">
+                <a14:useLocalDpi xmlns:a14="http://schemas.microsoft.com/office/drawing/2010/main" val="0"/>
+              </a:ext>
+            </a:extLst>
+          </a:blip>
+          <a:srcRect l="91927" t="72411" b="10341"/>
+          <a:stretch/>
+        </p:blipFill>
+        <p:spPr>
+          <a:xfrm>
+            <a:off x="11494523" y="2664767"/>
+            <a:ext cx="635958" cy="764233"/>
+          </a:xfrm>
+          <a:custGeom>
+            <a:avLst/>
+            <a:gdLst>
+              <a:gd name="connsiteX0" fmla="*/ 0 w 984308"/>
+              <a:gd name="connsiteY0" fmla="*/ 0 h 1182847"/>
+              <a:gd name="connsiteX1" fmla="*/ 984308 w 984308"/>
+              <a:gd name="connsiteY1" fmla="*/ 0 h 1182847"/>
+              <a:gd name="connsiteX2" fmla="*/ 984308 w 984308"/>
+              <a:gd name="connsiteY2" fmla="*/ 1161661 h 1182847"/>
+              <a:gd name="connsiteX3" fmla="*/ 966627 w 984308"/>
+              <a:gd name="connsiteY3" fmla="*/ 1165915 h 1182847"/>
+              <a:gd name="connsiteX4" fmla="*/ 787132 w 984308"/>
+              <a:gd name="connsiteY4" fmla="*/ 1182847 h 1182847"/>
+              <a:gd name="connsiteX5" fmla="*/ 48601 w 984308"/>
+              <a:gd name="connsiteY5" fmla="*/ 815395 h 1182847"/>
+              <a:gd name="connsiteX6" fmla="*/ 0 w 984308"/>
+              <a:gd name="connsiteY6" fmla="*/ 731606 h 1182847"/>
+            </a:gdLst>
+            <a:ahLst/>
+            <a:cxnLst>
+              <a:cxn ang="0">
+                <a:pos x="connsiteX0" y="connsiteY0"/>
+              </a:cxn>
+              <a:cxn ang="0">
+                <a:pos x="connsiteX1" y="connsiteY1"/>
+              </a:cxn>
+              <a:cxn ang="0">
+                <a:pos x="connsiteX2" y="connsiteY2"/>
+              </a:cxn>
+              <a:cxn ang="0">
+                <a:pos x="connsiteX3" y="connsiteY3"/>
+              </a:cxn>
+              <a:cxn ang="0">
+                <a:pos x="connsiteX4" y="connsiteY4"/>
+              </a:cxn>
+              <a:cxn ang="0">
+                <a:pos x="connsiteX5" y="connsiteY5"/>
+              </a:cxn>
+              <a:cxn ang="0">
+                <a:pos x="connsiteX6" y="connsiteY6"/>
+              </a:cxn>
+            </a:cxnLst>
+            <a:rect l="l" t="t" r="r" b="b"/>
+            <a:pathLst>
+              <a:path w="984308" h="1182847">
+                <a:moveTo>
+                  <a:pt x="0" y="0"/>
+                </a:moveTo>
+                <a:lnTo>
+                  <a:pt x="984308" y="0"/>
+                </a:lnTo>
+                <a:lnTo>
+                  <a:pt x="984308" y="1161661"/>
+                </a:lnTo>
+                <a:lnTo>
+                  <a:pt x="966627" y="1165915"/>
+                </a:lnTo>
+                <a:cubicBezTo>
+                  <a:pt x="908648" y="1177017"/>
+                  <a:pt x="848618" y="1182847"/>
+                  <a:pt x="787132" y="1182847"/>
+                </a:cubicBezTo>
+                <a:cubicBezTo>
+                  <a:pt x="479703" y="1182847"/>
+                  <a:pt x="208655" y="1037089"/>
+                  <a:pt x="48601" y="815395"/>
+                </a:cubicBezTo>
+                <a:lnTo>
+                  <a:pt x="0" y="731606"/>
+                </a:lnTo>
+                <a:close/>
+              </a:path>
+            </a:pathLst>
+          </a:custGeom>
+        </p:spPr>
+      </p:pic>
+      <p:pic>
+        <p:nvPicPr>
+          <p:cNvPr id="20" name="Picture 19">
+            <a:extLst>
+              <a:ext uri="{FF2B5EF4-FFF2-40B4-BE49-F238E27FC236}">
+                <a16:creationId xmlns:a16="http://schemas.microsoft.com/office/drawing/2014/main" id="{75854158-EB4C-4081-3B93-1487C9647E95}"/>
+              </a:ext>
+              <a:ext uri="{C183D7F6-B498-43B3-948B-1728B52AA6E4}">
+                <adec:decorative xmlns:adec="http://schemas.microsoft.com/office/drawing/2017/decorative" val="1"/>
+              </a:ext>
+            </a:extLst>
+          </p:cNvPr>
+          <p:cNvPicPr>
+            <a:picLocks noGrp="1" noRot="1" noChangeAspect="1" noMove="1" noResize="1" noEditPoints="1" noAdjustHandles="1" noChangeArrowheads="1" noChangeShapeType="1" noCrop="1"/>
+          </p:cNvPicPr>
+          <p:nvPr>
+            <p:extLst>
+              <p:ext uri="{386F3935-93C4-4BCD-93E2-E3B085C9AB24}">
+                <p16:designElem xmlns:p16="http://schemas.microsoft.com/office/powerpoint/2015/main" val="1"/>
+              </p:ext>
+            </p:extLst>
+          </p:nvPr>
+        </p:nvPicPr>
+        <p:blipFill rotWithShape="1">
+          <a:blip r:embed="rId2">
+            <a:extLst>
+              <a:ext uri="{28A0092B-C50C-407E-A947-70E740481C1C}">
+                <a14:useLocalDpi xmlns:a14="http://schemas.microsoft.com/office/drawing/2010/main" val="0"/>
+              </a:ext>
+            </a:extLst>
+          </a:blip>
+          <a:srcRect l="65973" t="81531" r="19879"/>
+          <a:stretch/>
+        </p:blipFill>
+        <p:spPr>
+          <a:xfrm>
+            <a:off x="8887626" y="5982056"/>
+            <a:ext cx="1192806" cy="875944"/>
+          </a:xfrm>
+          <a:custGeom>
+            <a:avLst/>
+            <a:gdLst>
+              <a:gd name="connsiteX0" fmla="*/ 2051608 w 4103216"/>
+              <a:gd name="connsiteY0" fmla="*/ 0 h 1714050"/>
+              <a:gd name="connsiteX1" fmla="*/ 4103216 w 4103216"/>
+              <a:gd name="connsiteY1" fmla="*/ 1266738 h 1714050"/>
+              <a:gd name="connsiteX2" fmla="*/ 4010980 w 4103216"/>
+              <a:gd name="connsiteY2" fmla="*/ 1643427 h 1714050"/>
+              <a:gd name="connsiteX3" fmla="*/ 3969116 w 4103216"/>
+              <a:gd name="connsiteY3" fmla="*/ 1714050 h 1714050"/>
+              <a:gd name="connsiteX4" fmla="*/ 134100 w 4103216"/>
+              <a:gd name="connsiteY4" fmla="*/ 1714050 h 1714050"/>
+              <a:gd name="connsiteX5" fmla="*/ 92237 w 4103216"/>
+              <a:gd name="connsiteY5" fmla="*/ 1643427 h 1714050"/>
+              <a:gd name="connsiteX6" fmla="*/ 0 w 4103216"/>
+              <a:gd name="connsiteY6" fmla="*/ 1266738 h 1714050"/>
+              <a:gd name="connsiteX7" fmla="*/ 2051608 w 4103216"/>
+              <a:gd name="connsiteY7" fmla="*/ 0 h 1714050"/>
+            </a:gdLst>
+            <a:ahLst/>
+            <a:cxnLst>
+              <a:cxn ang="0">
+                <a:pos x="connsiteX0" y="connsiteY0"/>
+              </a:cxn>
+              <a:cxn ang="0">
+                <a:pos x="connsiteX1" y="connsiteY1"/>
+              </a:cxn>
+              <a:cxn ang="0">
+                <a:pos x="connsiteX2" y="connsiteY2"/>
+              </a:cxn>
+              <a:cxn ang="0">
+                <a:pos x="connsiteX3" y="connsiteY3"/>
+              </a:cxn>
+              <a:cxn ang="0">
+                <a:pos x="connsiteX4" y="connsiteY4"/>
+              </a:cxn>
+              <a:cxn ang="0">
+                <a:pos x="connsiteX5" y="connsiteY5"/>
+              </a:cxn>
+              <a:cxn ang="0">
+                <a:pos x="connsiteX6" y="connsiteY6"/>
+              </a:cxn>
+              <a:cxn ang="0">
+                <a:pos x="connsiteX7" y="connsiteY7"/>
+              </a:cxn>
+            </a:cxnLst>
+            <a:rect l="l" t="t" r="r" b="b"/>
+            <a:pathLst>
+              <a:path w="4103216" h="1714050">
+                <a:moveTo>
+                  <a:pt x="2051608" y="0"/>
+                </a:moveTo>
+                <a:cubicBezTo>
+                  <a:pt x="3184680" y="0"/>
+                  <a:pt x="4103216" y="567138"/>
+                  <a:pt x="4103216" y="1266738"/>
+                </a:cubicBezTo>
+                <a:cubicBezTo>
+                  <a:pt x="4103216" y="1397913"/>
+                  <a:pt x="4070924" y="1524431"/>
+                  <a:pt x="4010980" y="1643427"/>
+                </a:cubicBezTo>
+                <a:lnTo>
+                  <a:pt x="3969116" y="1714050"/>
+                </a:lnTo>
+                <a:lnTo>
+                  <a:pt x="134100" y="1714050"/>
+                </a:lnTo>
+                <a:lnTo>
+                  <a:pt x="92237" y="1643427"/>
+                </a:lnTo>
+                <a:cubicBezTo>
+                  <a:pt x="32293" y="1524431"/>
+                  <a:pt x="0" y="1397913"/>
+                  <a:pt x="0" y="1266738"/>
+                </a:cubicBezTo>
+                <a:cubicBezTo>
+                  <a:pt x="0" y="567138"/>
+                  <a:pt x="918536" y="0"/>
+                  <a:pt x="2051608" y="0"/>
+                </a:cubicBezTo>
+                <a:close/>
+              </a:path>
+            </a:pathLst>
+          </a:custGeom>
+        </p:spPr>
+      </p:pic>
+    </p:spTree>
+    <p:extLst>
+      <p:ext uri="{BB962C8B-B14F-4D97-AF65-F5344CB8AC3E}">
+        <p14:creationId xmlns:p14="http://schemas.microsoft.com/office/powerpoint/2010/main" val="1318614675"/>
+      </p:ext>
+    </p:extLst>
+  </p:cSld>
+  <p:clrMapOvr>
+    <a:masterClrMapping/>
+  </p:clrMapOvr>
+</p:sld>
+</file>
+
+<file path=ppt/slides/slide4.xml><?xml version="1.0" encoding="utf-8"?>
 <p:sld xmlns:a="http://schemas.openxmlformats.org/drawingml/2006/main" xmlns:r="http://schemas.openxmlformats.org/officeDocument/2006/relationships" xmlns:p="http://schemas.openxmlformats.org/presentationml/2006/main">
   <p:cSld>
     <p:bg>
@@ -31405,7 +36733,7 @@
 </p:sld>
 </file>
 
-<file path=ppt/slides/slide3.xml><?xml version="1.0" encoding="utf-8"?>
+<file path=ppt/slides/slide5.xml><?xml version="1.0" encoding="utf-8"?>
 <p:sld xmlns:a="http://schemas.openxmlformats.org/drawingml/2006/main" xmlns:r="http://schemas.openxmlformats.org/officeDocument/2006/relationships" xmlns:p="http://schemas.openxmlformats.org/presentationml/2006/main">
   <p:cSld>
     <p:bg>
@@ -31535,7 +36863,7 @@
 </p:sld>
 </file>
 
-<file path=ppt/slides/slide4.xml><?xml version="1.0" encoding="utf-8"?>
+<file path=ppt/slides/slide6.xml><?xml version="1.0" encoding="utf-8"?>
 <p:sld xmlns:a="http://schemas.openxmlformats.org/drawingml/2006/main" xmlns:r="http://schemas.openxmlformats.org/officeDocument/2006/relationships" xmlns:p="http://schemas.openxmlformats.org/presentationml/2006/main">
   <p:cSld>
     <p:bg>
@@ -31661,7 +36989,743 @@
 </p:sld>
 </file>
 
-<file path=ppt/slides/slide5.xml><?xml version="1.0" encoding="utf-8"?>
+<file path=ppt/slides/slide7.xml><?xml version="1.0" encoding="utf-8"?>
+<p:sld xmlns:a="http://schemas.openxmlformats.org/drawingml/2006/main" xmlns:r="http://schemas.openxmlformats.org/officeDocument/2006/relationships" xmlns:p="http://schemas.openxmlformats.org/presentationml/2006/main">
+  <p:cSld>
+    <p:bg>
+      <p:bgPr>
+        <a:gradFill rotWithShape="1">
+          <a:gsLst>
+            <a:gs pos="0">
+              <a:schemeClr val="bg1">
+                <a:tint val="90000"/>
+                <a:lumMod val="110000"/>
+              </a:schemeClr>
+            </a:gs>
+            <a:gs pos="100000">
+              <a:schemeClr val="bg1">
+                <a:shade val="64000"/>
+                <a:lumMod val="88000"/>
+              </a:schemeClr>
+            </a:gs>
+          </a:gsLst>
+          <a:lin ang="5400000" scaled="0"/>
+        </a:gradFill>
+        <a:effectLst/>
+      </p:bgPr>
+    </p:bg>
+    <p:spTree>
+      <p:nvGrpSpPr>
+        <p:cNvPr id="1" name="">
+          <a:extLst>
+            <a:ext uri="{FF2B5EF4-FFF2-40B4-BE49-F238E27FC236}">
+              <a16:creationId xmlns:a16="http://schemas.microsoft.com/office/drawing/2014/main" id="{4A81157F-3360-644D-6756-BE5CEA9DC773}"/>
+            </a:ext>
+          </a:extLst>
+        </p:cNvPr>
+        <p:cNvGrpSpPr/>
+        <p:nvPr/>
+      </p:nvGrpSpPr>
+      <p:grpSpPr>
+        <a:xfrm>
+          <a:off x="0" y="0"/>
+          <a:ext cx="0" cy="0"/>
+          <a:chOff x="0" y="0"/>
+          <a:chExt cx="0" cy="0"/>
+        </a:xfrm>
+      </p:grpSpPr>
+      <p:sp useBgFill="1">
+        <p:nvSpPr>
+          <p:cNvPr id="10" name="Rectangle 9">
+            <a:extLst>
+              <a:ext uri="{FF2B5EF4-FFF2-40B4-BE49-F238E27FC236}">
+                <a16:creationId xmlns:a16="http://schemas.microsoft.com/office/drawing/2014/main" id="{434475BD-3055-7D6E-881A-017F03E87E0D}"/>
+              </a:ext>
+              <a:ext uri="{C183D7F6-B498-43B3-948B-1728B52AA6E4}">
+                <adec:decorative xmlns:adec="http://schemas.microsoft.com/office/drawing/2017/decorative" val="1"/>
+              </a:ext>
+            </a:extLst>
+          </p:cNvPr>
+          <p:cNvSpPr>
+            <a:spLocks noGrp="1" noRot="1" noChangeAspect="1" noMove="1" noResize="1" noEditPoints="1" noAdjustHandles="1" noChangeArrowheads="1" noChangeShapeType="1" noTextEdit="1"/>
+          </p:cNvSpPr>
+          <p:nvPr>
+            <p:extLst>
+              <p:ext uri="{386F3935-93C4-4BCD-93E2-E3B085C9AB24}">
+                <p16:designElem xmlns:p16="http://schemas.microsoft.com/office/powerpoint/2015/main" val="1"/>
+              </p:ext>
+            </p:extLst>
+          </p:nvPr>
+        </p:nvSpPr>
+        <p:spPr>
+          <a:xfrm>
+            <a:off x="0" y="0"/>
+            <a:ext cx="12192000" cy="6858000"/>
+          </a:xfrm>
+          <a:prstGeom prst="rect">
+            <a:avLst/>
+          </a:prstGeom>
+          <a:ln>
+            <a:noFill/>
+          </a:ln>
+        </p:spPr>
+        <p:style>
+          <a:lnRef idx="2">
+            <a:schemeClr val="accent1">
+              <a:shade val="50000"/>
+            </a:schemeClr>
+          </a:lnRef>
+          <a:fillRef idx="1">
+            <a:schemeClr val="accent1"/>
+          </a:fillRef>
+          <a:effectRef idx="0">
+            <a:schemeClr val="accent1"/>
+          </a:effectRef>
+          <a:fontRef idx="minor">
+            <a:schemeClr val="lt1"/>
+          </a:fontRef>
+        </p:style>
+        <p:txBody>
+          <a:bodyPr rtlCol="0" anchor="ctr"/>
+          <a:lstStyle/>
+          <a:p>
+            <a:pPr algn="ctr"/>
+            <a:endParaRPr lang="en-US"/>
+          </a:p>
+        </p:txBody>
+      </p:sp>
+      <p:pic>
+        <p:nvPicPr>
+          <p:cNvPr id="12" name="Picture 11">
+            <a:extLst>
+              <a:ext uri="{FF2B5EF4-FFF2-40B4-BE49-F238E27FC236}">
+                <a16:creationId xmlns:a16="http://schemas.microsoft.com/office/drawing/2014/main" id="{7D0D925E-B19B-9C01-F2F2-E9EBB783E73D}"/>
+              </a:ext>
+              <a:ext uri="{C183D7F6-B498-43B3-948B-1728B52AA6E4}">
+                <adec:decorative xmlns:adec="http://schemas.microsoft.com/office/drawing/2017/decorative" val="1"/>
+              </a:ext>
+            </a:extLst>
+          </p:cNvPr>
+          <p:cNvPicPr>
+            <a:picLocks noGrp="1" noRot="1" noChangeAspect="1" noMove="1" noResize="1" noEditPoints="1" noAdjustHandles="1" noChangeArrowheads="1" noChangeShapeType="1" noCrop="1"/>
+          </p:cNvPicPr>
+          <p:nvPr>
+            <p:extLst>
+              <p:ext uri="{386F3935-93C4-4BCD-93E2-E3B085C9AB24}">
+                <p16:designElem xmlns:p16="http://schemas.microsoft.com/office/powerpoint/2015/main" val="1"/>
+              </p:ext>
+            </p:extLst>
+          </p:nvPr>
+        </p:nvPicPr>
+        <p:blipFill rotWithShape="1">
+          <a:blip r:embed="rId2">
+            <a:extLst>
+              <a:ext uri="{28A0092B-C50C-407E-A947-70E740481C1C}">
+                <a14:useLocalDpi xmlns:a14="http://schemas.microsoft.com/office/drawing/2010/main" val="0"/>
+              </a:ext>
+            </a:extLst>
+          </a:blip>
+          <a:srcRect l="46466" t="75007" r="30510"/>
+          <a:stretch/>
+        </p:blipFill>
+        <p:spPr>
+          <a:xfrm>
+            <a:off x="0" y="138157"/>
+            <a:ext cx="1712063" cy="1045389"/>
+          </a:xfrm>
+          <a:custGeom>
+            <a:avLst/>
+            <a:gdLst>
+              <a:gd name="connsiteX0" fmla="*/ 2051608 w 4103216"/>
+              <a:gd name="connsiteY0" fmla="*/ 0 h 1714050"/>
+              <a:gd name="connsiteX1" fmla="*/ 4103216 w 4103216"/>
+              <a:gd name="connsiteY1" fmla="*/ 1266738 h 1714050"/>
+              <a:gd name="connsiteX2" fmla="*/ 4010980 w 4103216"/>
+              <a:gd name="connsiteY2" fmla="*/ 1643427 h 1714050"/>
+              <a:gd name="connsiteX3" fmla="*/ 3969116 w 4103216"/>
+              <a:gd name="connsiteY3" fmla="*/ 1714050 h 1714050"/>
+              <a:gd name="connsiteX4" fmla="*/ 134100 w 4103216"/>
+              <a:gd name="connsiteY4" fmla="*/ 1714050 h 1714050"/>
+              <a:gd name="connsiteX5" fmla="*/ 92237 w 4103216"/>
+              <a:gd name="connsiteY5" fmla="*/ 1643427 h 1714050"/>
+              <a:gd name="connsiteX6" fmla="*/ 0 w 4103216"/>
+              <a:gd name="connsiteY6" fmla="*/ 1266738 h 1714050"/>
+              <a:gd name="connsiteX7" fmla="*/ 2051608 w 4103216"/>
+              <a:gd name="connsiteY7" fmla="*/ 0 h 1714050"/>
+            </a:gdLst>
+            <a:ahLst/>
+            <a:cxnLst>
+              <a:cxn ang="0">
+                <a:pos x="connsiteX0" y="connsiteY0"/>
+              </a:cxn>
+              <a:cxn ang="0">
+                <a:pos x="connsiteX1" y="connsiteY1"/>
+              </a:cxn>
+              <a:cxn ang="0">
+                <a:pos x="connsiteX2" y="connsiteY2"/>
+              </a:cxn>
+              <a:cxn ang="0">
+                <a:pos x="connsiteX3" y="connsiteY3"/>
+              </a:cxn>
+              <a:cxn ang="0">
+                <a:pos x="connsiteX4" y="connsiteY4"/>
+              </a:cxn>
+              <a:cxn ang="0">
+                <a:pos x="connsiteX5" y="connsiteY5"/>
+              </a:cxn>
+              <a:cxn ang="0">
+                <a:pos x="connsiteX6" y="connsiteY6"/>
+              </a:cxn>
+              <a:cxn ang="0">
+                <a:pos x="connsiteX7" y="connsiteY7"/>
+              </a:cxn>
+            </a:cxnLst>
+            <a:rect l="l" t="t" r="r" b="b"/>
+            <a:pathLst>
+              <a:path w="4103216" h="1714050">
+                <a:moveTo>
+                  <a:pt x="2051608" y="0"/>
+                </a:moveTo>
+                <a:cubicBezTo>
+                  <a:pt x="3184680" y="0"/>
+                  <a:pt x="4103216" y="567138"/>
+                  <a:pt x="4103216" y="1266738"/>
+                </a:cubicBezTo>
+                <a:cubicBezTo>
+                  <a:pt x="4103216" y="1397913"/>
+                  <a:pt x="4070924" y="1524431"/>
+                  <a:pt x="4010980" y="1643427"/>
+                </a:cubicBezTo>
+                <a:lnTo>
+                  <a:pt x="3969116" y="1714050"/>
+                </a:lnTo>
+                <a:lnTo>
+                  <a:pt x="134100" y="1714050"/>
+                </a:lnTo>
+                <a:lnTo>
+                  <a:pt x="92237" y="1643427"/>
+                </a:lnTo>
+                <a:cubicBezTo>
+                  <a:pt x="32293" y="1524431"/>
+                  <a:pt x="0" y="1397913"/>
+                  <a:pt x="0" y="1266738"/>
+                </a:cubicBezTo>
+                <a:cubicBezTo>
+                  <a:pt x="0" y="567138"/>
+                  <a:pt x="918536" y="0"/>
+                  <a:pt x="2051608" y="0"/>
+                </a:cubicBezTo>
+                <a:close/>
+              </a:path>
+            </a:pathLst>
+          </a:custGeom>
+        </p:spPr>
+      </p:pic>
+      <p:sp>
+        <p:nvSpPr>
+          <p:cNvPr id="5" name="标题 1">
+            <a:extLst>
+              <a:ext uri="{FF2B5EF4-FFF2-40B4-BE49-F238E27FC236}">
+                <a16:creationId xmlns:a16="http://schemas.microsoft.com/office/drawing/2014/main" id="{12D6D9EB-7BCC-5D47-14FD-F5B244DCAA20}"/>
+              </a:ext>
+            </a:extLst>
+          </p:cNvPr>
+          <p:cNvSpPr txBox="1">
+            <a:spLocks/>
+          </p:cNvSpPr>
+          <p:nvPr/>
+        </p:nvSpPr>
+        <p:spPr>
+          <a:xfrm>
+            <a:off x="1565768" y="385457"/>
+            <a:ext cx="8550859" cy="1596177"/>
+          </a:xfrm>
+          <a:prstGeom prst="rect">
+            <a:avLst/>
+          </a:prstGeom>
+        </p:spPr>
+        <p:txBody>
+          <a:bodyPr vert="horz" lIns="91440" tIns="45720" rIns="91440" bIns="45720" rtlCol="0" anchor="ctr">
+            <a:normAutofit/>
+          </a:bodyPr>
+          <a:lstStyle>
+            <a:lvl1pPr algn="l" defTabSz="914400" rtl="0" eaLnBrk="1" latinLnBrk="0" hangingPunct="1">
+              <a:lnSpc>
+                <a:spcPct val="90000"/>
+              </a:lnSpc>
+              <a:spcBef>
+                <a:spcPct val="0"/>
+              </a:spcBef>
+              <a:buNone/>
+              <a:defRPr sz="4400" kern="1200">
+                <a:solidFill>
+                  <a:schemeClr val="tx1"/>
+                </a:solidFill>
+                <a:latin typeface="+mj-lt"/>
+                <a:ea typeface="+mj-ea"/>
+                <a:cs typeface="+mj-cs"/>
+              </a:defRPr>
+            </a:lvl1pPr>
+          </a:lstStyle>
+          <a:p>
+            <a:r>
+              <a:rPr lang="en-US" sz="4000" dirty="0">
+                <a:effectLst/>
+                <a:latin typeface="Aptos"/>
+                <a:ea typeface="等线" panose="02010600030101010101" pitchFamily="2" charset="-122"/>
+                <a:cs typeface="Times New Roman" panose="02020603050405020304" pitchFamily="18" charset="0"/>
+              </a:rPr>
+              <a:t>HDFS – Hadoop Distributed File System</a:t>
+            </a:r>
+            <a:endParaRPr lang="en-US" sz="6600" dirty="0"/>
+          </a:p>
+        </p:txBody>
+      </p:sp>
+      <p:pic>
+        <p:nvPicPr>
+          <p:cNvPr id="14" name="Picture 13">
+            <a:extLst>
+              <a:ext uri="{FF2B5EF4-FFF2-40B4-BE49-F238E27FC236}">
+                <a16:creationId xmlns:a16="http://schemas.microsoft.com/office/drawing/2014/main" id="{C40D9FD4-AC91-FEDA-6B74-CF83E93F9269}"/>
+              </a:ext>
+              <a:ext uri="{C183D7F6-B498-43B3-948B-1728B52AA6E4}">
+                <adec:decorative xmlns:adec="http://schemas.microsoft.com/office/drawing/2017/decorative" val="1"/>
+              </a:ext>
+            </a:extLst>
+          </p:cNvPr>
+          <p:cNvPicPr>
+            <a:picLocks noGrp="1" noRot="1" noChangeAspect="1" noMove="1" noResize="1" noEditPoints="1" noAdjustHandles="1" noChangeArrowheads="1" noChangeShapeType="1" noCrop="1"/>
+          </p:cNvPicPr>
+          <p:nvPr>
+            <p:extLst>
+              <p:ext uri="{386F3935-93C4-4BCD-93E2-E3B085C9AB24}">
+                <p16:designElem xmlns:p16="http://schemas.microsoft.com/office/powerpoint/2015/main" val="1"/>
+              </p:ext>
+            </p:extLst>
+          </p:nvPr>
+        </p:nvPicPr>
+        <p:blipFill rotWithShape="1">
+          <a:blip r:embed="rId3">
+            <a:extLst>
+              <a:ext uri="{28A0092B-C50C-407E-A947-70E740481C1C}">
+                <a14:useLocalDpi xmlns:a14="http://schemas.microsoft.com/office/drawing/2010/main" val="0"/>
+              </a:ext>
+            </a:extLst>
+          </a:blip>
+          <a:srcRect l="55183" t="89413" r="18746"/>
+          <a:stretch/>
+        </p:blipFill>
+        <p:spPr>
+          <a:xfrm>
+            <a:off x="8404564" y="0"/>
+            <a:ext cx="2589690" cy="591546"/>
+          </a:xfrm>
+          <a:prstGeom prst="rect">
+            <a:avLst/>
+          </a:prstGeom>
+        </p:spPr>
+      </p:pic>
+      <p:pic>
+        <p:nvPicPr>
+          <p:cNvPr id="16" name="Picture 15">
+            <a:extLst>
+              <a:ext uri="{FF2B5EF4-FFF2-40B4-BE49-F238E27FC236}">
+                <a16:creationId xmlns:a16="http://schemas.microsoft.com/office/drawing/2014/main" id="{5C5D38BC-0DC4-2B0A-CDFC-5689CCAA1E47}"/>
+              </a:ext>
+              <a:ext uri="{C183D7F6-B498-43B3-948B-1728B52AA6E4}">
+                <adec:decorative xmlns:adec="http://schemas.microsoft.com/office/drawing/2017/decorative" val="1"/>
+              </a:ext>
+            </a:extLst>
+          </p:cNvPr>
+          <p:cNvPicPr>
+            <a:picLocks noGrp="1" noRot="1" noChangeAspect="1" noMove="1" noResize="1" noEditPoints="1" noAdjustHandles="1" noChangeArrowheads="1" noChangeShapeType="1" noCrop="1"/>
+          </p:cNvPicPr>
+          <p:nvPr>
+            <p:extLst>
+              <p:ext uri="{386F3935-93C4-4BCD-93E2-E3B085C9AB24}">
+                <p16:designElem xmlns:p16="http://schemas.microsoft.com/office/powerpoint/2015/main" val="1"/>
+              </p:ext>
+            </p:extLst>
+          </p:nvPr>
+        </p:nvPicPr>
+        <p:blipFill rotWithShape="1">
+          <a:blip r:embed="rId2">
+            <a:extLst>
+              <a:ext uri="{28A0092B-C50C-407E-A947-70E740481C1C}">
+                <a14:useLocalDpi xmlns:a14="http://schemas.microsoft.com/office/drawing/2010/main" val="0"/>
+              </a:ext>
+            </a:extLst>
+          </a:blip>
+          <a:srcRect l="73623" t="43915" r="1" b="10213"/>
+          <a:stretch/>
+        </p:blipFill>
+        <p:spPr>
+          <a:xfrm>
+            <a:off x="10471066" y="183232"/>
+            <a:ext cx="1720934" cy="1683522"/>
+          </a:xfrm>
+          <a:prstGeom prst="rect">
+            <a:avLst/>
+          </a:prstGeom>
+        </p:spPr>
+      </p:pic>
+      <p:sp>
+        <p:nvSpPr>
+          <p:cNvPr id="3" name="内容占位符 2">
+            <a:extLst>
+              <a:ext uri="{FF2B5EF4-FFF2-40B4-BE49-F238E27FC236}">
+                <a16:creationId xmlns:a16="http://schemas.microsoft.com/office/drawing/2014/main" id="{FBDAED54-92DD-F5D8-6333-11A2C7DA561D}"/>
+              </a:ext>
+            </a:extLst>
+          </p:cNvPr>
+          <p:cNvSpPr>
+            <a:spLocks noGrp="1"/>
+          </p:cNvSpPr>
+          <p:nvPr>
+            <p:ph idx="1"/>
+          </p:nvPr>
+        </p:nvSpPr>
+        <p:spPr>
+          <a:xfrm>
+            <a:off x="1354019" y="1647846"/>
+            <a:ext cx="8726413" cy="4745854"/>
+          </a:xfrm>
+        </p:spPr>
+        <p:txBody>
+          <a:bodyPr vert="horz" lIns="91440" tIns="45720" rIns="91440" bIns="45720" rtlCol="0">
+            <a:noAutofit/>
+          </a:bodyPr>
+          <a:lstStyle/>
+          <a:p>
+            <a:endParaRPr lang="en-US" sz="1800" dirty="0"/>
+          </a:p>
+          <a:p>
+            <a:pPr marL="285750" indent="-285750">
+              <a:buFont typeface="Arial" panose="020B0604020202020204" pitchFamily="34" charset="0"/>
+              <a:buChar char="•"/>
+            </a:pPr>
+            <a:r>
+              <a:rPr lang="en-US" sz="2400" dirty="0"/>
+              <a:t>Designed for storing large datasets across multiple machines</a:t>
+            </a:r>
+          </a:p>
+          <a:p>
+            <a:pPr marL="285750" indent="-285750">
+              <a:buFont typeface="Arial" panose="020B0604020202020204" pitchFamily="34" charset="0"/>
+              <a:buChar char="•"/>
+            </a:pPr>
+            <a:r>
+              <a:rPr lang="en-US" sz="2400" dirty="0"/>
+              <a:t>Fault-tolerant through replication (default: 3 copies)</a:t>
+            </a:r>
+          </a:p>
+          <a:p>
+            <a:pPr marL="285750" indent="-285750">
+              <a:buFont typeface="Arial" panose="020B0604020202020204" pitchFamily="34" charset="0"/>
+              <a:buChar char="•"/>
+            </a:pPr>
+            <a:r>
+              <a:rPr lang="en-US" sz="2400" dirty="0"/>
+              <a:t>Follows Master-Slave architecture (</a:t>
+            </a:r>
+            <a:r>
+              <a:rPr lang="en-US" sz="2400" dirty="0" err="1"/>
+              <a:t>NameNode</a:t>
+            </a:r>
+            <a:r>
+              <a:rPr lang="en-US" sz="2400" dirty="0"/>
+              <a:t> &amp; </a:t>
+            </a:r>
+            <a:r>
+              <a:rPr lang="en-US" sz="2400" dirty="0" err="1"/>
+              <a:t>DataNodes</a:t>
+            </a:r>
+            <a:r>
+              <a:rPr lang="en-US" sz="2400" dirty="0"/>
+              <a:t>)</a:t>
+            </a:r>
+          </a:p>
+          <a:p>
+            <a:pPr marL="285750" indent="-285750">
+              <a:buFont typeface="Arial" panose="020B0604020202020204" pitchFamily="34" charset="0"/>
+              <a:buChar char="•"/>
+            </a:pPr>
+            <a:r>
+              <a:rPr lang="en-US" sz="2400" dirty="0"/>
+              <a:t>Optimized for write-once, read-many workloads</a:t>
+            </a:r>
+          </a:p>
+          <a:p>
+            <a:pPr marL="285750" indent="-285750">
+              <a:buFont typeface="Arial" panose="020B0604020202020204" pitchFamily="34" charset="0"/>
+              <a:buChar char="•"/>
+            </a:pPr>
+            <a:r>
+              <a:rPr lang="en-US" sz="2400" dirty="0"/>
+              <a:t>Supports high-throughput data access</a:t>
+            </a:r>
+          </a:p>
+          <a:p>
+            <a:endParaRPr kumimoji="1" lang="en-US" altLang="zh-CN" sz="600" dirty="0"/>
+          </a:p>
+        </p:txBody>
+      </p:sp>
+      <p:pic>
+        <p:nvPicPr>
+          <p:cNvPr id="18" name="Picture 17">
+            <a:extLst>
+              <a:ext uri="{FF2B5EF4-FFF2-40B4-BE49-F238E27FC236}">
+                <a16:creationId xmlns:a16="http://schemas.microsoft.com/office/drawing/2014/main" id="{6F45B3E1-DF78-1469-3AE1-E78F13FC9F5B}"/>
+              </a:ext>
+              <a:ext uri="{C183D7F6-B498-43B3-948B-1728B52AA6E4}">
+                <adec:decorative xmlns:adec="http://schemas.microsoft.com/office/drawing/2017/decorative" val="1"/>
+              </a:ext>
+            </a:extLst>
+          </p:cNvPr>
+          <p:cNvPicPr>
+            <a:picLocks noGrp="1" noRot="1" noChangeAspect="1" noMove="1" noResize="1" noEditPoints="1" noAdjustHandles="1" noChangeArrowheads="1" noChangeShapeType="1" noCrop="1"/>
+          </p:cNvPicPr>
+          <p:nvPr>
+            <p:extLst>
+              <p:ext uri="{386F3935-93C4-4BCD-93E2-E3B085C9AB24}">
+                <p16:designElem xmlns:p16="http://schemas.microsoft.com/office/powerpoint/2015/main" val="1"/>
+              </p:ext>
+            </p:extLst>
+          </p:nvPr>
+        </p:nvPicPr>
+        <p:blipFill rotWithShape="1">
+          <a:blip r:embed="rId3">
+            <a:extLst>
+              <a:ext uri="{28A0092B-C50C-407E-A947-70E740481C1C}">
+                <a14:useLocalDpi xmlns:a14="http://schemas.microsoft.com/office/drawing/2010/main" val="0"/>
+              </a:ext>
+            </a:extLst>
+          </a:blip>
+          <a:srcRect l="91927" t="72411" b="10341"/>
+          <a:stretch/>
+        </p:blipFill>
+        <p:spPr>
+          <a:xfrm>
+            <a:off x="11494523" y="2664767"/>
+            <a:ext cx="635958" cy="764233"/>
+          </a:xfrm>
+          <a:custGeom>
+            <a:avLst/>
+            <a:gdLst>
+              <a:gd name="connsiteX0" fmla="*/ 0 w 984308"/>
+              <a:gd name="connsiteY0" fmla="*/ 0 h 1182847"/>
+              <a:gd name="connsiteX1" fmla="*/ 984308 w 984308"/>
+              <a:gd name="connsiteY1" fmla="*/ 0 h 1182847"/>
+              <a:gd name="connsiteX2" fmla="*/ 984308 w 984308"/>
+              <a:gd name="connsiteY2" fmla="*/ 1161661 h 1182847"/>
+              <a:gd name="connsiteX3" fmla="*/ 966627 w 984308"/>
+              <a:gd name="connsiteY3" fmla="*/ 1165915 h 1182847"/>
+              <a:gd name="connsiteX4" fmla="*/ 787132 w 984308"/>
+              <a:gd name="connsiteY4" fmla="*/ 1182847 h 1182847"/>
+              <a:gd name="connsiteX5" fmla="*/ 48601 w 984308"/>
+              <a:gd name="connsiteY5" fmla="*/ 815395 h 1182847"/>
+              <a:gd name="connsiteX6" fmla="*/ 0 w 984308"/>
+              <a:gd name="connsiteY6" fmla="*/ 731606 h 1182847"/>
+            </a:gdLst>
+            <a:ahLst/>
+            <a:cxnLst>
+              <a:cxn ang="0">
+                <a:pos x="connsiteX0" y="connsiteY0"/>
+              </a:cxn>
+              <a:cxn ang="0">
+                <a:pos x="connsiteX1" y="connsiteY1"/>
+              </a:cxn>
+              <a:cxn ang="0">
+                <a:pos x="connsiteX2" y="connsiteY2"/>
+              </a:cxn>
+              <a:cxn ang="0">
+                <a:pos x="connsiteX3" y="connsiteY3"/>
+              </a:cxn>
+              <a:cxn ang="0">
+                <a:pos x="connsiteX4" y="connsiteY4"/>
+              </a:cxn>
+              <a:cxn ang="0">
+                <a:pos x="connsiteX5" y="connsiteY5"/>
+              </a:cxn>
+              <a:cxn ang="0">
+                <a:pos x="connsiteX6" y="connsiteY6"/>
+              </a:cxn>
+            </a:cxnLst>
+            <a:rect l="l" t="t" r="r" b="b"/>
+            <a:pathLst>
+              <a:path w="984308" h="1182847">
+                <a:moveTo>
+                  <a:pt x="0" y="0"/>
+                </a:moveTo>
+                <a:lnTo>
+                  <a:pt x="984308" y="0"/>
+                </a:lnTo>
+                <a:lnTo>
+                  <a:pt x="984308" y="1161661"/>
+                </a:lnTo>
+                <a:lnTo>
+                  <a:pt x="966627" y="1165915"/>
+                </a:lnTo>
+                <a:cubicBezTo>
+                  <a:pt x="908648" y="1177017"/>
+                  <a:pt x="848618" y="1182847"/>
+                  <a:pt x="787132" y="1182847"/>
+                </a:cubicBezTo>
+                <a:cubicBezTo>
+                  <a:pt x="479703" y="1182847"/>
+                  <a:pt x="208655" y="1037089"/>
+                  <a:pt x="48601" y="815395"/>
+                </a:cubicBezTo>
+                <a:lnTo>
+                  <a:pt x="0" y="731606"/>
+                </a:lnTo>
+                <a:close/>
+              </a:path>
+            </a:pathLst>
+          </a:custGeom>
+        </p:spPr>
+      </p:pic>
+      <p:pic>
+        <p:nvPicPr>
+          <p:cNvPr id="20" name="Picture 19">
+            <a:extLst>
+              <a:ext uri="{FF2B5EF4-FFF2-40B4-BE49-F238E27FC236}">
+                <a16:creationId xmlns:a16="http://schemas.microsoft.com/office/drawing/2014/main" id="{8EFE5A24-CAD1-BF9D-154B-E688EF36E7E2}"/>
+              </a:ext>
+              <a:ext uri="{C183D7F6-B498-43B3-948B-1728B52AA6E4}">
+                <adec:decorative xmlns:adec="http://schemas.microsoft.com/office/drawing/2017/decorative" val="1"/>
+              </a:ext>
+            </a:extLst>
+          </p:cNvPr>
+          <p:cNvPicPr>
+            <a:picLocks noGrp="1" noRot="1" noChangeAspect="1" noMove="1" noResize="1" noEditPoints="1" noAdjustHandles="1" noChangeArrowheads="1" noChangeShapeType="1" noCrop="1"/>
+          </p:cNvPicPr>
+          <p:nvPr>
+            <p:extLst>
+              <p:ext uri="{386F3935-93C4-4BCD-93E2-E3B085C9AB24}">
+                <p16:designElem xmlns:p16="http://schemas.microsoft.com/office/powerpoint/2015/main" val="1"/>
+              </p:ext>
+            </p:extLst>
+          </p:nvPr>
+        </p:nvPicPr>
+        <p:blipFill rotWithShape="1">
+          <a:blip r:embed="rId2">
+            <a:extLst>
+              <a:ext uri="{28A0092B-C50C-407E-A947-70E740481C1C}">
+                <a14:useLocalDpi xmlns:a14="http://schemas.microsoft.com/office/drawing/2010/main" val="0"/>
+              </a:ext>
+            </a:extLst>
+          </a:blip>
+          <a:srcRect l="65973" t="81531" r="19879"/>
+          <a:stretch/>
+        </p:blipFill>
+        <p:spPr>
+          <a:xfrm>
+            <a:off x="8887626" y="5982056"/>
+            <a:ext cx="1192806" cy="875944"/>
+          </a:xfrm>
+          <a:custGeom>
+            <a:avLst/>
+            <a:gdLst>
+              <a:gd name="connsiteX0" fmla="*/ 2051608 w 4103216"/>
+              <a:gd name="connsiteY0" fmla="*/ 0 h 1714050"/>
+              <a:gd name="connsiteX1" fmla="*/ 4103216 w 4103216"/>
+              <a:gd name="connsiteY1" fmla="*/ 1266738 h 1714050"/>
+              <a:gd name="connsiteX2" fmla="*/ 4010980 w 4103216"/>
+              <a:gd name="connsiteY2" fmla="*/ 1643427 h 1714050"/>
+              <a:gd name="connsiteX3" fmla="*/ 3969116 w 4103216"/>
+              <a:gd name="connsiteY3" fmla="*/ 1714050 h 1714050"/>
+              <a:gd name="connsiteX4" fmla="*/ 134100 w 4103216"/>
+              <a:gd name="connsiteY4" fmla="*/ 1714050 h 1714050"/>
+              <a:gd name="connsiteX5" fmla="*/ 92237 w 4103216"/>
+              <a:gd name="connsiteY5" fmla="*/ 1643427 h 1714050"/>
+              <a:gd name="connsiteX6" fmla="*/ 0 w 4103216"/>
+              <a:gd name="connsiteY6" fmla="*/ 1266738 h 1714050"/>
+              <a:gd name="connsiteX7" fmla="*/ 2051608 w 4103216"/>
+              <a:gd name="connsiteY7" fmla="*/ 0 h 1714050"/>
+            </a:gdLst>
+            <a:ahLst/>
+            <a:cxnLst>
+              <a:cxn ang="0">
+                <a:pos x="connsiteX0" y="connsiteY0"/>
+              </a:cxn>
+              <a:cxn ang="0">
+                <a:pos x="connsiteX1" y="connsiteY1"/>
+              </a:cxn>
+              <a:cxn ang="0">
+                <a:pos x="connsiteX2" y="connsiteY2"/>
+              </a:cxn>
+              <a:cxn ang="0">
+                <a:pos x="connsiteX3" y="connsiteY3"/>
+              </a:cxn>
+              <a:cxn ang="0">
+                <a:pos x="connsiteX4" y="connsiteY4"/>
+              </a:cxn>
+              <a:cxn ang="0">
+                <a:pos x="connsiteX5" y="connsiteY5"/>
+              </a:cxn>
+              <a:cxn ang="0">
+                <a:pos x="connsiteX6" y="connsiteY6"/>
+              </a:cxn>
+              <a:cxn ang="0">
+                <a:pos x="connsiteX7" y="connsiteY7"/>
+              </a:cxn>
+            </a:cxnLst>
+            <a:rect l="l" t="t" r="r" b="b"/>
+            <a:pathLst>
+              <a:path w="4103216" h="1714050">
+                <a:moveTo>
+                  <a:pt x="2051608" y="0"/>
+                </a:moveTo>
+                <a:cubicBezTo>
+                  <a:pt x="3184680" y="0"/>
+                  <a:pt x="4103216" y="567138"/>
+                  <a:pt x="4103216" y="1266738"/>
+                </a:cubicBezTo>
+                <a:cubicBezTo>
+                  <a:pt x="4103216" y="1397913"/>
+                  <a:pt x="4070924" y="1524431"/>
+                  <a:pt x="4010980" y="1643427"/>
+                </a:cubicBezTo>
+                <a:lnTo>
+                  <a:pt x="3969116" y="1714050"/>
+                </a:lnTo>
+                <a:lnTo>
+                  <a:pt x="134100" y="1714050"/>
+                </a:lnTo>
+                <a:lnTo>
+                  <a:pt x="92237" y="1643427"/>
+                </a:lnTo>
+                <a:cubicBezTo>
+                  <a:pt x="32293" y="1524431"/>
+                  <a:pt x="0" y="1397913"/>
+                  <a:pt x="0" y="1266738"/>
+                </a:cubicBezTo>
+                <a:cubicBezTo>
+                  <a:pt x="0" y="567138"/>
+                  <a:pt x="918536" y="0"/>
+                  <a:pt x="2051608" y="0"/>
+                </a:cubicBezTo>
+                <a:close/>
+              </a:path>
+            </a:pathLst>
+          </a:custGeom>
+        </p:spPr>
+      </p:pic>
+    </p:spTree>
+    <p:extLst>
+      <p:ext uri="{BB962C8B-B14F-4D97-AF65-F5344CB8AC3E}">
+        <p14:creationId xmlns:p14="http://schemas.microsoft.com/office/powerpoint/2010/main" val="161699240"/>
+      </p:ext>
+    </p:extLst>
+  </p:cSld>
+  <p:clrMapOvr>
+    <a:masterClrMapping/>
+  </p:clrMapOvr>
+</p:sld>
+</file>
+
+<file path=ppt/slides/slide8.xml><?xml version="1.0" encoding="utf-8"?>
 <p:sld xmlns:a="http://schemas.openxmlformats.org/drawingml/2006/main" xmlns:r="http://schemas.openxmlformats.org/officeDocument/2006/relationships" xmlns:p="http://schemas.openxmlformats.org/presentationml/2006/main">
   <p:cSld>
     <p:bg>
@@ -31804,7 +37868,7 @@
 </p:sld>
 </file>
 
-<file path=ppt/slides/slide6.xml><?xml version="1.0" encoding="utf-8"?>
+<file path=ppt/slides/slide9.xml><?xml version="1.0" encoding="utf-8"?>
 <p:sld xmlns:a="http://schemas.openxmlformats.org/drawingml/2006/main" xmlns:r="http://schemas.openxmlformats.org/officeDocument/2006/relationships" xmlns:p="http://schemas.openxmlformats.org/presentationml/2006/main">
   <p:cSld>
     <p:bg>
@@ -32485,2489 +38549,6 @@
 </p:sld>
 </file>
 
-<file path=ppt/slides/slide7.xml><?xml version="1.0" encoding="utf-8"?>
-<p:sld xmlns:a="http://schemas.openxmlformats.org/drawingml/2006/main" xmlns:r="http://schemas.openxmlformats.org/officeDocument/2006/relationships" xmlns:p="http://schemas.openxmlformats.org/presentationml/2006/main">
-  <p:cSld>
-    <p:bg>
-      <p:bgPr>
-        <a:gradFill rotWithShape="1">
-          <a:gsLst>
-            <a:gs pos="0">
-              <a:schemeClr val="bg1">
-                <a:tint val="90000"/>
-                <a:lumMod val="110000"/>
-              </a:schemeClr>
-            </a:gs>
-            <a:gs pos="100000">
-              <a:schemeClr val="bg1">
-                <a:shade val="64000"/>
-                <a:lumMod val="88000"/>
-              </a:schemeClr>
-            </a:gs>
-          </a:gsLst>
-          <a:lin ang="5400000" scaled="0"/>
-        </a:gradFill>
-        <a:effectLst/>
-      </p:bgPr>
-    </p:bg>
-    <p:spTree>
-      <p:nvGrpSpPr>
-        <p:cNvPr id="1" name=""/>
-        <p:cNvGrpSpPr/>
-        <p:nvPr/>
-      </p:nvGrpSpPr>
-      <p:grpSpPr>
-        <a:xfrm>
-          <a:off x="0" y="0"/>
-          <a:ext cx="0" cy="0"/>
-          <a:chOff x="0" y="0"/>
-          <a:chExt cx="0" cy="0"/>
-        </a:xfrm>
-      </p:grpSpPr>
-      <p:sp useBgFill="1">
-        <p:nvSpPr>
-          <p:cNvPr id="8" name="Rectangle 7">
-            <a:extLst>
-              <a:ext uri="{FF2B5EF4-FFF2-40B4-BE49-F238E27FC236}">
-                <a16:creationId xmlns:a16="http://schemas.microsoft.com/office/drawing/2014/main" id="{44F95DE6-BC61-4DB8-97B8-E32959EA0E1D}"/>
-              </a:ext>
-              <a:ext uri="{C183D7F6-B498-43B3-948B-1728B52AA6E4}">
-                <adec:decorative xmlns:adec="http://schemas.microsoft.com/office/drawing/2017/decorative" val="1"/>
-              </a:ext>
-            </a:extLst>
-          </p:cNvPr>
-          <p:cNvSpPr>
-            <a:spLocks noGrp="1" noRot="1" noChangeAspect="1" noMove="1" noResize="1" noEditPoints="1" noAdjustHandles="1" noChangeArrowheads="1" noChangeShapeType="1" noTextEdit="1"/>
-          </p:cNvSpPr>
-          <p:nvPr>
-            <p:extLst>
-              <p:ext uri="{386F3935-93C4-4BCD-93E2-E3B085C9AB24}">
-                <p16:designElem xmlns:p16="http://schemas.microsoft.com/office/powerpoint/2015/main" val="1"/>
-              </p:ext>
-            </p:extLst>
-          </p:nvPr>
-        </p:nvSpPr>
-        <p:spPr>
-          <a:xfrm>
-            <a:off x="0" y="0"/>
-            <a:ext cx="12192000" cy="6858000"/>
-          </a:xfrm>
-          <a:prstGeom prst="rect">
-            <a:avLst/>
-          </a:prstGeom>
-          <a:ln>
-            <a:noFill/>
-          </a:ln>
-        </p:spPr>
-        <p:style>
-          <a:lnRef idx="2">
-            <a:schemeClr val="accent1">
-              <a:shade val="50000"/>
-            </a:schemeClr>
-          </a:lnRef>
-          <a:fillRef idx="1">
-            <a:schemeClr val="accent1"/>
-          </a:fillRef>
-          <a:effectRef idx="0">
-            <a:schemeClr val="accent1"/>
-          </a:effectRef>
-          <a:fontRef idx="minor">
-            <a:schemeClr val="lt1"/>
-          </a:fontRef>
-        </p:style>
-        <p:txBody>
-          <a:bodyPr rtlCol="0" anchor="ctr"/>
-          <a:lstStyle/>
-          <a:p>
-            <a:pPr algn="ctr"/>
-            <a:endParaRPr lang="en-US"/>
-          </a:p>
-        </p:txBody>
-      </p:sp>
-      <p:pic>
-        <p:nvPicPr>
-          <p:cNvPr id="10" name="Picture 9">
-            <a:extLst>
-              <a:ext uri="{FF2B5EF4-FFF2-40B4-BE49-F238E27FC236}">
-                <a16:creationId xmlns:a16="http://schemas.microsoft.com/office/drawing/2014/main" id="{48D9C176-456B-4F71-AB87-9D14B8B3D1C1}"/>
-              </a:ext>
-              <a:ext uri="{C183D7F6-B498-43B3-948B-1728B52AA6E4}">
-                <adec:decorative xmlns:adec="http://schemas.microsoft.com/office/drawing/2017/decorative" val="1"/>
-              </a:ext>
-            </a:extLst>
-          </p:cNvPr>
-          <p:cNvPicPr>
-            <a:picLocks noGrp="1" noRot="1" noChangeAspect="1" noMove="1" noResize="1" noEditPoints="1" noAdjustHandles="1" noChangeArrowheads="1" noChangeShapeType="1" noCrop="1"/>
-          </p:cNvPicPr>
-          <p:nvPr>
-            <p:extLst>
-              <p:ext uri="{386F3935-93C4-4BCD-93E2-E3B085C9AB24}">
-                <p16:designElem xmlns:p16="http://schemas.microsoft.com/office/powerpoint/2015/main" val="1"/>
-              </p:ext>
-            </p:extLst>
-          </p:nvPr>
-        </p:nvPicPr>
-        <p:blipFill rotWithShape="1">
-          <a:blip r:embed="rId2">
-            <a:extLst>
-              <a:ext uri="{28A0092B-C50C-407E-A947-70E740481C1C}">
-                <a14:useLocalDpi xmlns:a14="http://schemas.microsoft.com/office/drawing/2010/main" val="0"/>
-              </a:ext>
-            </a:extLst>
-          </a:blip>
-          <a:srcRect l="46466" t="75007" r="30510"/>
-          <a:stretch/>
-        </p:blipFill>
-        <p:spPr>
-          <a:xfrm>
-            <a:off x="0" y="138157"/>
-            <a:ext cx="1712063" cy="1045389"/>
-          </a:xfrm>
-          <a:custGeom>
-            <a:avLst/>
-            <a:gdLst>
-              <a:gd name="connsiteX0" fmla="*/ 2051608 w 4103216"/>
-              <a:gd name="connsiteY0" fmla="*/ 0 h 1714050"/>
-              <a:gd name="connsiteX1" fmla="*/ 4103216 w 4103216"/>
-              <a:gd name="connsiteY1" fmla="*/ 1266738 h 1714050"/>
-              <a:gd name="connsiteX2" fmla="*/ 4010980 w 4103216"/>
-              <a:gd name="connsiteY2" fmla="*/ 1643427 h 1714050"/>
-              <a:gd name="connsiteX3" fmla="*/ 3969116 w 4103216"/>
-              <a:gd name="connsiteY3" fmla="*/ 1714050 h 1714050"/>
-              <a:gd name="connsiteX4" fmla="*/ 134100 w 4103216"/>
-              <a:gd name="connsiteY4" fmla="*/ 1714050 h 1714050"/>
-              <a:gd name="connsiteX5" fmla="*/ 92237 w 4103216"/>
-              <a:gd name="connsiteY5" fmla="*/ 1643427 h 1714050"/>
-              <a:gd name="connsiteX6" fmla="*/ 0 w 4103216"/>
-              <a:gd name="connsiteY6" fmla="*/ 1266738 h 1714050"/>
-              <a:gd name="connsiteX7" fmla="*/ 2051608 w 4103216"/>
-              <a:gd name="connsiteY7" fmla="*/ 0 h 1714050"/>
-            </a:gdLst>
-            <a:ahLst/>
-            <a:cxnLst>
-              <a:cxn ang="0">
-                <a:pos x="connsiteX0" y="connsiteY0"/>
-              </a:cxn>
-              <a:cxn ang="0">
-                <a:pos x="connsiteX1" y="connsiteY1"/>
-              </a:cxn>
-              <a:cxn ang="0">
-                <a:pos x="connsiteX2" y="connsiteY2"/>
-              </a:cxn>
-              <a:cxn ang="0">
-                <a:pos x="connsiteX3" y="connsiteY3"/>
-              </a:cxn>
-              <a:cxn ang="0">
-                <a:pos x="connsiteX4" y="connsiteY4"/>
-              </a:cxn>
-              <a:cxn ang="0">
-                <a:pos x="connsiteX5" y="connsiteY5"/>
-              </a:cxn>
-              <a:cxn ang="0">
-                <a:pos x="connsiteX6" y="connsiteY6"/>
-              </a:cxn>
-              <a:cxn ang="0">
-                <a:pos x="connsiteX7" y="connsiteY7"/>
-              </a:cxn>
-            </a:cxnLst>
-            <a:rect l="l" t="t" r="r" b="b"/>
-            <a:pathLst>
-              <a:path w="4103216" h="1714050">
-                <a:moveTo>
-                  <a:pt x="2051608" y="0"/>
-                </a:moveTo>
-                <a:cubicBezTo>
-                  <a:pt x="3184680" y="0"/>
-                  <a:pt x="4103216" y="567138"/>
-                  <a:pt x="4103216" y="1266738"/>
-                </a:cubicBezTo>
-                <a:cubicBezTo>
-                  <a:pt x="4103216" y="1397913"/>
-                  <a:pt x="4070924" y="1524431"/>
-                  <a:pt x="4010980" y="1643427"/>
-                </a:cubicBezTo>
-                <a:lnTo>
-                  <a:pt x="3969116" y="1714050"/>
-                </a:lnTo>
-                <a:lnTo>
-                  <a:pt x="134100" y="1714050"/>
-                </a:lnTo>
-                <a:lnTo>
-                  <a:pt x="92237" y="1643427"/>
-                </a:lnTo>
-                <a:cubicBezTo>
-                  <a:pt x="32293" y="1524431"/>
-                  <a:pt x="0" y="1397913"/>
-                  <a:pt x="0" y="1266738"/>
-                </a:cubicBezTo>
-                <a:cubicBezTo>
-                  <a:pt x="0" y="567138"/>
-                  <a:pt x="918536" y="0"/>
-                  <a:pt x="2051608" y="0"/>
-                </a:cubicBezTo>
-                <a:close/>
-              </a:path>
-            </a:pathLst>
-          </a:custGeom>
-        </p:spPr>
-      </p:pic>
-      <p:sp>
-        <p:nvSpPr>
-          <p:cNvPr id="2" name="标题 1">
-            <a:extLst>
-              <a:ext uri="{FF2B5EF4-FFF2-40B4-BE49-F238E27FC236}">
-                <a16:creationId xmlns:a16="http://schemas.microsoft.com/office/drawing/2014/main" id="{93C91A0B-1612-EB4F-2A44-861A0E83E188}"/>
-              </a:ext>
-            </a:extLst>
-          </p:cNvPr>
-          <p:cNvSpPr>
-            <a:spLocks noGrp="1"/>
-          </p:cNvSpPr>
-          <p:nvPr>
-            <p:ph type="title"/>
-          </p:nvPr>
-        </p:nvSpPr>
-        <p:spPr>
-          <a:xfrm>
-            <a:off x="913775" y="618517"/>
-            <a:ext cx="7859564" cy="1596177"/>
-          </a:xfrm>
-        </p:spPr>
-        <p:txBody>
-          <a:bodyPr>
-            <a:normAutofit/>
-          </a:bodyPr>
-          <a:lstStyle/>
-          <a:p>
-            <a:r>
-              <a:rPr kumimoji="1" lang="en-US" altLang="zh-CN" sz="3700" b="1"/>
-              <a:t>ALS-</a:t>
-            </a:r>
-            <a:r>
-              <a:rPr lang="en" altLang="zh-CN" sz="3700" b="1"/>
-              <a:t>Collaborative filtering with </a:t>
-            </a:r>
-            <a:r>
-              <a:rPr kumimoji="1" lang="en-US" altLang="zh-CN" sz="3700" b="1"/>
-              <a:t>Alternating</a:t>
-            </a:r>
-            <a:r>
-              <a:rPr kumimoji="1" lang="zh-CN" altLang="en-US" sz="3700" b="1"/>
-              <a:t> </a:t>
-            </a:r>
-            <a:r>
-              <a:rPr kumimoji="1" lang="en-US" altLang="zh-CN" sz="3700" b="1"/>
-              <a:t>Least</a:t>
-            </a:r>
-            <a:r>
-              <a:rPr kumimoji="1" lang="zh-CN" altLang="en-US" sz="3700" b="1"/>
-              <a:t> </a:t>
-            </a:r>
-            <a:r>
-              <a:rPr kumimoji="1" lang="en-US" altLang="zh-CN" sz="3700" b="1"/>
-              <a:t>Squares</a:t>
-            </a:r>
-            <a:endParaRPr kumimoji="1" lang="zh-CN" altLang="en-US" sz="3700" b="1"/>
-          </a:p>
-        </p:txBody>
-      </p:sp>
-      <p:pic>
-        <p:nvPicPr>
-          <p:cNvPr id="12" name="Picture 11">
-            <a:extLst>
-              <a:ext uri="{FF2B5EF4-FFF2-40B4-BE49-F238E27FC236}">
-                <a16:creationId xmlns:a16="http://schemas.microsoft.com/office/drawing/2014/main" id="{CFF97C55-868F-4FDD-BD3C-D2F191796F43}"/>
-              </a:ext>
-              <a:ext uri="{C183D7F6-B498-43B3-948B-1728B52AA6E4}">
-                <adec:decorative xmlns:adec="http://schemas.microsoft.com/office/drawing/2017/decorative" val="1"/>
-              </a:ext>
-            </a:extLst>
-          </p:cNvPr>
-          <p:cNvPicPr>
-            <a:picLocks noGrp="1" noRot="1" noChangeAspect="1" noMove="1" noResize="1" noEditPoints="1" noAdjustHandles="1" noChangeArrowheads="1" noChangeShapeType="1" noCrop="1"/>
-          </p:cNvPicPr>
-          <p:nvPr>
-            <p:extLst>
-              <p:ext uri="{386F3935-93C4-4BCD-93E2-E3B085C9AB24}">
-                <p16:designElem xmlns:p16="http://schemas.microsoft.com/office/powerpoint/2015/main" val="1"/>
-              </p:ext>
-            </p:extLst>
-          </p:nvPr>
-        </p:nvPicPr>
-        <p:blipFill rotWithShape="1">
-          <a:blip r:embed="rId3">
-            <a:extLst>
-              <a:ext uri="{28A0092B-C50C-407E-A947-70E740481C1C}">
-                <a14:useLocalDpi xmlns:a14="http://schemas.microsoft.com/office/drawing/2010/main" val="0"/>
-              </a:ext>
-            </a:extLst>
-          </a:blip>
-          <a:srcRect l="55183" t="89413" r="18746"/>
-          <a:stretch/>
-        </p:blipFill>
-        <p:spPr>
-          <a:xfrm>
-            <a:off x="8404564" y="0"/>
-            <a:ext cx="2589690" cy="591546"/>
-          </a:xfrm>
-          <a:prstGeom prst="rect">
-            <a:avLst/>
-          </a:prstGeom>
-        </p:spPr>
-      </p:pic>
-      <p:pic>
-        <p:nvPicPr>
-          <p:cNvPr id="14" name="Picture 13">
-            <a:extLst>
-              <a:ext uri="{FF2B5EF4-FFF2-40B4-BE49-F238E27FC236}">
-                <a16:creationId xmlns:a16="http://schemas.microsoft.com/office/drawing/2014/main" id="{69722FB9-EA01-42A6-96B2-185F5CC120DF}"/>
-              </a:ext>
-              <a:ext uri="{C183D7F6-B498-43B3-948B-1728B52AA6E4}">
-                <adec:decorative xmlns:adec="http://schemas.microsoft.com/office/drawing/2017/decorative" val="1"/>
-              </a:ext>
-            </a:extLst>
-          </p:cNvPr>
-          <p:cNvPicPr>
-            <a:picLocks noGrp="1" noRot="1" noChangeAspect="1" noMove="1" noResize="1" noEditPoints="1" noAdjustHandles="1" noChangeArrowheads="1" noChangeShapeType="1" noCrop="1"/>
-          </p:cNvPicPr>
-          <p:nvPr>
-            <p:extLst>
-              <p:ext uri="{386F3935-93C4-4BCD-93E2-E3B085C9AB24}">
-                <p16:designElem xmlns:p16="http://schemas.microsoft.com/office/powerpoint/2015/main" val="1"/>
-              </p:ext>
-            </p:extLst>
-          </p:nvPr>
-        </p:nvPicPr>
-        <p:blipFill rotWithShape="1">
-          <a:blip r:embed="rId2">
-            <a:extLst>
-              <a:ext uri="{28A0092B-C50C-407E-A947-70E740481C1C}">
-                <a14:useLocalDpi xmlns:a14="http://schemas.microsoft.com/office/drawing/2010/main" val="0"/>
-              </a:ext>
-            </a:extLst>
-          </a:blip>
-          <a:srcRect l="73623" t="43915" r="1" b="10213"/>
-          <a:stretch/>
-        </p:blipFill>
-        <p:spPr>
-          <a:xfrm>
-            <a:off x="10471066" y="183232"/>
-            <a:ext cx="1720934" cy="1683522"/>
-          </a:xfrm>
-          <a:prstGeom prst="rect">
-            <a:avLst/>
-          </a:prstGeom>
-        </p:spPr>
-      </p:pic>
-      <mc:AlternateContent xmlns:mc="http://schemas.openxmlformats.org/markup-compatibility/2006">
-        <mc:Choice xmlns:a14="http://schemas.microsoft.com/office/drawing/2010/main" Requires="a14">
-          <p:sp>
-            <p:nvSpPr>
-              <p:cNvPr id="3" name="内容占位符 2">
-                <a:extLst>
-                  <a:ext uri="{FF2B5EF4-FFF2-40B4-BE49-F238E27FC236}">
-                    <a16:creationId xmlns:a16="http://schemas.microsoft.com/office/drawing/2014/main" id="{2A032161-8894-C639-CAF8-3CAD12081B21}"/>
-                  </a:ext>
-                </a:extLst>
-              </p:cNvPr>
-              <p:cNvSpPr>
-                <a:spLocks noGrp="1"/>
-              </p:cNvSpPr>
-              <p:nvPr>
-                <p:ph idx="1"/>
-              </p:nvPr>
-            </p:nvSpPr>
-            <p:spPr>
-              <a:xfrm>
-                <a:off x="913773" y="2367092"/>
-                <a:ext cx="7859565" cy="3424107"/>
-              </a:xfrm>
-            </p:spPr>
-            <p:txBody>
-              <a:bodyPr>
-                <a:normAutofit/>
-              </a:bodyPr>
-              <a:lstStyle/>
-              <a:p>
-                <a:pPr>
-                  <a:lnSpc>
-                    <a:spcPct val="110000"/>
-                  </a:lnSpc>
-                </a:pPr>
-                <a:r>
-                  <a:rPr kumimoji="1" lang="en-US" altLang="zh-CN" sz="900" b="1" dirty="0"/>
-                  <a:t>How</a:t>
-                </a:r>
-                <a:r>
-                  <a:rPr kumimoji="1" lang="zh-CN" altLang="en-US" sz="900" b="1" dirty="0"/>
-                  <a:t> </a:t>
-                </a:r>
-                <a:r>
-                  <a:rPr kumimoji="1" lang="en-US" altLang="zh-CN" sz="900" b="1" dirty="0"/>
-                  <a:t>it</a:t>
-                </a:r>
-                <a:r>
-                  <a:rPr kumimoji="1" lang="zh-CN" altLang="en-US" sz="900" b="1" dirty="0"/>
-                  <a:t> </a:t>
-                </a:r>
-                <a:r>
-                  <a:rPr kumimoji="1" lang="en-US" altLang="zh-CN" sz="900" b="1" dirty="0"/>
-                  <a:t>works?</a:t>
-                </a:r>
-              </a:p>
-              <a:p>
-                <a:pPr>
-                  <a:lnSpc>
-                    <a:spcPct val="110000"/>
-                  </a:lnSpc>
-                </a:pPr>
-                <a:endParaRPr kumimoji="1" lang="en-US" altLang="zh-CN" sz="900" b="1" dirty="0"/>
-              </a:p>
-              <a:p>
-                <a:pPr lvl="1">
-                  <a:lnSpc>
-                    <a:spcPct val="110000"/>
-                  </a:lnSpc>
-                </a:pPr>
-                <a:r>
-                  <a:rPr kumimoji="1" lang="en-US" altLang="zh-CN" sz="900" dirty="0"/>
-                  <a:t>Given</a:t>
-                </a:r>
-                <a:r>
-                  <a:rPr kumimoji="1" lang="zh-CN" altLang="en-US" sz="900" dirty="0"/>
-                  <a:t> </a:t>
-                </a:r>
-                <a:r>
-                  <a:rPr kumimoji="1" lang="en-US" altLang="zh-CN" sz="900" dirty="0"/>
-                  <a:t>a</a:t>
-                </a:r>
-                <a:r>
-                  <a:rPr kumimoji="1" lang="zh-CN" altLang="en-US" sz="900" dirty="0"/>
-                  <a:t> </a:t>
-                </a:r>
-                <a:r>
-                  <a:rPr kumimoji="1" lang="en-US" altLang="zh-CN" sz="900" dirty="0"/>
-                  <a:t>sparse</a:t>
-                </a:r>
-                <a:r>
-                  <a:rPr kumimoji="1" lang="zh-CN" altLang="en-US" sz="900" dirty="0"/>
-                  <a:t> </a:t>
-                </a:r>
-                <a:r>
-                  <a:rPr kumimoji="1" lang="en-US" altLang="zh-CN" sz="900" dirty="0"/>
-                  <a:t>user-item</a:t>
-                </a:r>
-                <a:r>
-                  <a:rPr kumimoji="1" lang="zh-CN" altLang="en-US" sz="900" dirty="0"/>
-                  <a:t> </a:t>
-                </a:r>
-                <a:r>
-                  <a:rPr kumimoji="1" lang="en-US" altLang="zh-CN" sz="900" dirty="0"/>
-                  <a:t>rating</a:t>
-                </a:r>
-                <a:r>
-                  <a:rPr kumimoji="1" lang="zh-CN" altLang="en-US" sz="900" dirty="0"/>
-                  <a:t> </a:t>
-                </a:r>
-                <a:r>
-                  <a:rPr kumimoji="1" lang="en-US" altLang="zh-CN" sz="900" dirty="0"/>
-                  <a:t>matrix</a:t>
-                </a:r>
-                <a:r>
-                  <a:rPr kumimoji="1" lang="zh-CN" altLang="en-US" sz="900" dirty="0"/>
-                  <a:t> </a:t>
-                </a:r>
-                <a:r>
-                  <a:rPr kumimoji="1" lang="en-US" altLang="zh-CN" sz="900" dirty="0"/>
-                  <a:t>R,</a:t>
-                </a:r>
-                <a:r>
-                  <a:rPr kumimoji="1" lang="zh-CN" altLang="en-US" sz="900" dirty="0"/>
-                  <a:t> </a:t>
-                </a:r>
-                <a:r>
-                  <a:rPr kumimoji="1" lang="en-US" altLang="zh-CN" sz="900" dirty="0"/>
-                  <a:t>ALS</a:t>
-                </a:r>
-                <a:r>
-                  <a:rPr kumimoji="1" lang="zh-CN" altLang="en-US" sz="900" dirty="0"/>
-                  <a:t> </a:t>
-                </a:r>
-                <a:r>
-                  <a:rPr kumimoji="1" lang="en-US" altLang="zh-CN" sz="900" dirty="0"/>
-                  <a:t>aims</a:t>
-                </a:r>
-                <a:r>
-                  <a:rPr kumimoji="1" lang="zh-CN" altLang="en-US" sz="900" dirty="0"/>
-                  <a:t> </a:t>
-                </a:r>
-                <a:r>
-                  <a:rPr kumimoji="1" lang="en-US" altLang="zh-CN" sz="900" dirty="0"/>
-                  <a:t>to</a:t>
-                </a:r>
-                <a:r>
-                  <a:rPr kumimoji="1" lang="zh-CN" altLang="en-US" sz="900" dirty="0"/>
-                  <a:t> </a:t>
-                </a:r>
-                <a:r>
-                  <a:rPr kumimoji="1" lang="en-US" altLang="zh-CN" sz="900" dirty="0"/>
-                  <a:t>approximate</a:t>
-                </a:r>
-                <a:r>
-                  <a:rPr kumimoji="1" lang="zh-CN" altLang="en-US" sz="900" dirty="0"/>
-                  <a:t> </a:t>
-                </a:r>
-                <a:r>
-                  <a:rPr kumimoji="1" lang="en-US" altLang="zh-CN" sz="900" dirty="0"/>
-                  <a:t>it</a:t>
-                </a:r>
-                <a:r>
-                  <a:rPr kumimoji="1" lang="zh-CN" altLang="en-US" sz="900" dirty="0"/>
-                  <a:t> </a:t>
-                </a:r>
-                <a:r>
-                  <a:rPr kumimoji="1" lang="en-US" altLang="zh-CN" sz="900" dirty="0"/>
-                  <a:t>as</a:t>
-                </a:r>
-                <a:r>
-                  <a:rPr kumimoji="1" lang="zh-CN" altLang="en-US" sz="900" dirty="0"/>
-                  <a:t> </a:t>
-                </a:r>
-                <a:r>
-                  <a:rPr kumimoji="1" lang="en-US" altLang="zh-CN" sz="900" dirty="0"/>
-                  <a:t>the</a:t>
-                </a:r>
-                <a:r>
-                  <a:rPr kumimoji="1" lang="zh-CN" altLang="en-US" sz="900" dirty="0"/>
-                  <a:t> </a:t>
-                </a:r>
-                <a:r>
-                  <a:rPr kumimoji="1" lang="en-US" altLang="zh-CN" sz="900" dirty="0"/>
-                  <a:t>product</a:t>
-                </a:r>
-                <a:r>
-                  <a:rPr kumimoji="1" lang="zh-CN" altLang="en-US" sz="900" dirty="0"/>
-                  <a:t> </a:t>
-                </a:r>
-                <a:r>
-                  <a:rPr kumimoji="1" lang="en-US" altLang="zh-CN" sz="900" dirty="0"/>
-                  <a:t>of</a:t>
-                </a:r>
-                <a:r>
-                  <a:rPr kumimoji="1" lang="zh-CN" altLang="en-US" sz="900" dirty="0"/>
-                  <a:t> </a:t>
-                </a:r>
-                <a:r>
-                  <a:rPr kumimoji="1" lang="en-US" altLang="zh-CN" sz="900" dirty="0"/>
-                  <a:t>two</a:t>
-                </a:r>
-                <a:r>
-                  <a:rPr kumimoji="1" lang="zh-CN" altLang="en-US" sz="900" dirty="0"/>
-                  <a:t> </a:t>
-                </a:r>
-                <a:r>
-                  <a:rPr kumimoji="1" lang="en-US" altLang="zh-CN" sz="900" dirty="0"/>
-                  <a:t>lower-dimensional</a:t>
-                </a:r>
-                <a:r>
-                  <a:rPr kumimoji="1" lang="zh-CN" altLang="en-US" sz="900" dirty="0"/>
-                  <a:t> </a:t>
-                </a:r>
-                <a:r>
-                  <a:rPr kumimoji="1" lang="en-US" altLang="zh-CN" sz="900" dirty="0"/>
-                  <a:t>matrices:</a:t>
-                </a:r>
-              </a:p>
-              <a:p>
-                <a:pPr lvl="1">
-                  <a:lnSpc>
-                    <a:spcPct val="110000"/>
-                  </a:lnSpc>
-                </a:pPr>
-                <a:endParaRPr kumimoji="1" lang="en-US" altLang="zh-CN" sz="900" dirty="0"/>
-              </a:p>
-              <a:p>
-                <a:pPr marL="3200400" lvl="7" indent="0">
-                  <a:lnSpc>
-                    <a:spcPct val="110000"/>
-                  </a:lnSpc>
-                  <a:buNone/>
-                </a:pPr>
-                <a:r>
-                  <a:rPr kumimoji="1" lang="en-US" altLang="zh-CN" sz="900" dirty="0"/>
-                  <a:t>	</a:t>
-                </a:r>
-                <a14:m>
-                  <m:oMath xmlns:m="http://schemas.openxmlformats.org/officeDocument/2006/math">
-                    <m:sSub>
-                      <m:sSubPr>
-                        <m:ctrlPr>
-                          <a:rPr kumimoji="1" lang="en-US" altLang="zh-CN" sz="900" i="1">
-                            <a:latin typeface="Cambria Math" panose="02040503050406030204" pitchFamily="18" charset="0"/>
-                          </a:rPr>
-                        </m:ctrlPr>
-                      </m:sSubPr>
-                      <m:e>
-                        <m:r>
-                          <m:rPr>
-                            <m:sty m:val="p"/>
-                          </m:rPr>
-                          <a:rPr kumimoji="1" lang="en-US" altLang="zh-CN" sz="900" i="1">
-                            <a:latin typeface="Cambria Math" panose="02040503050406030204" pitchFamily="18" charset="0"/>
-                          </a:rPr>
-                          <m:t>R</m:t>
-                        </m:r>
-                      </m:e>
-                      <m:sub>
-                        <m:r>
-                          <m:rPr>
-                            <m:sty m:val="p"/>
-                          </m:rPr>
-                          <a:rPr kumimoji="1" lang="en-US" altLang="zh-CN" sz="900" i="1">
-                            <a:latin typeface="Cambria Math" panose="02040503050406030204" pitchFamily="18" charset="0"/>
-                          </a:rPr>
-                          <m:t>m</m:t>
-                        </m:r>
-                        <m:r>
-                          <a:rPr kumimoji="1" lang="en-US" altLang="zh-CN" sz="900" i="1">
-                            <a:latin typeface="Cambria Math" panose="02040503050406030204" pitchFamily="18" charset="0"/>
-                            <a:ea typeface="Cambria Math" panose="02040503050406030204" pitchFamily="18" charset="0"/>
-                          </a:rPr>
-                          <m:t>×</m:t>
-                        </m:r>
-                        <m:r>
-                          <a:rPr kumimoji="1" lang="en-US" altLang="zh-CN" sz="900" b="0" i="1">
-                            <a:latin typeface="Cambria Math" panose="02040503050406030204" pitchFamily="18" charset="0"/>
-                            <a:ea typeface="Cambria Math" panose="02040503050406030204" pitchFamily="18" charset="0"/>
-                          </a:rPr>
-                          <m:t>𝑛</m:t>
-                        </m:r>
-                      </m:sub>
-                    </m:sSub>
-                    <m:r>
-                      <a:rPr kumimoji="1" lang="en-US" altLang="zh-CN" sz="900" i="1">
-                        <a:latin typeface="Cambria Math" panose="02040503050406030204" pitchFamily="18" charset="0"/>
-                        <a:ea typeface="Cambria Math" panose="02040503050406030204" pitchFamily="18" charset="0"/>
-                      </a:rPr>
-                      <m:t>≈</m:t>
-                    </m:r>
-                    <m:sSub>
-                      <m:sSubPr>
-                        <m:ctrlPr>
-                          <a:rPr kumimoji="1" lang="en-US" altLang="zh-CN" sz="900" i="1">
-                            <a:latin typeface="Cambria Math" panose="02040503050406030204" pitchFamily="18" charset="0"/>
-                            <a:ea typeface="Cambria Math" panose="02040503050406030204" pitchFamily="18" charset="0"/>
-                          </a:rPr>
-                        </m:ctrlPr>
-                      </m:sSubPr>
-                      <m:e>
-                        <m:r>
-                          <a:rPr kumimoji="1" lang="en-US" altLang="zh-CN" sz="900" b="0" i="1">
-                            <a:latin typeface="Cambria Math" panose="02040503050406030204" pitchFamily="18" charset="0"/>
-                            <a:ea typeface="Cambria Math" panose="02040503050406030204" pitchFamily="18" charset="0"/>
-                          </a:rPr>
-                          <m:t>𝑈</m:t>
-                        </m:r>
-                      </m:e>
-                      <m:sub>
-                        <m:r>
-                          <a:rPr kumimoji="1" lang="en-US" altLang="zh-CN" sz="900" b="0" i="1">
-                            <a:latin typeface="Cambria Math" panose="02040503050406030204" pitchFamily="18" charset="0"/>
-                            <a:ea typeface="Cambria Math" panose="02040503050406030204" pitchFamily="18" charset="0"/>
-                          </a:rPr>
-                          <m:t>𝑚</m:t>
-                        </m:r>
-                        <m:r>
-                          <a:rPr kumimoji="1" lang="en-US" altLang="zh-CN" sz="900" b="0" i="1">
-                            <a:latin typeface="Cambria Math" panose="02040503050406030204" pitchFamily="18" charset="0"/>
-                            <a:ea typeface="Cambria Math" panose="02040503050406030204" pitchFamily="18" charset="0"/>
-                          </a:rPr>
-                          <m:t>×</m:t>
-                        </m:r>
-                        <m:r>
-                          <a:rPr kumimoji="1" lang="en-US" altLang="zh-CN" sz="900" b="0" i="1">
-                            <a:latin typeface="Cambria Math" panose="02040503050406030204" pitchFamily="18" charset="0"/>
-                            <a:ea typeface="Cambria Math" panose="02040503050406030204" pitchFamily="18" charset="0"/>
-                          </a:rPr>
-                          <m:t>𝑘</m:t>
-                        </m:r>
-                      </m:sub>
-                    </m:sSub>
-                    <m:r>
-                      <a:rPr kumimoji="1" lang="zh-CN" altLang="en-US" sz="900" b="0" i="1">
-                        <a:latin typeface="Cambria Math" panose="02040503050406030204" pitchFamily="18" charset="0"/>
-                        <a:ea typeface="Cambria Math" panose="02040503050406030204" pitchFamily="18" charset="0"/>
-                      </a:rPr>
-                      <m:t> </m:t>
-                    </m:r>
-                    <m:r>
-                      <a:rPr kumimoji="1" lang="en-US" altLang="zh-CN" sz="900" b="0" i="1">
-                        <a:latin typeface="Cambria Math" panose="02040503050406030204" pitchFamily="18" charset="0"/>
-                        <a:ea typeface="Cambria Math" panose="02040503050406030204" pitchFamily="18" charset="0"/>
-                      </a:rPr>
-                      <m:t>×</m:t>
-                    </m:r>
-                    <m:r>
-                      <a:rPr kumimoji="1" lang="zh-CN" altLang="en-US" sz="900" b="0" i="1">
-                        <a:latin typeface="Cambria Math" panose="02040503050406030204" pitchFamily="18" charset="0"/>
-                        <a:ea typeface="Cambria Math" panose="02040503050406030204" pitchFamily="18" charset="0"/>
-                      </a:rPr>
-                      <m:t> </m:t>
-                    </m:r>
-                    <m:sSub>
-                      <m:sSubPr>
-                        <m:ctrlPr>
-                          <a:rPr kumimoji="1" lang="en-US" altLang="zh-CN" sz="900" b="0" i="1">
-                            <a:latin typeface="Cambria Math" panose="02040503050406030204" pitchFamily="18" charset="0"/>
-                            <a:ea typeface="Cambria Math" panose="02040503050406030204" pitchFamily="18" charset="0"/>
-                          </a:rPr>
-                        </m:ctrlPr>
-                      </m:sSubPr>
-                      <m:e>
-                        <m:r>
-                          <m:rPr>
-                            <m:sty m:val="p"/>
-                          </m:rPr>
-                          <a:rPr kumimoji="1" lang="en-US" altLang="zh-CN" sz="900" i="1">
-                            <a:latin typeface="Cambria Math" panose="02040503050406030204" pitchFamily="18" charset="0"/>
-                            <a:ea typeface="Cambria Math" panose="02040503050406030204" pitchFamily="18" charset="0"/>
-                          </a:rPr>
-                          <m:t>P</m:t>
-                        </m:r>
-                      </m:e>
-                      <m:sub>
-                        <m:r>
-                          <a:rPr kumimoji="1" lang="en-US" altLang="zh-CN" sz="900" b="0" i="1">
-                            <a:latin typeface="Cambria Math" panose="02040503050406030204" pitchFamily="18" charset="0"/>
-                            <a:ea typeface="Cambria Math" panose="02040503050406030204" pitchFamily="18" charset="0"/>
-                          </a:rPr>
-                          <m:t>𝑘</m:t>
-                        </m:r>
-                        <m:r>
-                          <a:rPr kumimoji="1" lang="en-US" altLang="zh-CN" sz="900" b="0" i="1">
-                            <a:latin typeface="Cambria Math" panose="02040503050406030204" pitchFamily="18" charset="0"/>
-                            <a:ea typeface="Cambria Math" panose="02040503050406030204" pitchFamily="18" charset="0"/>
-                          </a:rPr>
-                          <m:t>×</m:t>
-                        </m:r>
-                        <m:r>
-                          <a:rPr kumimoji="1" lang="en-US" altLang="zh-CN" sz="900" b="0" i="1">
-                            <a:latin typeface="Cambria Math" panose="02040503050406030204" pitchFamily="18" charset="0"/>
-                            <a:ea typeface="Cambria Math" panose="02040503050406030204" pitchFamily="18" charset="0"/>
-                          </a:rPr>
-                          <m:t>𝑛</m:t>
-                        </m:r>
-                      </m:sub>
-                    </m:sSub>
-                  </m:oMath>
-                </a14:m>
-                <a:endParaRPr kumimoji="1" lang="en-US" altLang="zh-CN" sz="900" b="0" dirty="0">
-                  <a:ea typeface="Cambria Math" panose="02040503050406030204" pitchFamily="18" charset="0"/>
-                </a:endParaRPr>
-              </a:p>
-              <a:p>
-                <a:pPr marL="457200" lvl="1" indent="0">
-                  <a:lnSpc>
-                    <a:spcPct val="110000"/>
-                  </a:lnSpc>
-                  <a:buNone/>
-                </a:pPr>
-                <a:endParaRPr kumimoji="1" lang="en-US" altLang="zh-CN" sz="900" dirty="0"/>
-              </a:p>
-              <a:p>
-                <a:pPr lvl="1">
-                  <a:lnSpc>
-                    <a:spcPct val="110000"/>
-                  </a:lnSpc>
-                </a:pPr>
-                <a:r>
-                  <a:rPr kumimoji="1" lang="en-US" altLang="zh-CN" sz="900" dirty="0"/>
-                  <a:t>Where</a:t>
-                </a:r>
-              </a:p>
-              <a:p>
-                <a:pPr lvl="2">
-                  <a:lnSpc>
-                    <a:spcPct val="110000"/>
-                  </a:lnSpc>
-                </a:pPr>
-                <a:r>
-                  <a:rPr kumimoji="1" lang="en-US" altLang="zh-CN" sz="900" dirty="0"/>
-                  <a:t>R:</a:t>
-                </a:r>
-                <a:r>
-                  <a:rPr kumimoji="1" lang="zh-CN" altLang="en-US" sz="900" dirty="0"/>
-                  <a:t> </a:t>
-                </a:r>
-                <a:r>
-                  <a:rPr kumimoji="1" lang="en-US" altLang="zh-CN" sz="900" dirty="0"/>
-                  <a:t>The</a:t>
-                </a:r>
-                <a:r>
-                  <a:rPr kumimoji="1" lang="zh-CN" altLang="en-US" sz="900" dirty="0"/>
-                  <a:t> </a:t>
-                </a:r>
-                <a:r>
-                  <a:rPr kumimoji="1" lang="en-US" altLang="zh-CN" sz="900" dirty="0"/>
-                  <a:t>original</a:t>
-                </a:r>
-                <a:r>
-                  <a:rPr kumimoji="1" lang="zh-CN" altLang="en-US" sz="900" dirty="0"/>
-                  <a:t> </a:t>
-                </a:r>
-                <a:r>
-                  <a:rPr kumimoji="1" lang="en-US" altLang="zh-CN" sz="900" dirty="0"/>
-                  <a:t>rating</a:t>
-                </a:r>
-                <a:r>
-                  <a:rPr kumimoji="1" lang="zh-CN" altLang="en-US" sz="900" dirty="0"/>
-                  <a:t> </a:t>
-                </a:r>
-                <a:r>
-                  <a:rPr kumimoji="1" lang="en-US" altLang="zh-CN" sz="900" dirty="0"/>
-                  <a:t>matrix,</a:t>
-                </a:r>
-                <a:r>
-                  <a:rPr kumimoji="1" lang="zh-CN" altLang="en-US" sz="900" dirty="0"/>
-                  <a:t> </a:t>
-                </a:r>
-                <a:r>
-                  <a:rPr kumimoji="1" lang="en-US" altLang="zh-CN" sz="900" dirty="0"/>
-                  <a:t>m</a:t>
-                </a:r>
-                <a:r>
-                  <a:rPr kumimoji="1" lang="zh-CN" altLang="en-US" sz="900" dirty="0"/>
-                  <a:t> </a:t>
-                </a:r>
-                <a:r>
-                  <a:rPr kumimoji="1" lang="en-US" altLang="zh-CN" sz="900" dirty="0"/>
-                  <a:t>is</a:t>
-                </a:r>
-                <a:r>
-                  <a:rPr kumimoji="1" lang="zh-CN" altLang="en-US" sz="900" dirty="0"/>
-                  <a:t> </a:t>
-                </a:r>
-                <a:r>
-                  <a:rPr kumimoji="1" lang="en-US" altLang="zh-CN" sz="900" dirty="0"/>
-                  <a:t>the</a:t>
-                </a:r>
-                <a:r>
-                  <a:rPr kumimoji="1" lang="zh-CN" altLang="en-US" sz="900" dirty="0"/>
-                  <a:t> </a:t>
-                </a:r>
-                <a:r>
-                  <a:rPr kumimoji="1" lang="en-US" altLang="zh-CN" sz="900" dirty="0"/>
-                  <a:t>number</a:t>
-                </a:r>
-                <a:r>
-                  <a:rPr kumimoji="1" lang="zh-CN" altLang="en-US" sz="900" dirty="0"/>
-                  <a:t> </a:t>
-                </a:r>
-                <a:r>
-                  <a:rPr kumimoji="1" lang="en-US" altLang="zh-CN" sz="900" dirty="0"/>
-                  <a:t>of</a:t>
-                </a:r>
-                <a:r>
-                  <a:rPr kumimoji="1" lang="zh-CN" altLang="en-US" sz="900" dirty="0"/>
-                  <a:t> </a:t>
-                </a:r>
-                <a:r>
-                  <a:rPr kumimoji="1" lang="en-US" altLang="zh-CN" sz="900" dirty="0"/>
-                  <a:t>users</a:t>
-                </a:r>
-                <a:r>
-                  <a:rPr kumimoji="1" lang="zh-CN" altLang="en-US" sz="900" dirty="0"/>
-                  <a:t> </a:t>
-                </a:r>
-                <a:r>
-                  <a:rPr kumimoji="1" lang="en-US" altLang="zh-CN" sz="900" dirty="0"/>
-                  <a:t>and</a:t>
-                </a:r>
-                <a:r>
-                  <a:rPr kumimoji="1" lang="zh-CN" altLang="en-US" sz="900" dirty="0"/>
-                  <a:t> </a:t>
-                </a:r>
-                <a:r>
-                  <a:rPr kumimoji="1" lang="en-US" altLang="zh-CN" sz="900" dirty="0"/>
-                  <a:t>n</a:t>
-                </a:r>
-                <a:r>
-                  <a:rPr kumimoji="1" lang="zh-CN" altLang="en-US" sz="900" dirty="0"/>
-                  <a:t> </a:t>
-                </a:r>
-                <a:r>
-                  <a:rPr kumimoji="1" lang="en-US" altLang="zh-CN" sz="900" dirty="0"/>
-                  <a:t>is</a:t>
-                </a:r>
-                <a:r>
-                  <a:rPr kumimoji="1" lang="zh-CN" altLang="en-US" sz="900" dirty="0"/>
-                  <a:t> </a:t>
-                </a:r>
-                <a:r>
-                  <a:rPr kumimoji="1" lang="en-US" altLang="zh-CN" sz="900" dirty="0"/>
-                  <a:t>the</a:t>
-                </a:r>
-                <a:r>
-                  <a:rPr kumimoji="1" lang="zh-CN" altLang="en-US" sz="900" dirty="0"/>
-                  <a:t> </a:t>
-                </a:r>
-                <a:r>
-                  <a:rPr kumimoji="1" lang="en-US" altLang="zh-CN" sz="900" dirty="0"/>
-                  <a:t>number</a:t>
-                </a:r>
-                <a:r>
-                  <a:rPr kumimoji="1" lang="zh-CN" altLang="en-US" sz="900" dirty="0"/>
-                  <a:t> </a:t>
-                </a:r>
-                <a:r>
-                  <a:rPr kumimoji="1" lang="en-US" altLang="zh-CN" sz="900" dirty="0"/>
-                  <a:t>of</a:t>
-                </a:r>
-                <a:r>
-                  <a:rPr kumimoji="1" lang="zh-CN" altLang="en-US" sz="900" dirty="0"/>
-                  <a:t> </a:t>
-                </a:r>
-                <a:r>
-                  <a:rPr kumimoji="1" lang="en-US" altLang="zh-CN" sz="900" dirty="0"/>
-                  <a:t>items.</a:t>
-                </a:r>
-              </a:p>
-              <a:p>
-                <a:pPr lvl="2">
-                  <a:lnSpc>
-                    <a:spcPct val="110000"/>
-                  </a:lnSpc>
-                </a:pPr>
-                <a:r>
-                  <a:rPr kumimoji="1" lang="en-US" altLang="zh-CN" sz="900" dirty="0"/>
-                  <a:t>U:</a:t>
-                </a:r>
-                <a:r>
-                  <a:rPr kumimoji="1" lang="zh-CN" altLang="en-US" sz="900" dirty="0"/>
-                  <a:t> </a:t>
-                </a:r>
-                <a:r>
-                  <a:rPr kumimoji="1" lang="en-US" altLang="zh-CN" sz="900" dirty="0"/>
-                  <a:t>User</a:t>
-                </a:r>
-                <a:r>
-                  <a:rPr kumimoji="1" lang="zh-CN" altLang="en-US" sz="900" dirty="0"/>
-                  <a:t> </a:t>
-                </a:r>
-                <a:r>
-                  <a:rPr kumimoji="1" lang="en-US" altLang="zh-CN" sz="900" dirty="0"/>
-                  <a:t>latent</a:t>
-                </a:r>
-                <a:r>
-                  <a:rPr kumimoji="1" lang="zh-CN" altLang="en-US" sz="900" dirty="0"/>
-                  <a:t> </a:t>
-                </a:r>
-                <a:r>
-                  <a:rPr kumimoji="1" lang="en-US" altLang="zh-CN" sz="900" dirty="0"/>
-                  <a:t>feature</a:t>
-                </a:r>
-                <a:r>
-                  <a:rPr kumimoji="1" lang="zh-CN" altLang="en-US" sz="900" dirty="0"/>
-                  <a:t> </a:t>
-                </a:r>
-                <a:r>
-                  <a:rPr kumimoji="1" lang="en-US" altLang="zh-CN" sz="900" dirty="0"/>
-                  <a:t>matrix</a:t>
-                </a:r>
-              </a:p>
-              <a:p>
-                <a:pPr lvl="2">
-                  <a:lnSpc>
-                    <a:spcPct val="110000"/>
-                  </a:lnSpc>
-                </a:pPr>
-                <a:r>
-                  <a:rPr kumimoji="1" lang="en-US" altLang="zh-CN" sz="900" dirty="0"/>
-                  <a:t>P:</a:t>
-                </a:r>
-                <a:r>
-                  <a:rPr kumimoji="1" lang="zh-CN" altLang="en-US" sz="900" dirty="0"/>
-                  <a:t> </a:t>
-                </a:r>
-                <a:r>
-                  <a:rPr kumimoji="1" lang="en-US" altLang="zh-CN" sz="900" dirty="0"/>
-                  <a:t>Product</a:t>
-                </a:r>
-                <a:r>
-                  <a:rPr kumimoji="1" lang="zh-CN" altLang="en-US" sz="900" dirty="0"/>
-                  <a:t> </a:t>
-                </a:r>
-                <a:r>
-                  <a:rPr kumimoji="1" lang="en-US" altLang="zh-CN" sz="900" dirty="0"/>
-                  <a:t>latent</a:t>
-                </a:r>
-                <a:r>
-                  <a:rPr kumimoji="1" lang="zh-CN" altLang="en-US" sz="900" dirty="0"/>
-                  <a:t> </a:t>
-                </a:r>
-                <a:r>
-                  <a:rPr kumimoji="1" lang="en-US" altLang="zh-CN" sz="900" dirty="0"/>
-                  <a:t>feature</a:t>
-                </a:r>
-                <a:r>
-                  <a:rPr kumimoji="1" lang="zh-CN" altLang="en-US" sz="900" dirty="0"/>
-                  <a:t> </a:t>
-                </a:r>
-                <a:r>
-                  <a:rPr kumimoji="1" lang="en-US" altLang="zh-CN" sz="900" dirty="0"/>
-                  <a:t>matrix</a:t>
-                </a:r>
-              </a:p>
-              <a:p>
-                <a:pPr lvl="2">
-                  <a:lnSpc>
-                    <a:spcPct val="110000"/>
-                  </a:lnSpc>
-                </a:pPr>
-                <a:endParaRPr kumimoji="1" lang="en-US" altLang="zh-CN" sz="900" dirty="0"/>
-              </a:p>
-              <a:p>
-                <a:pPr lvl="1">
-                  <a:lnSpc>
-                    <a:spcPct val="110000"/>
-                  </a:lnSpc>
-                </a:pPr>
-                <a:r>
-                  <a:rPr kumimoji="1" lang="en-US" altLang="zh-CN" sz="900" dirty="0"/>
-                  <a:t>ALS</a:t>
-                </a:r>
-                <a:r>
-                  <a:rPr kumimoji="1" lang="zh-CN" altLang="en-US" sz="900" dirty="0"/>
-                  <a:t> </a:t>
-                </a:r>
-                <a:r>
-                  <a:rPr kumimoji="1" lang="en-US" altLang="zh-CN" sz="900" dirty="0"/>
-                  <a:t>optimizes</a:t>
-                </a:r>
-                <a:r>
-                  <a:rPr kumimoji="1" lang="zh-CN" altLang="en-US" sz="900" dirty="0"/>
-                  <a:t> </a:t>
-                </a:r>
-                <a:r>
-                  <a:rPr kumimoji="1" lang="en-US" altLang="zh-CN" sz="900" dirty="0"/>
-                  <a:t>these</a:t>
-                </a:r>
-                <a:r>
-                  <a:rPr kumimoji="1" lang="zh-CN" altLang="en-US" sz="900" dirty="0"/>
-                  <a:t> </a:t>
-                </a:r>
-                <a:r>
-                  <a:rPr kumimoji="1" lang="en-US" altLang="zh-CN" sz="900" dirty="0" err="1"/>
-                  <a:t>matrics</a:t>
-                </a:r>
-                <a:r>
-                  <a:rPr kumimoji="1" lang="zh-CN" altLang="en-US" sz="900" dirty="0"/>
-                  <a:t> </a:t>
-                </a:r>
-                <a:r>
-                  <a:rPr kumimoji="1" lang="en-US" altLang="zh-CN" sz="900" dirty="0"/>
-                  <a:t>iteratively:</a:t>
-                </a:r>
-              </a:p>
-              <a:p>
-                <a:pPr lvl="2">
-                  <a:lnSpc>
-                    <a:spcPct val="110000"/>
-                  </a:lnSpc>
-                </a:pPr>
-                <a:r>
-                  <a:rPr kumimoji="1" lang="en-US" altLang="zh-CN" sz="900" dirty="0"/>
-                  <a:t>Fix</a:t>
-                </a:r>
-                <a:r>
-                  <a:rPr kumimoji="1" lang="zh-CN" altLang="en-US" sz="900" dirty="0"/>
-                  <a:t> </a:t>
-                </a:r>
-                <a:r>
-                  <a:rPr kumimoji="1" lang="en-US" altLang="zh-CN" sz="900" dirty="0"/>
-                  <a:t>P,</a:t>
-                </a:r>
-                <a:r>
-                  <a:rPr kumimoji="1" lang="zh-CN" altLang="en-US" sz="900" dirty="0"/>
-                  <a:t> </a:t>
-                </a:r>
-                <a:r>
-                  <a:rPr kumimoji="1" lang="en-US" altLang="zh-CN" sz="900" dirty="0"/>
-                  <a:t>solve</a:t>
-                </a:r>
-                <a:r>
-                  <a:rPr kumimoji="1" lang="zh-CN" altLang="en-US" sz="900" dirty="0"/>
-                  <a:t> </a:t>
-                </a:r>
-                <a:r>
-                  <a:rPr kumimoji="1" lang="en-US" altLang="zh-CN" sz="900" dirty="0"/>
-                  <a:t>for</a:t>
-                </a:r>
-                <a:r>
-                  <a:rPr kumimoji="1" lang="zh-CN" altLang="en-US" sz="900" dirty="0"/>
-                  <a:t> </a:t>
-                </a:r>
-                <a:r>
-                  <a:rPr kumimoji="1" lang="en-US" altLang="zh-CN" sz="900" dirty="0"/>
-                  <a:t>U</a:t>
-                </a:r>
-                <a:r>
-                  <a:rPr kumimoji="1" lang="zh-CN" altLang="en-US" sz="900" dirty="0"/>
-                  <a:t> </a:t>
-                </a:r>
-                <a:r>
-                  <a:rPr kumimoji="1" lang="en-US" altLang="zh-CN" sz="900" dirty="0"/>
-                  <a:t>using</a:t>
-                </a:r>
-                <a:r>
-                  <a:rPr kumimoji="1" lang="zh-CN" altLang="en-US" sz="900" dirty="0"/>
-                  <a:t> </a:t>
-                </a:r>
-                <a:r>
-                  <a:rPr kumimoji="1" lang="en-US" altLang="zh-CN" sz="900" dirty="0"/>
-                  <a:t>least</a:t>
-                </a:r>
-                <a:r>
-                  <a:rPr kumimoji="1" lang="zh-CN" altLang="en-US" sz="900" dirty="0"/>
-                  <a:t> </a:t>
-                </a:r>
-                <a:r>
-                  <a:rPr kumimoji="1" lang="en-US" altLang="zh-CN" sz="900" dirty="0"/>
-                  <a:t>Squares</a:t>
-                </a:r>
-              </a:p>
-              <a:p>
-                <a:pPr lvl="2">
-                  <a:lnSpc>
-                    <a:spcPct val="110000"/>
-                  </a:lnSpc>
-                </a:pPr>
-                <a:r>
-                  <a:rPr kumimoji="1" lang="en-US" altLang="zh-CN" sz="900" dirty="0"/>
-                  <a:t>Fix</a:t>
-                </a:r>
-                <a:r>
-                  <a:rPr kumimoji="1" lang="zh-CN" altLang="en-US" sz="900" dirty="0"/>
-                  <a:t> </a:t>
-                </a:r>
-                <a:r>
-                  <a:rPr kumimoji="1" lang="en-US" altLang="zh-CN" sz="900" dirty="0"/>
-                  <a:t>U,</a:t>
-                </a:r>
-                <a:r>
-                  <a:rPr kumimoji="1" lang="zh-CN" altLang="en-US" sz="900" dirty="0"/>
-                  <a:t> </a:t>
-                </a:r>
-                <a:r>
-                  <a:rPr kumimoji="1" lang="en-US" altLang="zh-CN" sz="900" dirty="0" err="1"/>
-                  <a:t>slove</a:t>
-                </a:r>
-                <a:r>
-                  <a:rPr kumimoji="1" lang="zh-CN" altLang="en-US" sz="900" dirty="0"/>
-                  <a:t> </a:t>
-                </a:r>
-                <a:r>
-                  <a:rPr kumimoji="1" lang="en-US" altLang="zh-CN" sz="900" dirty="0"/>
-                  <a:t>for</a:t>
-                </a:r>
-                <a:r>
-                  <a:rPr kumimoji="1" lang="zh-CN" altLang="en-US" sz="900" dirty="0"/>
-                  <a:t> </a:t>
-                </a:r>
-                <a:r>
-                  <a:rPr kumimoji="1" lang="en-US" altLang="zh-CN" sz="900" dirty="0"/>
-                  <a:t>P</a:t>
-                </a:r>
-                <a:r>
-                  <a:rPr kumimoji="1" lang="zh-CN" altLang="en-US" sz="900" dirty="0"/>
-                  <a:t> </a:t>
-                </a:r>
-                <a:r>
-                  <a:rPr kumimoji="1" lang="en-US" altLang="zh-CN" sz="900" dirty="0"/>
-                  <a:t>using</a:t>
-                </a:r>
-                <a:r>
-                  <a:rPr kumimoji="1" lang="zh-CN" altLang="en-US" sz="900" dirty="0"/>
-                  <a:t> </a:t>
-                </a:r>
-                <a:r>
-                  <a:rPr kumimoji="1" lang="en-US" altLang="zh-CN" sz="900" dirty="0"/>
-                  <a:t>least</a:t>
-                </a:r>
-                <a:r>
-                  <a:rPr kumimoji="1" lang="zh-CN" altLang="en-US" sz="900" dirty="0"/>
-                  <a:t> </a:t>
-                </a:r>
-                <a:r>
-                  <a:rPr kumimoji="1" lang="en-US" altLang="zh-CN" sz="900" dirty="0"/>
-                  <a:t>Squares</a:t>
-                </a:r>
-              </a:p>
-              <a:p>
-                <a:pPr lvl="2">
-                  <a:lnSpc>
-                    <a:spcPct val="110000"/>
-                  </a:lnSpc>
-                </a:pPr>
-                <a:r>
-                  <a:rPr kumimoji="1" lang="en-US" altLang="zh-CN" sz="900" dirty="0"/>
-                  <a:t>Repeat</a:t>
-                </a:r>
-                <a:r>
-                  <a:rPr kumimoji="1" lang="zh-CN" altLang="en-US" sz="900" dirty="0"/>
-                  <a:t> </a:t>
-                </a:r>
-                <a:r>
-                  <a:rPr kumimoji="1" lang="en-US" altLang="zh-CN" sz="900" dirty="0"/>
-                  <a:t>until</a:t>
-                </a:r>
-                <a:r>
-                  <a:rPr kumimoji="1" lang="zh-CN" altLang="en-US" sz="900" dirty="0"/>
-                  <a:t> </a:t>
-                </a:r>
-                <a:r>
-                  <a:rPr kumimoji="1" lang="en-US" altLang="zh-CN" sz="900" dirty="0"/>
-                  <a:t>convergence</a:t>
-                </a:r>
-                <a:endParaRPr kumimoji="1" lang="zh-CN" altLang="en-US" sz="900" dirty="0"/>
-              </a:p>
-            </p:txBody>
-          </p:sp>
-        </mc:Choice>
-        <mc:Fallback>
-          <p:sp>
-            <p:nvSpPr>
-              <p:cNvPr id="3" name="内容占位符 2">
-                <a:extLst>
-                  <a:ext uri="{FF2B5EF4-FFF2-40B4-BE49-F238E27FC236}">
-                    <a16:creationId xmlns:a16="http://schemas.microsoft.com/office/drawing/2014/main" id="{2A032161-8894-C639-CAF8-3CAD12081B21}"/>
-                  </a:ext>
-                </a:extLst>
-              </p:cNvPr>
-              <p:cNvSpPr>
-                <a:spLocks noGrp="1" noRot="1" noChangeAspect="1" noMove="1" noResize="1" noEditPoints="1" noAdjustHandles="1" noChangeArrowheads="1" noChangeShapeType="1" noTextEdit="1"/>
-              </p:cNvSpPr>
-              <p:nvPr>
-                <p:ph idx="1"/>
-              </p:nvPr>
-            </p:nvSpPr>
-            <p:spPr>
-              <a:xfrm>
-                <a:off x="913773" y="2367092"/>
-                <a:ext cx="7859565" cy="3424107"/>
-              </a:xfrm>
-              <a:blipFill>
-                <a:blip r:embed="rId4"/>
-                <a:stretch>
-                  <a:fillRect/>
-                </a:stretch>
-              </a:blipFill>
-            </p:spPr>
-            <p:txBody>
-              <a:bodyPr/>
-              <a:lstStyle/>
-              <a:p>
-                <a:r>
-                  <a:rPr lang="en-NZ">
-                    <a:noFill/>
-                  </a:rPr>
-                  <a:t> </a:t>
-                </a:r>
-              </a:p>
-            </p:txBody>
-          </p:sp>
-        </mc:Fallback>
-      </mc:AlternateContent>
-      <p:pic>
-        <p:nvPicPr>
-          <p:cNvPr id="16" name="Picture 15">
-            <a:extLst>
-              <a:ext uri="{FF2B5EF4-FFF2-40B4-BE49-F238E27FC236}">
-                <a16:creationId xmlns:a16="http://schemas.microsoft.com/office/drawing/2014/main" id="{D2B4E49C-E7B4-4F6A-8B93-646A0E241191}"/>
-              </a:ext>
-              <a:ext uri="{C183D7F6-B498-43B3-948B-1728B52AA6E4}">
-                <adec:decorative xmlns:adec="http://schemas.microsoft.com/office/drawing/2017/decorative" val="1"/>
-              </a:ext>
-            </a:extLst>
-          </p:cNvPr>
-          <p:cNvPicPr>
-            <a:picLocks noGrp="1" noRot="1" noChangeAspect="1" noMove="1" noResize="1" noEditPoints="1" noAdjustHandles="1" noChangeArrowheads="1" noChangeShapeType="1" noCrop="1"/>
-          </p:cNvPicPr>
-          <p:nvPr>
-            <p:extLst>
-              <p:ext uri="{386F3935-93C4-4BCD-93E2-E3B085C9AB24}">
-                <p16:designElem xmlns:p16="http://schemas.microsoft.com/office/powerpoint/2015/main" val="1"/>
-              </p:ext>
-            </p:extLst>
-          </p:nvPr>
-        </p:nvPicPr>
-        <p:blipFill rotWithShape="1">
-          <a:blip r:embed="rId3">
-            <a:extLst>
-              <a:ext uri="{28A0092B-C50C-407E-A947-70E740481C1C}">
-                <a14:useLocalDpi xmlns:a14="http://schemas.microsoft.com/office/drawing/2010/main" val="0"/>
-              </a:ext>
-            </a:extLst>
-          </a:blip>
-          <a:srcRect l="91927" t="72411" b="10341"/>
-          <a:stretch/>
-        </p:blipFill>
-        <p:spPr>
-          <a:xfrm>
-            <a:off x="11494523" y="2664767"/>
-            <a:ext cx="635958" cy="764233"/>
-          </a:xfrm>
-          <a:custGeom>
-            <a:avLst/>
-            <a:gdLst>
-              <a:gd name="connsiteX0" fmla="*/ 0 w 984308"/>
-              <a:gd name="connsiteY0" fmla="*/ 0 h 1182847"/>
-              <a:gd name="connsiteX1" fmla="*/ 984308 w 984308"/>
-              <a:gd name="connsiteY1" fmla="*/ 0 h 1182847"/>
-              <a:gd name="connsiteX2" fmla="*/ 984308 w 984308"/>
-              <a:gd name="connsiteY2" fmla="*/ 1161661 h 1182847"/>
-              <a:gd name="connsiteX3" fmla="*/ 966627 w 984308"/>
-              <a:gd name="connsiteY3" fmla="*/ 1165915 h 1182847"/>
-              <a:gd name="connsiteX4" fmla="*/ 787132 w 984308"/>
-              <a:gd name="connsiteY4" fmla="*/ 1182847 h 1182847"/>
-              <a:gd name="connsiteX5" fmla="*/ 48601 w 984308"/>
-              <a:gd name="connsiteY5" fmla="*/ 815395 h 1182847"/>
-              <a:gd name="connsiteX6" fmla="*/ 0 w 984308"/>
-              <a:gd name="connsiteY6" fmla="*/ 731606 h 1182847"/>
-            </a:gdLst>
-            <a:ahLst/>
-            <a:cxnLst>
-              <a:cxn ang="0">
-                <a:pos x="connsiteX0" y="connsiteY0"/>
-              </a:cxn>
-              <a:cxn ang="0">
-                <a:pos x="connsiteX1" y="connsiteY1"/>
-              </a:cxn>
-              <a:cxn ang="0">
-                <a:pos x="connsiteX2" y="connsiteY2"/>
-              </a:cxn>
-              <a:cxn ang="0">
-                <a:pos x="connsiteX3" y="connsiteY3"/>
-              </a:cxn>
-              <a:cxn ang="0">
-                <a:pos x="connsiteX4" y="connsiteY4"/>
-              </a:cxn>
-              <a:cxn ang="0">
-                <a:pos x="connsiteX5" y="connsiteY5"/>
-              </a:cxn>
-              <a:cxn ang="0">
-                <a:pos x="connsiteX6" y="connsiteY6"/>
-              </a:cxn>
-            </a:cxnLst>
-            <a:rect l="l" t="t" r="r" b="b"/>
-            <a:pathLst>
-              <a:path w="984308" h="1182847">
-                <a:moveTo>
-                  <a:pt x="0" y="0"/>
-                </a:moveTo>
-                <a:lnTo>
-                  <a:pt x="984308" y="0"/>
-                </a:lnTo>
-                <a:lnTo>
-                  <a:pt x="984308" y="1161661"/>
-                </a:lnTo>
-                <a:lnTo>
-                  <a:pt x="966627" y="1165915"/>
-                </a:lnTo>
-                <a:cubicBezTo>
-                  <a:pt x="908648" y="1177017"/>
-                  <a:pt x="848618" y="1182847"/>
-                  <a:pt x="787132" y="1182847"/>
-                </a:cubicBezTo>
-                <a:cubicBezTo>
-                  <a:pt x="479703" y="1182847"/>
-                  <a:pt x="208655" y="1037089"/>
-                  <a:pt x="48601" y="815395"/>
-                </a:cubicBezTo>
-                <a:lnTo>
-                  <a:pt x="0" y="731606"/>
-                </a:lnTo>
-                <a:close/>
-              </a:path>
-            </a:pathLst>
-          </a:custGeom>
-        </p:spPr>
-      </p:pic>
-      <p:pic>
-        <p:nvPicPr>
-          <p:cNvPr id="18" name="Picture 17">
-            <a:extLst>
-              <a:ext uri="{FF2B5EF4-FFF2-40B4-BE49-F238E27FC236}">
-                <a16:creationId xmlns:a16="http://schemas.microsoft.com/office/drawing/2014/main" id="{46528FBF-1727-4546-8131-BA22ED8B5497}"/>
-              </a:ext>
-              <a:ext uri="{C183D7F6-B498-43B3-948B-1728B52AA6E4}">
-                <adec:decorative xmlns:adec="http://schemas.microsoft.com/office/drawing/2017/decorative" val="1"/>
-              </a:ext>
-            </a:extLst>
-          </p:cNvPr>
-          <p:cNvPicPr>
-            <a:picLocks noGrp="1" noRot="1" noChangeAspect="1" noMove="1" noResize="1" noEditPoints="1" noAdjustHandles="1" noChangeArrowheads="1" noChangeShapeType="1" noCrop="1"/>
-          </p:cNvPicPr>
-          <p:nvPr>
-            <p:extLst>
-              <p:ext uri="{386F3935-93C4-4BCD-93E2-E3B085C9AB24}">
-                <p16:designElem xmlns:p16="http://schemas.microsoft.com/office/powerpoint/2015/main" val="1"/>
-              </p:ext>
-            </p:extLst>
-          </p:nvPr>
-        </p:nvPicPr>
-        <p:blipFill rotWithShape="1">
-          <a:blip r:embed="rId2">
-            <a:extLst>
-              <a:ext uri="{28A0092B-C50C-407E-A947-70E740481C1C}">
-                <a14:useLocalDpi xmlns:a14="http://schemas.microsoft.com/office/drawing/2010/main" val="0"/>
-              </a:ext>
-            </a:extLst>
-          </a:blip>
-          <a:srcRect l="65973" t="81531" r="19879"/>
-          <a:stretch/>
-        </p:blipFill>
-        <p:spPr>
-          <a:xfrm>
-            <a:off x="8887626" y="5982056"/>
-            <a:ext cx="1192806" cy="875944"/>
-          </a:xfrm>
-          <a:custGeom>
-            <a:avLst/>
-            <a:gdLst>
-              <a:gd name="connsiteX0" fmla="*/ 2051608 w 4103216"/>
-              <a:gd name="connsiteY0" fmla="*/ 0 h 1714050"/>
-              <a:gd name="connsiteX1" fmla="*/ 4103216 w 4103216"/>
-              <a:gd name="connsiteY1" fmla="*/ 1266738 h 1714050"/>
-              <a:gd name="connsiteX2" fmla="*/ 4010980 w 4103216"/>
-              <a:gd name="connsiteY2" fmla="*/ 1643427 h 1714050"/>
-              <a:gd name="connsiteX3" fmla="*/ 3969116 w 4103216"/>
-              <a:gd name="connsiteY3" fmla="*/ 1714050 h 1714050"/>
-              <a:gd name="connsiteX4" fmla="*/ 134100 w 4103216"/>
-              <a:gd name="connsiteY4" fmla="*/ 1714050 h 1714050"/>
-              <a:gd name="connsiteX5" fmla="*/ 92237 w 4103216"/>
-              <a:gd name="connsiteY5" fmla="*/ 1643427 h 1714050"/>
-              <a:gd name="connsiteX6" fmla="*/ 0 w 4103216"/>
-              <a:gd name="connsiteY6" fmla="*/ 1266738 h 1714050"/>
-              <a:gd name="connsiteX7" fmla="*/ 2051608 w 4103216"/>
-              <a:gd name="connsiteY7" fmla="*/ 0 h 1714050"/>
-            </a:gdLst>
-            <a:ahLst/>
-            <a:cxnLst>
-              <a:cxn ang="0">
-                <a:pos x="connsiteX0" y="connsiteY0"/>
-              </a:cxn>
-              <a:cxn ang="0">
-                <a:pos x="connsiteX1" y="connsiteY1"/>
-              </a:cxn>
-              <a:cxn ang="0">
-                <a:pos x="connsiteX2" y="connsiteY2"/>
-              </a:cxn>
-              <a:cxn ang="0">
-                <a:pos x="connsiteX3" y="connsiteY3"/>
-              </a:cxn>
-              <a:cxn ang="0">
-                <a:pos x="connsiteX4" y="connsiteY4"/>
-              </a:cxn>
-              <a:cxn ang="0">
-                <a:pos x="connsiteX5" y="connsiteY5"/>
-              </a:cxn>
-              <a:cxn ang="0">
-                <a:pos x="connsiteX6" y="connsiteY6"/>
-              </a:cxn>
-              <a:cxn ang="0">
-                <a:pos x="connsiteX7" y="connsiteY7"/>
-              </a:cxn>
-            </a:cxnLst>
-            <a:rect l="l" t="t" r="r" b="b"/>
-            <a:pathLst>
-              <a:path w="4103216" h="1714050">
-                <a:moveTo>
-                  <a:pt x="2051608" y="0"/>
-                </a:moveTo>
-                <a:cubicBezTo>
-                  <a:pt x="3184680" y="0"/>
-                  <a:pt x="4103216" y="567138"/>
-                  <a:pt x="4103216" y="1266738"/>
-                </a:cubicBezTo>
-                <a:cubicBezTo>
-                  <a:pt x="4103216" y="1397913"/>
-                  <a:pt x="4070924" y="1524431"/>
-                  <a:pt x="4010980" y="1643427"/>
-                </a:cubicBezTo>
-                <a:lnTo>
-                  <a:pt x="3969116" y="1714050"/>
-                </a:lnTo>
-                <a:lnTo>
-                  <a:pt x="134100" y="1714050"/>
-                </a:lnTo>
-                <a:lnTo>
-                  <a:pt x="92237" y="1643427"/>
-                </a:lnTo>
-                <a:cubicBezTo>
-                  <a:pt x="32293" y="1524431"/>
-                  <a:pt x="0" y="1397913"/>
-                  <a:pt x="0" y="1266738"/>
-                </a:cubicBezTo>
-                <a:cubicBezTo>
-                  <a:pt x="0" y="567138"/>
-                  <a:pt x="918536" y="0"/>
-                  <a:pt x="2051608" y="0"/>
-                </a:cubicBezTo>
-                <a:close/>
-              </a:path>
-            </a:pathLst>
-          </a:custGeom>
-        </p:spPr>
-      </p:pic>
-    </p:spTree>
-    <p:extLst>
-      <p:ext uri="{BB962C8B-B14F-4D97-AF65-F5344CB8AC3E}">
-        <p14:creationId xmlns:p14="http://schemas.microsoft.com/office/powerpoint/2010/main" val="1975314090"/>
-      </p:ext>
-    </p:extLst>
-  </p:cSld>
-  <p:clrMapOvr>
-    <a:masterClrMapping/>
-  </p:clrMapOvr>
-</p:sld>
-</file>
-
-<file path=ppt/slides/slide8.xml><?xml version="1.0" encoding="utf-8"?>
-<p:sld xmlns:a="http://schemas.openxmlformats.org/drawingml/2006/main" xmlns:r="http://schemas.openxmlformats.org/officeDocument/2006/relationships" xmlns:p="http://schemas.openxmlformats.org/presentationml/2006/main">
-  <p:cSld>
-    <p:bg>
-      <p:bgPr>
-        <a:gradFill rotWithShape="1">
-          <a:gsLst>
-            <a:gs pos="0">
-              <a:schemeClr val="bg1">
-                <a:tint val="90000"/>
-                <a:lumMod val="110000"/>
-              </a:schemeClr>
-            </a:gs>
-            <a:gs pos="100000">
-              <a:schemeClr val="bg1">
-                <a:shade val="64000"/>
-                <a:lumMod val="88000"/>
-              </a:schemeClr>
-            </a:gs>
-          </a:gsLst>
-          <a:lin ang="5400000" scaled="0"/>
-        </a:gradFill>
-        <a:effectLst/>
-      </p:bgPr>
-    </p:bg>
-    <p:spTree>
-      <p:nvGrpSpPr>
-        <p:cNvPr id="1" name=""/>
-        <p:cNvGrpSpPr/>
-        <p:nvPr/>
-      </p:nvGrpSpPr>
-      <p:grpSpPr>
-        <a:xfrm>
-          <a:off x="0" y="0"/>
-          <a:ext cx="0" cy="0"/>
-          <a:chOff x="0" y="0"/>
-          <a:chExt cx="0" cy="0"/>
-        </a:xfrm>
-      </p:grpSpPr>
-      <p:sp useBgFill="1">
-        <p:nvSpPr>
-          <p:cNvPr id="8" name="Rectangle 7">
-            <a:extLst>
-              <a:ext uri="{FF2B5EF4-FFF2-40B4-BE49-F238E27FC236}">
-                <a16:creationId xmlns:a16="http://schemas.microsoft.com/office/drawing/2014/main" id="{44F95DE6-BC61-4DB8-97B8-E32959EA0E1D}"/>
-              </a:ext>
-              <a:ext uri="{C183D7F6-B498-43B3-948B-1728B52AA6E4}">
-                <adec:decorative xmlns:adec="http://schemas.microsoft.com/office/drawing/2017/decorative" val="1"/>
-              </a:ext>
-            </a:extLst>
-          </p:cNvPr>
-          <p:cNvSpPr>
-            <a:spLocks noGrp="1" noRot="1" noChangeAspect="1" noMove="1" noResize="1" noEditPoints="1" noAdjustHandles="1" noChangeArrowheads="1" noChangeShapeType="1" noTextEdit="1"/>
-          </p:cNvSpPr>
-          <p:nvPr>
-            <p:extLst>
-              <p:ext uri="{386F3935-93C4-4BCD-93E2-E3B085C9AB24}">
-                <p16:designElem xmlns:p16="http://schemas.microsoft.com/office/powerpoint/2015/main" val="1"/>
-              </p:ext>
-            </p:extLst>
-          </p:nvPr>
-        </p:nvSpPr>
-        <p:spPr>
-          <a:xfrm>
-            <a:off x="0" y="0"/>
-            <a:ext cx="12192000" cy="6858000"/>
-          </a:xfrm>
-          <a:prstGeom prst="rect">
-            <a:avLst/>
-          </a:prstGeom>
-          <a:ln>
-            <a:noFill/>
-          </a:ln>
-        </p:spPr>
-        <p:style>
-          <a:lnRef idx="2">
-            <a:schemeClr val="accent1">
-              <a:shade val="50000"/>
-            </a:schemeClr>
-          </a:lnRef>
-          <a:fillRef idx="1">
-            <a:schemeClr val="accent1"/>
-          </a:fillRef>
-          <a:effectRef idx="0">
-            <a:schemeClr val="accent1"/>
-          </a:effectRef>
-          <a:fontRef idx="minor">
-            <a:schemeClr val="lt1"/>
-          </a:fontRef>
-        </p:style>
-        <p:txBody>
-          <a:bodyPr rtlCol="0" anchor="ctr"/>
-          <a:lstStyle/>
-          <a:p>
-            <a:pPr algn="ctr"/>
-            <a:endParaRPr lang="en-US"/>
-          </a:p>
-        </p:txBody>
-      </p:sp>
-      <p:pic>
-        <p:nvPicPr>
-          <p:cNvPr id="10" name="Picture 9">
-            <a:extLst>
-              <a:ext uri="{FF2B5EF4-FFF2-40B4-BE49-F238E27FC236}">
-                <a16:creationId xmlns:a16="http://schemas.microsoft.com/office/drawing/2014/main" id="{48D9C176-456B-4F71-AB87-9D14B8B3D1C1}"/>
-              </a:ext>
-              <a:ext uri="{C183D7F6-B498-43B3-948B-1728B52AA6E4}">
-                <adec:decorative xmlns:adec="http://schemas.microsoft.com/office/drawing/2017/decorative" val="1"/>
-              </a:ext>
-            </a:extLst>
-          </p:cNvPr>
-          <p:cNvPicPr>
-            <a:picLocks noGrp="1" noRot="1" noChangeAspect="1" noMove="1" noResize="1" noEditPoints="1" noAdjustHandles="1" noChangeArrowheads="1" noChangeShapeType="1" noCrop="1"/>
-          </p:cNvPicPr>
-          <p:nvPr>
-            <p:extLst>
-              <p:ext uri="{386F3935-93C4-4BCD-93E2-E3B085C9AB24}">
-                <p16:designElem xmlns:p16="http://schemas.microsoft.com/office/powerpoint/2015/main" val="1"/>
-              </p:ext>
-            </p:extLst>
-          </p:nvPr>
-        </p:nvPicPr>
-        <p:blipFill rotWithShape="1">
-          <a:blip r:embed="rId2">
-            <a:extLst>
-              <a:ext uri="{28A0092B-C50C-407E-A947-70E740481C1C}">
-                <a14:useLocalDpi xmlns:a14="http://schemas.microsoft.com/office/drawing/2010/main" val="0"/>
-              </a:ext>
-            </a:extLst>
-          </a:blip>
-          <a:srcRect l="46466" t="75007" r="30510"/>
-          <a:stretch/>
-        </p:blipFill>
-        <p:spPr>
-          <a:xfrm>
-            <a:off x="0" y="138157"/>
-            <a:ext cx="1712063" cy="1045389"/>
-          </a:xfrm>
-          <a:custGeom>
-            <a:avLst/>
-            <a:gdLst>
-              <a:gd name="connsiteX0" fmla="*/ 2051608 w 4103216"/>
-              <a:gd name="connsiteY0" fmla="*/ 0 h 1714050"/>
-              <a:gd name="connsiteX1" fmla="*/ 4103216 w 4103216"/>
-              <a:gd name="connsiteY1" fmla="*/ 1266738 h 1714050"/>
-              <a:gd name="connsiteX2" fmla="*/ 4010980 w 4103216"/>
-              <a:gd name="connsiteY2" fmla="*/ 1643427 h 1714050"/>
-              <a:gd name="connsiteX3" fmla="*/ 3969116 w 4103216"/>
-              <a:gd name="connsiteY3" fmla="*/ 1714050 h 1714050"/>
-              <a:gd name="connsiteX4" fmla="*/ 134100 w 4103216"/>
-              <a:gd name="connsiteY4" fmla="*/ 1714050 h 1714050"/>
-              <a:gd name="connsiteX5" fmla="*/ 92237 w 4103216"/>
-              <a:gd name="connsiteY5" fmla="*/ 1643427 h 1714050"/>
-              <a:gd name="connsiteX6" fmla="*/ 0 w 4103216"/>
-              <a:gd name="connsiteY6" fmla="*/ 1266738 h 1714050"/>
-              <a:gd name="connsiteX7" fmla="*/ 2051608 w 4103216"/>
-              <a:gd name="connsiteY7" fmla="*/ 0 h 1714050"/>
-            </a:gdLst>
-            <a:ahLst/>
-            <a:cxnLst>
-              <a:cxn ang="0">
-                <a:pos x="connsiteX0" y="connsiteY0"/>
-              </a:cxn>
-              <a:cxn ang="0">
-                <a:pos x="connsiteX1" y="connsiteY1"/>
-              </a:cxn>
-              <a:cxn ang="0">
-                <a:pos x="connsiteX2" y="connsiteY2"/>
-              </a:cxn>
-              <a:cxn ang="0">
-                <a:pos x="connsiteX3" y="connsiteY3"/>
-              </a:cxn>
-              <a:cxn ang="0">
-                <a:pos x="connsiteX4" y="connsiteY4"/>
-              </a:cxn>
-              <a:cxn ang="0">
-                <a:pos x="connsiteX5" y="connsiteY5"/>
-              </a:cxn>
-              <a:cxn ang="0">
-                <a:pos x="connsiteX6" y="connsiteY6"/>
-              </a:cxn>
-              <a:cxn ang="0">
-                <a:pos x="connsiteX7" y="connsiteY7"/>
-              </a:cxn>
-            </a:cxnLst>
-            <a:rect l="l" t="t" r="r" b="b"/>
-            <a:pathLst>
-              <a:path w="4103216" h="1714050">
-                <a:moveTo>
-                  <a:pt x="2051608" y="0"/>
-                </a:moveTo>
-                <a:cubicBezTo>
-                  <a:pt x="3184680" y="0"/>
-                  <a:pt x="4103216" y="567138"/>
-                  <a:pt x="4103216" y="1266738"/>
-                </a:cubicBezTo>
-                <a:cubicBezTo>
-                  <a:pt x="4103216" y="1397913"/>
-                  <a:pt x="4070924" y="1524431"/>
-                  <a:pt x="4010980" y="1643427"/>
-                </a:cubicBezTo>
-                <a:lnTo>
-                  <a:pt x="3969116" y="1714050"/>
-                </a:lnTo>
-                <a:lnTo>
-                  <a:pt x="134100" y="1714050"/>
-                </a:lnTo>
-                <a:lnTo>
-                  <a:pt x="92237" y="1643427"/>
-                </a:lnTo>
-                <a:cubicBezTo>
-                  <a:pt x="32293" y="1524431"/>
-                  <a:pt x="0" y="1397913"/>
-                  <a:pt x="0" y="1266738"/>
-                </a:cubicBezTo>
-                <a:cubicBezTo>
-                  <a:pt x="0" y="567138"/>
-                  <a:pt x="918536" y="0"/>
-                  <a:pt x="2051608" y="0"/>
-                </a:cubicBezTo>
-                <a:close/>
-              </a:path>
-            </a:pathLst>
-          </a:custGeom>
-        </p:spPr>
-      </p:pic>
-      <p:sp>
-        <p:nvSpPr>
-          <p:cNvPr id="2" name="标题 1">
-            <a:extLst>
-              <a:ext uri="{FF2B5EF4-FFF2-40B4-BE49-F238E27FC236}">
-                <a16:creationId xmlns:a16="http://schemas.microsoft.com/office/drawing/2014/main" id="{93C91A0B-1612-EB4F-2A44-861A0E83E188}"/>
-              </a:ext>
-            </a:extLst>
-          </p:cNvPr>
-          <p:cNvSpPr>
-            <a:spLocks noGrp="1"/>
-          </p:cNvSpPr>
-          <p:nvPr>
-            <p:ph type="title"/>
-          </p:nvPr>
-        </p:nvSpPr>
-        <p:spPr>
-          <a:xfrm>
-            <a:off x="913775" y="618517"/>
-            <a:ext cx="7859564" cy="1596177"/>
-          </a:xfrm>
-        </p:spPr>
-        <p:txBody>
-          <a:bodyPr>
-            <a:normAutofit/>
-          </a:bodyPr>
-          <a:lstStyle/>
-          <a:p>
-            <a:r>
-              <a:rPr kumimoji="1" lang="en-US" altLang="zh-CN" sz="3700" b="1"/>
-              <a:t>ALS-</a:t>
-            </a:r>
-            <a:r>
-              <a:rPr lang="en" altLang="zh-CN" sz="3700" b="1"/>
-              <a:t>Collaborative filtering with </a:t>
-            </a:r>
-            <a:r>
-              <a:rPr kumimoji="1" lang="en-US" altLang="zh-CN" sz="3700" b="1"/>
-              <a:t>Alternating</a:t>
-            </a:r>
-            <a:r>
-              <a:rPr kumimoji="1" lang="zh-CN" altLang="en-US" sz="3700" b="1"/>
-              <a:t> </a:t>
-            </a:r>
-            <a:r>
-              <a:rPr kumimoji="1" lang="en-US" altLang="zh-CN" sz="3700" b="1"/>
-              <a:t>Least</a:t>
-            </a:r>
-            <a:r>
-              <a:rPr kumimoji="1" lang="zh-CN" altLang="en-US" sz="3700" b="1"/>
-              <a:t> </a:t>
-            </a:r>
-            <a:r>
-              <a:rPr kumimoji="1" lang="en-US" altLang="zh-CN" sz="3700" b="1"/>
-              <a:t>Squares</a:t>
-            </a:r>
-            <a:endParaRPr kumimoji="1" lang="zh-CN" altLang="en-US" sz="3700" b="1"/>
-          </a:p>
-        </p:txBody>
-      </p:sp>
-      <p:pic>
-        <p:nvPicPr>
-          <p:cNvPr id="12" name="Picture 11">
-            <a:extLst>
-              <a:ext uri="{FF2B5EF4-FFF2-40B4-BE49-F238E27FC236}">
-                <a16:creationId xmlns:a16="http://schemas.microsoft.com/office/drawing/2014/main" id="{CFF97C55-868F-4FDD-BD3C-D2F191796F43}"/>
-              </a:ext>
-              <a:ext uri="{C183D7F6-B498-43B3-948B-1728B52AA6E4}">
-                <adec:decorative xmlns:adec="http://schemas.microsoft.com/office/drawing/2017/decorative" val="1"/>
-              </a:ext>
-            </a:extLst>
-          </p:cNvPr>
-          <p:cNvPicPr>
-            <a:picLocks noGrp="1" noRot="1" noChangeAspect="1" noMove="1" noResize="1" noEditPoints="1" noAdjustHandles="1" noChangeArrowheads="1" noChangeShapeType="1" noCrop="1"/>
-          </p:cNvPicPr>
-          <p:nvPr>
-            <p:extLst>
-              <p:ext uri="{386F3935-93C4-4BCD-93E2-E3B085C9AB24}">
-                <p16:designElem xmlns:p16="http://schemas.microsoft.com/office/powerpoint/2015/main" val="1"/>
-              </p:ext>
-            </p:extLst>
-          </p:nvPr>
-        </p:nvPicPr>
-        <p:blipFill rotWithShape="1">
-          <a:blip r:embed="rId3">
-            <a:extLst>
-              <a:ext uri="{28A0092B-C50C-407E-A947-70E740481C1C}">
-                <a14:useLocalDpi xmlns:a14="http://schemas.microsoft.com/office/drawing/2010/main" val="0"/>
-              </a:ext>
-            </a:extLst>
-          </a:blip>
-          <a:srcRect l="55183" t="89413" r="18746"/>
-          <a:stretch/>
-        </p:blipFill>
-        <p:spPr>
-          <a:xfrm>
-            <a:off x="8404564" y="0"/>
-            <a:ext cx="2589690" cy="591546"/>
-          </a:xfrm>
-          <a:prstGeom prst="rect">
-            <a:avLst/>
-          </a:prstGeom>
-        </p:spPr>
-      </p:pic>
-      <p:pic>
-        <p:nvPicPr>
-          <p:cNvPr id="14" name="Picture 13">
-            <a:extLst>
-              <a:ext uri="{FF2B5EF4-FFF2-40B4-BE49-F238E27FC236}">
-                <a16:creationId xmlns:a16="http://schemas.microsoft.com/office/drawing/2014/main" id="{69722FB9-EA01-42A6-96B2-185F5CC120DF}"/>
-              </a:ext>
-              <a:ext uri="{C183D7F6-B498-43B3-948B-1728B52AA6E4}">
-                <adec:decorative xmlns:adec="http://schemas.microsoft.com/office/drawing/2017/decorative" val="1"/>
-              </a:ext>
-            </a:extLst>
-          </p:cNvPr>
-          <p:cNvPicPr>
-            <a:picLocks noGrp="1" noRot="1" noChangeAspect="1" noMove="1" noResize="1" noEditPoints="1" noAdjustHandles="1" noChangeArrowheads="1" noChangeShapeType="1" noCrop="1"/>
-          </p:cNvPicPr>
-          <p:nvPr>
-            <p:extLst>
-              <p:ext uri="{386F3935-93C4-4BCD-93E2-E3B085C9AB24}">
-                <p16:designElem xmlns:p16="http://schemas.microsoft.com/office/powerpoint/2015/main" val="1"/>
-              </p:ext>
-            </p:extLst>
-          </p:nvPr>
-        </p:nvPicPr>
-        <p:blipFill rotWithShape="1">
-          <a:blip r:embed="rId2">
-            <a:extLst>
-              <a:ext uri="{28A0092B-C50C-407E-A947-70E740481C1C}">
-                <a14:useLocalDpi xmlns:a14="http://schemas.microsoft.com/office/drawing/2010/main" val="0"/>
-              </a:ext>
-            </a:extLst>
-          </a:blip>
-          <a:srcRect l="73623" t="43915" r="1" b="10213"/>
-          <a:stretch/>
-        </p:blipFill>
-        <p:spPr>
-          <a:xfrm>
-            <a:off x="10471066" y="183232"/>
-            <a:ext cx="1720934" cy="1683522"/>
-          </a:xfrm>
-          <a:prstGeom prst="rect">
-            <a:avLst/>
-          </a:prstGeom>
-        </p:spPr>
-      </p:pic>
-      <p:sp>
-        <p:nvSpPr>
-          <p:cNvPr id="3" name="内容占位符 2">
-            <a:extLst>
-              <a:ext uri="{FF2B5EF4-FFF2-40B4-BE49-F238E27FC236}">
-                <a16:creationId xmlns:a16="http://schemas.microsoft.com/office/drawing/2014/main" id="{2A032161-8894-C639-CAF8-3CAD12081B21}"/>
-              </a:ext>
-            </a:extLst>
-          </p:cNvPr>
-          <p:cNvSpPr>
-            <a:spLocks noGrp="1"/>
-          </p:cNvSpPr>
-          <p:nvPr>
-            <p:ph idx="1"/>
-          </p:nvPr>
-        </p:nvSpPr>
-        <p:spPr>
-          <a:xfrm>
-            <a:off x="913773" y="2367092"/>
-            <a:ext cx="7859565" cy="3424107"/>
-          </a:xfrm>
-        </p:spPr>
-        <p:txBody>
-          <a:bodyPr>
-            <a:normAutofit/>
-          </a:bodyPr>
-          <a:lstStyle/>
-          <a:p>
-            <a:pPr>
-              <a:lnSpc>
-                <a:spcPct val="110000"/>
-              </a:lnSpc>
-            </a:pPr>
-            <a:r>
-              <a:rPr kumimoji="1" lang="en-US" altLang="zh-CN" sz="1000" b="1"/>
-              <a:t>Advantages</a:t>
-            </a:r>
-          </a:p>
-          <a:p>
-            <a:pPr>
-              <a:lnSpc>
-                <a:spcPct val="110000"/>
-              </a:lnSpc>
-            </a:pPr>
-            <a:endParaRPr kumimoji="1" lang="en-US" altLang="zh-CN" sz="1000" b="1"/>
-          </a:p>
-          <a:p>
-            <a:pPr lvl="1">
-              <a:lnSpc>
-                <a:spcPct val="110000"/>
-              </a:lnSpc>
-            </a:pPr>
-            <a:r>
-              <a:rPr lang="en" altLang="zh-CN" sz="1000"/>
-              <a:t>Scales well for large, sparse datasets</a:t>
-            </a:r>
-          </a:p>
-          <a:p>
-            <a:pPr lvl="1">
-              <a:lnSpc>
-                <a:spcPct val="110000"/>
-              </a:lnSpc>
-            </a:pPr>
-            <a:endParaRPr lang="en" altLang="zh-CN" sz="1000"/>
-          </a:p>
-          <a:p>
-            <a:pPr lvl="1">
-              <a:lnSpc>
-                <a:spcPct val="110000"/>
-              </a:lnSpc>
-            </a:pPr>
-            <a:r>
-              <a:rPr lang="en" altLang="zh-CN" sz="1000"/>
-              <a:t>Efficiently implemented in distributed systems like </a:t>
-            </a:r>
-            <a:r>
-              <a:rPr lang="en" altLang="zh-CN" sz="1000" b="1"/>
-              <a:t>Apache Spark</a:t>
-            </a:r>
-          </a:p>
-          <a:p>
-            <a:pPr lvl="1">
-              <a:lnSpc>
-                <a:spcPct val="110000"/>
-              </a:lnSpc>
-            </a:pPr>
-            <a:endParaRPr lang="en" altLang="zh-CN" sz="1000" b="1"/>
-          </a:p>
-          <a:p>
-            <a:pPr lvl="1">
-              <a:lnSpc>
-                <a:spcPct val="110000"/>
-              </a:lnSpc>
-            </a:pPr>
-            <a:r>
-              <a:rPr lang="en" altLang="zh-CN" sz="1000"/>
-              <a:t>Supports </a:t>
-            </a:r>
-            <a:r>
-              <a:rPr lang="en" altLang="zh-CN" sz="1000" b="1"/>
-              <a:t>implicit feedback</a:t>
-            </a:r>
-            <a:r>
-              <a:rPr lang="en" altLang="zh-CN" sz="1000"/>
-              <a:t> (e.g., views, clicks, time spent)</a:t>
-            </a:r>
-          </a:p>
-          <a:p>
-            <a:pPr lvl="1">
-              <a:lnSpc>
-                <a:spcPct val="110000"/>
-              </a:lnSpc>
-            </a:pPr>
-            <a:endParaRPr lang="en" altLang="zh-CN" sz="1000"/>
-          </a:p>
-          <a:p>
-            <a:pPr>
-              <a:lnSpc>
-                <a:spcPct val="110000"/>
-              </a:lnSpc>
-            </a:pPr>
-            <a:r>
-              <a:rPr lang="en" altLang="zh-CN" sz="1000" b="1"/>
-              <a:t>Use Case in E-commerce</a:t>
-            </a:r>
-          </a:p>
-          <a:p>
-            <a:pPr>
-              <a:lnSpc>
-                <a:spcPct val="110000"/>
-              </a:lnSpc>
-            </a:pPr>
-            <a:endParaRPr lang="en" altLang="zh-CN" sz="1000"/>
-          </a:p>
-          <a:p>
-            <a:pPr lvl="1">
-              <a:lnSpc>
-                <a:spcPct val="110000"/>
-              </a:lnSpc>
-            </a:pPr>
-            <a:r>
-              <a:rPr lang="en" altLang="zh-CN" sz="1000"/>
-              <a:t>Predict user preferences for products based on historical interactions</a:t>
-            </a:r>
-          </a:p>
-          <a:p>
-            <a:pPr lvl="1">
-              <a:lnSpc>
-                <a:spcPct val="110000"/>
-              </a:lnSpc>
-            </a:pPr>
-            <a:endParaRPr lang="en" altLang="zh-CN" sz="1000"/>
-          </a:p>
-          <a:p>
-            <a:pPr lvl="1">
-              <a:lnSpc>
-                <a:spcPct val="110000"/>
-              </a:lnSpc>
-            </a:pPr>
-            <a:r>
-              <a:rPr lang="en" altLang="zh-CN" sz="1000"/>
-              <a:t>Enable personalized product recommendations</a:t>
-            </a:r>
-            <a:endParaRPr kumimoji="1" lang="zh-CN" altLang="en-US" sz="1000"/>
-          </a:p>
-        </p:txBody>
-      </p:sp>
-      <p:pic>
-        <p:nvPicPr>
-          <p:cNvPr id="16" name="Picture 15">
-            <a:extLst>
-              <a:ext uri="{FF2B5EF4-FFF2-40B4-BE49-F238E27FC236}">
-                <a16:creationId xmlns:a16="http://schemas.microsoft.com/office/drawing/2014/main" id="{D2B4E49C-E7B4-4F6A-8B93-646A0E241191}"/>
-              </a:ext>
-              <a:ext uri="{C183D7F6-B498-43B3-948B-1728B52AA6E4}">
-                <adec:decorative xmlns:adec="http://schemas.microsoft.com/office/drawing/2017/decorative" val="1"/>
-              </a:ext>
-            </a:extLst>
-          </p:cNvPr>
-          <p:cNvPicPr>
-            <a:picLocks noGrp="1" noRot="1" noChangeAspect="1" noMove="1" noResize="1" noEditPoints="1" noAdjustHandles="1" noChangeArrowheads="1" noChangeShapeType="1" noCrop="1"/>
-          </p:cNvPicPr>
-          <p:nvPr>
-            <p:extLst>
-              <p:ext uri="{386F3935-93C4-4BCD-93E2-E3B085C9AB24}">
-                <p16:designElem xmlns:p16="http://schemas.microsoft.com/office/powerpoint/2015/main" val="1"/>
-              </p:ext>
-            </p:extLst>
-          </p:nvPr>
-        </p:nvPicPr>
-        <p:blipFill rotWithShape="1">
-          <a:blip r:embed="rId3">
-            <a:extLst>
-              <a:ext uri="{28A0092B-C50C-407E-A947-70E740481C1C}">
-                <a14:useLocalDpi xmlns:a14="http://schemas.microsoft.com/office/drawing/2010/main" val="0"/>
-              </a:ext>
-            </a:extLst>
-          </a:blip>
-          <a:srcRect l="91927" t="72411" b="10341"/>
-          <a:stretch/>
-        </p:blipFill>
-        <p:spPr>
-          <a:xfrm>
-            <a:off x="11494523" y="2664767"/>
-            <a:ext cx="635958" cy="764233"/>
-          </a:xfrm>
-          <a:custGeom>
-            <a:avLst/>
-            <a:gdLst>
-              <a:gd name="connsiteX0" fmla="*/ 0 w 984308"/>
-              <a:gd name="connsiteY0" fmla="*/ 0 h 1182847"/>
-              <a:gd name="connsiteX1" fmla="*/ 984308 w 984308"/>
-              <a:gd name="connsiteY1" fmla="*/ 0 h 1182847"/>
-              <a:gd name="connsiteX2" fmla="*/ 984308 w 984308"/>
-              <a:gd name="connsiteY2" fmla="*/ 1161661 h 1182847"/>
-              <a:gd name="connsiteX3" fmla="*/ 966627 w 984308"/>
-              <a:gd name="connsiteY3" fmla="*/ 1165915 h 1182847"/>
-              <a:gd name="connsiteX4" fmla="*/ 787132 w 984308"/>
-              <a:gd name="connsiteY4" fmla="*/ 1182847 h 1182847"/>
-              <a:gd name="connsiteX5" fmla="*/ 48601 w 984308"/>
-              <a:gd name="connsiteY5" fmla="*/ 815395 h 1182847"/>
-              <a:gd name="connsiteX6" fmla="*/ 0 w 984308"/>
-              <a:gd name="connsiteY6" fmla="*/ 731606 h 1182847"/>
-            </a:gdLst>
-            <a:ahLst/>
-            <a:cxnLst>
-              <a:cxn ang="0">
-                <a:pos x="connsiteX0" y="connsiteY0"/>
-              </a:cxn>
-              <a:cxn ang="0">
-                <a:pos x="connsiteX1" y="connsiteY1"/>
-              </a:cxn>
-              <a:cxn ang="0">
-                <a:pos x="connsiteX2" y="connsiteY2"/>
-              </a:cxn>
-              <a:cxn ang="0">
-                <a:pos x="connsiteX3" y="connsiteY3"/>
-              </a:cxn>
-              <a:cxn ang="0">
-                <a:pos x="connsiteX4" y="connsiteY4"/>
-              </a:cxn>
-              <a:cxn ang="0">
-                <a:pos x="connsiteX5" y="connsiteY5"/>
-              </a:cxn>
-              <a:cxn ang="0">
-                <a:pos x="connsiteX6" y="connsiteY6"/>
-              </a:cxn>
-            </a:cxnLst>
-            <a:rect l="l" t="t" r="r" b="b"/>
-            <a:pathLst>
-              <a:path w="984308" h="1182847">
-                <a:moveTo>
-                  <a:pt x="0" y="0"/>
-                </a:moveTo>
-                <a:lnTo>
-                  <a:pt x="984308" y="0"/>
-                </a:lnTo>
-                <a:lnTo>
-                  <a:pt x="984308" y="1161661"/>
-                </a:lnTo>
-                <a:lnTo>
-                  <a:pt x="966627" y="1165915"/>
-                </a:lnTo>
-                <a:cubicBezTo>
-                  <a:pt x="908648" y="1177017"/>
-                  <a:pt x="848618" y="1182847"/>
-                  <a:pt x="787132" y="1182847"/>
-                </a:cubicBezTo>
-                <a:cubicBezTo>
-                  <a:pt x="479703" y="1182847"/>
-                  <a:pt x="208655" y="1037089"/>
-                  <a:pt x="48601" y="815395"/>
-                </a:cubicBezTo>
-                <a:lnTo>
-                  <a:pt x="0" y="731606"/>
-                </a:lnTo>
-                <a:close/>
-              </a:path>
-            </a:pathLst>
-          </a:custGeom>
-        </p:spPr>
-      </p:pic>
-      <p:pic>
-        <p:nvPicPr>
-          <p:cNvPr id="18" name="Picture 17">
-            <a:extLst>
-              <a:ext uri="{FF2B5EF4-FFF2-40B4-BE49-F238E27FC236}">
-                <a16:creationId xmlns:a16="http://schemas.microsoft.com/office/drawing/2014/main" id="{46528FBF-1727-4546-8131-BA22ED8B5497}"/>
-              </a:ext>
-              <a:ext uri="{C183D7F6-B498-43B3-948B-1728B52AA6E4}">
-                <adec:decorative xmlns:adec="http://schemas.microsoft.com/office/drawing/2017/decorative" val="1"/>
-              </a:ext>
-            </a:extLst>
-          </p:cNvPr>
-          <p:cNvPicPr>
-            <a:picLocks noGrp="1" noRot="1" noChangeAspect="1" noMove="1" noResize="1" noEditPoints="1" noAdjustHandles="1" noChangeArrowheads="1" noChangeShapeType="1" noCrop="1"/>
-          </p:cNvPicPr>
-          <p:nvPr>
-            <p:extLst>
-              <p:ext uri="{386F3935-93C4-4BCD-93E2-E3B085C9AB24}">
-                <p16:designElem xmlns:p16="http://schemas.microsoft.com/office/powerpoint/2015/main" val="1"/>
-              </p:ext>
-            </p:extLst>
-          </p:nvPr>
-        </p:nvPicPr>
-        <p:blipFill rotWithShape="1">
-          <a:blip r:embed="rId2">
-            <a:extLst>
-              <a:ext uri="{28A0092B-C50C-407E-A947-70E740481C1C}">
-                <a14:useLocalDpi xmlns:a14="http://schemas.microsoft.com/office/drawing/2010/main" val="0"/>
-              </a:ext>
-            </a:extLst>
-          </a:blip>
-          <a:srcRect l="65973" t="81531" r="19879"/>
-          <a:stretch/>
-        </p:blipFill>
-        <p:spPr>
-          <a:xfrm>
-            <a:off x="8887626" y="5982056"/>
-            <a:ext cx="1192806" cy="875944"/>
-          </a:xfrm>
-          <a:custGeom>
-            <a:avLst/>
-            <a:gdLst>
-              <a:gd name="connsiteX0" fmla="*/ 2051608 w 4103216"/>
-              <a:gd name="connsiteY0" fmla="*/ 0 h 1714050"/>
-              <a:gd name="connsiteX1" fmla="*/ 4103216 w 4103216"/>
-              <a:gd name="connsiteY1" fmla="*/ 1266738 h 1714050"/>
-              <a:gd name="connsiteX2" fmla="*/ 4010980 w 4103216"/>
-              <a:gd name="connsiteY2" fmla="*/ 1643427 h 1714050"/>
-              <a:gd name="connsiteX3" fmla="*/ 3969116 w 4103216"/>
-              <a:gd name="connsiteY3" fmla="*/ 1714050 h 1714050"/>
-              <a:gd name="connsiteX4" fmla="*/ 134100 w 4103216"/>
-              <a:gd name="connsiteY4" fmla="*/ 1714050 h 1714050"/>
-              <a:gd name="connsiteX5" fmla="*/ 92237 w 4103216"/>
-              <a:gd name="connsiteY5" fmla="*/ 1643427 h 1714050"/>
-              <a:gd name="connsiteX6" fmla="*/ 0 w 4103216"/>
-              <a:gd name="connsiteY6" fmla="*/ 1266738 h 1714050"/>
-              <a:gd name="connsiteX7" fmla="*/ 2051608 w 4103216"/>
-              <a:gd name="connsiteY7" fmla="*/ 0 h 1714050"/>
-            </a:gdLst>
-            <a:ahLst/>
-            <a:cxnLst>
-              <a:cxn ang="0">
-                <a:pos x="connsiteX0" y="connsiteY0"/>
-              </a:cxn>
-              <a:cxn ang="0">
-                <a:pos x="connsiteX1" y="connsiteY1"/>
-              </a:cxn>
-              <a:cxn ang="0">
-                <a:pos x="connsiteX2" y="connsiteY2"/>
-              </a:cxn>
-              <a:cxn ang="0">
-                <a:pos x="connsiteX3" y="connsiteY3"/>
-              </a:cxn>
-              <a:cxn ang="0">
-                <a:pos x="connsiteX4" y="connsiteY4"/>
-              </a:cxn>
-              <a:cxn ang="0">
-                <a:pos x="connsiteX5" y="connsiteY5"/>
-              </a:cxn>
-              <a:cxn ang="0">
-                <a:pos x="connsiteX6" y="connsiteY6"/>
-              </a:cxn>
-              <a:cxn ang="0">
-                <a:pos x="connsiteX7" y="connsiteY7"/>
-              </a:cxn>
-            </a:cxnLst>
-            <a:rect l="l" t="t" r="r" b="b"/>
-            <a:pathLst>
-              <a:path w="4103216" h="1714050">
-                <a:moveTo>
-                  <a:pt x="2051608" y="0"/>
-                </a:moveTo>
-                <a:cubicBezTo>
-                  <a:pt x="3184680" y="0"/>
-                  <a:pt x="4103216" y="567138"/>
-                  <a:pt x="4103216" y="1266738"/>
-                </a:cubicBezTo>
-                <a:cubicBezTo>
-                  <a:pt x="4103216" y="1397913"/>
-                  <a:pt x="4070924" y="1524431"/>
-                  <a:pt x="4010980" y="1643427"/>
-                </a:cubicBezTo>
-                <a:lnTo>
-                  <a:pt x="3969116" y="1714050"/>
-                </a:lnTo>
-                <a:lnTo>
-                  <a:pt x="134100" y="1714050"/>
-                </a:lnTo>
-                <a:lnTo>
-                  <a:pt x="92237" y="1643427"/>
-                </a:lnTo>
-                <a:cubicBezTo>
-                  <a:pt x="32293" y="1524431"/>
-                  <a:pt x="0" y="1397913"/>
-                  <a:pt x="0" y="1266738"/>
-                </a:cubicBezTo>
-                <a:cubicBezTo>
-                  <a:pt x="0" y="567138"/>
-                  <a:pt x="918536" y="0"/>
-                  <a:pt x="2051608" y="0"/>
-                </a:cubicBezTo>
-                <a:close/>
-              </a:path>
-            </a:pathLst>
-          </a:custGeom>
-        </p:spPr>
-      </p:pic>
-    </p:spTree>
-    <p:extLst>
-      <p:ext uri="{BB962C8B-B14F-4D97-AF65-F5344CB8AC3E}">
-        <p14:creationId xmlns:p14="http://schemas.microsoft.com/office/powerpoint/2010/main" val="3709549419"/>
-      </p:ext>
-    </p:extLst>
-  </p:cSld>
-  <p:clrMapOvr>
-    <a:masterClrMapping/>
-  </p:clrMapOvr>
-</p:sld>
-</file>
-
-<file path=ppt/slides/slide9.xml><?xml version="1.0" encoding="utf-8"?>
-<p:sld xmlns:a="http://schemas.openxmlformats.org/drawingml/2006/main" xmlns:r="http://schemas.openxmlformats.org/officeDocument/2006/relationships" xmlns:p="http://schemas.openxmlformats.org/presentationml/2006/main">
-  <p:cSld>
-    <p:bg>
-      <p:bgPr>
-        <a:gradFill rotWithShape="1">
-          <a:gsLst>
-            <a:gs pos="0">
-              <a:schemeClr val="bg1">
-                <a:tint val="90000"/>
-                <a:lumMod val="110000"/>
-              </a:schemeClr>
-            </a:gs>
-            <a:gs pos="100000">
-              <a:schemeClr val="bg1">
-                <a:shade val="64000"/>
-                <a:lumMod val="88000"/>
-              </a:schemeClr>
-            </a:gs>
-          </a:gsLst>
-          <a:lin ang="5400000" scaled="0"/>
-        </a:gradFill>
-        <a:effectLst/>
-      </p:bgPr>
-    </p:bg>
-    <p:spTree>
-      <p:nvGrpSpPr>
-        <p:cNvPr id="1" name=""/>
-        <p:cNvGrpSpPr/>
-        <p:nvPr/>
-      </p:nvGrpSpPr>
-      <p:grpSpPr>
-        <a:xfrm>
-          <a:off x="0" y="0"/>
-          <a:ext cx="0" cy="0"/>
-          <a:chOff x="0" y="0"/>
-          <a:chExt cx="0" cy="0"/>
-        </a:xfrm>
-      </p:grpSpPr>
-      <p:sp>
-        <p:nvSpPr>
-          <p:cNvPr id="2" name="标题 1">
-            <a:extLst>
-              <a:ext uri="{FF2B5EF4-FFF2-40B4-BE49-F238E27FC236}">
-                <a16:creationId xmlns:a16="http://schemas.microsoft.com/office/drawing/2014/main" id="{93C91A0B-1612-EB4F-2A44-861A0E83E188}"/>
-              </a:ext>
-            </a:extLst>
-          </p:cNvPr>
-          <p:cNvSpPr>
-            <a:spLocks noGrp="1"/>
-          </p:cNvSpPr>
-          <p:nvPr>
-            <p:ph type="title"/>
-          </p:nvPr>
-        </p:nvSpPr>
-        <p:spPr>
-          <a:xfrm>
-            <a:off x="913775" y="618517"/>
-            <a:ext cx="10364451" cy="1596177"/>
-          </a:xfrm>
-        </p:spPr>
-        <p:txBody>
-          <a:bodyPr>
-            <a:normAutofit/>
-          </a:bodyPr>
-          <a:lstStyle/>
-          <a:p>
-            <a:r>
-              <a:rPr kumimoji="1" lang="en-US" altLang="zh-CN" b="1"/>
-              <a:t>SVD-</a:t>
-            </a:r>
-            <a:r>
-              <a:rPr lang="en-US" altLang="zh-CN" b="1"/>
-              <a:t>Singular</a:t>
-            </a:r>
-            <a:r>
-              <a:rPr lang="zh-CN" altLang="en-US" b="1"/>
-              <a:t> </a:t>
-            </a:r>
-            <a:r>
-              <a:rPr lang="en-US" altLang="zh-CN" b="1"/>
-              <a:t>Value</a:t>
-            </a:r>
-            <a:r>
-              <a:rPr lang="zh-CN" altLang="en-US" b="1"/>
-              <a:t> </a:t>
-            </a:r>
-            <a:r>
-              <a:rPr lang="en-US" altLang="zh-CN" b="1"/>
-              <a:t>Decomposition</a:t>
-            </a:r>
-            <a:endParaRPr kumimoji="1" lang="zh-CN" altLang="en-US" b="1"/>
-          </a:p>
-        </p:txBody>
-      </p:sp>
-      <p:graphicFrame>
-        <p:nvGraphicFramePr>
-          <p:cNvPr id="7" name="内容占位符 4">
-            <a:extLst>
-              <a:ext uri="{FF2B5EF4-FFF2-40B4-BE49-F238E27FC236}">
-                <a16:creationId xmlns:a16="http://schemas.microsoft.com/office/drawing/2014/main" id="{28737FE7-145F-18B2-6260-C3D07D4D498F}"/>
-              </a:ext>
-            </a:extLst>
-          </p:cNvPr>
-          <p:cNvGraphicFramePr>
-            <a:graphicFrameLocks noGrp="1"/>
-          </p:cNvGraphicFramePr>
-          <p:nvPr>
-            <p:ph idx="1"/>
-            <p:extLst>
-              <p:ext uri="{D42A27DB-BD31-4B8C-83A1-F6EECF244321}">
-                <p14:modId xmlns:p14="http://schemas.microsoft.com/office/powerpoint/2010/main" val="1198325332"/>
-              </p:ext>
-            </p:extLst>
-          </p:nvPr>
-        </p:nvGraphicFramePr>
-        <p:xfrm>
-          <a:off x="914400" y="2532475"/>
-          <a:ext cx="10363200" cy="3029067"/>
-        </p:xfrm>
-        <a:graphic>
-          <a:graphicData uri="http://schemas.openxmlformats.org/drawingml/2006/diagram">
-            <dgm:relIds xmlns:dgm="http://schemas.openxmlformats.org/drawingml/2006/diagram" xmlns:r="http://schemas.openxmlformats.org/officeDocument/2006/relationships" r:dm="rId2" r:lo="rId3" r:qs="rId4" r:cs="rId5"/>
-          </a:graphicData>
-        </a:graphic>
-      </p:graphicFrame>
-    </p:spTree>
-    <p:extLst>
-      <p:ext uri="{BB962C8B-B14F-4D97-AF65-F5344CB8AC3E}">
-        <p14:creationId xmlns:p14="http://schemas.microsoft.com/office/powerpoint/2010/main" val="1247885791"/>
-      </p:ext>
-    </p:extLst>
-  </p:cSld>
-  <p:clrMapOvr>
-    <a:masterClrMapping/>
-  </p:clrMapOvr>
-</p:sld>
-</file>
-
 <file path=ppt/theme/theme1.xml><?xml version="1.0" encoding="utf-8"?>
 <a:theme xmlns:a="http://schemas.openxmlformats.org/drawingml/2006/main" name="Droplet">
   <a:themeElements>
